--- a/_Paper/X.最终毕业论文/0.于俊超_毕业答辩PPT.pptx
+++ b/_Paper/X.最终毕业论文/0.于俊超_毕业答辩PPT.pptx
@@ -4,18 +4,28 @@
   <p:sldMasterIdLst>
     <p:sldMasterId id="2147483648" r:id="rId1"/>
   </p:sldMasterIdLst>
+  <p:notesMasterIdLst>
+    <p:notesMasterId r:id="rId20"/>
+  </p:notesMasterIdLst>
   <p:sldIdLst>
     <p:sldId id="256" r:id="rId2"/>
     <p:sldId id="257" r:id="rId3"/>
     <p:sldId id="259" r:id="rId4"/>
-    <p:sldId id="260" r:id="rId5"/>
+    <p:sldId id="268" r:id="rId5"/>
     <p:sldId id="261" r:id="rId6"/>
-    <p:sldId id="262" r:id="rId7"/>
-    <p:sldId id="263" r:id="rId8"/>
-    <p:sldId id="264" r:id="rId9"/>
-    <p:sldId id="265" r:id="rId10"/>
-    <p:sldId id="266" r:id="rId11"/>
-    <p:sldId id="267" r:id="rId12"/>
+    <p:sldId id="260" r:id="rId7"/>
+    <p:sldId id="262" r:id="rId8"/>
+    <p:sldId id="269" r:id="rId9"/>
+    <p:sldId id="270" r:id="rId10"/>
+    <p:sldId id="272" r:id="rId11"/>
+    <p:sldId id="263" r:id="rId12"/>
+    <p:sldId id="264" r:id="rId13"/>
+    <p:sldId id="274" r:id="rId14"/>
+    <p:sldId id="275" r:id="rId15"/>
+    <p:sldId id="265" r:id="rId16"/>
+    <p:sldId id="266" r:id="rId17"/>
+    <p:sldId id="271" r:id="rId18"/>
+    <p:sldId id="276" r:id="rId19"/>
   </p:sldIdLst>
   <p:sldSz cx="9144000" cy="6858000" type="screen4x3"/>
   <p:notesSz cx="6858000" cy="9144000"/>
@@ -115,6 +125,444 @@
     </a:lvl9pPr>
   </p:defaultTextStyle>
 </p:presentation>
+</file>
+
+<file path=ppt/notesMasters/notesMaster1.xml><?xml version="1.0" encoding="utf-8"?>
+<p:notesMaster xmlns:a="http://schemas.openxmlformats.org/drawingml/2006/main" xmlns:r="http://schemas.openxmlformats.org/officeDocument/2006/relationships" xmlns:p="http://schemas.openxmlformats.org/presentationml/2006/main">
+  <p:cSld>
+    <p:bg>
+      <p:bgRef idx="1001">
+        <a:schemeClr val="bg1"/>
+      </p:bgRef>
+    </p:bg>
+    <p:spTree>
+      <p:nvGrpSpPr>
+        <p:cNvPr id="1" name=""/>
+        <p:cNvGrpSpPr/>
+        <p:nvPr/>
+      </p:nvGrpSpPr>
+      <p:grpSpPr>
+        <a:xfrm>
+          <a:off x="0" y="0"/>
+          <a:ext cx="0" cy="0"/>
+          <a:chOff x="0" y="0"/>
+          <a:chExt cx="0" cy="0"/>
+        </a:xfrm>
+      </p:grpSpPr>
+      <p:sp>
+        <p:nvSpPr>
+          <p:cNvPr id="2" name="Header Placeholder 1"/>
+          <p:cNvSpPr>
+            <a:spLocks noGrp="1"/>
+          </p:cNvSpPr>
+          <p:nvPr>
+            <p:ph type="hdr" sz="quarter"/>
+          </p:nvPr>
+        </p:nvSpPr>
+        <p:spPr>
+          <a:xfrm>
+            <a:off x="0" y="0"/>
+            <a:ext cx="2971800" cy="457200"/>
+          </a:xfrm>
+          <a:prstGeom prst="rect">
+            <a:avLst/>
+          </a:prstGeom>
+        </p:spPr>
+        <p:txBody>
+          <a:bodyPr vert="horz" lIns="91440" tIns="45720" rIns="91440" bIns="45720" rtlCol="0"/>
+          <a:lstStyle>
+            <a:lvl1pPr algn="l">
+              <a:defRPr sz="1200"/>
+            </a:lvl1pPr>
+          </a:lstStyle>
+          <a:p>
+            <a:endParaRPr lang="zh-CN" altLang="en-US"/>
+          </a:p>
+        </p:txBody>
+      </p:sp>
+      <p:sp>
+        <p:nvSpPr>
+          <p:cNvPr id="3" name="Date Placeholder 2"/>
+          <p:cNvSpPr>
+            <a:spLocks noGrp="1"/>
+          </p:cNvSpPr>
+          <p:nvPr>
+            <p:ph type="dt" idx="1"/>
+          </p:nvPr>
+        </p:nvSpPr>
+        <p:spPr>
+          <a:xfrm>
+            <a:off x="3884613" y="0"/>
+            <a:ext cx="2971800" cy="457200"/>
+          </a:xfrm>
+          <a:prstGeom prst="rect">
+            <a:avLst/>
+          </a:prstGeom>
+        </p:spPr>
+        <p:txBody>
+          <a:bodyPr vert="horz" lIns="91440" tIns="45720" rIns="91440" bIns="45720" rtlCol="0"/>
+          <a:lstStyle>
+            <a:lvl1pPr algn="r">
+              <a:defRPr sz="1200"/>
+            </a:lvl1pPr>
+          </a:lstStyle>
+          <a:p>
+            <a:fld id="{6ED88D52-184A-49DA-9F8B-928D6751A5A1}" type="datetimeFigureOut">
+              <a:rPr lang="zh-CN" altLang="en-US" smtClean="0"/>
+              <a:t>2013/12/10</a:t>
+            </a:fld>
+            <a:endParaRPr lang="zh-CN" altLang="en-US"/>
+          </a:p>
+        </p:txBody>
+      </p:sp>
+      <p:sp>
+        <p:nvSpPr>
+          <p:cNvPr id="4" name="Slide Image Placeholder 3"/>
+          <p:cNvSpPr>
+            <a:spLocks noGrp="1" noRot="1" noChangeAspect="1"/>
+          </p:cNvSpPr>
+          <p:nvPr>
+            <p:ph type="sldImg" idx="2"/>
+          </p:nvPr>
+        </p:nvSpPr>
+        <p:spPr>
+          <a:xfrm>
+            <a:off x="1143000" y="685800"/>
+            <a:ext cx="4572000" cy="3429000"/>
+          </a:xfrm>
+          <a:prstGeom prst="rect">
+            <a:avLst/>
+          </a:prstGeom>
+          <a:noFill/>
+          <a:ln w="12700">
+            <a:solidFill>
+              <a:prstClr val="black"/>
+            </a:solidFill>
+          </a:ln>
+        </p:spPr>
+        <p:txBody>
+          <a:bodyPr vert="horz" lIns="91440" tIns="45720" rIns="91440" bIns="45720" rtlCol="0" anchor="ctr"/>
+          <a:lstStyle/>
+          <a:p>
+            <a:endParaRPr lang="zh-CN" altLang="en-US"/>
+          </a:p>
+        </p:txBody>
+      </p:sp>
+      <p:sp>
+        <p:nvSpPr>
+          <p:cNvPr id="5" name="Notes Placeholder 4"/>
+          <p:cNvSpPr>
+            <a:spLocks noGrp="1"/>
+          </p:cNvSpPr>
+          <p:nvPr>
+            <p:ph type="body" sz="quarter" idx="3"/>
+          </p:nvPr>
+        </p:nvSpPr>
+        <p:spPr>
+          <a:xfrm>
+            <a:off x="685800" y="4343400"/>
+            <a:ext cx="5486400" cy="4114800"/>
+          </a:xfrm>
+          <a:prstGeom prst="rect">
+            <a:avLst/>
+          </a:prstGeom>
+        </p:spPr>
+        <p:txBody>
+          <a:bodyPr vert="horz" lIns="91440" tIns="45720" rIns="91440" bIns="45720" rtlCol="0"/>
+          <a:lstStyle/>
+          <a:p>
+            <a:pPr lvl="0"/>
+            <a:r>
+              <a:rPr lang="en-US" altLang="zh-CN" smtClean="0"/>
+              <a:t>Click to edit Master text styles</a:t>
+            </a:r>
+          </a:p>
+          <a:p>
+            <a:pPr lvl="1"/>
+            <a:r>
+              <a:rPr lang="en-US" altLang="zh-CN" smtClean="0"/>
+              <a:t>Second level</a:t>
+            </a:r>
+          </a:p>
+          <a:p>
+            <a:pPr lvl="2"/>
+            <a:r>
+              <a:rPr lang="en-US" altLang="zh-CN" smtClean="0"/>
+              <a:t>Third level</a:t>
+            </a:r>
+          </a:p>
+          <a:p>
+            <a:pPr lvl="3"/>
+            <a:r>
+              <a:rPr lang="en-US" altLang="zh-CN" smtClean="0"/>
+              <a:t>Fourth level</a:t>
+            </a:r>
+          </a:p>
+          <a:p>
+            <a:pPr lvl="4"/>
+            <a:r>
+              <a:rPr lang="en-US" altLang="zh-CN" smtClean="0"/>
+              <a:t>Fifth level</a:t>
+            </a:r>
+            <a:endParaRPr lang="zh-CN" altLang="en-US"/>
+          </a:p>
+        </p:txBody>
+      </p:sp>
+      <p:sp>
+        <p:nvSpPr>
+          <p:cNvPr id="6" name="Footer Placeholder 5"/>
+          <p:cNvSpPr>
+            <a:spLocks noGrp="1"/>
+          </p:cNvSpPr>
+          <p:nvPr>
+            <p:ph type="ftr" sz="quarter" idx="4"/>
+          </p:nvPr>
+        </p:nvSpPr>
+        <p:spPr>
+          <a:xfrm>
+            <a:off x="0" y="8685213"/>
+            <a:ext cx="2971800" cy="457200"/>
+          </a:xfrm>
+          <a:prstGeom prst="rect">
+            <a:avLst/>
+          </a:prstGeom>
+        </p:spPr>
+        <p:txBody>
+          <a:bodyPr vert="horz" lIns="91440" tIns="45720" rIns="91440" bIns="45720" rtlCol="0" anchor="b"/>
+          <a:lstStyle>
+            <a:lvl1pPr algn="l">
+              <a:defRPr sz="1200"/>
+            </a:lvl1pPr>
+          </a:lstStyle>
+          <a:p>
+            <a:endParaRPr lang="zh-CN" altLang="en-US"/>
+          </a:p>
+        </p:txBody>
+      </p:sp>
+      <p:sp>
+        <p:nvSpPr>
+          <p:cNvPr id="7" name="Slide Number Placeholder 6"/>
+          <p:cNvSpPr>
+            <a:spLocks noGrp="1"/>
+          </p:cNvSpPr>
+          <p:nvPr>
+            <p:ph type="sldNum" sz="quarter" idx="5"/>
+          </p:nvPr>
+        </p:nvSpPr>
+        <p:spPr>
+          <a:xfrm>
+            <a:off x="3884613" y="8685213"/>
+            <a:ext cx="2971800" cy="457200"/>
+          </a:xfrm>
+          <a:prstGeom prst="rect">
+            <a:avLst/>
+          </a:prstGeom>
+        </p:spPr>
+        <p:txBody>
+          <a:bodyPr vert="horz" lIns="91440" tIns="45720" rIns="91440" bIns="45720" rtlCol="0" anchor="b"/>
+          <a:lstStyle>
+            <a:lvl1pPr algn="r">
+              <a:defRPr sz="1200"/>
+            </a:lvl1pPr>
+          </a:lstStyle>
+          <a:p>
+            <a:fld id="{4B7FE57E-B929-4952-9CA6-1A8325BC6B3D}" type="slidenum">
+              <a:rPr lang="zh-CN" altLang="en-US" smtClean="0"/>
+              <a:t>‹#›</a:t>
+            </a:fld>
+            <a:endParaRPr lang="zh-CN" altLang="en-US"/>
+          </a:p>
+        </p:txBody>
+      </p:sp>
+    </p:spTree>
+    <p:extLst>
+      <p:ext uri="{BB962C8B-B14F-4D97-AF65-F5344CB8AC3E}">
+        <p14:creationId xmlns:p14="http://schemas.microsoft.com/office/powerpoint/2010/main" val="162273153"/>
+      </p:ext>
+    </p:extLst>
+  </p:cSld>
+  <p:clrMap bg1="lt1" tx1="dk1" bg2="lt2" tx2="dk2" accent1="accent1" accent2="accent2" accent3="accent3" accent4="accent4" accent5="accent5" accent6="accent6" hlink="hlink" folHlink="folHlink"/>
+  <p:notesStyle>
+    <a:lvl1pPr marL="0" algn="l" defTabSz="914400" rtl="0" eaLnBrk="1" latinLnBrk="0" hangingPunct="1">
+      <a:defRPr sz="1200" kern="1200">
+        <a:solidFill>
+          <a:schemeClr val="tx1"/>
+        </a:solidFill>
+        <a:latin typeface="+mn-lt"/>
+        <a:ea typeface="+mn-ea"/>
+        <a:cs typeface="+mn-cs"/>
+      </a:defRPr>
+    </a:lvl1pPr>
+    <a:lvl2pPr marL="457200" algn="l" defTabSz="914400" rtl="0" eaLnBrk="1" latinLnBrk="0" hangingPunct="1">
+      <a:defRPr sz="1200" kern="1200">
+        <a:solidFill>
+          <a:schemeClr val="tx1"/>
+        </a:solidFill>
+        <a:latin typeface="+mn-lt"/>
+        <a:ea typeface="+mn-ea"/>
+        <a:cs typeface="+mn-cs"/>
+      </a:defRPr>
+    </a:lvl2pPr>
+    <a:lvl3pPr marL="914400" algn="l" defTabSz="914400" rtl="0" eaLnBrk="1" latinLnBrk="0" hangingPunct="1">
+      <a:defRPr sz="1200" kern="1200">
+        <a:solidFill>
+          <a:schemeClr val="tx1"/>
+        </a:solidFill>
+        <a:latin typeface="+mn-lt"/>
+        <a:ea typeface="+mn-ea"/>
+        <a:cs typeface="+mn-cs"/>
+      </a:defRPr>
+    </a:lvl3pPr>
+    <a:lvl4pPr marL="1371600" algn="l" defTabSz="914400" rtl="0" eaLnBrk="1" latinLnBrk="0" hangingPunct="1">
+      <a:defRPr sz="1200" kern="1200">
+        <a:solidFill>
+          <a:schemeClr val="tx1"/>
+        </a:solidFill>
+        <a:latin typeface="+mn-lt"/>
+        <a:ea typeface="+mn-ea"/>
+        <a:cs typeface="+mn-cs"/>
+      </a:defRPr>
+    </a:lvl4pPr>
+    <a:lvl5pPr marL="1828800" algn="l" defTabSz="914400" rtl="0" eaLnBrk="1" latinLnBrk="0" hangingPunct="1">
+      <a:defRPr sz="1200" kern="1200">
+        <a:solidFill>
+          <a:schemeClr val="tx1"/>
+        </a:solidFill>
+        <a:latin typeface="+mn-lt"/>
+        <a:ea typeface="+mn-ea"/>
+        <a:cs typeface="+mn-cs"/>
+      </a:defRPr>
+    </a:lvl5pPr>
+    <a:lvl6pPr marL="2286000" algn="l" defTabSz="914400" rtl="0" eaLnBrk="1" latinLnBrk="0" hangingPunct="1">
+      <a:defRPr sz="1200" kern="1200">
+        <a:solidFill>
+          <a:schemeClr val="tx1"/>
+        </a:solidFill>
+        <a:latin typeface="+mn-lt"/>
+        <a:ea typeface="+mn-ea"/>
+        <a:cs typeface="+mn-cs"/>
+      </a:defRPr>
+    </a:lvl6pPr>
+    <a:lvl7pPr marL="2743200" algn="l" defTabSz="914400" rtl="0" eaLnBrk="1" latinLnBrk="0" hangingPunct="1">
+      <a:defRPr sz="1200" kern="1200">
+        <a:solidFill>
+          <a:schemeClr val="tx1"/>
+        </a:solidFill>
+        <a:latin typeface="+mn-lt"/>
+        <a:ea typeface="+mn-ea"/>
+        <a:cs typeface="+mn-cs"/>
+      </a:defRPr>
+    </a:lvl7pPr>
+    <a:lvl8pPr marL="3200400" algn="l" defTabSz="914400" rtl="0" eaLnBrk="1" latinLnBrk="0" hangingPunct="1">
+      <a:defRPr sz="1200" kern="1200">
+        <a:solidFill>
+          <a:schemeClr val="tx1"/>
+        </a:solidFill>
+        <a:latin typeface="+mn-lt"/>
+        <a:ea typeface="+mn-ea"/>
+        <a:cs typeface="+mn-cs"/>
+      </a:defRPr>
+    </a:lvl8pPr>
+    <a:lvl9pPr marL="3657600" algn="l" defTabSz="914400" rtl="0" eaLnBrk="1" latinLnBrk="0" hangingPunct="1">
+      <a:defRPr sz="1200" kern="1200">
+        <a:solidFill>
+          <a:schemeClr val="tx1"/>
+        </a:solidFill>
+        <a:latin typeface="+mn-lt"/>
+        <a:ea typeface="+mn-ea"/>
+        <a:cs typeface="+mn-cs"/>
+      </a:defRPr>
+    </a:lvl9pPr>
+  </p:notesStyle>
+</p:notesMaster>
+</file>
+
+<file path=ppt/notesSlides/notesSlide1.xml><?xml version="1.0" encoding="utf-8"?>
+<p:notes xmlns:a="http://schemas.openxmlformats.org/drawingml/2006/main" xmlns:r="http://schemas.openxmlformats.org/officeDocument/2006/relationships" xmlns:p="http://schemas.openxmlformats.org/presentationml/2006/main">
+  <p:cSld>
+    <p:spTree>
+      <p:nvGrpSpPr>
+        <p:cNvPr id="1" name=""/>
+        <p:cNvGrpSpPr/>
+        <p:nvPr/>
+      </p:nvGrpSpPr>
+      <p:grpSpPr>
+        <a:xfrm>
+          <a:off x="0" y="0"/>
+          <a:ext cx="0" cy="0"/>
+          <a:chOff x="0" y="0"/>
+          <a:chExt cx="0" cy="0"/>
+        </a:xfrm>
+      </p:grpSpPr>
+      <p:sp>
+        <p:nvSpPr>
+          <p:cNvPr id="2" name="Slide Image Placeholder 1"/>
+          <p:cNvSpPr>
+            <a:spLocks noGrp="1" noRot="1" noChangeAspect="1"/>
+          </p:cNvSpPr>
+          <p:nvPr>
+            <p:ph type="sldImg"/>
+          </p:nvPr>
+        </p:nvSpPr>
+        <p:spPr/>
+      </p:sp>
+      <p:sp>
+        <p:nvSpPr>
+          <p:cNvPr id="3" name="Notes Placeholder 2"/>
+          <p:cNvSpPr>
+            <a:spLocks noGrp="1"/>
+          </p:cNvSpPr>
+          <p:nvPr>
+            <p:ph type="body" idx="1"/>
+          </p:nvPr>
+        </p:nvSpPr>
+        <p:spPr/>
+        <p:txBody>
+          <a:bodyPr/>
+          <a:lstStyle/>
+          <a:p>
+            <a:r>
+              <a:rPr lang="zh-CN" altLang="en-US" dirty="0" smtClean="0"/>
+              <a:t>社交影响力</a:t>
+            </a:r>
+            <a:endParaRPr lang="zh-CN" altLang="en-US" dirty="0"/>
+          </a:p>
+        </p:txBody>
+      </p:sp>
+      <p:sp>
+        <p:nvSpPr>
+          <p:cNvPr id="4" name="Slide Number Placeholder 3"/>
+          <p:cNvSpPr>
+            <a:spLocks noGrp="1"/>
+          </p:cNvSpPr>
+          <p:nvPr>
+            <p:ph type="sldNum" sz="quarter" idx="10"/>
+          </p:nvPr>
+        </p:nvSpPr>
+        <p:spPr/>
+        <p:txBody>
+          <a:bodyPr/>
+          <a:lstStyle/>
+          <a:p>
+            <a:fld id="{4B7FE57E-B929-4952-9CA6-1A8325BC6B3D}" type="slidenum">
+              <a:rPr lang="zh-CN" altLang="en-US" smtClean="0"/>
+              <a:t>2</a:t>
+            </a:fld>
+            <a:endParaRPr lang="zh-CN" altLang="en-US"/>
+          </a:p>
+        </p:txBody>
+      </p:sp>
+    </p:spTree>
+    <p:extLst>
+      <p:ext uri="{BB962C8B-B14F-4D97-AF65-F5344CB8AC3E}">
+        <p14:creationId xmlns:p14="http://schemas.microsoft.com/office/powerpoint/2010/main" val="2378539011"/>
+      </p:ext>
+    </p:extLst>
+  </p:cSld>
+  <p:clrMapOvr>
+    <a:masterClrMapping/>
+  </p:clrMapOvr>
+</p:notes>
 </file>
 
 <file path=ppt/slideLayouts/slideLayout1.xml><?xml version="1.0" encoding="utf-8"?>
@@ -299,7 +747,7 @@
             <a:fld id="{1D8BD707-D9CF-40AE-B4C6-C98DA3205C09}" type="datetimeFigureOut">
               <a:rPr lang="en-US" smtClean="0"/>
               <a:pPr/>
-              <a:t>12/5/2013</a:t>
+              <a:t>12/10/2013</a:t>
             </a:fld>
             <a:endParaRPr lang="en-US"/>
           </a:p>
@@ -466,7 +914,7 @@
             <a:fld id="{1D8BD707-D9CF-40AE-B4C6-C98DA3205C09}" type="datetimeFigureOut">
               <a:rPr lang="en-US" smtClean="0"/>
               <a:pPr/>
-              <a:t>12/5/2013</a:t>
+              <a:t>12/10/2013</a:t>
             </a:fld>
             <a:endParaRPr lang="en-US"/>
           </a:p>
@@ -643,7 +1091,7 @@
             <a:fld id="{1D8BD707-D9CF-40AE-B4C6-C98DA3205C09}" type="datetimeFigureOut">
               <a:rPr lang="en-US" smtClean="0"/>
               <a:pPr/>
-              <a:t>12/5/2013</a:t>
+              <a:t>12/10/2013</a:t>
             </a:fld>
             <a:endParaRPr lang="en-US"/>
           </a:p>
@@ -810,7 +1258,7 @@
             <a:fld id="{1D8BD707-D9CF-40AE-B4C6-C98DA3205C09}" type="datetimeFigureOut">
               <a:rPr lang="en-US" smtClean="0"/>
               <a:pPr/>
-              <a:t>12/5/2013</a:t>
+              <a:t>12/10/2013</a:t>
             </a:fld>
             <a:endParaRPr lang="en-US"/>
           </a:p>
@@ -1053,7 +1501,7 @@
             <a:fld id="{1D8BD707-D9CF-40AE-B4C6-C98DA3205C09}" type="datetimeFigureOut">
               <a:rPr lang="en-US" smtClean="0"/>
               <a:pPr/>
-              <a:t>12/5/2013</a:t>
+              <a:t>12/10/2013</a:t>
             </a:fld>
             <a:endParaRPr lang="en-US"/>
           </a:p>
@@ -1338,7 +1786,7 @@
             <a:fld id="{1D8BD707-D9CF-40AE-B4C6-C98DA3205C09}" type="datetimeFigureOut">
               <a:rPr lang="en-US" smtClean="0"/>
               <a:pPr/>
-              <a:t>12/5/2013</a:t>
+              <a:t>12/10/2013</a:t>
             </a:fld>
             <a:endParaRPr lang="en-US"/>
           </a:p>
@@ -1757,7 +2205,7 @@
             <a:fld id="{1D8BD707-D9CF-40AE-B4C6-C98DA3205C09}" type="datetimeFigureOut">
               <a:rPr lang="en-US" smtClean="0"/>
               <a:pPr/>
-              <a:t>12/5/2013</a:t>
+              <a:t>12/10/2013</a:t>
             </a:fld>
             <a:endParaRPr lang="en-US"/>
           </a:p>
@@ -1872,7 +2320,7 @@
             <a:fld id="{1D8BD707-D9CF-40AE-B4C6-C98DA3205C09}" type="datetimeFigureOut">
               <a:rPr lang="en-US" smtClean="0"/>
               <a:pPr/>
-              <a:t>12/5/2013</a:t>
+              <a:t>12/10/2013</a:t>
             </a:fld>
             <a:endParaRPr lang="en-US"/>
           </a:p>
@@ -1964,7 +2412,7 @@
             <a:fld id="{1D8BD707-D9CF-40AE-B4C6-C98DA3205C09}" type="datetimeFigureOut">
               <a:rPr lang="en-US" smtClean="0"/>
               <a:pPr/>
-              <a:t>12/5/2013</a:t>
+              <a:t>12/10/2013</a:t>
             </a:fld>
             <a:endParaRPr lang="en-US"/>
           </a:p>
@@ -2238,7 +2686,7 @@
             <a:fld id="{1D8BD707-D9CF-40AE-B4C6-C98DA3205C09}" type="datetimeFigureOut">
               <a:rPr lang="en-US" smtClean="0"/>
               <a:pPr/>
-              <a:t>12/5/2013</a:t>
+              <a:t>12/10/2013</a:t>
             </a:fld>
             <a:endParaRPr lang="en-US"/>
           </a:p>
@@ -2488,7 +2936,7 @@
             <a:fld id="{1D8BD707-D9CF-40AE-B4C6-C98DA3205C09}" type="datetimeFigureOut">
               <a:rPr lang="en-US" smtClean="0"/>
               <a:pPr/>
-              <a:t>12/5/2013</a:t>
+              <a:t>12/10/2013</a:t>
             </a:fld>
             <a:endParaRPr lang="en-US"/>
           </a:p>
@@ -2698,7 +3146,7 @@
             <a:fld id="{1D8BD707-D9CF-40AE-B4C6-C98DA3205C09}" type="datetimeFigureOut">
               <a:rPr lang="en-US" smtClean="0"/>
               <a:pPr/>
-              <a:t>12/5/2013</a:t>
+              <a:t>12/10/2013</a:t>
             </a:fld>
             <a:endParaRPr lang="en-US"/>
           </a:p>
@@ -3264,7 +3712,7 @@
         </p:nvSpPr>
         <p:spPr>
           <a:xfrm>
-            <a:off x="7162800" y="5410200"/>
+            <a:off x="152400" y="5410200"/>
             <a:ext cx="1752600" cy="1066800"/>
           </a:xfrm>
           <a:prstGeom prst="rect">
@@ -3547,8 +3995,8 @@
         </p:nvSpPr>
         <p:spPr bwMode="auto">
           <a:xfrm>
-            <a:off x="228600" y="6096000"/>
-            <a:ext cx="1905000" cy="457200"/>
+            <a:off x="7924800" y="6019800"/>
+            <a:ext cx="1066800" cy="457200"/>
           </a:xfrm>
           <a:prstGeom prst="rect">
             <a:avLst/>
@@ -3625,6 +4073,13 @@
   <p:clrMapOvr>
     <a:masterClrMapping/>
   </p:clrMapOvr>
+  <p:timing>
+    <p:tnLst>
+      <p:par>
+        <p:cTn id="1" dur="indefinite" restart="never" nodeType="tmRoot"/>
+      </p:par>
+    </p:tnLst>
+  </p:timing>
 </p:sld>
 </file>
 
@@ -3658,7 +4113,7 @@
         <p:spPr>
           <a:xfrm>
             <a:off x="457200" y="1066800"/>
-            <a:ext cx="8229600" cy="914400"/>
+            <a:ext cx="4419600" cy="914400"/>
           </a:xfrm>
         </p:spPr>
         <p:txBody>
@@ -3669,47 +4124,16 @@
           <a:p>
             <a:pPr algn="l"/>
             <a:r>
-              <a:rPr lang="zh-CN" altLang="en-US" sz="3200" dirty="0">
+              <a:rPr lang="zh-CN" altLang="en-US" sz="3200" dirty="0" smtClean="0">
                 <a:latin typeface="黑体" panose="02010609060101010101" pitchFamily="49" charset="-122"/>
                 <a:ea typeface="黑体" panose="02010609060101010101" pitchFamily="49" charset="-122"/>
               </a:rPr>
-              <a:t>运行效果</a:t>
-            </a:r>
-          </a:p>
-        </p:txBody>
-      </p:sp>
-      <p:sp>
-        <p:nvSpPr>
-          <p:cNvPr id="3" name="Content Placeholder 2"/>
-          <p:cNvSpPr>
-            <a:spLocks noGrp="1"/>
-          </p:cNvSpPr>
-          <p:nvPr>
-            <p:ph idx="1"/>
-          </p:nvPr>
-        </p:nvSpPr>
-        <p:spPr>
-          <a:xfrm>
-            <a:off x="457200" y="2209800"/>
-            <a:ext cx="8229600" cy="3916363"/>
-          </a:xfrm>
-        </p:spPr>
-        <p:txBody>
-          <a:bodyPr/>
-          <a:lstStyle/>
-          <a:p>
-            <a:r>
-              <a:rPr lang="zh-CN" altLang="zh-CN" dirty="0"/>
-              <a:t>详细设计与实现：这部分可以根据情况选择</a:t>
-            </a:r>
-            <a:r>
-              <a:rPr lang="en-US" altLang="zh-CN" dirty="0"/>
-              <a:t>1~2</a:t>
-            </a:r>
-            <a:r>
-              <a:rPr lang="zh-CN" altLang="zh-CN" dirty="0"/>
-              <a:t>个简要介绍，如果前面总体设计和关键问题部分已经讲得差不多的话，这部分甚至不介绍。</a:t>
-            </a:r>
+              <a:t>关键问题及解决方案</a:t>
+            </a:r>
+            <a:endParaRPr lang="zh-CN" altLang="en-US" sz="3200" dirty="0">
+              <a:latin typeface="黑体" panose="02010609060101010101" pitchFamily="49" charset="-122"/>
+              <a:ea typeface="黑体" panose="02010609060101010101" pitchFamily="49" charset="-122"/>
+            </a:endParaRPr>
           </a:p>
         </p:txBody>
       </p:sp>
@@ -3759,7 +4183,7 @@
           <p:nvPr/>
         </p:nvPicPr>
         <p:blipFill>
-          <a:blip r:embed="rId2">
+          <a:blip r:embed="rId3">
             <a:extLst>
               <a:ext uri="{28A0092B-C50C-407E-A947-70E740481C1C}">
                 <a14:useLocalDpi xmlns:a14="http://schemas.microsoft.com/office/drawing/2010/main" val="0"/>
@@ -3791,10 +4215,236 @@
           </a:extLst>
         </p:spPr>
       </p:pic>
+      <p:sp>
+        <p:nvSpPr>
+          <p:cNvPr id="6" name="Rectangle 2"/>
+          <p:cNvSpPr>
+            <a:spLocks noChangeArrowheads="1"/>
+          </p:cNvSpPr>
+          <p:nvPr/>
+        </p:nvSpPr>
+        <p:spPr bwMode="auto">
+          <a:xfrm>
+            <a:off x="0" y="0"/>
+            <a:ext cx="9144000" cy="0"/>
+          </a:xfrm>
+          <a:prstGeom prst="rect">
+            <a:avLst/>
+          </a:prstGeom>
+          <a:noFill/>
+          <a:ln>
+            <a:noFill/>
+          </a:ln>
+          <a:effectLst/>
+          <a:extLst>
+            <a:ext uri="{909E8E84-426E-40DD-AFC4-6F175D3DCCD1}">
+              <a14:hiddenFill xmlns:a14="http://schemas.microsoft.com/office/drawing/2010/main">
+                <a:solidFill>
+                  <a:schemeClr val="accent1"/>
+                </a:solidFill>
+              </a14:hiddenFill>
+            </a:ext>
+            <a:ext uri="{91240B29-F687-4F45-9708-019B960494DF}">
+              <a14:hiddenLine xmlns:a14="http://schemas.microsoft.com/office/drawing/2010/main" w="9525">
+                <a:solidFill>
+                  <a:schemeClr val="tx1"/>
+                </a:solidFill>
+                <a:miter lim="800000"/>
+                <a:headEnd/>
+                <a:tailEnd/>
+              </a14:hiddenLine>
+            </a:ext>
+            <a:ext uri="{AF507438-7753-43E0-B8FC-AC1667EBCBE1}">
+              <a14:hiddenEffects xmlns:a14="http://schemas.microsoft.com/office/drawing/2010/main">
+                <a:effectLst>
+                  <a:outerShdw dist="35921" dir="2700000" algn="ctr" rotWithShape="0">
+                    <a:schemeClr val="bg2"/>
+                  </a:outerShdw>
+                </a:effectLst>
+              </a14:hiddenEffects>
+            </a:ext>
+          </a:extLst>
+        </p:spPr>
+        <p:txBody>
+          <a:bodyPr vert="horz" wrap="none" lIns="91440" tIns="45720" rIns="91440" bIns="45720" numCol="1" anchor="ctr" anchorCtr="0" compatLnSpc="1">
+            <a:prstTxWarp prst="textNoShape">
+              <a:avLst/>
+            </a:prstTxWarp>
+            <a:spAutoFit/>
+          </a:bodyPr>
+          <a:lstStyle/>
+          <a:p>
+            <a:endParaRPr lang="zh-CN" altLang="en-US"/>
+          </a:p>
+        </p:txBody>
+      </p:sp>
+      <p:graphicFrame>
+        <p:nvGraphicFramePr>
+          <p:cNvPr id="7" name="Object 6"/>
+          <p:cNvGraphicFramePr>
+            <a:graphicFrameLocks noChangeAspect="1"/>
+          </p:cNvGraphicFramePr>
+          <p:nvPr>
+            <p:extLst>
+              <p:ext uri="{D42A27DB-BD31-4B8C-83A1-F6EECF244321}">
+                <p14:modId xmlns:p14="http://schemas.microsoft.com/office/powerpoint/2010/main" val="800001420"/>
+              </p:ext>
+            </p:extLst>
+          </p:nvPr>
+        </p:nvGraphicFramePr>
+        <p:xfrm>
+          <a:off x="4529004" y="228600"/>
+          <a:ext cx="4462596" cy="5917071"/>
+        </p:xfrm>
+        <a:graphic>
+          <a:graphicData uri="http://schemas.openxmlformats.org/presentationml/2006/ole">
+            <mc:AlternateContent xmlns:mc="http://schemas.openxmlformats.org/markup-compatibility/2006">
+              <mc:Choice xmlns:v="urn:schemas-microsoft-com:vml" Requires="v">
+                <p:oleObj spid="_x0000_s6226" name="Visio" r:id="rId4" imgW="5282819" imgH="7012768" progId="Visio.Drawing.11">
+                  <p:embed/>
+                </p:oleObj>
+              </mc:Choice>
+              <mc:Fallback>
+                <p:oleObj name="Visio" r:id="rId4" imgW="5282819" imgH="7012768" progId="Visio.Drawing.11">
+                  <p:embed/>
+                  <p:pic>
+                    <p:nvPicPr>
+                      <p:cNvPr id="0" name="Object 1"/>
+                      <p:cNvPicPr>
+                        <a:picLocks noChangeAspect="1" noChangeArrowheads="1"/>
+                      </p:cNvPicPr>
+                      <p:nvPr/>
+                    </p:nvPicPr>
+                    <p:blipFill>
+                      <a:blip r:embed="rId5">
+                        <a:extLst>
+                          <a:ext uri="{28A0092B-C50C-407E-A947-70E740481C1C}">
+                            <a14:useLocalDpi xmlns:a14="http://schemas.microsoft.com/office/drawing/2010/main" val="0"/>
+                          </a:ext>
+                        </a:extLst>
+                      </a:blip>
+                      <a:srcRect/>
+                      <a:stretch>
+                        <a:fillRect/>
+                      </a:stretch>
+                    </p:blipFill>
+                    <p:spPr bwMode="auto">
+                      <a:xfrm>
+                        <a:off x="4529004" y="228600"/>
+                        <a:ext cx="4462596" cy="5917071"/>
+                      </a:xfrm>
+                      <a:prstGeom prst="rect">
+                        <a:avLst/>
+                      </a:prstGeom>
+                      <a:noFill/>
+                    </p:spPr>
+                  </p:pic>
+                </p:oleObj>
+              </mc:Fallback>
+            </mc:AlternateContent>
+          </a:graphicData>
+        </a:graphic>
+      </p:graphicFrame>
+      <p:pic>
+        <p:nvPicPr>
+          <p:cNvPr id="6147" name="Picture 3"/>
+          <p:cNvPicPr>
+            <a:picLocks noChangeAspect="1" noChangeArrowheads="1"/>
+          </p:cNvPicPr>
+          <p:nvPr/>
+        </p:nvPicPr>
+        <p:blipFill>
+          <a:blip r:embed="rId6">
+            <a:extLst>
+              <a:ext uri="{28A0092B-C50C-407E-A947-70E740481C1C}">
+                <a14:useLocalDpi xmlns:a14="http://schemas.microsoft.com/office/drawing/2010/main" val="0"/>
+              </a:ext>
+            </a:extLst>
+          </a:blip>
+          <a:srcRect/>
+          <a:stretch>
+            <a:fillRect/>
+          </a:stretch>
+        </p:blipFill>
+        <p:spPr bwMode="auto">
+          <a:xfrm>
+            <a:off x="567267" y="3276600"/>
+            <a:ext cx="3571960" cy="2905125"/>
+          </a:xfrm>
+          <a:prstGeom prst="rect">
+            <a:avLst/>
+          </a:prstGeom>
+          <a:noFill/>
+          <a:ln>
+            <a:noFill/>
+          </a:ln>
+          <a:effectLst/>
+          <a:extLst>
+            <a:ext uri="{909E8E84-426E-40DD-AFC4-6F175D3DCCD1}">
+              <a14:hiddenFill xmlns:a14="http://schemas.microsoft.com/office/drawing/2010/main">
+                <a:solidFill>
+                  <a:schemeClr val="accent1"/>
+                </a:solidFill>
+              </a14:hiddenFill>
+            </a:ext>
+            <a:ext uri="{91240B29-F687-4F45-9708-019B960494DF}">
+              <a14:hiddenLine xmlns:a14="http://schemas.microsoft.com/office/drawing/2010/main" w="9525">
+                <a:solidFill>
+                  <a:schemeClr val="tx1"/>
+                </a:solidFill>
+                <a:miter lim="800000"/>
+                <a:headEnd/>
+                <a:tailEnd/>
+              </a14:hiddenLine>
+            </a:ext>
+            <a:ext uri="{AF507438-7753-43E0-B8FC-AC1667EBCBE1}">
+              <a14:hiddenEffects xmlns:a14="http://schemas.microsoft.com/office/drawing/2010/main">
+                <a:effectLst>
+                  <a:outerShdw dist="35921" dir="2700000" algn="ctr" rotWithShape="0">
+                    <a:schemeClr val="bg2"/>
+                  </a:outerShdw>
+                </a:effectLst>
+              </a14:hiddenEffects>
+            </a:ext>
+          </a:extLst>
+        </p:spPr>
+      </p:pic>
+      <p:sp>
+        <p:nvSpPr>
+          <p:cNvPr id="10" name="Content Placeholder 2"/>
+          <p:cNvSpPr>
+            <a:spLocks noGrp="1"/>
+          </p:cNvSpPr>
+          <p:nvPr>
+            <p:ph idx="1"/>
+          </p:nvPr>
+        </p:nvSpPr>
+        <p:spPr>
+          <a:xfrm>
+            <a:off x="457200" y="2209800"/>
+            <a:ext cx="4648200" cy="762000"/>
+          </a:xfrm>
+        </p:spPr>
+        <p:txBody>
+          <a:bodyPr/>
+          <a:lstStyle/>
+          <a:p>
+            <a:r>
+              <a:rPr lang="en-US" altLang="zh-CN" dirty="0" smtClean="0"/>
+              <a:t>UML</a:t>
+            </a:r>
+            <a:r>
+              <a:rPr lang="zh-CN" altLang="en-US" dirty="0" smtClean="0"/>
+              <a:t>图及实际应用示例</a:t>
+            </a:r>
+            <a:endParaRPr lang="zh-CN" altLang="en-US" dirty="0"/>
+          </a:p>
+        </p:txBody>
+      </p:sp>
     </p:spTree>
     <p:extLst>
       <p:ext uri="{BB962C8B-B14F-4D97-AF65-F5344CB8AC3E}">
-        <p14:creationId xmlns:p14="http://schemas.microsoft.com/office/powerpoint/2010/main" val="3973110316"/>
+        <p14:creationId xmlns:p14="http://schemas.microsoft.com/office/powerpoint/2010/main" val="1635025333"/>
       </p:ext>
     </p:extLst>
   </p:cSld>
@@ -3845,11 +4495,11 @@
           <a:p>
             <a:pPr algn="l"/>
             <a:r>
-              <a:rPr lang="zh-CN" altLang="en-US" sz="3200" smtClean="0">
+              <a:rPr lang="zh-CN" altLang="en-US" sz="3200" dirty="0" smtClean="0">
                 <a:latin typeface="黑体" panose="02010609060101010101" pitchFamily="49" charset="-122"/>
                 <a:ea typeface="黑体" panose="02010609060101010101" pitchFamily="49" charset="-122"/>
               </a:rPr>
-              <a:t>总结</a:t>
+              <a:t>关键问题及解决方案</a:t>
             </a:r>
             <a:endParaRPr lang="zh-CN" altLang="en-US" sz="3200" dirty="0">
               <a:latin typeface="黑体" panose="02010609060101010101" pitchFamily="49" charset="-122"/>
@@ -3860,7 +4510,213 @@
       </p:sp>
       <p:sp>
         <p:nvSpPr>
-          <p:cNvPr id="3" name="Content Placeholder 2"/>
+          <p:cNvPr id="4" name="Rectangle 19"/>
+          <p:cNvSpPr>
+            <a:spLocks noChangeArrowheads="1"/>
+          </p:cNvSpPr>
+          <p:nvPr/>
+        </p:nvSpPr>
+        <p:spPr bwMode="auto">
+          <a:xfrm>
+            <a:off x="0" y="6629400"/>
+            <a:ext cx="9144000" cy="228600"/>
+          </a:xfrm>
+          <a:prstGeom prst="rect">
+            <a:avLst/>
+          </a:prstGeom>
+          <a:solidFill>
+            <a:srgbClr val="0E03E7"/>
+          </a:solidFill>
+          <a:ln w="9525">
+            <a:solidFill>
+              <a:schemeClr val="tx1"/>
+            </a:solidFill>
+            <a:miter lim="800000"/>
+            <a:headEnd/>
+            <a:tailEnd/>
+          </a:ln>
+          <a:effectLst/>
+        </p:spPr>
+        <p:txBody>
+          <a:bodyPr wrap="none" anchor="ctr"/>
+          <a:lstStyle/>
+          <a:p>
+            <a:endParaRPr lang="zh-CN" altLang="en-US"/>
+          </a:p>
+        </p:txBody>
+      </p:sp>
+      <p:pic>
+        <p:nvPicPr>
+          <p:cNvPr id="5" name="Picture 18" descr="C:\Documents and Settings\Administrator\桌面\logo_small.jpg"/>
+          <p:cNvPicPr>
+            <a:picLocks noChangeAspect="1" noChangeArrowheads="1"/>
+          </p:cNvPicPr>
+          <p:nvPr/>
+        </p:nvPicPr>
+        <p:blipFill>
+          <a:blip r:embed="rId2">
+            <a:extLst>
+              <a:ext uri="{28A0092B-C50C-407E-A947-70E740481C1C}">
+                <a14:useLocalDpi xmlns:a14="http://schemas.microsoft.com/office/drawing/2010/main" val="0"/>
+              </a:ext>
+            </a:extLst>
+          </a:blip>
+          <a:srcRect/>
+          <a:stretch>
+            <a:fillRect/>
+          </a:stretch>
+        </p:blipFill>
+        <p:spPr bwMode="auto">
+          <a:xfrm>
+            <a:off x="152400" y="93663"/>
+            <a:ext cx="3124200" cy="820737"/>
+          </a:xfrm>
+          <a:prstGeom prst="rect">
+            <a:avLst/>
+          </a:prstGeom>
+          <a:noFill/>
+          <a:extLst>
+            <a:ext uri="{909E8E84-426E-40DD-AFC4-6F175D3DCCD1}">
+              <a14:hiddenFill xmlns:a14="http://schemas.microsoft.com/office/drawing/2010/main">
+                <a:solidFill>
+                  <a:srgbClr val="FFFFFF"/>
+                </a:solidFill>
+              </a14:hiddenFill>
+            </a:ext>
+          </a:extLst>
+        </p:spPr>
+      </p:pic>
+      <p:pic>
+        <p:nvPicPr>
+          <p:cNvPr id="4100" name="Picture 4"/>
+          <p:cNvPicPr>
+            <a:picLocks noChangeAspect="1" noChangeArrowheads="1"/>
+          </p:cNvPicPr>
+          <p:nvPr/>
+        </p:nvPicPr>
+        <p:blipFill>
+          <a:blip r:embed="rId3">
+            <a:extLst>
+              <a:ext uri="{28A0092B-C50C-407E-A947-70E740481C1C}">
+                <a14:useLocalDpi xmlns:a14="http://schemas.microsoft.com/office/drawing/2010/main" val="0"/>
+              </a:ext>
+            </a:extLst>
+          </a:blip>
+          <a:srcRect/>
+          <a:stretch>
+            <a:fillRect/>
+          </a:stretch>
+        </p:blipFill>
+        <p:spPr bwMode="auto">
+          <a:xfrm>
+            <a:off x="4572000" y="457200"/>
+            <a:ext cx="4314675" cy="2543175"/>
+          </a:xfrm>
+          <a:prstGeom prst="rect">
+            <a:avLst/>
+          </a:prstGeom>
+          <a:noFill/>
+          <a:ln>
+            <a:noFill/>
+          </a:ln>
+          <a:effectLst/>
+          <a:extLst>
+            <a:ext uri="{909E8E84-426E-40DD-AFC4-6F175D3DCCD1}">
+              <a14:hiddenFill xmlns:a14="http://schemas.microsoft.com/office/drawing/2010/main">
+                <a:solidFill>
+                  <a:schemeClr val="accent1"/>
+                </a:solidFill>
+              </a14:hiddenFill>
+            </a:ext>
+            <a:ext uri="{91240B29-F687-4F45-9708-019B960494DF}">
+              <a14:hiddenLine xmlns:a14="http://schemas.microsoft.com/office/drawing/2010/main" w="9525">
+                <a:solidFill>
+                  <a:schemeClr val="tx1"/>
+                </a:solidFill>
+                <a:miter lim="800000"/>
+                <a:headEnd/>
+                <a:tailEnd/>
+              </a14:hiddenLine>
+            </a:ext>
+            <a:ext uri="{AF507438-7753-43E0-B8FC-AC1667EBCBE1}">
+              <a14:hiddenEffects xmlns:a14="http://schemas.microsoft.com/office/drawing/2010/main">
+                <a:effectLst>
+                  <a:outerShdw dist="35921" dir="2700000" algn="ctr" rotWithShape="0">
+                    <a:schemeClr val="bg2"/>
+                  </a:outerShdw>
+                </a:effectLst>
+              </a14:hiddenEffects>
+            </a:ext>
+          </a:extLst>
+        </p:spPr>
+      </p:pic>
+      <p:pic>
+        <p:nvPicPr>
+          <p:cNvPr id="4101" name="Picture 5"/>
+          <p:cNvPicPr>
+            <a:picLocks noChangeAspect="1" noChangeArrowheads="1"/>
+          </p:cNvPicPr>
+          <p:nvPr/>
+        </p:nvPicPr>
+        <p:blipFill>
+          <a:blip r:embed="rId4">
+            <a:extLst>
+              <a:ext uri="{28A0092B-C50C-407E-A947-70E740481C1C}">
+                <a14:useLocalDpi xmlns:a14="http://schemas.microsoft.com/office/drawing/2010/main" val="0"/>
+              </a:ext>
+            </a:extLst>
+          </a:blip>
+          <a:srcRect/>
+          <a:stretch>
+            <a:fillRect/>
+          </a:stretch>
+        </p:blipFill>
+        <p:spPr bwMode="auto">
+          <a:xfrm>
+            <a:off x="4572000" y="3429000"/>
+            <a:ext cx="4306115" cy="2819400"/>
+          </a:xfrm>
+          <a:prstGeom prst="rect">
+            <a:avLst/>
+          </a:prstGeom>
+          <a:noFill/>
+          <a:ln>
+            <a:noFill/>
+          </a:ln>
+          <a:effectLst/>
+          <a:extLst>
+            <a:ext uri="{909E8E84-426E-40DD-AFC4-6F175D3DCCD1}">
+              <a14:hiddenFill xmlns:a14="http://schemas.microsoft.com/office/drawing/2010/main">
+                <a:solidFill>
+                  <a:schemeClr val="accent1"/>
+                </a:solidFill>
+              </a14:hiddenFill>
+            </a:ext>
+            <a:ext uri="{91240B29-F687-4F45-9708-019B960494DF}">
+              <a14:hiddenLine xmlns:a14="http://schemas.microsoft.com/office/drawing/2010/main" w="9525">
+                <a:solidFill>
+                  <a:schemeClr val="tx1"/>
+                </a:solidFill>
+                <a:miter lim="800000"/>
+                <a:headEnd/>
+                <a:tailEnd/>
+              </a14:hiddenLine>
+            </a:ext>
+            <a:ext uri="{AF507438-7753-43E0-B8FC-AC1667EBCBE1}">
+              <a14:hiddenEffects xmlns:a14="http://schemas.microsoft.com/office/drawing/2010/main">
+                <a:effectLst>
+                  <a:outerShdw dist="35921" dir="2700000" algn="ctr" rotWithShape="0">
+                    <a:schemeClr val="bg2"/>
+                  </a:outerShdw>
+                </a:effectLst>
+              </a14:hiddenEffects>
+            </a:ext>
+          </a:extLst>
+        </p:spPr>
+      </p:pic>
+      <p:sp>
+        <p:nvSpPr>
+          <p:cNvPr id="9" name="Content Placeholder 2"/>
           <p:cNvSpPr>
             <a:spLocks noGrp="1"/>
           </p:cNvSpPr>
@@ -3871,7 +4727,397 @@
         <p:spPr>
           <a:xfrm>
             <a:off x="457200" y="2209800"/>
-            <a:ext cx="8229600" cy="3916363"/>
+            <a:ext cx="2971800" cy="3886200"/>
+          </a:xfrm>
+        </p:spPr>
+        <p:txBody>
+          <a:bodyPr>
+            <a:normAutofit/>
+          </a:bodyPr>
+          <a:lstStyle/>
+          <a:p>
+            <a:r>
+              <a:rPr lang="zh-CN" altLang="en-US" dirty="0" smtClean="0"/>
+              <a:t>使用系统架构的灵活性特点可以迅速的建立起诸如</a:t>
+            </a:r>
+            <a:r>
+              <a:rPr lang="en-US" altLang="zh-CN" dirty="0" smtClean="0"/>
+              <a:t>RandomForest</a:t>
+            </a:r>
+            <a:r>
+              <a:rPr lang="zh-CN" altLang="en-US" dirty="0"/>
+              <a:t> </a:t>
+            </a:r>
+            <a:r>
+              <a:rPr lang="en-US" altLang="zh-CN" dirty="0" smtClean="0"/>
+              <a:t>AdaBoost</a:t>
+            </a:r>
+          </a:p>
+          <a:p>
+            <a:pPr marL="0" indent="0">
+              <a:buNone/>
+            </a:pPr>
+            <a:r>
+              <a:rPr lang="zh-CN" altLang="en-US" dirty="0" smtClean="0"/>
+              <a:t>   这样的过滤器</a:t>
+            </a:r>
+            <a:endParaRPr lang="zh-CN" altLang="en-US" dirty="0"/>
+          </a:p>
+        </p:txBody>
+      </p:sp>
+    </p:spTree>
+    <p:extLst>
+      <p:ext uri="{BB962C8B-B14F-4D97-AF65-F5344CB8AC3E}">
+        <p14:creationId xmlns:p14="http://schemas.microsoft.com/office/powerpoint/2010/main" val="2162082414"/>
+      </p:ext>
+    </p:extLst>
+  </p:cSld>
+  <p:clrMapOvr>
+    <a:masterClrMapping/>
+  </p:clrMapOvr>
+</p:sld>
+</file>
+
+<file path=ppt/slides/slide12.xml><?xml version="1.0" encoding="utf-8"?>
+<p:sld xmlns:a="http://schemas.openxmlformats.org/drawingml/2006/main" xmlns:r="http://schemas.openxmlformats.org/officeDocument/2006/relationships" xmlns:p="http://schemas.openxmlformats.org/presentationml/2006/main">
+  <p:cSld>
+    <p:spTree>
+      <p:nvGrpSpPr>
+        <p:cNvPr id="1" name=""/>
+        <p:cNvGrpSpPr/>
+        <p:nvPr/>
+      </p:nvGrpSpPr>
+      <p:grpSpPr>
+        <a:xfrm>
+          <a:off x="0" y="0"/>
+          <a:ext cx="0" cy="0"/>
+          <a:chOff x="0" y="0"/>
+          <a:chExt cx="0" cy="0"/>
+        </a:xfrm>
+      </p:grpSpPr>
+      <p:sp>
+        <p:nvSpPr>
+          <p:cNvPr id="2" name="Title 1"/>
+          <p:cNvSpPr>
+            <a:spLocks noGrp="1"/>
+          </p:cNvSpPr>
+          <p:nvPr>
+            <p:ph type="title"/>
+          </p:nvPr>
+        </p:nvSpPr>
+        <p:spPr>
+          <a:xfrm>
+            <a:off x="457200" y="1066800"/>
+            <a:ext cx="8229600" cy="914400"/>
+          </a:xfrm>
+        </p:spPr>
+        <p:txBody>
+          <a:bodyPr>
+            <a:normAutofit/>
+          </a:bodyPr>
+          <a:lstStyle/>
+          <a:p>
+            <a:pPr algn="l"/>
+            <a:r>
+              <a:rPr lang="zh-CN" altLang="en-US" sz="3200" dirty="0" smtClean="0">
+                <a:latin typeface="黑体" panose="02010609060101010101" pitchFamily="49" charset="-122"/>
+                <a:ea typeface="黑体" panose="02010609060101010101" pitchFamily="49" charset="-122"/>
+              </a:rPr>
+              <a:t>详细设计与实现</a:t>
+            </a:r>
+            <a:endParaRPr lang="zh-CN" altLang="en-US" sz="3200" dirty="0">
+              <a:latin typeface="黑体" panose="02010609060101010101" pitchFamily="49" charset="-122"/>
+              <a:ea typeface="黑体" panose="02010609060101010101" pitchFamily="49" charset="-122"/>
+            </a:endParaRPr>
+          </a:p>
+        </p:txBody>
+      </p:sp>
+      <p:sp>
+        <p:nvSpPr>
+          <p:cNvPr id="4" name="Rectangle 19"/>
+          <p:cNvSpPr>
+            <a:spLocks noChangeArrowheads="1"/>
+          </p:cNvSpPr>
+          <p:nvPr/>
+        </p:nvSpPr>
+        <p:spPr bwMode="auto">
+          <a:xfrm>
+            <a:off x="0" y="6629400"/>
+            <a:ext cx="9144000" cy="228600"/>
+          </a:xfrm>
+          <a:prstGeom prst="rect">
+            <a:avLst/>
+          </a:prstGeom>
+          <a:solidFill>
+            <a:srgbClr val="0E03E7"/>
+          </a:solidFill>
+          <a:ln w="9525">
+            <a:solidFill>
+              <a:schemeClr val="tx1"/>
+            </a:solidFill>
+            <a:miter lim="800000"/>
+            <a:headEnd/>
+            <a:tailEnd/>
+          </a:ln>
+          <a:effectLst/>
+        </p:spPr>
+        <p:txBody>
+          <a:bodyPr wrap="none" anchor="ctr"/>
+          <a:lstStyle/>
+          <a:p>
+            <a:endParaRPr lang="zh-CN" altLang="en-US"/>
+          </a:p>
+        </p:txBody>
+      </p:sp>
+      <p:pic>
+        <p:nvPicPr>
+          <p:cNvPr id="5" name="Picture 18" descr="C:\Documents and Settings\Administrator\桌面\logo_small.jpg"/>
+          <p:cNvPicPr>
+            <a:picLocks noChangeAspect="1" noChangeArrowheads="1"/>
+          </p:cNvPicPr>
+          <p:nvPr/>
+        </p:nvPicPr>
+        <p:blipFill>
+          <a:blip r:embed="rId3">
+            <a:extLst>
+              <a:ext uri="{28A0092B-C50C-407E-A947-70E740481C1C}">
+                <a14:useLocalDpi xmlns:a14="http://schemas.microsoft.com/office/drawing/2010/main" val="0"/>
+              </a:ext>
+            </a:extLst>
+          </a:blip>
+          <a:srcRect/>
+          <a:stretch>
+            <a:fillRect/>
+          </a:stretch>
+        </p:blipFill>
+        <p:spPr bwMode="auto">
+          <a:xfrm>
+            <a:off x="152400" y="93663"/>
+            <a:ext cx="3124200" cy="820737"/>
+          </a:xfrm>
+          <a:prstGeom prst="rect">
+            <a:avLst/>
+          </a:prstGeom>
+          <a:noFill/>
+          <a:extLst>
+            <a:ext uri="{909E8E84-426E-40DD-AFC4-6F175D3DCCD1}">
+              <a14:hiddenFill xmlns:a14="http://schemas.microsoft.com/office/drawing/2010/main">
+                <a:solidFill>
+                  <a:srgbClr val="FFFFFF"/>
+                </a:solidFill>
+              </a14:hiddenFill>
+            </a:ext>
+          </a:extLst>
+        </p:spPr>
+      </p:pic>
+      <p:sp>
+        <p:nvSpPr>
+          <p:cNvPr id="6" name="Rectangle 2"/>
+          <p:cNvSpPr>
+            <a:spLocks noChangeArrowheads="1"/>
+          </p:cNvSpPr>
+          <p:nvPr/>
+        </p:nvSpPr>
+        <p:spPr bwMode="auto">
+          <a:xfrm>
+            <a:off x="0" y="0"/>
+            <a:ext cx="9144000" cy="0"/>
+          </a:xfrm>
+          <a:prstGeom prst="rect">
+            <a:avLst/>
+          </a:prstGeom>
+          <a:noFill/>
+          <a:ln>
+            <a:noFill/>
+          </a:ln>
+          <a:effectLst/>
+          <a:extLst>
+            <a:ext uri="{909E8E84-426E-40DD-AFC4-6F175D3DCCD1}">
+              <a14:hiddenFill xmlns:a14="http://schemas.microsoft.com/office/drawing/2010/main">
+                <a:solidFill>
+                  <a:schemeClr val="accent1"/>
+                </a:solidFill>
+              </a14:hiddenFill>
+            </a:ext>
+            <a:ext uri="{91240B29-F687-4F45-9708-019B960494DF}">
+              <a14:hiddenLine xmlns:a14="http://schemas.microsoft.com/office/drawing/2010/main" w="9525">
+                <a:solidFill>
+                  <a:schemeClr val="tx1"/>
+                </a:solidFill>
+                <a:miter lim="800000"/>
+                <a:headEnd/>
+                <a:tailEnd/>
+              </a14:hiddenLine>
+            </a:ext>
+            <a:ext uri="{AF507438-7753-43E0-B8FC-AC1667EBCBE1}">
+              <a14:hiddenEffects xmlns:a14="http://schemas.microsoft.com/office/drawing/2010/main">
+                <a:effectLst>
+                  <a:outerShdw dist="35921" dir="2700000" algn="ctr" rotWithShape="0">
+                    <a:schemeClr val="bg2"/>
+                  </a:outerShdw>
+                </a:effectLst>
+              </a14:hiddenEffects>
+            </a:ext>
+          </a:extLst>
+        </p:spPr>
+        <p:txBody>
+          <a:bodyPr vert="horz" wrap="none" lIns="91440" tIns="45720" rIns="91440" bIns="45720" numCol="1" anchor="ctr" anchorCtr="0" compatLnSpc="1">
+            <a:prstTxWarp prst="textNoShape">
+              <a:avLst/>
+            </a:prstTxWarp>
+            <a:spAutoFit/>
+          </a:bodyPr>
+          <a:lstStyle/>
+          <a:p>
+            <a:endParaRPr lang="zh-CN" altLang="en-US"/>
+          </a:p>
+        </p:txBody>
+      </p:sp>
+      <p:graphicFrame>
+        <p:nvGraphicFramePr>
+          <p:cNvPr id="7" name="Object 6"/>
+          <p:cNvGraphicFramePr>
+            <a:graphicFrameLocks noChangeAspect="1"/>
+          </p:cNvGraphicFramePr>
+          <p:nvPr>
+            <p:extLst>
+              <p:ext uri="{D42A27DB-BD31-4B8C-83A1-F6EECF244321}">
+                <p14:modId xmlns:p14="http://schemas.microsoft.com/office/powerpoint/2010/main" val="1063658327"/>
+              </p:ext>
+            </p:extLst>
+          </p:nvPr>
+        </p:nvGraphicFramePr>
+        <p:xfrm>
+          <a:off x="6324600" y="152400"/>
+          <a:ext cx="1371600" cy="2458845"/>
+        </p:xfrm>
+        <a:graphic>
+          <a:graphicData uri="http://schemas.openxmlformats.org/presentationml/2006/ole">
+            <mc:AlternateContent xmlns:mc="http://schemas.openxmlformats.org/markup-compatibility/2006">
+              <mc:Choice xmlns:v="urn:schemas-microsoft-com:vml" Requires="v">
+                <p:oleObj spid="_x0000_s9281" name="Visio" r:id="rId4" imgW="1565120" imgH="2802512" progId="Visio.Drawing.11">
+                  <p:embed/>
+                </p:oleObj>
+              </mc:Choice>
+              <mc:Fallback>
+                <p:oleObj name="Visio" r:id="rId4" imgW="1565120" imgH="2802512" progId="Visio.Drawing.11">
+                  <p:embed/>
+                  <p:pic>
+                    <p:nvPicPr>
+                      <p:cNvPr id="0" name="Object 1"/>
+                      <p:cNvPicPr>
+                        <a:picLocks noChangeAspect="1" noChangeArrowheads="1"/>
+                      </p:cNvPicPr>
+                      <p:nvPr/>
+                    </p:nvPicPr>
+                    <p:blipFill>
+                      <a:blip r:embed="rId5">
+                        <a:extLst>
+                          <a:ext uri="{28A0092B-C50C-407E-A947-70E740481C1C}">
+                            <a14:useLocalDpi xmlns:a14="http://schemas.microsoft.com/office/drawing/2010/main" val="0"/>
+                          </a:ext>
+                        </a:extLst>
+                      </a:blip>
+                      <a:srcRect/>
+                      <a:stretch>
+                        <a:fillRect/>
+                      </a:stretch>
+                    </p:blipFill>
+                    <p:spPr bwMode="auto">
+                      <a:xfrm>
+                        <a:off x="6324600" y="152400"/>
+                        <a:ext cx="1371600" cy="2458845"/>
+                      </a:xfrm>
+                      <a:prstGeom prst="rect">
+                        <a:avLst/>
+                      </a:prstGeom>
+                      <a:noFill/>
+                    </p:spPr>
+                  </p:pic>
+                </p:oleObj>
+              </mc:Fallback>
+            </mc:AlternateContent>
+          </a:graphicData>
+        </a:graphic>
+      </p:graphicFrame>
+      <p:pic>
+        <p:nvPicPr>
+          <p:cNvPr id="9220" name="Picture 4"/>
+          <p:cNvPicPr>
+            <a:picLocks noChangeAspect="1" noChangeArrowheads="1"/>
+          </p:cNvPicPr>
+          <p:nvPr/>
+        </p:nvPicPr>
+        <p:blipFill>
+          <a:blip r:embed="rId6">
+            <a:extLst>
+              <a:ext uri="{28A0092B-C50C-407E-A947-70E740481C1C}">
+                <a14:useLocalDpi xmlns:a14="http://schemas.microsoft.com/office/drawing/2010/main" val="0"/>
+              </a:ext>
+            </a:extLst>
+          </a:blip>
+          <a:srcRect/>
+          <a:stretch>
+            <a:fillRect/>
+          </a:stretch>
+        </p:blipFill>
+        <p:spPr bwMode="auto">
+          <a:xfrm>
+            <a:off x="5562600" y="2819400"/>
+            <a:ext cx="3252191" cy="3581400"/>
+          </a:xfrm>
+          <a:prstGeom prst="rect">
+            <a:avLst/>
+          </a:prstGeom>
+          <a:noFill/>
+          <a:ln>
+            <a:noFill/>
+          </a:ln>
+          <a:effectLst/>
+          <a:extLst>
+            <a:ext uri="{909E8E84-426E-40DD-AFC4-6F175D3DCCD1}">
+              <a14:hiddenFill xmlns:a14="http://schemas.microsoft.com/office/drawing/2010/main">
+                <a:solidFill>
+                  <a:schemeClr val="accent1"/>
+                </a:solidFill>
+              </a14:hiddenFill>
+            </a:ext>
+            <a:ext uri="{91240B29-F687-4F45-9708-019B960494DF}">
+              <a14:hiddenLine xmlns:a14="http://schemas.microsoft.com/office/drawing/2010/main" w="9525">
+                <a:solidFill>
+                  <a:schemeClr val="tx1"/>
+                </a:solidFill>
+                <a:miter lim="800000"/>
+                <a:headEnd/>
+                <a:tailEnd/>
+              </a14:hiddenLine>
+            </a:ext>
+            <a:ext uri="{AF507438-7753-43E0-B8FC-AC1667EBCBE1}">
+              <a14:hiddenEffects xmlns:a14="http://schemas.microsoft.com/office/drawing/2010/main">
+                <a:effectLst>
+                  <a:outerShdw dist="35921" dir="2700000" algn="ctr" rotWithShape="0">
+                    <a:schemeClr val="bg2"/>
+                  </a:outerShdw>
+                </a:effectLst>
+              </a14:hiddenEffects>
+            </a:ext>
+          </a:extLst>
+        </p:spPr>
+      </p:pic>
+      <p:sp>
+        <p:nvSpPr>
+          <p:cNvPr id="8" name="Content Placeholder 7"/>
+          <p:cNvSpPr>
+            <a:spLocks noGrp="1"/>
+          </p:cNvSpPr>
+          <p:nvPr>
+            <p:ph idx="1"/>
+          </p:nvPr>
+        </p:nvSpPr>
+        <p:spPr>
+          <a:xfrm>
+            <a:off x="457200" y="2209800"/>
+            <a:ext cx="4038600" cy="3916363"/>
           </a:xfrm>
         </p:spPr>
         <p:txBody>
@@ -3879,17 +5125,5306 @@
           <a:lstStyle/>
           <a:p>
             <a:r>
-              <a:rPr lang="zh-CN" altLang="zh-CN" dirty="0"/>
-              <a:t>总结：</a:t>
-            </a:r>
+              <a:rPr lang="zh-CN" altLang="en-US" dirty="0" smtClean="0"/>
+              <a:t>简单的分类器</a:t>
+            </a:r>
+            <a:endParaRPr lang="en-US" altLang="zh-CN" dirty="0" smtClean="0"/>
+          </a:p>
+          <a:p>
+            <a:pPr lvl="1"/>
             <a:r>
               <a:rPr lang="en-US" altLang="zh-CN" dirty="0"/>
-              <a:t>1</a:t>
-            </a:r>
-            <a:r>
-              <a:rPr lang="zh-CN" altLang="zh-CN" dirty="0"/>
-              <a:t>页总结个人工作情况，这部分一定要明确地说明个人的角色和所完成的工作。</a:t>
-            </a:r>
+              <a:t>Filter</a:t>
+            </a:r>
+            <a:endParaRPr lang="en-US" altLang="zh-CN" dirty="0" smtClean="0"/>
+          </a:p>
+          <a:p>
+            <a:pPr lvl="1"/>
+            <a:r>
+              <a:rPr lang="en-US" altLang="zh-CN" dirty="0" smtClean="0"/>
+              <a:t>Rules</a:t>
+            </a:r>
+            <a:endParaRPr lang="en-US" altLang="zh-CN" dirty="0"/>
+          </a:p>
+          <a:p>
+            <a:r>
+              <a:rPr lang="zh-CN" altLang="en-US" dirty="0" smtClean="0"/>
+              <a:t>具备机器学习能力的分类器</a:t>
+            </a:r>
+            <a:endParaRPr lang="en-US" altLang="zh-CN" dirty="0" smtClean="0"/>
+          </a:p>
+          <a:p>
+            <a:pPr lvl="1"/>
+            <a:r>
+              <a:rPr lang="en-US" altLang="zh-CN" dirty="0" smtClean="0"/>
+              <a:t>Detector</a:t>
+            </a:r>
+          </a:p>
+          <a:p>
+            <a:pPr lvl="1"/>
+            <a:r>
+              <a:rPr lang="en-US" altLang="zh-CN" dirty="0"/>
+              <a:t>Classifier</a:t>
+            </a:r>
+            <a:endParaRPr lang="zh-CN" altLang="en-US" dirty="0"/>
+          </a:p>
+        </p:txBody>
+      </p:sp>
+    </p:spTree>
+    <p:extLst>
+      <p:ext uri="{BB962C8B-B14F-4D97-AF65-F5344CB8AC3E}">
+        <p14:creationId xmlns:p14="http://schemas.microsoft.com/office/powerpoint/2010/main" val="2162082414"/>
+      </p:ext>
+    </p:extLst>
+  </p:cSld>
+  <p:clrMapOvr>
+    <a:masterClrMapping/>
+  </p:clrMapOvr>
+</p:sld>
+</file>
+
+<file path=ppt/slides/slide13.xml><?xml version="1.0" encoding="utf-8"?>
+<p:sld xmlns:a="http://schemas.openxmlformats.org/drawingml/2006/main" xmlns:r="http://schemas.openxmlformats.org/officeDocument/2006/relationships" xmlns:p="http://schemas.openxmlformats.org/presentationml/2006/main">
+  <p:cSld>
+    <p:spTree>
+      <p:nvGrpSpPr>
+        <p:cNvPr id="1" name=""/>
+        <p:cNvGrpSpPr/>
+        <p:nvPr/>
+      </p:nvGrpSpPr>
+      <p:grpSpPr>
+        <a:xfrm>
+          <a:off x="0" y="0"/>
+          <a:ext cx="0" cy="0"/>
+          <a:chOff x="0" y="0"/>
+          <a:chExt cx="0" cy="0"/>
+        </a:xfrm>
+      </p:grpSpPr>
+      <p:sp>
+        <p:nvSpPr>
+          <p:cNvPr id="2" name="Title 1"/>
+          <p:cNvSpPr>
+            <a:spLocks noGrp="1"/>
+          </p:cNvSpPr>
+          <p:nvPr>
+            <p:ph type="title"/>
+          </p:nvPr>
+        </p:nvSpPr>
+        <p:spPr>
+          <a:xfrm>
+            <a:off x="457200" y="1066800"/>
+            <a:ext cx="8229600" cy="914400"/>
+          </a:xfrm>
+        </p:spPr>
+        <p:txBody>
+          <a:bodyPr>
+            <a:normAutofit/>
+          </a:bodyPr>
+          <a:lstStyle/>
+          <a:p>
+            <a:pPr algn="l"/>
+            <a:r>
+              <a:rPr lang="zh-CN" altLang="en-US" sz="3200" dirty="0">
+                <a:latin typeface="黑体" panose="02010609060101010101" pitchFamily="49" charset="-122"/>
+                <a:ea typeface="黑体" panose="02010609060101010101" pitchFamily="49" charset="-122"/>
+              </a:rPr>
+              <a:t>贝叶斯算法</a:t>
+            </a:r>
+            <a:r>
+              <a:rPr lang="zh-CN" altLang="en-US" sz="3200" dirty="0" smtClean="0">
+                <a:latin typeface="黑体" panose="02010609060101010101" pitchFamily="49" charset="-122"/>
+                <a:ea typeface="黑体" panose="02010609060101010101" pitchFamily="49" charset="-122"/>
+              </a:rPr>
+              <a:t>的概述</a:t>
+            </a:r>
+            <a:endParaRPr lang="zh-CN" altLang="en-US" sz="3200" dirty="0">
+              <a:latin typeface="黑体" panose="02010609060101010101" pitchFamily="49" charset="-122"/>
+              <a:ea typeface="黑体" panose="02010609060101010101" pitchFamily="49" charset="-122"/>
+            </a:endParaRPr>
+          </a:p>
+        </p:txBody>
+      </p:sp>
+      <p:sp>
+        <p:nvSpPr>
+          <p:cNvPr id="4" name="Rectangle 19"/>
+          <p:cNvSpPr>
+            <a:spLocks noChangeArrowheads="1"/>
+          </p:cNvSpPr>
+          <p:nvPr/>
+        </p:nvSpPr>
+        <p:spPr bwMode="auto">
+          <a:xfrm>
+            <a:off x="0" y="6629400"/>
+            <a:ext cx="9144000" cy="228600"/>
+          </a:xfrm>
+          <a:prstGeom prst="rect">
+            <a:avLst/>
+          </a:prstGeom>
+          <a:solidFill>
+            <a:srgbClr val="0E03E7"/>
+          </a:solidFill>
+          <a:ln w="9525">
+            <a:solidFill>
+              <a:schemeClr val="tx1"/>
+            </a:solidFill>
+            <a:miter lim="800000"/>
+            <a:headEnd/>
+            <a:tailEnd/>
+          </a:ln>
+          <a:effectLst/>
+        </p:spPr>
+        <p:txBody>
+          <a:bodyPr wrap="none" anchor="ctr"/>
+          <a:lstStyle/>
+          <a:p>
+            <a:endParaRPr lang="zh-CN" altLang="en-US"/>
+          </a:p>
+        </p:txBody>
+      </p:sp>
+      <p:pic>
+        <p:nvPicPr>
+          <p:cNvPr id="5" name="Picture 18" descr="C:\Documents and Settings\Administrator\桌面\logo_small.jpg"/>
+          <p:cNvPicPr>
+            <a:picLocks noChangeAspect="1" noChangeArrowheads="1"/>
+          </p:cNvPicPr>
+          <p:nvPr/>
+        </p:nvPicPr>
+        <p:blipFill>
+          <a:blip r:embed="rId2">
+            <a:extLst>
+              <a:ext uri="{28A0092B-C50C-407E-A947-70E740481C1C}">
+                <a14:useLocalDpi xmlns:a14="http://schemas.microsoft.com/office/drawing/2010/main" val="0"/>
+              </a:ext>
+            </a:extLst>
+          </a:blip>
+          <a:srcRect/>
+          <a:stretch>
+            <a:fillRect/>
+          </a:stretch>
+        </p:blipFill>
+        <p:spPr bwMode="auto">
+          <a:xfrm>
+            <a:off x="152400" y="93663"/>
+            <a:ext cx="3124200" cy="820737"/>
+          </a:xfrm>
+          <a:prstGeom prst="rect">
+            <a:avLst/>
+          </a:prstGeom>
+          <a:noFill/>
+          <a:extLst>
+            <a:ext uri="{909E8E84-426E-40DD-AFC4-6F175D3DCCD1}">
+              <a14:hiddenFill xmlns:a14="http://schemas.microsoft.com/office/drawing/2010/main">
+                <a:solidFill>
+                  <a:srgbClr val="FFFFFF"/>
+                </a:solidFill>
+              </a14:hiddenFill>
+            </a:ext>
+          </a:extLst>
+        </p:spPr>
+      </p:pic>
+      <p:sp>
+        <p:nvSpPr>
+          <p:cNvPr id="6" name="Rectangle 2"/>
+          <p:cNvSpPr>
+            <a:spLocks noChangeArrowheads="1"/>
+          </p:cNvSpPr>
+          <p:nvPr/>
+        </p:nvSpPr>
+        <p:spPr bwMode="auto">
+          <a:xfrm>
+            <a:off x="0" y="0"/>
+            <a:ext cx="9144000" cy="0"/>
+          </a:xfrm>
+          <a:prstGeom prst="rect">
+            <a:avLst/>
+          </a:prstGeom>
+          <a:noFill/>
+          <a:ln>
+            <a:noFill/>
+          </a:ln>
+          <a:effectLst/>
+          <a:extLst>
+            <a:ext uri="{909E8E84-426E-40DD-AFC4-6F175D3DCCD1}">
+              <a14:hiddenFill xmlns:a14="http://schemas.microsoft.com/office/drawing/2010/main">
+                <a:solidFill>
+                  <a:schemeClr val="accent1"/>
+                </a:solidFill>
+              </a14:hiddenFill>
+            </a:ext>
+            <a:ext uri="{91240B29-F687-4F45-9708-019B960494DF}">
+              <a14:hiddenLine xmlns:a14="http://schemas.microsoft.com/office/drawing/2010/main" w="9525">
+                <a:solidFill>
+                  <a:schemeClr val="tx1"/>
+                </a:solidFill>
+                <a:miter lim="800000"/>
+                <a:headEnd/>
+                <a:tailEnd/>
+              </a14:hiddenLine>
+            </a:ext>
+            <a:ext uri="{AF507438-7753-43E0-B8FC-AC1667EBCBE1}">
+              <a14:hiddenEffects xmlns:a14="http://schemas.microsoft.com/office/drawing/2010/main">
+                <a:effectLst>
+                  <a:outerShdw dist="35921" dir="2700000" algn="ctr" rotWithShape="0">
+                    <a:schemeClr val="bg2"/>
+                  </a:outerShdw>
+                </a:effectLst>
+              </a14:hiddenEffects>
+            </a:ext>
+          </a:extLst>
+        </p:spPr>
+        <p:txBody>
+          <a:bodyPr vert="horz" wrap="none" lIns="91440" tIns="45720" rIns="91440" bIns="45720" numCol="1" anchor="ctr" anchorCtr="0" compatLnSpc="1">
+            <a:prstTxWarp prst="textNoShape">
+              <a:avLst/>
+            </a:prstTxWarp>
+            <a:spAutoFit/>
+          </a:bodyPr>
+          <a:lstStyle/>
+          <a:p>
+            <a:endParaRPr lang="zh-CN" altLang="en-US"/>
+          </a:p>
+        </p:txBody>
+      </p:sp>
+      <mc:AlternateContent xmlns:mc="http://schemas.openxmlformats.org/markup-compatibility/2006">
+        <mc:Choice xmlns:a14="http://schemas.microsoft.com/office/drawing/2010/main" Requires="a14">
+          <p:sp>
+            <p:nvSpPr>
+              <p:cNvPr id="8" name="Content Placeholder 7"/>
+              <p:cNvSpPr>
+                <a:spLocks noGrp="1"/>
+              </p:cNvSpPr>
+              <p:nvPr>
+                <p:ph idx="1"/>
+              </p:nvPr>
+            </p:nvSpPr>
+            <p:spPr>
+              <a:xfrm>
+                <a:off x="457200" y="1981200"/>
+                <a:ext cx="8001000" cy="4144963"/>
+              </a:xfrm>
+            </p:spPr>
+            <p:txBody>
+              <a:bodyPr/>
+              <a:lstStyle/>
+              <a:p>
+                <a14:m>
+                  <m:oMath xmlns:m="http://schemas.openxmlformats.org/officeDocument/2006/math">
+                    <m:func>
+                      <m:funcPr>
+                        <m:ctrlPr>
+                          <a:rPr lang="zh-CN" altLang="zh-CN" i="1" smtClean="0"/>
+                        </m:ctrlPr>
+                      </m:funcPr>
+                      <m:fName>
+                        <m:r>
+                          <m:rPr>
+                            <m:sty m:val="p"/>
+                          </m:rPr>
+                          <a:rPr lang="en-US" altLang="zh-CN"/>
+                          <m:t>Pr</m:t>
+                        </m:r>
+                      </m:fName>
+                      <m:e>
+                        <m:d>
+                          <m:dPr>
+                            <m:ctrlPr>
+                              <a:rPr lang="zh-CN" altLang="zh-CN" i="1"/>
+                            </m:ctrlPr>
+                          </m:dPr>
+                          <m:e>
+                            <m:r>
+                              <a:rPr lang="en-US" altLang="zh-CN" i="1"/>
+                              <m:t>𝐴</m:t>
+                            </m:r>
+                          </m:e>
+                          <m:e>
+                            <m:r>
+                              <a:rPr lang="en-US" altLang="zh-CN" i="1"/>
+                              <m:t>𝐵</m:t>
+                            </m:r>
+                          </m:e>
+                        </m:d>
+                      </m:e>
+                    </m:func>
+                    <m:r>
+                      <a:rPr lang="en-US" altLang="zh-CN" i="1"/>
+                      <m:t>=</m:t>
+                    </m:r>
+                    <m:func>
+                      <m:funcPr>
+                        <m:ctrlPr>
+                          <a:rPr lang="zh-CN" altLang="zh-CN" i="1"/>
+                        </m:ctrlPr>
+                      </m:funcPr>
+                      <m:fName>
+                        <m:r>
+                          <m:rPr>
+                            <m:sty m:val="p"/>
+                          </m:rPr>
+                          <a:rPr lang="en-US" altLang="zh-CN"/>
+                          <m:t>Pr</m:t>
+                        </m:r>
+                      </m:fName>
+                      <m:e>
+                        <m:d>
+                          <m:dPr>
+                            <m:ctrlPr>
+                              <a:rPr lang="zh-CN" altLang="zh-CN" i="1"/>
+                            </m:ctrlPr>
+                          </m:dPr>
+                          <m:e>
+                            <m:r>
+                              <a:rPr lang="en-US" altLang="zh-CN" i="1"/>
+                              <m:t>𝐵</m:t>
+                            </m:r>
+                            <m:r>
+                              <a:rPr lang="en-US" altLang="zh-CN" i="1"/>
+                              <m:t>|</m:t>
+                            </m:r>
+                            <m:r>
+                              <a:rPr lang="en-US" altLang="zh-CN" i="1"/>
+                              <m:t>𝐴</m:t>
+                            </m:r>
+                          </m:e>
+                        </m:d>
+                        <m:r>
+                          <a:rPr lang="en-US" altLang="zh-CN" i="1"/>
+                          <m:t>∗</m:t>
+                        </m:r>
+                        <m:f>
+                          <m:fPr>
+                            <m:ctrlPr>
+                              <a:rPr lang="zh-CN" altLang="zh-CN" i="1"/>
+                            </m:ctrlPr>
+                          </m:fPr>
+                          <m:num>
+                            <m:func>
+                              <m:funcPr>
+                                <m:ctrlPr>
+                                  <a:rPr lang="zh-CN" altLang="zh-CN" i="1"/>
+                                </m:ctrlPr>
+                              </m:funcPr>
+                              <m:fName>
+                                <m:r>
+                                  <m:rPr>
+                                    <m:sty m:val="p"/>
+                                  </m:rPr>
+                                  <a:rPr lang="en-US" altLang="zh-CN"/>
+                                  <m:t>Pr</m:t>
+                                </m:r>
+                              </m:fName>
+                              <m:e>
+                                <m:d>
+                                  <m:dPr>
+                                    <m:ctrlPr>
+                                      <a:rPr lang="zh-CN" altLang="zh-CN" i="1"/>
+                                    </m:ctrlPr>
+                                  </m:dPr>
+                                  <m:e>
+                                    <m:r>
+                                      <a:rPr lang="en-US" altLang="zh-CN" i="1"/>
+                                      <m:t>𝐴</m:t>
+                                    </m:r>
+                                  </m:e>
+                                </m:d>
+                              </m:e>
+                            </m:func>
+                          </m:num>
+                          <m:den>
+                            <m:r>
+                              <m:rPr>
+                                <m:sty m:val="p"/>
+                              </m:rPr>
+                              <a:rPr lang="en-US" altLang="zh-CN"/>
+                              <m:t>Pr</m:t>
+                            </m:r>
+                            <m:r>
+                              <a:rPr lang="en-US" altLang="zh-CN" i="1"/>
+                              <m:t>(</m:t>
+                            </m:r>
+                            <m:r>
+                              <a:rPr lang="en-US" altLang="zh-CN" i="1"/>
+                              <m:t>𝐵</m:t>
+                            </m:r>
+                            <m:r>
+                              <a:rPr lang="en-US" altLang="zh-CN" i="1"/>
+                              <m:t>)</m:t>
+                            </m:r>
+                          </m:den>
+                        </m:f>
+                      </m:e>
+                    </m:func>
+                  </m:oMath>
+                </a14:m>
+                <a:endParaRPr lang="en-US" altLang="zh-CN" dirty="0" smtClean="0"/>
+              </a:p>
+              <a:p>
+                <a:r>
+                  <a:rPr lang="en-US" altLang="zh-CN" dirty="0"/>
+                  <a:t>A = Category</a:t>
+                </a:r>
+                <a:r>
+                  <a:rPr lang="zh-CN" altLang="en-US" dirty="0"/>
+                  <a:t>， </a:t>
+                </a:r>
+                <a:r>
+                  <a:rPr lang="en-US" altLang="zh-CN" dirty="0"/>
+                  <a:t>B = Document </a:t>
+                </a:r>
+              </a:p>
+              <a:p>
+                <a14:m>
+                  <m:oMath xmlns:m="http://schemas.openxmlformats.org/officeDocument/2006/math">
+                    <m:func>
+                      <m:funcPr>
+                        <m:ctrlPr>
+                          <a:rPr lang="zh-CN" altLang="zh-CN" i="1"/>
+                        </m:ctrlPr>
+                      </m:funcPr>
+                      <m:fName>
+                        <m:r>
+                          <m:rPr>
+                            <m:sty m:val="p"/>
+                          </m:rPr>
+                          <a:rPr lang="en-US" altLang="zh-CN"/>
+                          <m:t>Pr</m:t>
+                        </m:r>
+                      </m:fName>
+                      <m:e>
+                        <m:d>
+                          <m:dPr>
+                            <m:ctrlPr>
+                              <a:rPr lang="zh-CN" altLang="zh-CN" i="1"/>
+                            </m:ctrlPr>
+                          </m:dPr>
+                          <m:e>
+                            <m:r>
+                              <a:rPr lang="en-US" altLang="zh-CN" i="1"/>
+                              <m:t>𝐶𝑎𝑡</m:t>
+                            </m:r>
+                          </m:e>
+                          <m:e>
+                            <m:r>
+                              <a:rPr lang="en-US" altLang="zh-CN" i="1"/>
+                              <m:t>𝐷𝑜𝑐</m:t>
+                            </m:r>
+                          </m:e>
+                        </m:d>
+                      </m:e>
+                    </m:func>
+                    <m:r>
+                      <a:rPr lang="en-US" altLang="zh-CN" i="1"/>
+                      <m:t>=</m:t>
+                    </m:r>
+                    <m:func>
+                      <m:funcPr>
+                        <m:ctrlPr>
+                          <a:rPr lang="zh-CN" altLang="zh-CN" i="1"/>
+                        </m:ctrlPr>
+                      </m:funcPr>
+                      <m:fName>
+                        <m:r>
+                          <m:rPr>
+                            <m:sty m:val="p"/>
+                          </m:rPr>
+                          <a:rPr lang="en-US" altLang="zh-CN"/>
+                          <m:t>Pr</m:t>
+                        </m:r>
+                      </m:fName>
+                      <m:e>
+                        <m:d>
+                          <m:dPr>
+                            <m:ctrlPr>
+                              <a:rPr lang="zh-CN" altLang="zh-CN" i="1"/>
+                            </m:ctrlPr>
+                          </m:dPr>
+                          <m:e>
+                            <m:r>
+                              <a:rPr lang="en-US" altLang="zh-CN" i="1"/>
+                              <m:t>𝐷𝑜𝑐</m:t>
+                            </m:r>
+                            <m:r>
+                              <a:rPr lang="en-US" altLang="zh-CN" i="1"/>
+                              <m:t>|</m:t>
+                            </m:r>
+                            <m:r>
+                              <a:rPr lang="en-US" altLang="zh-CN" i="1"/>
+                              <m:t>𝐶𝑎𝑡</m:t>
+                            </m:r>
+                          </m:e>
+                        </m:d>
+                        <m:r>
+                          <a:rPr lang="en-US" altLang="zh-CN" i="1"/>
+                          <m:t>∗</m:t>
+                        </m:r>
+                        <m:f>
+                          <m:fPr>
+                            <m:ctrlPr>
+                              <a:rPr lang="zh-CN" altLang="zh-CN" i="1"/>
+                            </m:ctrlPr>
+                          </m:fPr>
+                          <m:num>
+                            <m:func>
+                              <m:funcPr>
+                                <m:ctrlPr>
+                                  <a:rPr lang="zh-CN" altLang="zh-CN" i="1"/>
+                                </m:ctrlPr>
+                              </m:funcPr>
+                              <m:fName>
+                                <m:r>
+                                  <m:rPr>
+                                    <m:sty m:val="p"/>
+                                  </m:rPr>
+                                  <a:rPr lang="en-US" altLang="zh-CN"/>
+                                  <m:t>Pr</m:t>
+                                </m:r>
+                              </m:fName>
+                              <m:e>
+                                <m:d>
+                                  <m:dPr>
+                                    <m:ctrlPr>
+                                      <a:rPr lang="zh-CN" altLang="zh-CN" i="1"/>
+                                    </m:ctrlPr>
+                                  </m:dPr>
+                                  <m:e>
+                                    <m:r>
+                                      <a:rPr lang="en-US" altLang="zh-CN" i="1"/>
+                                      <m:t>𝐶𝑎𝑡</m:t>
+                                    </m:r>
+                                  </m:e>
+                                </m:d>
+                              </m:e>
+                            </m:func>
+                          </m:num>
+                          <m:den>
+                            <m:r>
+                              <m:rPr>
+                                <m:sty m:val="p"/>
+                              </m:rPr>
+                              <a:rPr lang="en-US" altLang="zh-CN"/>
+                              <m:t>Pr</m:t>
+                            </m:r>
+                            <m:r>
+                              <a:rPr lang="en-US" altLang="zh-CN" i="1"/>
+                              <m:t>(</m:t>
+                            </m:r>
+                            <m:r>
+                              <a:rPr lang="en-US" altLang="zh-CN" i="1"/>
+                              <m:t>𝐷𝑜𝑐</m:t>
+                            </m:r>
+                            <m:r>
+                              <a:rPr lang="en-US" altLang="zh-CN" i="1"/>
+                              <m:t>)</m:t>
+                            </m:r>
+                          </m:den>
+                        </m:f>
+                      </m:e>
+                    </m:func>
+                  </m:oMath>
+                </a14:m>
+                <a:endParaRPr lang="en-US" altLang="zh-CN" dirty="0" smtClean="0"/>
+              </a:p>
+              <a:p>
+                <a:r>
+                  <a:rPr lang="en-US" altLang="zh-CN" dirty="0" smtClean="0"/>
+                  <a:t>Feature = Words</a:t>
+                </a:r>
+              </a:p>
+              <a:p>
+                <a:endParaRPr lang="en-US" altLang="zh-CN" dirty="0" smtClean="0"/>
+              </a:p>
+              <a:p>
+                <a:endParaRPr lang="en-US" altLang="zh-CN" dirty="0" smtClean="0"/>
+              </a:p>
+              <a:p>
+                <a:endParaRPr lang="zh-CN" altLang="en-US" dirty="0"/>
+              </a:p>
+            </p:txBody>
+          </p:sp>
+        </mc:Choice>
+        <mc:Fallback>
+          <p:sp>
+            <p:nvSpPr>
+              <p:cNvPr id="8" name="Content Placeholder 7"/>
+              <p:cNvSpPr>
+                <a:spLocks noGrp="1" noRot="1" noChangeAspect="1" noMove="1" noResize="1" noEditPoints="1" noAdjustHandles="1" noChangeArrowheads="1" noChangeShapeType="1" noTextEdit="1"/>
+              </p:cNvSpPr>
+              <p:nvPr>
+                <p:ph idx="1"/>
+              </p:nvPr>
+            </p:nvSpPr>
+            <p:spPr>
+              <a:xfrm>
+                <a:off x="457200" y="1981200"/>
+                <a:ext cx="8001000" cy="4144963"/>
+              </a:xfrm>
+              <a:blipFill rotWithShape="1">
+                <a:blip r:embed="rId3"/>
+                <a:stretch>
+                  <a:fillRect l="-1676"/>
+                </a:stretch>
+              </a:blipFill>
+            </p:spPr>
+            <p:txBody>
+              <a:bodyPr/>
+              <a:lstStyle/>
+              <a:p>
+                <a:r>
+                  <a:rPr lang="zh-CN" altLang="en-US">
+                    <a:noFill/>
+                  </a:rPr>
+                  <a:t> </a:t>
+                </a:r>
+              </a:p>
+            </p:txBody>
+          </p:sp>
+        </mc:Fallback>
+      </mc:AlternateContent>
+    </p:spTree>
+    <p:extLst>
+      <p:ext uri="{BB962C8B-B14F-4D97-AF65-F5344CB8AC3E}">
+        <p14:creationId xmlns:p14="http://schemas.microsoft.com/office/powerpoint/2010/main" val="979596873"/>
+      </p:ext>
+    </p:extLst>
+  </p:cSld>
+  <p:clrMapOvr>
+    <a:masterClrMapping/>
+  </p:clrMapOvr>
+</p:sld>
+</file>
+
+<file path=ppt/slides/slide14.xml><?xml version="1.0" encoding="utf-8"?>
+<p:sld xmlns:a="http://schemas.openxmlformats.org/drawingml/2006/main" xmlns:r="http://schemas.openxmlformats.org/officeDocument/2006/relationships" xmlns:p="http://schemas.openxmlformats.org/presentationml/2006/main">
+  <p:cSld>
+    <p:spTree>
+      <p:nvGrpSpPr>
+        <p:cNvPr id="1" name=""/>
+        <p:cNvGrpSpPr/>
+        <p:nvPr/>
+      </p:nvGrpSpPr>
+      <p:grpSpPr>
+        <a:xfrm>
+          <a:off x="0" y="0"/>
+          <a:ext cx="0" cy="0"/>
+          <a:chOff x="0" y="0"/>
+          <a:chExt cx="0" cy="0"/>
+        </a:xfrm>
+      </p:grpSpPr>
+      <p:sp>
+        <p:nvSpPr>
+          <p:cNvPr id="2" name="Title 1"/>
+          <p:cNvSpPr>
+            <a:spLocks noGrp="1"/>
+          </p:cNvSpPr>
+          <p:nvPr>
+            <p:ph type="title"/>
+          </p:nvPr>
+        </p:nvSpPr>
+        <p:spPr>
+          <a:xfrm>
+            <a:off x="457200" y="1066800"/>
+            <a:ext cx="8229600" cy="914400"/>
+          </a:xfrm>
+        </p:spPr>
+        <p:txBody>
+          <a:bodyPr>
+            <a:normAutofit/>
+          </a:bodyPr>
+          <a:lstStyle/>
+          <a:p>
+            <a:pPr algn="l"/>
+            <a:r>
+              <a:rPr lang="zh-CN" altLang="en-US" sz="3200" dirty="0">
+                <a:latin typeface="黑体" panose="02010609060101010101" pitchFamily="49" charset="-122"/>
+                <a:ea typeface="黑体" panose="02010609060101010101" pitchFamily="49" charset="-122"/>
+              </a:rPr>
+              <a:t>贝叶斯算法</a:t>
+            </a:r>
+            <a:r>
+              <a:rPr lang="zh-CN" altLang="en-US" sz="3200" dirty="0" smtClean="0">
+                <a:latin typeface="黑体" panose="02010609060101010101" pitchFamily="49" charset="-122"/>
+                <a:ea typeface="黑体" panose="02010609060101010101" pitchFamily="49" charset="-122"/>
+              </a:rPr>
+              <a:t>的创新优</a:t>
+            </a:r>
+            <a:r>
+              <a:rPr lang="zh-CN" altLang="en-US" sz="3200" dirty="0">
+                <a:latin typeface="黑体" panose="02010609060101010101" pitchFamily="49" charset="-122"/>
+                <a:ea typeface="黑体" panose="02010609060101010101" pitchFamily="49" charset="-122"/>
+              </a:rPr>
+              <a:t>化</a:t>
+            </a:r>
+            <a:endParaRPr lang="zh-CN" altLang="en-US" sz="3200" dirty="0">
+              <a:latin typeface="黑体" panose="02010609060101010101" pitchFamily="49" charset="-122"/>
+              <a:ea typeface="黑体" panose="02010609060101010101" pitchFamily="49" charset="-122"/>
+            </a:endParaRPr>
+          </a:p>
+        </p:txBody>
+      </p:sp>
+      <p:sp>
+        <p:nvSpPr>
+          <p:cNvPr id="4" name="Rectangle 19"/>
+          <p:cNvSpPr>
+            <a:spLocks noChangeArrowheads="1"/>
+          </p:cNvSpPr>
+          <p:nvPr/>
+        </p:nvSpPr>
+        <p:spPr bwMode="auto">
+          <a:xfrm>
+            <a:off x="0" y="6629400"/>
+            <a:ext cx="9144000" cy="228600"/>
+          </a:xfrm>
+          <a:prstGeom prst="rect">
+            <a:avLst/>
+          </a:prstGeom>
+          <a:solidFill>
+            <a:srgbClr val="0E03E7"/>
+          </a:solidFill>
+          <a:ln w="9525">
+            <a:solidFill>
+              <a:schemeClr val="tx1"/>
+            </a:solidFill>
+            <a:miter lim="800000"/>
+            <a:headEnd/>
+            <a:tailEnd/>
+          </a:ln>
+          <a:effectLst/>
+        </p:spPr>
+        <p:txBody>
+          <a:bodyPr wrap="none" anchor="ctr"/>
+          <a:lstStyle/>
+          <a:p>
+            <a:endParaRPr lang="zh-CN" altLang="en-US"/>
+          </a:p>
+        </p:txBody>
+      </p:sp>
+      <p:pic>
+        <p:nvPicPr>
+          <p:cNvPr id="5" name="Picture 18" descr="C:\Documents and Settings\Administrator\桌面\logo_small.jpg"/>
+          <p:cNvPicPr>
+            <a:picLocks noChangeAspect="1" noChangeArrowheads="1"/>
+          </p:cNvPicPr>
+          <p:nvPr/>
+        </p:nvPicPr>
+        <p:blipFill>
+          <a:blip r:embed="rId2">
+            <a:extLst>
+              <a:ext uri="{28A0092B-C50C-407E-A947-70E740481C1C}">
+                <a14:useLocalDpi xmlns:a14="http://schemas.microsoft.com/office/drawing/2010/main" val="0"/>
+              </a:ext>
+            </a:extLst>
+          </a:blip>
+          <a:srcRect/>
+          <a:stretch>
+            <a:fillRect/>
+          </a:stretch>
+        </p:blipFill>
+        <p:spPr bwMode="auto">
+          <a:xfrm>
+            <a:off x="152400" y="93663"/>
+            <a:ext cx="3124200" cy="820737"/>
+          </a:xfrm>
+          <a:prstGeom prst="rect">
+            <a:avLst/>
+          </a:prstGeom>
+          <a:noFill/>
+          <a:extLst>
+            <a:ext uri="{909E8E84-426E-40DD-AFC4-6F175D3DCCD1}">
+              <a14:hiddenFill xmlns:a14="http://schemas.microsoft.com/office/drawing/2010/main">
+                <a:solidFill>
+                  <a:srgbClr val="FFFFFF"/>
+                </a:solidFill>
+              </a14:hiddenFill>
+            </a:ext>
+          </a:extLst>
+        </p:spPr>
+      </p:pic>
+      <p:sp>
+        <p:nvSpPr>
+          <p:cNvPr id="6" name="Rectangle 2"/>
+          <p:cNvSpPr>
+            <a:spLocks noChangeArrowheads="1"/>
+          </p:cNvSpPr>
+          <p:nvPr/>
+        </p:nvSpPr>
+        <p:spPr bwMode="auto">
+          <a:xfrm>
+            <a:off x="0" y="0"/>
+            <a:ext cx="9144000" cy="0"/>
+          </a:xfrm>
+          <a:prstGeom prst="rect">
+            <a:avLst/>
+          </a:prstGeom>
+          <a:noFill/>
+          <a:ln>
+            <a:noFill/>
+          </a:ln>
+          <a:effectLst/>
+          <a:extLst>
+            <a:ext uri="{909E8E84-426E-40DD-AFC4-6F175D3DCCD1}">
+              <a14:hiddenFill xmlns:a14="http://schemas.microsoft.com/office/drawing/2010/main">
+                <a:solidFill>
+                  <a:schemeClr val="accent1"/>
+                </a:solidFill>
+              </a14:hiddenFill>
+            </a:ext>
+            <a:ext uri="{91240B29-F687-4F45-9708-019B960494DF}">
+              <a14:hiddenLine xmlns:a14="http://schemas.microsoft.com/office/drawing/2010/main" w="9525">
+                <a:solidFill>
+                  <a:schemeClr val="tx1"/>
+                </a:solidFill>
+                <a:miter lim="800000"/>
+                <a:headEnd/>
+                <a:tailEnd/>
+              </a14:hiddenLine>
+            </a:ext>
+            <a:ext uri="{AF507438-7753-43E0-B8FC-AC1667EBCBE1}">
+              <a14:hiddenEffects xmlns:a14="http://schemas.microsoft.com/office/drawing/2010/main">
+                <a:effectLst>
+                  <a:outerShdw dist="35921" dir="2700000" algn="ctr" rotWithShape="0">
+                    <a:schemeClr val="bg2"/>
+                  </a:outerShdw>
+                </a:effectLst>
+              </a14:hiddenEffects>
+            </a:ext>
+          </a:extLst>
+        </p:spPr>
+        <p:txBody>
+          <a:bodyPr vert="horz" wrap="none" lIns="91440" tIns="45720" rIns="91440" bIns="45720" numCol="1" anchor="ctr" anchorCtr="0" compatLnSpc="1">
+            <a:prstTxWarp prst="textNoShape">
+              <a:avLst/>
+            </a:prstTxWarp>
+            <a:spAutoFit/>
+          </a:bodyPr>
+          <a:lstStyle/>
+          <a:p>
+            <a:endParaRPr lang="zh-CN" altLang="en-US"/>
+          </a:p>
+        </p:txBody>
+      </p:sp>
+      <mc:AlternateContent xmlns:mc="http://schemas.openxmlformats.org/markup-compatibility/2006">
+        <mc:Choice xmlns:a14="http://schemas.microsoft.com/office/drawing/2010/main" Requires="a14">
+          <p:sp>
+            <p:nvSpPr>
+              <p:cNvPr id="8" name="Content Placeholder 7"/>
+              <p:cNvSpPr>
+                <a:spLocks noGrp="1"/>
+              </p:cNvSpPr>
+              <p:nvPr>
+                <p:ph idx="1"/>
+              </p:nvPr>
+            </p:nvSpPr>
+            <p:spPr>
+              <a:xfrm>
+                <a:off x="457200" y="1981200"/>
+                <a:ext cx="8001000" cy="4144963"/>
+              </a:xfrm>
+            </p:spPr>
+            <p:txBody>
+              <a:bodyPr>
+                <a:normAutofit/>
+              </a:bodyPr>
+              <a:lstStyle/>
+              <a:p>
+                <a14:m>
+                  <m:oMath xmlns:m="http://schemas.openxmlformats.org/officeDocument/2006/math">
+                    <m:r>
+                      <a:rPr lang="en-US" altLang="zh-CN" sz="2600" i="1" smtClean="0"/>
+                      <m:t>𝑃</m:t>
+                    </m:r>
+                    <m:d>
+                      <m:dPr>
+                        <m:ctrlPr>
+                          <a:rPr lang="zh-CN" altLang="zh-CN" sz="2600" i="1"/>
+                        </m:ctrlPr>
+                      </m:dPr>
+                      <m:e>
+                        <m:r>
+                          <a:rPr lang="en-US" altLang="zh-CN" sz="2600" i="1"/>
+                          <m:t>𝑐𝑎𝑡𝑒𝑔𝑜𝑟𝑦</m:t>
+                        </m:r>
+                      </m:e>
+                    </m:d>
+                    <m:r>
+                      <a:rPr lang="en-US" altLang="zh-CN" sz="2600" i="1"/>
+                      <m:t>=</m:t>
+                    </m:r>
+                    <m:f>
+                      <m:fPr>
+                        <m:ctrlPr>
+                          <a:rPr lang="zh-CN" altLang="zh-CN" sz="2600" i="1"/>
+                        </m:ctrlPr>
+                      </m:fPr>
+                      <m:num>
+                        <m:r>
+                          <a:rPr lang="en-US" altLang="zh-CN" sz="2600" i="1"/>
+                          <m:t>𝑡𝑜𝑡𝑎𝑙</m:t>
+                        </m:r>
+                        <m:d>
+                          <m:dPr>
+                            <m:ctrlPr>
+                              <a:rPr lang="zh-CN" altLang="zh-CN" sz="2600" i="1"/>
+                            </m:ctrlPr>
+                          </m:dPr>
+                          <m:e>
+                            <m:r>
+                              <a:rPr lang="en-US" altLang="zh-CN" sz="2600" i="1"/>
+                              <m:t>𝑑𝑜𝑐𝑢𝑚𝑒𝑛𝑡𝑠</m:t>
+                            </m:r>
+                            <m:r>
+                              <a:rPr lang="en-US" altLang="zh-CN" sz="2600" i="1"/>
+                              <m:t> </m:t>
+                            </m:r>
+                            <m:r>
+                              <a:rPr lang="en-US" altLang="zh-CN" sz="2600" i="1"/>
+                              <m:t>𝑖𝑛</m:t>
+                            </m:r>
+                            <m:r>
+                              <a:rPr lang="en-US" altLang="zh-CN" sz="2600" i="1"/>
+                              <m:t> </m:t>
+                            </m:r>
+                            <m:r>
+                              <a:rPr lang="en-US" altLang="zh-CN" sz="2600" i="1"/>
+                              <m:t>𝑐𝑎𝑡𝑒𝑔𝑜𝑟𝑦</m:t>
+                            </m:r>
+                          </m:e>
+                        </m:d>
+                      </m:num>
+                      <m:den>
+                        <m:nary>
+                          <m:naryPr>
+                            <m:chr m:val="∑"/>
+                            <m:subHide m:val="on"/>
+                            <m:supHide m:val="on"/>
+                            <m:ctrlPr>
+                              <a:rPr lang="zh-CN" altLang="zh-CN" sz="2600" i="1"/>
+                            </m:ctrlPr>
+                          </m:naryPr>
+                          <m:sub/>
+                          <m:sup/>
+                          <m:e>
+                            <m:r>
+                              <a:rPr lang="en-US" altLang="zh-CN" sz="2600" i="1"/>
+                              <m:t>𝑡𝑜𝑡𝑎𝑙</m:t>
+                            </m:r>
+                            <m:r>
+                              <a:rPr lang="en-US" altLang="zh-CN" sz="2600" i="1"/>
+                              <m:t>(</m:t>
+                            </m:r>
+                            <m:r>
+                              <a:rPr lang="en-US" altLang="zh-CN" sz="2600" i="1"/>
+                              <m:t>𝑑𝑜𝑐𝑢𝑚𝑒𝑛𝑡𝑠</m:t>
+                            </m:r>
+                            <m:r>
+                              <a:rPr lang="en-US" altLang="zh-CN" sz="2600" i="1"/>
+                              <m:t>)</m:t>
+                            </m:r>
+                          </m:e>
+                        </m:nary>
+                      </m:den>
+                    </m:f>
+                  </m:oMath>
+                </a14:m>
+                <a:endParaRPr lang="en-US" altLang="zh-CN" sz="2600" i="1" dirty="0" smtClean="0"/>
+              </a:p>
+              <a:p>
+                <a14:m>
+                  <m:oMath xmlns:m="http://schemas.openxmlformats.org/officeDocument/2006/math">
+                    <m:r>
+                      <a:rPr lang="en-US" altLang="zh-CN" sz="2600" i="1"/>
+                      <m:t>𝑃</m:t>
+                    </m:r>
+                    <m:d>
+                      <m:dPr>
+                        <m:ctrlPr>
+                          <a:rPr lang="zh-CN" altLang="zh-CN" sz="2600" i="1"/>
+                        </m:ctrlPr>
+                      </m:dPr>
+                      <m:e>
+                        <m:r>
+                          <a:rPr lang="en-US" altLang="zh-CN" sz="2600" i="1"/>
+                          <m:t>𝑐𝑎𝑡𝑒𝑔𝑜𝑟𝑦</m:t>
+                        </m:r>
+                      </m:e>
+                    </m:d>
+                    <m:r>
+                      <a:rPr lang="en-US" altLang="zh-CN" sz="2600" i="1"/>
+                      <m:t>=</m:t>
+                    </m:r>
+                    <m:f>
+                      <m:fPr>
+                        <m:ctrlPr>
+                          <a:rPr lang="zh-CN" altLang="zh-CN" sz="2600" i="1"/>
+                        </m:ctrlPr>
+                      </m:fPr>
+                      <m:num>
+                        <m:r>
+                          <a:rPr lang="en-US" altLang="zh-CN" sz="2600" i="1"/>
+                          <m:t>𝑡𝑜𝑡𝑎𝑙</m:t>
+                        </m:r>
+                        <m:d>
+                          <m:dPr>
+                            <m:ctrlPr>
+                              <a:rPr lang="zh-CN" altLang="zh-CN" sz="2600" i="1"/>
+                            </m:ctrlPr>
+                          </m:dPr>
+                          <m:e>
+                            <m:r>
+                              <a:rPr lang="en-US" altLang="zh-CN" sz="2600" b="0" i="1" smtClean="0">
+                                <a:solidFill>
+                                  <a:srgbClr val="FF0000"/>
+                                </a:solidFill>
+                                <a:latin typeface="Cambria Math"/>
+                              </a:rPr>
+                              <m:t>𝑤𝑜𝑟𝑑𝑠</m:t>
+                            </m:r>
+                            <m:r>
+                              <a:rPr lang="en-US" altLang="zh-CN" sz="2600" i="1">
+                                <a:solidFill>
+                                  <a:srgbClr val="FF0000"/>
+                                </a:solidFill>
+                              </a:rPr>
+                              <m:t> </m:t>
+                            </m:r>
+                            <m:r>
+                              <a:rPr lang="en-US" altLang="zh-CN" sz="2600" i="1">
+                                <a:solidFill>
+                                  <a:srgbClr val="FF0000"/>
+                                </a:solidFill>
+                              </a:rPr>
+                              <m:t>𝑖𝑛</m:t>
+                            </m:r>
+                            <m:r>
+                              <a:rPr lang="en-US" altLang="zh-CN" sz="2600" i="1">
+                                <a:solidFill>
+                                  <a:srgbClr val="FF0000"/>
+                                </a:solidFill>
+                              </a:rPr>
+                              <m:t> </m:t>
+                            </m:r>
+                            <m:r>
+                              <a:rPr lang="en-US" altLang="zh-CN" sz="2600" i="1">
+                                <a:solidFill>
+                                  <a:srgbClr val="FF0000"/>
+                                </a:solidFill>
+                              </a:rPr>
+                              <m:t>𝑐𝑎𝑡𝑒𝑔𝑜𝑟𝑦</m:t>
+                            </m:r>
+                          </m:e>
+                        </m:d>
+                      </m:num>
+                      <m:den>
+                        <m:nary>
+                          <m:naryPr>
+                            <m:chr m:val="∑"/>
+                            <m:subHide m:val="on"/>
+                            <m:supHide m:val="on"/>
+                            <m:ctrlPr>
+                              <a:rPr lang="zh-CN" altLang="zh-CN" sz="2600" i="1"/>
+                            </m:ctrlPr>
+                          </m:naryPr>
+                          <m:sub/>
+                          <m:sup/>
+                          <m:e>
+                            <m:r>
+                              <a:rPr lang="en-US" altLang="zh-CN" sz="2600" i="1"/>
+                              <m:t>𝑡𝑜𝑡𝑎𝑙</m:t>
+                            </m:r>
+                            <m:r>
+                              <a:rPr lang="en-US" altLang="zh-CN" sz="2600" i="1"/>
+                              <m:t>(</m:t>
+                            </m:r>
+                            <m:r>
+                              <a:rPr lang="en-US" altLang="zh-CN" sz="2600" b="0" i="1" smtClean="0">
+                                <a:solidFill>
+                                  <a:srgbClr val="FF0000"/>
+                                </a:solidFill>
+                                <a:latin typeface="Cambria Math"/>
+                              </a:rPr>
+                              <m:t>𝑤𝑜𝑟𝑑𝑠</m:t>
+                            </m:r>
+                            <m:r>
+                              <a:rPr lang="en-US" altLang="zh-CN" sz="2600" i="1"/>
+                              <m:t>)</m:t>
+                            </m:r>
+                          </m:e>
+                        </m:nary>
+                      </m:den>
+                    </m:f>
+                  </m:oMath>
+                </a14:m>
+                <a:endParaRPr lang="en-US" altLang="zh-CN" sz="2600" i="1" dirty="0" smtClean="0"/>
+              </a:p>
+              <a:p>
+                <a:endParaRPr lang="en-US" altLang="zh-CN" sz="2600" i="1" dirty="0" smtClean="0"/>
+              </a:p>
+              <a:p>
+                <a14:m>
+                  <m:oMath xmlns:m="http://schemas.openxmlformats.org/officeDocument/2006/math">
+                    <m:r>
+                      <a:rPr lang="en-US" altLang="zh-CN" sz="2600" i="1"/>
+                      <m:t>𝑃</m:t>
+                    </m:r>
+                    <m:d>
+                      <m:dPr>
+                        <m:ctrlPr>
+                          <a:rPr lang="zh-CN" altLang="zh-CN" sz="2600" i="1"/>
+                        </m:ctrlPr>
+                      </m:dPr>
+                      <m:e>
+                        <m:r>
+                          <a:rPr lang="en-US" altLang="zh-CN" sz="2600" b="0" i="1" smtClean="0">
+                            <a:latin typeface="Cambria Math"/>
+                          </a:rPr>
+                          <m:t>𝑤𝑜𝑟𝑑</m:t>
+                        </m:r>
+                        <m:r>
+                          <a:rPr lang="en-US" altLang="zh-CN" sz="2600" i="1"/>
+                          <m:t>|</m:t>
+                        </m:r>
+                        <m:r>
+                          <a:rPr lang="en-US" altLang="zh-CN" sz="2600" i="1"/>
+                          <m:t>𝑐𝑎𝑡𝑒𝑔𝑜𝑟𝑦</m:t>
+                        </m:r>
+                      </m:e>
+                    </m:d>
+                    <m:r>
+                      <a:rPr lang="en-US" altLang="zh-CN" sz="2600" i="1"/>
+                      <m:t>=</m:t>
+                    </m:r>
+                    <m:f>
+                      <m:fPr>
+                        <m:ctrlPr>
+                          <a:rPr lang="en-US" altLang="zh-CN" sz="2600" i="1">
+                            <a:latin typeface="Cambria Math"/>
+                          </a:rPr>
+                        </m:ctrlPr>
+                      </m:fPr>
+                      <m:num>
+                        <m:r>
+                          <a:rPr lang="en-US" altLang="zh-CN" sz="2600" b="0" i="1" smtClean="0">
+                            <a:latin typeface="Cambria Math"/>
+                          </a:rPr>
+                          <m:t>𝑡𝑜𝑡𝑎𝑙</m:t>
+                        </m:r>
+                        <m:r>
+                          <a:rPr lang="en-US" altLang="zh-CN" sz="2600" i="1">
+                            <a:latin typeface="Cambria Math"/>
+                          </a:rPr>
+                          <m:t>(</m:t>
+                        </m:r>
+                        <m:r>
+                          <a:rPr lang="en-US" altLang="zh-CN" sz="2600" b="0" i="1" smtClean="0">
+                            <a:latin typeface="Cambria Math"/>
+                          </a:rPr>
+                          <m:t>𝑤𝑜𝑟𝑑</m:t>
+                        </m:r>
+                        <m:r>
+                          <a:rPr lang="en-US" altLang="zh-CN" sz="2600" i="1">
+                            <a:latin typeface="Cambria Math"/>
+                          </a:rPr>
+                          <m:t> </m:t>
+                        </m:r>
+                        <m:r>
+                          <a:rPr lang="en-US" altLang="zh-CN" sz="2600" i="1">
+                            <a:latin typeface="Cambria Math"/>
+                          </a:rPr>
+                          <m:t>𝑖𝑛</m:t>
+                        </m:r>
+                        <m:r>
+                          <a:rPr lang="en-US" altLang="zh-CN" sz="2600" i="1">
+                            <a:latin typeface="Cambria Math"/>
+                          </a:rPr>
+                          <m:t> </m:t>
+                        </m:r>
+                        <m:r>
+                          <a:rPr lang="en-US" altLang="zh-CN" sz="2600" i="1">
+                            <a:latin typeface="Cambria Math"/>
+                          </a:rPr>
+                          <m:t>𝑑𝑜𝑐𝑢𝑚𝑒𝑛𝑡𝑠</m:t>
+                        </m:r>
+                        <m:r>
+                          <a:rPr lang="en-US" altLang="zh-CN" sz="2600" i="1">
+                            <a:latin typeface="Cambria Math"/>
+                          </a:rPr>
+                          <m:t> </m:t>
+                        </m:r>
+                        <m:r>
+                          <a:rPr lang="en-US" altLang="zh-CN" sz="2600" i="1">
+                            <a:latin typeface="Cambria Math"/>
+                          </a:rPr>
+                          <m:t>𝑜𝑓</m:t>
+                        </m:r>
+                        <m:r>
+                          <a:rPr lang="en-US" altLang="zh-CN" sz="2600" i="1">
+                            <a:latin typeface="Cambria Math"/>
+                          </a:rPr>
+                          <m:t> </m:t>
+                        </m:r>
+                        <m:r>
+                          <a:rPr lang="en-US" altLang="zh-CN" sz="2600" i="1">
+                            <a:latin typeface="Cambria Math"/>
+                          </a:rPr>
+                          <m:t>𝑐𝑎𝑡</m:t>
+                        </m:r>
+                        <m:r>
+                          <a:rPr lang="en-US" altLang="zh-CN" sz="2600" i="1">
+                            <a:latin typeface="Cambria Math"/>
+                          </a:rPr>
+                          <m:t>)</m:t>
+                        </m:r>
+                      </m:num>
+                      <m:den>
+                        <m:r>
+                          <a:rPr lang="en-US" altLang="zh-CN" sz="2600" i="1">
+                            <a:latin typeface="Cambria Math"/>
+                          </a:rPr>
+                          <m:t>𝑡</m:t>
+                        </m:r>
+                        <m:r>
+                          <a:rPr lang="en-US" altLang="zh-CN" sz="2600" b="0" i="1" smtClean="0">
+                            <a:latin typeface="Cambria Math"/>
+                          </a:rPr>
+                          <m:t>𝑜𝑡𝑎𝑙</m:t>
+                        </m:r>
+                        <m:r>
+                          <a:rPr lang="en-US" altLang="zh-CN" sz="2600" i="1">
+                            <a:latin typeface="Cambria Math"/>
+                          </a:rPr>
+                          <m:t>(</m:t>
+                        </m:r>
+                        <m:r>
+                          <a:rPr lang="en-US" altLang="zh-CN" sz="2600" i="1">
+                            <a:latin typeface="Cambria Math"/>
+                          </a:rPr>
+                          <m:t>𝑎𝑙𝑙</m:t>
+                        </m:r>
+                        <m:r>
+                          <a:rPr lang="en-US" altLang="zh-CN" sz="2600" i="1">
+                            <a:latin typeface="Cambria Math"/>
+                          </a:rPr>
+                          <m:t> </m:t>
+                        </m:r>
+                        <m:r>
+                          <a:rPr lang="en-US" altLang="zh-CN" sz="2600" i="1">
+                            <a:latin typeface="Cambria Math"/>
+                          </a:rPr>
+                          <m:t>𝑑𝑜𝑐𝑢𝑚𝑒𝑛𝑡𝑠</m:t>
+                        </m:r>
+                        <m:r>
+                          <a:rPr lang="en-US" altLang="zh-CN" sz="2600" i="1">
+                            <a:latin typeface="Cambria Math"/>
+                          </a:rPr>
+                          <m:t> </m:t>
+                        </m:r>
+                        <m:r>
+                          <a:rPr lang="en-US" altLang="zh-CN" sz="2600" i="1">
+                            <a:latin typeface="Cambria Math"/>
+                          </a:rPr>
+                          <m:t>𝑜𝑓</m:t>
+                        </m:r>
+                        <m:r>
+                          <a:rPr lang="en-US" altLang="zh-CN" sz="2600" i="1">
+                            <a:latin typeface="Cambria Math"/>
+                          </a:rPr>
+                          <m:t> </m:t>
+                        </m:r>
+                        <m:r>
+                          <a:rPr lang="en-US" altLang="zh-CN" sz="2600" i="1">
+                            <a:latin typeface="Cambria Math"/>
+                          </a:rPr>
+                          <m:t>𝑐𝑎𝑡</m:t>
+                        </m:r>
+                        <m:r>
+                          <a:rPr lang="en-US" altLang="zh-CN" sz="2600" i="1">
+                            <a:latin typeface="Cambria Math"/>
+                          </a:rPr>
+                          <m:t>)</m:t>
+                        </m:r>
+                      </m:den>
+                    </m:f>
+                  </m:oMath>
+                </a14:m>
+                <a:endParaRPr lang="en-US" altLang="zh-CN" sz="2600" i="1" dirty="0" smtClean="0"/>
+              </a:p>
+              <a:p>
+                <a14:m>
+                  <m:oMath xmlns:m="http://schemas.openxmlformats.org/officeDocument/2006/math">
+                    <m:r>
+                      <a:rPr lang="en-US" altLang="zh-CN" sz="2600" i="1"/>
+                      <m:t>𝑃</m:t>
+                    </m:r>
+                    <m:d>
+                      <m:dPr>
+                        <m:ctrlPr>
+                          <a:rPr lang="zh-CN" altLang="zh-CN" sz="2600" i="1"/>
+                        </m:ctrlPr>
+                      </m:dPr>
+                      <m:e>
+                        <m:r>
+                          <a:rPr lang="en-US" altLang="zh-CN" sz="2600" i="1"/>
+                          <m:t>𝑤</m:t>
+                        </m:r>
+                        <m:r>
+                          <a:rPr lang="en-US" altLang="zh-CN" sz="2600" b="0" i="1" smtClean="0">
+                            <a:latin typeface="Cambria Math"/>
+                          </a:rPr>
+                          <m:t>𝑜𝑟𝑑</m:t>
+                        </m:r>
+                        <m:r>
+                          <a:rPr lang="en-US" altLang="zh-CN" sz="2600" i="1"/>
+                          <m:t>|</m:t>
+                        </m:r>
+                        <m:r>
+                          <a:rPr lang="en-US" altLang="zh-CN" sz="2600" i="1"/>
+                          <m:t>𝑐𝑎𝑡𝑒𝑔𝑜𝑟𝑦</m:t>
+                        </m:r>
+                      </m:e>
+                    </m:d>
+                    <m:r>
+                      <a:rPr lang="en-US" altLang="zh-CN" sz="2600" i="1"/>
+                      <m:t>=</m:t>
+                    </m:r>
+                    <m:f>
+                      <m:fPr>
+                        <m:ctrlPr>
+                          <a:rPr lang="zh-CN" altLang="zh-CN" sz="2600" i="1"/>
+                        </m:ctrlPr>
+                      </m:fPr>
+                      <m:num>
+                        <m:r>
+                          <a:rPr lang="en-US" altLang="zh-CN" sz="2600" i="1"/>
+                          <m:t>𝑡𝑜𝑡𝑎𝑙</m:t>
+                        </m:r>
+                        <m:d>
+                          <m:dPr>
+                            <m:ctrlPr>
+                              <a:rPr lang="zh-CN" altLang="zh-CN" sz="2600" i="1"/>
+                            </m:ctrlPr>
+                          </m:dPr>
+                          <m:e>
+                            <m:r>
+                              <a:rPr lang="en-US" altLang="zh-CN" sz="2600" i="1" smtClean="0">
+                                <a:solidFill>
+                                  <a:srgbClr val="FF0000"/>
+                                </a:solidFill>
+                              </a:rPr>
+                              <m:t>𝑤</m:t>
+                            </m:r>
+                            <m:r>
+                              <a:rPr lang="en-US" altLang="zh-CN" sz="2600" b="0" i="1" smtClean="0">
+                                <a:solidFill>
+                                  <a:srgbClr val="FF0000"/>
+                                </a:solidFill>
+                                <a:latin typeface="Cambria Math"/>
+                              </a:rPr>
+                              <m:t>𝑜𝑟𝑑𝑠</m:t>
+                            </m:r>
+                            <m:r>
+                              <a:rPr lang="en-US" altLang="zh-CN" sz="2600" i="1">
+                                <a:solidFill>
+                                  <a:srgbClr val="FF0000"/>
+                                </a:solidFill>
+                              </a:rPr>
+                              <m:t> </m:t>
+                            </m:r>
+                            <m:r>
+                              <a:rPr lang="en-US" altLang="zh-CN" sz="2600" i="1">
+                                <a:solidFill>
+                                  <a:srgbClr val="FF0000"/>
+                                </a:solidFill>
+                              </a:rPr>
+                              <m:t>𝑖𝑛</m:t>
+                            </m:r>
+                            <m:r>
+                              <a:rPr lang="en-US" altLang="zh-CN" sz="2600" i="1">
+                                <a:solidFill>
+                                  <a:srgbClr val="FF0000"/>
+                                </a:solidFill>
+                              </a:rPr>
+                              <m:t> </m:t>
+                            </m:r>
+                            <m:r>
+                              <a:rPr lang="en-US" altLang="zh-CN" sz="2600" i="1">
+                                <a:solidFill>
+                                  <a:srgbClr val="FF0000"/>
+                                </a:solidFill>
+                              </a:rPr>
+                              <m:t>𝑡h𝑖𝑠</m:t>
+                            </m:r>
+                            <m:r>
+                              <a:rPr lang="en-US" altLang="zh-CN" sz="2600" i="1">
+                                <a:solidFill>
+                                  <a:srgbClr val="FF0000"/>
+                                </a:solidFill>
+                              </a:rPr>
+                              <m:t> </m:t>
+                            </m:r>
+                            <m:r>
+                              <a:rPr lang="en-US" altLang="zh-CN" sz="2600" i="1">
+                                <a:solidFill>
+                                  <a:srgbClr val="FF0000"/>
+                                </a:solidFill>
+                              </a:rPr>
+                              <m:t>𝑐𝑎𝑡𝑒𝑔𝑜𝑟𝑦</m:t>
+                            </m:r>
+                          </m:e>
+                        </m:d>
+                      </m:num>
+                      <m:den>
+                        <m:r>
+                          <a:rPr lang="en-US" altLang="zh-CN" sz="2600" i="1"/>
+                          <m:t>𝑡𝑜𝑡𝑎𝑙</m:t>
+                        </m:r>
+                        <m:r>
+                          <a:rPr lang="en-US" altLang="zh-CN" sz="2600" i="1"/>
+                          <m:t>(</m:t>
+                        </m:r>
+                        <m:r>
+                          <a:rPr lang="en-US" altLang="zh-CN" sz="2600" i="1" smtClean="0">
+                            <a:solidFill>
+                              <a:srgbClr val="FF0000"/>
+                            </a:solidFill>
+                          </a:rPr>
+                          <m:t>𝑤</m:t>
+                        </m:r>
+                        <m:r>
+                          <a:rPr lang="en-US" altLang="zh-CN" sz="2600" b="0" i="1" smtClean="0">
+                            <a:solidFill>
+                              <a:srgbClr val="FF0000"/>
+                            </a:solidFill>
+                            <a:latin typeface="Cambria Math"/>
+                          </a:rPr>
+                          <m:t>𝑜𝑟𝑑𝑠</m:t>
+                        </m:r>
+                        <m:r>
+                          <a:rPr lang="en-US" altLang="zh-CN" sz="2600" i="1">
+                            <a:solidFill>
+                              <a:srgbClr val="FF0000"/>
+                            </a:solidFill>
+                          </a:rPr>
+                          <m:t> </m:t>
+                        </m:r>
+                        <m:r>
+                          <a:rPr lang="en-US" altLang="zh-CN" sz="2600" i="1">
+                            <a:solidFill>
+                              <a:srgbClr val="FF0000"/>
+                            </a:solidFill>
+                          </a:rPr>
+                          <m:t>𝑖𝑛</m:t>
+                        </m:r>
+                        <m:r>
+                          <a:rPr lang="en-US" altLang="zh-CN" sz="2600" i="1">
+                            <a:solidFill>
+                              <a:srgbClr val="FF0000"/>
+                            </a:solidFill>
+                          </a:rPr>
+                          <m:t> </m:t>
+                        </m:r>
+                        <m:r>
+                          <a:rPr lang="en-US" altLang="zh-CN" sz="2600" i="1">
+                            <a:solidFill>
+                              <a:srgbClr val="FF0000"/>
+                            </a:solidFill>
+                          </a:rPr>
+                          <m:t>𝑎𝑙𝑙</m:t>
+                        </m:r>
+                        <m:r>
+                          <a:rPr lang="en-US" altLang="zh-CN" sz="2600" i="1">
+                            <a:solidFill>
+                              <a:srgbClr val="FF0000"/>
+                            </a:solidFill>
+                          </a:rPr>
+                          <m:t> </m:t>
+                        </m:r>
+                        <m:r>
+                          <a:rPr lang="en-US" altLang="zh-CN" sz="2600" i="1">
+                            <a:solidFill>
+                              <a:srgbClr val="FF0000"/>
+                            </a:solidFill>
+                          </a:rPr>
+                          <m:t>𝑐𝑎𝑡𝑒𝑔𝑜𝑟𝑦</m:t>
+                        </m:r>
+                        <m:r>
+                          <a:rPr lang="en-US" altLang="zh-CN" sz="2600" i="1"/>
+                          <m:t>)</m:t>
+                        </m:r>
+                      </m:den>
+                    </m:f>
+                  </m:oMath>
+                </a14:m>
+                <a:r>
+                  <a:rPr lang="en-US" altLang="zh-CN" sz="2600" i="1" dirty="0"/>
+                  <a:t> </a:t>
+                </a:r>
+                <a:endParaRPr lang="en-US" altLang="zh-CN" sz="2600" i="1" dirty="0" smtClean="0"/>
+              </a:p>
+              <a:p>
+                <a:endParaRPr lang="zh-CN" altLang="en-US" i="1" dirty="0"/>
+              </a:p>
+            </p:txBody>
+          </p:sp>
+        </mc:Choice>
+        <mc:Fallback>
+          <p:sp>
+            <p:nvSpPr>
+              <p:cNvPr id="8" name="Content Placeholder 7"/>
+              <p:cNvSpPr>
+                <a:spLocks noGrp="1" noRot="1" noChangeAspect="1" noMove="1" noResize="1" noEditPoints="1" noAdjustHandles="1" noChangeArrowheads="1" noChangeShapeType="1" noTextEdit="1"/>
+              </p:cNvSpPr>
+              <p:nvPr>
+                <p:ph idx="1"/>
+              </p:nvPr>
+            </p:nvSpPr>
+            <p:spPr>
+              <a:xfrm>
+                <a:off x="457200" y="1981200"/>
+                <a:ext cx="8001000" cy="4144963"/>
+              </a:xfrm>
+              <a:blipFill rotWithShape="1">
+                <a:blip r:embed="rId3"/>
+                <a:stretch>
+                  <a:fillRect/>
+                </a:stretch>
+              </a:blipFill>
+            </p:spPr>
+            <p:txBody>
+              <a:bodyPr/>
+              <a:lstStyle/>
+              <a:p>
+                <a:r>
+                  <a:rPr lang="zh-CN" altLang="en-US">
+                    <a:noFill/>
+                  </a:rPr>
+                  <a:t> </a:t>
+                </a:r>
+              </a:p>
+            </p:txBody>
+          </p:sp>
+        </mc:Fallback>
+      </mc:AlternateContent>
+    </p:spTree>
+    <p:extLst>
+      <p:ext uri="{BB962C8B-B14F-4D97-AF65-F5344CB8AC3E}">
+        <p14:creationId xmlns:p14="http://schemas.microsoft.com/office/powerpoint/2010/main" val="81596437"/>
+      </p:ext>
+    </p:extLst>
+  </p:cSld>
+  <p:clrMapOvr>
+    <a:masterClrMapping/>
+  </p:clrMapOvr>
+</p:sld>
+</file>
+
+<file path=ppt/slides/slide15.xml><?xml version="1.0" encoding="utf-8"?>
+<p:sld xmlns:a="http://schemas.openxmlformats.org/drawingml/2006/main" xmlns:r="http://schemas.openxmlformats.org/officeDocument/2006/relationships" xmlns:p="http://schemas.openxmlformats.org/presentationml/2006/main">
+  <p:cSld>
+    <p:spTree>
+      <p:nvGrpSpPr>
+        <p:cNvPr id="1" name=""/>
+        <p:cNvGrpSpPr/>
+        <p:nvPr/>
+      </p:nvGrpSpPr>
+      <p:grpSpPr>
+        <a:xfrm>
+          <a:off x="0" y="0"/>
+          <a:ext cx="0" cy="0"/>
+          <a:chOff x="0" y="0"/>
+          <a:chExt cx="0" cy="0"/>
+        </a:xfrm>
+      </p:grpSpPr>
+      <p:sp>
+        <p:nvSpPr>
+          <p:cNvPr id="2" name="Title 1"/>
+          <p:cNvSpPr>
+            <a:spLocks noGrp="1"/>
+          </p:cNvSpPr>
+          <p:nvPr>
+            <p:ph type="title"/>
+          </p:nvPr>
+        </p:nvSpPr>
+        <p:spPr>
+          <a:xfrm>
+            <a:off x="457200" y="1066800"/>
+            <a:ext cx="8229600" cy="914400"/>
+          </a:xfrm>
+        </p:spPr>
+        <p:txBody>
+          <a:bodyPr>
+            <a:normAutofit/>
+          </a:bodyPr>
+          <a:lstStyle/>
+          <a:p>
+            <a:pPr algn="l"/>
+            <a:r>
+              <a:rPr lang="zh-CN" altLang="en-US" sz="3200" dirty="0" smtClean="0">
+                <a:latin typeface="黑体" panose="02010609060101010101" pitchFamily="49" charset="-122"/>
+                <a:ea typeface="黑体" panose="02010609060101010101" pitchFamily="49" charset="-122"/>
+              </a:rPr>
+              <a:t>测试情况</a:t>
+            </a:r>
+            <a:endParaRPr lang="zh-CN" altLang="en-US" sz="3200" dirty="0">
+              <a:latin typeface="黑体" panose="02010609060101010101" pitchFamily="49" charset="-122"/>
+              <a:ea typeface="黑体" panose="02010609060101010101" pitchFamily="49" charset="-122"/>
+            </a:endParaRPr>
+          </a:p>
+        </p:txBody>
+      </p:sp>
+      <p:sp>
+        <p:nvSpPr>
+          <p:cNvPr id="4" name="Rectangle 19"/>
+          <p:cNvSpPr>
+            <a:spLocks noChangeArrowheads="1"/>
+          </p:cNvSpPr>
+          <p:nvPr/>
+        </p:nvSpPr>
+        <p:spPr bwMode="auto">
+          <a:xfrm>
+            <a:off x="0" y="6629400"/>
+            <a:ext cx="9144000" cy="228600"/>
+          </a:xfrm>
+          <a:prstGeom prst="rect">
+            <a:avLst/>
+          </a:prstGeom>
+          <a:solidFill>
+            <a:srgbClr val="0E03E7"/>
+          </a:solidFill>
+          <a:ln w="9525">
+            <a:solidFill>
+              <a:schemeClr val="tx1"/>
+            </a:solidFill>
+            <a:miter lim="800000"/>
+            <a:headEnd/>
+            <a:tailEnd/>
+          </a:ln>
+          <a:effectLst/>
+        </p:spPr>
+        <p:txBody>
+          <a:bodyPr wrap="none" anchor="ctr"/>
+          <a:lstStyle/>
+          <a:p>
+            <a:endParaRPr lang="zh-CN" altLang="en-US"/>
+          </a:p>
+        </p:txBody>
+      </p:sp>
+      <p:pic>
+        <p:nvPicPr>
+          <p:cNvPr id="5" name="Picture 18" descr="C:\Documents and Settings\Administrator\桌面\logo_small.jpg"/>
+          <p:cNvPicPr>
+            <a:picLocks noChangeAspect="1" noChangeArrowheads="1"/>
+          </p:cNvPicPr>
+          <p:nvPr/>
+        </p:nvPicPr>
+        <p:blipFill>
+          <a:blip r:embed="rId2">
+            <a:extLst>
+              <a:ext uri="{28A0092B-C50C-407E-A947-70E740481C1C}">
+                <a14:useLocalDpi xmlns:a14="http://schemas.microsoft.com/office/drawing/2010/main" val="0"/>
+              </a:ext>
+            </a:extLst>
+          </a:blip>
+          <a:srcRect/>
+          <a:stretch>
+            <a:fillRect/>
+          </a:stretch>
+        </p:blipFill>
+        <p:spPr bwMode="auto">
+          <a:xfrm>
+            <a:off x="152400" y="93663"/>
+            <a:ext cx="3124200" cy="820737"/>
+          </a:xfrm>
+          <a:prstGeom prst="rect">
+            <a:avLst/>
+          </a:prstGeom>
+          <a:noFill/>
+          <a:extLst>
+            <a:ext uri="{909E8E84-426E-40DD-AFC4-6F175D3DCCD1}">
+              <a14:hiddenFill xmlns:a14="http://schemas.microsoft.com/office/drawing/2010/main">
+                <a:solidFill>
+                  <a:srgbClr val="FFFFFF"/>
+                </a:solidFill>
+              </a14:hiddenFill>
+            </a:ext>
+          </a:extLst>
+        </p:spPr>
+      </p:pic>
+      <mc:AlternateContent xmlns:mc="http://schemas.openxmlformats.org/markup-compatibility/2006">
+        <mc:Choice xmlns:a14="http://schemas.microsoft.com/office/drawing/2010/main" Requires="a14">
+          <p:sp>
+            <p:nvSpPr>
+              <p:cNvPr id="6" name="Content Placeholder 2"/>
+              <p:cNvSpPr txBox="1">
+                <a:spLocks/>
+              </p:cNvSpPr>
+              <p:nvPr/>
+            </p:nvSpPr>
+            <p:spPr>
+              <a:xfrm>
+                <a:off x="228600" y="2209800"/>
+                <a:ext cx="9525000" cy="3733799"/>
+              </a:xfrm>
+              <a:prstGeom prst="rect">
+                <a:avLst/>
+              </a:prstGeom>
+            </p:spPr>
+            <p:txBody>
+              <a:bodyPr vert="horz" lIns="91440" tIns="45720" rIns="91440" bIns="45720" rtlCol="0">
+                <a:noAutofit/>
+              </a:bodyPr>
+              <a:lstStyle>
+                <a:lvl1pPr marL="342900" indent="-342900" algn="l" defTabSz="914400" rtl="0" eaLnBrk="1" latinLnBrk="0" hangingPunct="1">
+                  <a:spcBef>
+                    <a:spcPct val="20000"/>
+                  </a:spcBef>
+                  <a:buFont typeface="Arial" pitchFamily="34" charset="0"/>
+                  <a:buChar char="•"/>
+                  <a:defRPr sz="3200" kern="1200">
+                    <a:solidFill>
+                      <a:schemeClr val="tx1"/>
+                    </a:solidFill>
+                    <a:latin typeface="+mn-lt"/>
+                    <a:ea typeface="+mn-ea"/>
+                    <a:cs typeface="+mn-cs"/>
+                  </a:defRPr>
+                </a:lvl1pPr>
+                <a:lvl2pPr marL="742950" indent="-285750" algn="l" defTabSz="914400" rtl="0" eaLnBrk="1" latinLnBrk="0" hangingPunct="1">
+                  <a:spcBef>
+                    <a:spcPct val="20000"/>
+                  </a:spcBef>
+                  <a:buFont typeface="Arial" pitchFamily="34" charset="0"/>
+                  <a:buChar char="–"/>
+                  <a:defRPr sz="2800" kern="1200">
+                    <a:solidFill>
+                      <a:schemeClr val="tx1"/>
+                    </a:solidFill>
+                    <a:latin typeface="+mn-lt"/>
+                    <a:ea typeface="+mn-ea"/>
+                    <a:cs typeface="+mn-cs"/>
+                  </a:defRPr>
+                </a:lvl2pPr>
+                <a:lvl3pPr marL="1143000" indent="-228600" algn="l" defTabSz="914400" rtl="0" eaLnBrk="1" latinLnBrk="0" hangingPunct="1">
+                  <a:spcBef>
+                    <a:spcPct val="20000"/>
+                  </a:spcBef>
+                  <a:buFont typeface="Arial" pitchFamily="34" charset="0"/>
+                  <a:buChar char="•"/>
+                  <a:defRPr sz="2400" kern="1200">
+                    <a:solidFill>
+                      <a:schemeClr val="tx1"/>
+                    </a:solidFill>
+                    <a:latin typeface="+mn-lt"/>
+                    <a:ea typeface="+mn-ea"/>
+                    <a:cs typeface="+mn-cs"/>
+                  </a:defRPr>
+                </a:lvl3pPr>
+                <a:lvl4pPr marL="1600200" indent="-228600" algn="l" defTabSz="914400" rtl="0" eaLnBrk="1" latinLnBrk="0" hangingPunct="1">
+                  <a:spcBef>
+                    <a:spcPct val="20000"/>
+                  </a:spcBef>
+                  <a:buFont typeface="Arial" pitchFamily="34" charset="0"/>
+                  <a:buChar char="–"/>
+                  <a:defRPr sz="2000" kern="1200">
+                    <a:solidFill>
+                      <a:schemeClr val="tx1"/>
+                    </a:solidFill>
+                    <a:latin typeface="+mn-lt"/>
+                    <a:ea typeface="+mn-ea"/>
+                    <a:cs typeface="+mn-cs"/>
+                  </a:defRPr>
+                </a:lvl4pPr>
+                <a:lvl5pPr marL="2057400" indent="-228600" algn="l" defTabSz="914400" rtl="0" eaLnBrk="1" latinLnBrk="0" hangingPunct="1">
+                  <a:spcBef>
+                    <a:spcPct val="20000"/>
+                  </a:spcBef>
+                  <a:buFont typeface="Arial" pitchFamily="34" charset="0"/>
+                  <a:buChar char="»"/>
+                  <a:defRPr sz="2000" kern="1200">
+                    <a:solidFill>
+                      <a:schemeClr val="tx1"/>
+                    </a:solidFill>
+                    <a:latin typeface="+mn-lt"/>
+                    <a:ea typeface="+mn-ea"/>
+                    <a:cs typeface="+mn-cs"/>
+                  </a:defRPr>
+                </a:lvl5pPr>
+                <a:lvl6pPr marL="2514600" indent="-228600" algn="l" defTabSz="914400" rtl="0" eaLnBrk="1" latinLnBrk="0" hangingPunct="1">
+                  <a:spcBef>
+                    <a:spcPct val="20000"/>
+                  </a:spcBef>
+                  <a:buFont typeface="Arial" pitchFamily="34" charset="0"/>
+                  <a:buChar char="•"/>
+                  <a:defRPr sz="2000" kern="1200">
+                    <a:solidFill>
+                      <a:schemeClr val="tx1"/>
+                    </a:solidFill>
+                    <a:latin typeface="+mn-lt"/>
+                    <a:ea typeface="+mn-ea"/>
+                    <a:cs typeface="+mn-cs"/>
+                  </a:defRPr>
+                </a:lvl6pPr>
+                <a:lvl7pPr marL="2971800" indent="-228600" algn="l" defTabSz="914400" rtl="0" eaLnBrk="1" latinLnBrk="0" hangingPunct="1">
+                  <a:spcBef>
+                    <a:spcPct val="20000"/>
+                  </a:spcBef>
+                  <a:buFont typeface="Arial" pitchFamily="34" charset="0"/>
+                  <a:buChar char="•"/>
+                  <a:defRPr sz="2000" kern="1200">
+                    <a:solidFill>
+                      <a:schemeClr val="tx1"/>
+                    </a:solidFill>
+                    <a:latin typeface="+mn-lt"/>
+                    <a:ea typeface="+mn-ea"/>
+                    <a:cs typeface="+mn-cs"/>
+                  </a:defRPr>
+                </a:lvl7pPr>
+                <a:lvl8pPr marL="3429000" indent="-228600" algn="l" defTabSz="914400" rtl="0" eaLnBrk="1" latinLnBrk="0" hangingPunct="1">
+                  <a:spcBef>
+                    <a:spcPct val="20000"/>
+                  </a:spcBef>
+                  <a:buFont typeface="Arial" pitchFamily="34" charset="0"/>
+                  <a:buChar char="•"/>
+                  <a:defRPr sz="2000" kern="1200">
+                    <a:solidFill>
+                      <a:schemeClr val="tx1"/>
+                    </a:solidFill>
+                    <a:latin typeface="+mn-lt"/>
+                    <a:ea typeface="+mn-ea"/>
+                    <a:cs typeface="+mn-cs"/>
+                  </a:defRPr>
+                </a:lvl8pPr>
+                <a:lvl9pPr marL="3886200" indent="-228600" algn="l" defTabSz="914400" rtl="0" eaLnBrk="1" latinLnBrk="0" hangingPunct="1">
+                  <a:spcBef>
+                    <a:spcPct val="20000"/>
+                  </a:spcBef>
+                  <a:buFont typeface="Arial" pitchFamily="34" charset="0"/>
+                  <a:buChar char="•"/>
+                  <a:defRPr sz="2000" kern="1200">
+                    <a:solidFill>
+                      <a:schemeClr val="tx1"/>
+                    </a:solidFill>
+                    <a:latin typeface="+mn-lt"/>
+                    <a:ea typeface="+mn-ea"/>
+                    <a:cs typeface="+mn-cs"/>
+                  </a:defRPr>
+                </a:lvl9pPr>
+              </a:lstStyle>
+              <a:p>
+                <a:pPr marL="0" indent="0">
+                  <a:buFont typeface="Arial" pitchFamily="34" charset="0"/>
+                  <a:buNone/>
+                </a:pPr>
+                <a:r>
+                  <a:rPr lang="en-US" altLang="zh-CN" sz="1000" dirty="0" smtClean="0"/>
+                  <a:t>FEATURES	ALL	SPAM	GOOD	</a:t>
+                </a:r>
+                <a14:m>
+                  <m:oMath xmlns:m="http://schemas.openxmlformats.org/officeDocument/2006/math">
+                    <m:r>
+                      <m:rPr>
+                        <m:sty m:val="p"/>
+                      </m:rPr>
+                      <a:rPr lang="en-US" altLang="zh-CN" sz="1000" smtClean="0">
+                        <a:latin typeface="Cambria Math"/>
+                      </a:rPr>
+                      <m:t>b</m:t>
+                    </m:r>
+                    <m:r>
+                      <a:rPr lang="en-US" altLang="zh-CN" sz="1000" i="1">
+                        <a:latin typeface="Cambria Math"/>
+                      </a:rPr>
+                      <m:t>(</m:t>
+                    </m:r>
+                    <m:r>
+                      <a:rPr lang="en-US" altLang="zh-CN" sz="1000" i="1">
+                        <a:latin typeface="Cambria Math"/>
+                      </a:rPr>
+                      <m:t>𝑆𝑝𝑎𝑚</m:t>
+                    </m:r>
+                    <m:r>
+                      <a:rPr lang="en-US" altLang="zh-CN" sz="1000" i="1">
+                        <a:latin typeface="Cambria Math"/>
+                      </a:rPr>
+                      <m:t>)</m:t>
+                    </m:r>
+                  </m:oMath>
+                </a14:m>
+                <a:r>
+                  <a:rPr lang="en-US" altLang="zh-CN" sz="1000" dirty="0"/>
+                  <a:t>	</a:t>
+                </a:r>
+                <a14:m>
+                  <m:oMath xmlns:m="http://schemas.openxmlformats.org/officeDocument/2006/math">
+                    <m:r>
+                      <m:rPr>
+                        <m:sty m:val="p"/>
+                      </m:rPr>
+                      <a:rPr lang="en-US" altLang="zh-CN" sz="1000" smtClean="0">
+                        <a:latin typeface="Cambria Math"/>
+                      </a:rPr>
+                      <m:t>b</m:t>
+                    </m:r>
+                    <m:r>
+                      <a:rPr lang="en-US" altLang="zh-CN" sz="1000" i="1">
+                        <a:latin typeface="Cambria Math"/>
+                      </a:rPr>
+                      <m:t>(</m:t>
+                    </m:r>
+                    <m:r>
+                      <a:rPr lang="en-US" altLang="zh-CN" sz="1000" i="1">
+                        <a:latin typeface="Cambria Math"/>
+                      </a:rPr>
+                      <m:t>𝐺𝑜𝑜𝑑</m:t>
+                    </m:r>
+                    <m:r>
+                      <a:rPr lang="en-US" altLang="zh-CN" sz="1000" i="1">
+                        <a:latin typeface="Cambria Math"/>
+                      </a:rPr>
+                      <m:t>)</m:t>
+                    </m:r>
+                  </m:oMath>
+                </a14:m>
+                <a:r>
+                  <a:rPr lang="en-US" altLang="zh-CN" sz="1000" dirty="0"/>
+                  <a:t>	</a:t>
+                </a:r>
+                <a14:m>
+                  <m:oMath xmlns:m="http://schemas.openxmlformats.org/officeDocument/2006/math">
+                    <m:r>
+                      <m:rPr>
+                        <m:sty m:val="p"/>
+                      </m:rPr>
+                      <a:rPr lang="en-US" altLang="zh-CN" sz="1000" smtClean="0">
+                        <a:latin typeface="Cambria Math"/>
+                      </a:rPr>
+                      <m:t>f</m:t>
+                    </m:r>
+                    <m:r>
+                      <a:rPr lang="en-US" altLang="zh-CN" sz="1000" i="1">
+                        <a:latin typeface="Cambria Math"/>
+                      </a:rPr>
+                      <m:t>(</m:t>
+                    </m:r>
+                    <m:r>
+                      <a:rPr lang="en-US" altLang="zh-CN" sz="1000" i="1">
+                        <a:latin typeface="Cambria Math"/>
+                      </a:rPr>
+                      <m:t>𝑆𝑝𝑎𝑚</m:t>
+                    </m:r>
+                    <m:r>
+                      <a:rPr lang="en-US" altLang="zh-CN" sz="1000" i="1">
+                        <a:latin typeface="Cambria Math"/>
+                      </a:rPr>
+                      <m:t>)</m:t>
+                    </m:r>
+                  </m:oMath>
+                </a14:m>
+                <a:r>
+                  <a:rPr lang="en-US" altLang="zh-CN" sz="1000" dirty="0" smtClean="0"/>
+                  <a:t>	</a:t>
+                </a:r>
+                <a14:m>
+                  <m:oMath xmlns:m="http://schemas.openxmlformats.org/officeDocument/2006/math">
+                    <m:r>
+                      <m:rPr>
+                        <m:sty m:val="p"/>
+                      </m:rPr>
+                      <a:rPr lang="en-US" altLang="zh-CN" sz="1000" dirty="0" smtClean="0">
+                        <a:latin typeface="Cambria Math"/>
+                      </a:rPr>
+                      <m:t>f</m:t>
+                    </m:r>
+                    <m:r>
+                      <a:rPr lang="en-US" altLang="zh-CN" sz="1000" i="1">
+                        <a:latin typeface="Cambria Math"/>
+                      </a:rPr>
+                      <m:t>(</m:t>
+                    </m:r>
+                    <m:r>
+                      <a:rPr lang="en-US" altLang="zh-CN" sz="1000" i="1">
+                        <a:latin typeface="Cambria Math"/>
+                      </a:rPr>
+                      <m:t>𝐺𝑜𝑜𝑑</m:t>
+                    </m:r>
+                    <m:r>
+                      <a:rPr lang="en-US" altLang="zh-CN" sz="1000" i="1">
+                        <a:latin typeface="Cambria Math"/>
+                      </a:rPr>
+                      <m:t>)</m:t>
+                    </m:r>
+                  </m:oMath>
+                </a14:m>
+                <a:r>
+                  <a:rPr lang="en-US" altLang="zh-CN" sz="1000" dirty="0" smtClean="0"/>
+                  <a:t>	</a:t>
+                </a:r>
+                <a14:m>
+                  <m:oMath xmlns:m="http://schemas.openxmlformats.org/officeDocument/2006/math">
+                    <m:r>
+                      <m:rPr>
+                        <m:sty m:val="p"/>
+                      </m:rPr>
+                      <a:rPr lang="en-US" altLang="zh-CN" sz="1000" dirty="0" smtClean="0">
+                        <a:latin typeface="Cambria Math"/>
+                      </a:rPr>
+                      <m:t>j</m:t>
+                    </m:r>
+                    <m:r>
+                      <a:rPr lang="en-US" altLang="zh-CN" sz="1000" i="1">
+                        <a:latin typeface="Cambria Math"/>
+                      </a:rPr>
+                      <m:t>(</m:t>
+                    </m:r>
+                    <m:r>
+                      <a:rPr lang="en-US" altLang="zh-CN" sz="1000" i="1">
+                        <a:latin typeface="Cambria Math"/>
+                      </a:rPr>
+                      <m:t>𝑆𝑝𝑎𝑚</m:t>
+                    </m:r>
+                    <m:r>
+                      <a:rPr lang="en-US" altLang="zh-CN" sz="1000" i="1">
+                        <a:latin typeface="Cambria Math"/>
+                      </a:rPr>
+                      <m:t>)</m:t>
+                    </m:r>
+                  </m:oMath>
+                </a14:m>
+                <a:r>
+                  <a:rPr lang="en-US" altLang="zh-CN" sz="1000" dirty="0" smtClean="0"/>
+                  <a:t>	</a:t>
+                </a:r>
+                <a14:m>
+                  <m:oMath xmlns:m="http://schemas.openxmlformats.org/officeDocument/2006/math">
+                    <m:r>
+                      <m:rPr>
+                        <m:sty m:val="p"/>
+                      </m:rPr>
+                      <a:rPr lang="en-US" altLang="zh-CN" sz="1000" smtClean="0">
+                        <a:latin typeface="Cambria Math"/>
+                      </a:rPr>
+                      <m:t>j</m:t>
+                    </m:r>
+                    <m:r>
+                      <a:rPr lang="en-US" altLang="zh-CN" sz="1000" i="1">
+                        <a:latin typeface="Cambria Math"/>
+                      </a:rPr>
+                      <m:t>(</m:t>
+                    </m:r>
+                    <m:r>
+                      <a:rPr lang="en-US" altLang="zh-CN" sz="1000" i="1" smtClean="0">
+                        <a:latin typeface="Cambria Math"/>
+                      </a:rPr>
+                      <m:t>𝐺𝑜𝑜𝑑</m:t>
+                    </m:r>
+                    <m:r>
+                      <a:rPr lang="en-US" altLang="zh-CN" sz="1000" i="1">
+                        <a:latin typeface="Cambria Math"/>
+                      </a:rPr>
+                      <m:t>)</m:t>
+                    </m:r>
+                  </m:oMath>
+                </a14:m>
+                <a:endParaRPr lang="en-US" altLang="zh-CN" sz="1000" dirty="0"/>
+              </a:p>
+              <a:p>
+                <a:pPr marL="0" indent="0">
+                  <a:buFont typeface="Arial" pitchFamily="34" charset="0"/>
+                  <a:buNone/>
+                </a:pPr>
+                <a:r>
+                  <a:rPr lang="en-US" altLang="zh-CN" sz="1000" dirty="0"/>
+                  <a:t>buy	</a:t>
+                </a:r>
+                <a:r>
+                  <a:rPr lang="en-US" altLang="zh-CN" sz="1000" dirty="0" smtClean="0"/>
+                  <a:t>1</a:t>
+                </a:r>
+                <a:r>
+                  <a:rPr lang="en-US" altLang="zh-CN" sz="1000" dirty="0"/>
+                  <a:t>	1	0	50.00%	25.00%	75.00%	25.00%	75.00%	25.00%	</a:t>
+                </a:r>
+              </a:p>
+              <a:p>
+                <a:pPr marL="0" indent="0">
+                  <a:buFont typeface="Arial" pitchFamily="34" charset="0"/>
+                  <a:buNone/>
+                </a:pPr>
+                <a:r>
+                  <a:rPr lang="en-US" altLang="zh-CN" sz="1000" dirty="0" smtClean="0"/>
+                  <a:t>pharm…	1</a:t>
+                </a:r>
+                <a:r>
+                  <a:rPr lang="en-US" altLang="zh-CN" sz="1000" dirty="0"/>
+                  <a:t>	1	0	50.00%	25.00%	75.00%	25.00%	75.00%	25.00%	</a:t>
+                </a:r>
+              </a:p>
+              <a:p>
+                <a:pPr marL="0" indent="0">
+                  <a:buFont typeface="Arial" pitchFamily="34" charset="0"/>
+                  <a:buNone/>
+                </a:pPr>
+                <a:r>
+                  <a:rPr lang="en-US" altLang="zh-CN" sz="1000" dirty="0"/>
+                  <a:t>now	</a:t>
+                </a:r>
+                <a:r>
+                  <a:rPr lang="en-US" altLang="zh-CN" sz="1000" dirty="0" smtClean="0"/>
+                  <a:t>1</a:t>
+                </a:r>
+                <a:r>
+                  <a:rPr lang="en-US" altLang="zh-CN" sz="1000" dirty="0"/>
+                  <a:t>	1	0	50.00%	25.00%	75.00%	25.00%	75.00%	25.00%	</a:t>
+                </a:r>
+              </a:p>
+              <a:p>
+                <a:pPr marL="0" indent="0">
+                  <a:buFont typeface="Arial" pitchFamily="34" charset="0"/>
+                  <a:buNone/>
+                </a:pPr>
+                <a:r>
+                  <a:rPr lang="en-US" altLang="zh-CN" sz="1000" dirty="0"/>
+                  <a:t>make	</a:t>
+                </a:r>
+                <a:r>
+                  <a:rPr lang="en-US" altLang="zh-CN" sz="1000" dirty="0" smtClean="0"/>
+                  <a:t>1</a:t>
+                </a:r>
+                <a:r>
+                  <a:rPr lang="en-US" altLang="zh-CN" sz="1000" dirty="0"/>
+                  <a:t>	1	0	50.00%	25.00%	75.00%	25.00%	75.00%	25.00%	</a:t>
+                </a:r>
+              </a:p>
+              <a:p>
+                <a:pPr marL="0" indent="0">
+                  <a:buFont typeface="Arial" pitchFamily="34" charset="0"/>
+                  <a:buNone/>
+                </a:pPr>
+                <a:r>
+                  <a:rPr lang="en-US" altLang="zh-CN" sz="1000" dirty="0"/>
+                  <a:t>quick	</a:t>
+                </a:r>
+                <a:r>
+                  <a:rPr lang="en-US" altLang="zh-CN" sz="1000" dirty="0" smtClean="0"/>
+                  <a:t>3</a:t>
+                </a:r>
+                <a:r>
+                  <a:rPr lang="en-US" altLang="zh-CN" sz="1000" dirty="0"/>
+                  <a:t>	1	2	50.00%	62.50%	44.64%	55.36%	37.50%	62.50%	</a:t>
+                </a:r>
+              </a:p>
+              <a:p>
+                <a:pPr marL="0" indent="0">
+                  <a:buFont typeface="Arial" pitchFamily="34" charset="0"/>
+                  <a:buNone/>
+                </a:pPr>
+                <a:r>
+                  <a:rPr lang="en-US" altLang="zh-CN" sz="1000" dirty="0"/>
+                  <a:t>money	</a:t>
+                </a:r>
+                <a:r>
+                  <a:rPr lang="en-US" altLang="zh-CN" sz="1000" dirty="0" smtClean="0"/>
+                  <a:t>1</a:t>
+                </a:r>
+                <a:r>
+                  <a:rPr lang="en-US" altLang="zh-CN" sz="1000" dirty="0"/>
+                  <a:t>	1	0	50.00%	25.00%	75.00%	25.00%	75.00%	25.00%	</a:t>
+                </a:r>
+              </a:p>
+              <a:p>
+                <a:pPr marL="0" indent="0">
+                  <a:buFont typeface="Arial" pitchFamily="34" charset="0"/>
+                  <a:buNone/>
+                </a:pPr>
+                <a:r>
+                  <a:rPr lang="en-US" altLang="zh-CN" sz="1000" dirty="0"/>
+                  <a:t>at	</a:t>
+                </a:r>
+                <a:r>
+                  <a:rPr lang="en-US" altLang="zh-CN" sz="1000" dirty="0" smtClean="0"/>
+                  <a:t>1</a:t>
+                </a:r>
+                <a:r>
+                  <a:rPr lang="en-US" altLang="zh-CN" sz="1000" dirty="0"/>
+                  <a:t>	1	0	50.00%	25.00%	75.00%	25.00%	75.00%	25.00%	</a:t>
+                </a:r>
+              </a:p>
+              <a:p>
+                <a:pPr marL="0" indent="0">
+                  <a:buFont typeface="Arial" pitchFamily="34" charset="0"/>
+                  <a:buNone/>
+                </a:pPr>
+                <a:r>
+                  <a:rPr lang="en-US" altLang="zh-CN" sz="1000" dirty="0"/>
+                  <a:t>the	</a:t>
+                </a:r>
+                <a:r>
+                  <a:rPr lang="en-US" altLang="zh-CN" sz="1000" dirty="0" smtClean="0"/>
+                  <a:t>4</a:t>
+                </a:r>
+                <a:r>
+                  <a:rPr lang="en-US" altLang="zh-CN" sz="1000" dirty="0"/>
+                  <a:t>	1	3	50.00%	90.00%	36.67%	63.33%	30.00%	70.00%	</a:t>
+                </a:r>
+              </a:p>
+              <a:p>
+                <a:pPr marL="0" indent="0">
+                  <a:buFont typeface="Arial" pitchFamily="34" charset="0"/>
+                  <a:buNone/>
+                </a:pPr>
+                <a:r>
+                  <a:rPr lang="en-US" altLang="zh-CN" sz="1000" dirty="0"/>
+                  <a:t>online	</a:t>
+                </a:r>
+                <a:r>
+                  <a:rPr lang="en-US" altLang="zh-CN" sz="1000" dirty="0" smtClean="0"/>
+                  <a:t>1</a:t>
+                </a:r>
+                <a:r>
+                  <a:rPr lang="en-US" altLang="zh-CN" sz="1000" dirty="0"/>
+                  <a:t>	1	0	50.00%	25.00%	75.00%	25.00%	75.00%	25.00%	</a:t>
+                </a:r>
+              </a:p>
+              <a:p>
+                <a:pPr marL="0" indent="0">
+                  <a:buFont typeface="Arial" pitchFamily="34" charset="0"/>
+                  <a:buNone/>
+                </a:pPr>
+                <a:r>
+                  <a:rPr lang="en-US" altLang="zh-CN" sz="1000" dirty="0"/>
+                  <a:t>casino	</a:t>
+                </a:r>
+                <a:r>
+                  <a:rPr lang="en-US" altLang="zh-CN" sz="1000" dirty="0" smtClean="0"/>
+                  <a:t>1</a:t>
+                </a:r>
+                <a:r>
+                  <a:rPr lang="en-US" altLang="zh-CN" sz="1000" dirty="0"/>
+                  <a:t>	1	0	50.00%	25.00%	75.00%	25.00%	75.00%	25.00%	</a:t>
+                </a:r>
+              </a:p>
+              <a:p>
+                <a:pPr marL="0" indent="0">
+                  <a:buFont typeface="Arial" pitchFamily="34" charset="0"/>
+                  <a:buNone/>
+                </a:pPr>
+                <a:r>
+                  <a:rPr lang="en-US" altLang="zh-CN" sz="1000" dirty="0"/>
+                  <a:t>nobody	</a:t>
+                </a:r>
+                <a:r>
+                  <a:rPr lang="en-US" altLang="zh-CN" sz="1000" dirty="0" smtClean="0"/>
+                  <a:t>1</a:t>
+                </a:r>
+                <a:r>
+                  <a:rPr lang="en-US" altLang="zh-CN" sz="1000" dirty="0"/>
+                  <a:t>	0	1	25.00%	41.67%	25.00%	75.00%	25.00%	75.00%	</a:t>
+                </a:r>
+              </a:p>
+              <a:p>
+                <a:pPr marL="0" indent="0">
+                  <a:buFont typeface="Arial" pitchFamily="34" charset="0"/>
+                  <a:buNone/>
+                </a:pPr>
+                <a:r>
+                  <a:rPr lang="en-US" altLang="zh-CN" sz="1000" dirty="0"/>
+                  <a:t>owns	</a:t>
+                </a:r>
+                <a:r>
+                  <a:rPr lang="en-US" altLang="zh-CN" sz="1000" dirty="0" smtClean="0"/>
+                  <a:t>1</a:t>
+                </a:r>
+                <a:r>
+                  <a:rPr lang="en-US" altLang="zh-CN" sz="1000" dirty="0"/>
+                  <a:t>	0	1	25.00%	41.67%	25.00%	75.00%	25.00%	75.00%	</a:t>
+                </a:r>
+              </a:p>
+              <a:p>
+                <a:pPr marL="0" indent="0">
+                  <a:buFont typeface="Arial" pitchFamily="34" charset="0"/>
+                  <a:buNone/>
+                </a:pPr>
+                <a:r>
+                  <a:rPr lang="en-US" altLang="zh-CN" sz="1000" dirty="0"/>
+                  <a:t>water	</a:t>
+                </a:r>
+                <a:r>
+                  <a:rPr lang="en-US" altLang="zh-CN" sz="1000" dirty="0" smtClean="0"/>
+                  <a:t>1</a:t>
+                </a:r>
+                <a:r>
+                  <a:rPr lang="en-US" altLang="zh-CN" sz="1000" dirty="0"/>
+                  <a:t>	0	1	25.00%	41.67%	25.00%	75.00%	25.00%	75.00%	</a:t>
+                </a:r>
+              </a:p>
+              <a:p>
+                <a:pPr marL="0" indent="0">
+                  <a:buFont typeface="Arial" pitchFamily="34" charset="0"/>
+                  <a:buNone/>
+                </a:pPr>
+                <a:r>
+                  <a:rPr lang="en-US" altLang="zh-CN" sz="1000" dirty="0"/>
+                  <a:t>rabbit	</a:t>
+                </a:r>
+                <a:r>
+                  <a:rPr lang="en-US" altLang="zh-CN" sz="1000" dirty="0" smtClean="0"/>
+                  <a:t>1</a:t>
+                </a:r>
+                <a:r>
+                  <a:rPr lang="en-US" altLang="zh-CN" sz="1000" dirty="0"/>
+                  <a:t>	0	1	25.00%	41.67%	25.00%	75.00%	25.00%	75.00%	</a:t>
+                </a:r>
+              </a:p>
+              <a:p>
+                <a:pPr marL="0" indent="0">
+                  <a:buFont typeface="Arial" pitchFamily="34" charset="0"/>
+                  <a:buNone/>
+                </a:pPr>
+                <a:r>
+                  <a:rPr lang="en-US" altLang="zh-CN" sz="1000" dirty="0"/>
+                  <a:t>jumps	</a:t>
+                </a:r>
+                <a:r>
+                  <a:rPr lang="en-US" altLang="zh-CN" sz="1000" dirty="0" smtClean="0"/>
+                  <a:t>2</a:t>
+                </a:r>
+                <a:r>
+                  <a:rPr lang="en-US" altLang="zh-CN" sz="1000" dirty="0"/>
+                  <a:t>	0	2	16.67%	61.11%	16.67%	83.33%	16.67%	83.33%	</a:t>
+                </a:r>
+              </a:p>
+              <a:p>
+                <a:pPr marL="0" indent="0">
+                  <a:buFont typeface="Arial" pitchFamily="34" charset="0"/>
+                  <a:buNone/>
+                </a:pPr>
+                <a:r>
+                  <a:rPr lang="en-US" altLang="zh-CN" sz="1000" dirty="0"/>
+                  <a:t>fences	</a:t>
+                </a:r>
+                <a:r>
+                  <a:rPr lang="en-US" altLang="zh-CN" sz="1000" dirty="0" smtClean="0"/>
+                  <a:t>1</a:t>
+                </a:r>
+                <a:r>
+                  <a:rPr lang="en-US" altLang="zh-CN" sz="1000" dirty="0"/>
+                  <a:t>	0	1	25.00%	41.67%	25.00%	75.00%	25.00%	75.00%	</a:t>
+                </a:r>
+              </a:p>
+              <a:p>
+                <a:pPr marL="0" indent="0">
+                  <a:buFont typeface="Arial" pitchFamily="34" charset="0"/>
+                  <a:buNone/>
+                </a:pPr>
+                <a:r>
+                  <a:rPr lang="en-US" altLang="zh-CN" sz="1000" dirty="0"/>
+                  <a:t>brown	</a:t>
+                </a:r>
+                <a:r>
+                  <a:rPr lang="en-US" altLang="zh-CN" sz="1000" dirty="0" smtClean="0"/>
+                  <a:t>1</a:t>
+                </a:r>
+                <a:r>
+                  <a:rPr lang="en-US" altLang="zh-CN" sz="1000" dirty="0"/>
+                  <a:t>	0	1	25.00%	41.67%	25.00%	75.00%	25.00%	75.00%	</a:t>
+                </a:r>
+              </a:p>
+              <a:p>
+                <a:pPr marL="0" indent="0">
+                  <a:buFont typeface="Arial" pitchFamily="34" charset="0"/>
+                  <a:buNone/>
+                </a:pPr>
+                <a:r>
+                  <a:rPr lang="en-US" altLang="zh-CN" sz="1000" dirty="0"/>
+                  <a:t>fox	</a:t>
+                </a:r>
+                <a:r>
+                  <a:rPr lang="en-US" altLang="zh-CN" sz="1000" dirty="0" smtClean="0"/>
+                  <a:t>1</a:t>
+                </a:r>
+                <a:r>
+                  <a:rPr lang="en-US" altLang="zh-CN" sz="1000" dirty="0"/>
+                  <a:t>	0	1	25.00%	41.67%	25.00%	75.00%	25.00%	75.00%</a:t>
+                </a:r>
+                <a:r>
+                  <a:rPr lang="en-US" altLang="zh-CN" sz="800" dirty="0"/>
+                  <a:t>	</a:t>
+                </a:r>
+              </a:p>
+            </p:txBody>
+          </p:sp>
+        </mc:Choice>
+        <mc:Fallback>
+          <p:sp>
+            <p:nvSpPr>
+              <p:cNvPr id="6" name="Content Placeholder 2"/>
+              <p:cNvSpPr txBox="1">
+                <a:spLocks noRot="1" noChangeAspect="1" noMove="1" noResize="1" noEditPoints="1" noAdjustHandles="1" noChangeArrowheads="1" noChangeShapeType="1" noTextEdit="1"/>
+              </p:cNvSpPr>
+              <p:nvPr/>
+            </p:nvSpPr>
+            <p:spPr>
+              <a:xfrm>
+                <a:off x="228600" y="2209800"/>
+                <a:ext cx="9525000" cy="3733799"/>
+              </a:xfrm>
+              <a:prstGeom prst="rect">
+                <a:avLst/>
+              </a:prstGeom>
+              <a:blipFill rotWithShape="1">
+                <a:blip r:embed="rId3"/>
+                <a:stretch>
+                  <a:fillRect/>
+                </a:stretch>
+              </a:blipFill>
+            </p:spPr>
+            <p:txBody>
+              <a:bodyPr/>
+              <a:lstStyle/>
+              <a:p>
+                <a:r>
+                  <a:rPr lang="zh-CN" altLang="en-US">
+                    <a:noFill/>
+                  </a:rPr>
+                  <a:t> </a:t>
+                </a:r>
+              </a:p>
+            </p:txBody>
+          </p:sp>
+        </mc:Fallback>
+      </mc:AlternateContent>
+    </p:spTree>
+    <p:extLst>
+      <p:ext uri="{BB962C8B-B14F-4D97-AF65-F5344CB8AC3E}">
+        <p14:creationId xmlns:p14="http://schemas.microsoft.com/office/powerpoint/2010/main" val="3973110316"/>
+      </p:ext>
+    </p:extLst>
+  </p:cSld>
+  <p:clrMapOvr>
+    <a:masterClrMapping/>
+  </p:clrMapOvr>
+</p:sld>
+</file>
+
+<file path=ppt/slides/slide16.xml><?xml version="1.0" encoding="utf-8"?>
+<p:sld xmlns:a="http://schemas.openxmlformats.org/drawingml/2006/main" xmlns:r="http://schemas.openxmlformats.org/officeDocument/2006/relationships" xmlns:p="http://schemas.openxmlformats.org/presentationml/2006/main">
+  <p:cSld>
+    <p:spTree>
+      <p:nvGrpSpPr>
+        <p:cNvPr id="1" name=""/>
+        <p:cNvGrpSpPr/>
+        <p:nvPr/>
+      </p:nvGrpSpPr>
+      <p:grpSpPr>
+        <a:xfrm>
+          <a:off x="0" y="0"/>
+          <a:ext cx="0" cy="0"/>
+          <a:chOff x="0" y="0"/>
+          <a:chExt cx="0" cy="0"/>
+        </a:xfrm>
+      </p:grpSpPr>
+      <p:sp>
+        <p:nvSpPr>
+          <p:cNvPr id="2" name="Title 1"/>
+          <p:cNvSpPr>
+            <a:spLocks noGrp="1"/>
+          </p:cNvSpPr>
+          <p:nvPr>
+            <p:ph type="title"/>
+          </p:nvPr>
+        </p:nvSpPr>
+        <p:spPr>
+          <a:xfrm>
+            <a:off x="457200" y="1066800"/>
+            <a:ext cx="8229600" cy="914400"/>
+          </a:xfrm>
+        </p:spPr>
+        <p:txBody>
+          <a:bodyPr>
+            <a:normAutofit/>
+          </a:bodyPr>
+          <a:lstStyle/>
+          <a:p>
+            <a:pPr algn="l"/>
+            <a:r>
+              <a:rPr lang="zh-CN" altLang="en-US" sz="3200" dirty="0">
+                <a:latin typeface="黑体" panose="02010609060101010101" pitchFamily="49" charset="-122"/>
+                <a:ea typeface="黑体" panose="02010609060101010101" pitchFamily="49" charset="-122"/>
+              </a:rPr>
+              <a:t>运行效果</a:t>
+            </a:r>
+          </a:p>
+        </p:txBody>
+      </p:sp>
+      <p:graphicFrame>
+        <p:nvGraphicFramePr>
+          <p:cNvPr id="6" name="Content Placeholder 5"/>
+          <p:cNvGraphicFramePr>
+            <a:graphicFrameLocks noGrp="1"/>
+          </p:cNvGraphicFramePr>
+          <p:nvPr>
+            <p:ph idx="1"/>
+            <p:extLst>
+              <p:ext uri="{D42A27DB-BD31-4B8C-83A1-F6EECF244321}">
+                <p14:modId xmlns:p14="http://schemas.microsoft.com/office/powerpoint/2010/main" val="3401698951"/>
+              </p:ext>
+            </p:extLst>
+          </p:nvPr>
+        </p:nvGraphicFramePr>
+        <p:xfrm>
+          <a:off x="381000" y="3352800"/>
+          <a:ext cx="5486402" cy="1447800"/>
+        </p:xfrm>
+        <a:graphic>
+          <a:graphicData uri="http://schemas.openxmlformats.org/drawingml/2006/table">
+            <a:tbl>
+              <a:tblPr firstRow="1" firstCol="1" bandRow="1">
+                <a:tableStyleId>{5C22544A-7EE6-4342-B048-85BDC9FD1C3A}</a:tableStyleId>
+              </a:tblPr>
+              <a:tblGrid>
+                <a:gridCol w="1097044"/>
+                <a:gridCol w="1097044"/>
+                <a:gridCol w="1097044"/>
+                <a:gridCol w="1097635"/>
+                <a:gridCol w="1097635"/>
+              </a:tblGrid>
+              <a:tr h="289560">
+                <a:tc>
+                  <a:txBody>
+                    <a:bodyPr/>
+                    <a:lstStyle/>
+                    <a:p>
+                      <a:pPr>
+                        <a:lnSpc>
+                          <a:spcPct val="150000"/>
+                        </a:lnSpc>
+                        <a:spcAft>
+                          <a:spcPts val="0"/>
+                        </a:spcAft>
+                      </a:pPr>
+                      <a:r>
+                        <a:rPr lang="en-US" sz="1050" kern="100" dirty="0">
+                          <a:effectLst/>
+                        </a:rPr>
+                        <a:t>Man   \   Com</a:t>
+                      </a:r>
+                      <a:endParaRPr lang="zh-CN" sz="1050" kern="100" dirty="0">
+                        <a:effectLst/>
+                        <a:latin typeface="Times New Roman"/>
+                        <a:ea typeface="宋体"/>
+                      </a:endParaRPr>
+                    </a:p>
+                  </a:txBody>
+                  <a:tcPr marL="47852" marR="47852" marT="0" marB="0"/>
+                </a:tc>
+                <a:tc>
+                  <a:txBody>
+                    <a:bodyPr/>
+                    <a:lstStyle/>
+                    <a:p>
+                      <a:pPr>
+                        <a:lnSpc>
+                          <a:spcPct val="150000"/>
+                        </a:lnSpc>
+                        <a:spcAft>
+                          <a:spcPts val="0"/>
+                        </a:spcAft>
+                      </a:pPr>
+                      <a:r>
+                        <a:rPr lang="en-US" sz="1050" kern="100" dirty="0">
+                          <a:effectLst/>
+                        </a:rPr>
+                        <a:t>Spam</a:t>
+                      </a:r>
+                      <a:endParaRPr lang="zh-CN" sz="1050" kern="100" dirty="0">
+                        <a:effectLst/>
+                        <a:latin typeface="Times New Roman"/>
+                        <a:ea typeface="宋体"/>
+                      </a:endParaRPr>
+                    </a:p>
+                  </a:txBody>
+                  <a:tcPr marL="47852" marR="47852" marT="0" marB="0"/>
+                </a:tc>
+                <a:tc>
+                  <a:txBody>
+                    <a:bodyPr/>
+                    <a:lstStyle/>
+                    <a:p>
+                      <a:pPr>
+                        <a:lnSpc>
+                          <a:spcPct val="150000"/>
+                        </a:lnSpc>
+                        <a:spcAft>
+                          <a:spcPts val="0"/>
+                        </a:spcAft>
+                      </a:pPr>
+                      <a:r>
+                        <a:rPr lang="en-US" sz="1050" kern="100" dirty="0">
+                          <a:effectLst/>
+                        </a:rPr>
+                        <a:t>Normal</a:t>
+                      </a:r>
+                      <a:endParaRPr lang="zh-CN" sz="1050" kern="100" dirty="0">
+                        <a:effectLst/>
+                        <a:latin typeface="Times New Roman"/>
+                        <a:ea typeface="宋体"/>
+                      </a:endParaRPr>
+                    </a:p>
+                  </a:txBody>
+                  <a:tcPr marL="47852" marR="47852" marT="0" marB="0"/>
+                </a:tc>
+                <a:tc>
+                  <a:txBody>
+                    <a:bodyPr/>
+                    <a:lstStyle/>
+                    <a:p>
+                      <a:pPr>
+                        <a:lnSpc>
+                          <a:spcPct val="150000"/>
+                        </a:lnSpc>
+                        <a:spcAft>
+                          <a:spcPts val="0"/>
+                        </a:spcAft>
+                      </a:pPr>
+                      <a:r>
+                        <a:rPr lang="en-US" sz="1050" kern="100" dirty="0">
+                          <a:effectLst/>
+                        </a:rPr>
+                        <a:t>Total</a:t>
+                      </a:r>
+                      <a:endParaRPr lang="zh-CN" sz="1050" kern="100" dirty="0">
+                        <a:effectLst/>
+                        <a:latin typeface="Times New Roman"/>
+                        <a:ea typeface="宋体"/>
+                      </a:endParaRPr>
+                    </a:p>
+                  </a:txBody>
+                  <a:tcPr marL="47852" marR="47852" marT="0" marB="0"/>
+                </a:tc>
+                <a:tc>
+                  <a:txBody>
+                    <a:bodyPr/>
+                    <a:lstStyle/>
+                    <a:p>
+                      <a:pPr>
+                        <a:lnSpc>
+                          <a:spcPct val="150000"/>
+                        </a:lnSpc>
+                        <a:spcAft>
+                          <a:spcPts val="0"/>
+                        </a:spcAft>
+                      </a:pPr>
+                      <a:r>
+                        <a:rPr lang="en-US" sz="1050" kern="100">
+                          <a:effectLst/>
+                        </a:rPr>
+                        <a:t>Recall</a:t>
+                      </a:r>
+                      <a:endParaRPr lang="zh-CN" sz="1050" kern="100">
+                        <a:effectLst/>
+                        <a:latin typeface="Times New Roman"/>
+                        <a:ea typeface="宋体"/>
+                      </a:endParaRPr>
+                    </a:p>
+                  </a:txBody>
+                  <a:tcPr marL="47852" marR="47852" marT="0" marB="0"/>
+                </a:tc>
+              </a:tr>
+              <a:tr h="289560">
+                <a:tc>
+                  <a:txBody>
+                    <a:bodyPr/>
+                    <a:lstStyle/>
+                    <a:p>
+                      <a:pPr>
+                        <a:lnSpc>
+                          <a:spcPct val="150000"/>
+                        </a:lnSpc>
+                        <a:spcAft>
+                          <a:spcPts val="0"/>
+                        </a:spcAft>
+                      </a:pPr>
+                      <a:r>
+                        <a:rPr lang="en-US" sz="1050" kern="100">
+                          <a:effectLst/>
+                        </a:rPr>
+                        <a:t>Spam</a:t>
+                      </a:r>
+                      <a:endParaRPr lang="zh-CN" sz="1050" kern="100">
+                        <a:effectLst/>
+                        <a:latin typeface="Times New Roman"/>
+                        <a:ea typeface="宋体"/>
+                      </a:endParaRPr>
+                    </a:p>
+                  </a:txBody>
+                  <a:tcPr marL="47852" marR="47852" marT="0" marB="0"/>
+                </a:tc>
+                <a:tc>
+                  <a:txBody>
+                    <a:bodyPr/>
+                    <a:lstStyle/>
+                    <a:p>
+                      <a:pPr>
+                        <a:lnSpc>
+                          <a:spcPct val="150000"/>
+                        </a:lnSpc>
+                        <a:spcAft>
+                          <a:spcPts val="0"/>
+                        </a:spcAft>
+                      </a:pPr>
+                      <a:r>
+                        <a:rPr lang="en-US" sz="1050" kern="100">
+                          <a:effectLst/>
+                        </a:rPr>
+                        <a:t>1218</a:t>
+                      </a:r>
+                      <a:endParaRPr lang="zh-CN" sz="1050" kern="100">
+                        <a:effectLst/>
+                        <a:latin typeface="Times New Roman"/>
+                        <a:ea typeface="宋体"/>
+                      </a:endParaRPr>
+                    </a:p>
+                  </a:txBody>
+                  <a:tcPr marL="47852" marR="47852" marT="0" marB="0"/>
+                </a:tc>
+                <a:tc>
+                  <a:txBody>
+                    <a:bodyPr/>
+                    <a:lstStyle/>
+                    <a:p>
+                      <a:pPr>
+                        <a:lnSpc>
+                          <a:spcPct val="150000"/>
+                        </a:lnSpc>
+                        <a:spcAft>
+                          <a:spcPts val="0"/>
+                        </a:spcAft>
+                      </a:pPr>
+                      <a:r>
+                        <a:rPr lang="en-US" sz="1050" kern="100">
+                          <a:effectLst/>
+                        </a:rPr>
+                        <a:t>260</a:t>
+                      </a:r>
+                      <a:endParaRPr lang="zh-CN" sz="1050" kern="100">
+                        <a:effectLst/>
+                        <a:latin typeface="Times New Roman"/>
+                        <a:ea typeface="宋体"/>
+                      </a:endParaRPr>
+                    </a:p>
+                  </a:txBody>
+                  <a:tcPr marL="47852" marR="47852" marT="0" marB="0"/>
+                </a:tc>
+                <a:tc>
+                  <a:txBody>
+                    <a:bodyPr/>
+                    <a:lstStyle/>
+                    <a:p>
+                      <a:pPr>
+                        <a:lnSpc>
+                          <a:spcPct val="150000"/>
+                        </a:lnSpc>
+                        <a:spcAft>
+                          <a:spcPts val="0"/>
+                        </a:spcAft>
+                      </a:pPr>
+                      <a:r>
+                        <a:rPr lang="en-US" sz="1050" kern="100">
+                          <a:effectLst/>
+                        </a:rPr>
+                        <a:t>1478</a:t>
+                      </a:r>
+                      <a:endParaRPr lang="zh-CN" sz="1050" kern="100">
+                        <a:effectLst/>
+                        <a:latin typeface="Times New Roman"/>
+                        <a:ea typeface="宋体"/>
+                      </a:endParaRPr>
+                    </a:p>
+                  </a:txBody>
+                  <a:tcPr marL="47852" marR="47852" marT="0" marB="0"/>
+                </a:tc>
+                <a:tc>
+                  <a:txBody>
+                    <a:bodyPr/>
+                    <a:lstStyle/>
+                    <a:p>
+                      <a:pPr>
+                        <a:lnSpc>
+                          <a:spcPct val="150000"/>
+                        </a:lnSpc>
+                        <a:spcAft>
+                          <a:spcPts val="0"/>
+                        </a:spcAft>
+                      </a:pPr>
+                      <a:r>
+                        <a:rPr lang="en-US" sz="1050" b="1" kern="100" dirty="0">
+                          <a:effectLst/>
+                        </a:rPr>
+                        <a:t>82.41%</a:t>
+                      </a:r>
+                      <a:endParaRPr lang="zh-CN" sz="1050" b="1" kern="100" dirty="0">
+                        <a:effectLst/>
+                        <a:latin typeface="Times New Roman"/>
+                        <a:ea typeface="宋体"/>
+                      </a:endParaRPr>
+                    </a:p>
+                  </a:txBody>
+                  <a:tcPr marL="47852" marR="47852" marT="0" marB="0"/>
+                </a:tc>
+              </a:tr>
+              <a:tr h="289560">
+                <a:tc>
+                  <a:txBody>
+                    <a:bodyPr/>
+                    <a:lstStyle/>
+                    <a:p>
+                      <a:pPr>
+                        <a:lnSpc>
+                          <a:spcPct val="150000"/>
+                        </a:lnSpc>
+                        <a:spcAft>
+                          <a:spcPts val="0"/>
+                        </a:spcAft>
+                      </a:pPr>
+                      <a:r>
+                        <a:rPr lang="en-US" sz="1050" kern="100">
+                          <a:effectLst/>
+                        </a:rPr>
+                        <a:t>Normal</a:t>
+                      </a:r>
+                      <a:endParaRPr lang="zh-CN" sz="1050" kern="100">
+                        <a:effectLst/>
+                        <a:latin typeface="Times New Roman"/>
+                        <a:ea typeface="宋体"/>
+                      </a:endParaRPr>
+                    </a:p>
+                  </a:txBody>
+                  <a:tcPr marL="47852" marR="47852" marT="0" marB="0"/>
+                </a:tc>
+                <a:tc>
+                  <a:txBody>
+                    <a:bodyPr/>
+                    <a:lstStyle/>
+                    <a:p>
+                      <a:pPr>
+                        <a:lnSpc>
+                          <a:spcPct val="150000"/>
+                        </a:lnSpc>
+                        <a:spcAft>
+                          <a:spcPts val="0"/>
+                        </a:spcAft>
+                      </a:pPr>
+                      <a:r>
+                        <a:rPr lang="en-US" sz="1050" kern="100">
+                          <a:effectLst/>
+                        </a:rPr>
+                        <a:t>988</a:t>
+                      </a:r>
+                      <a:endParaRPr lang="zh-CN" sz="1050" kern="100">
+                        <a:effectLst/>
+                        <a:latin typeface="Times New Roman"/>
+                        <a:ea typeface="宋体"/>
+                      </a:endParaRPr>
+                    </a:p>
+                  </a:txBody>
+                  <a:tcPr marL="47852" marR="47852" marT="0" marB="0"/>
+                </a:tc>
+                <a:tc>
+                  <a:txBody>
+                    <a:bodyPr/>
+                    <a:lstStyle/>
+                    <a:p>
+                      <a:pPr>
+                        <a:lnSpc>
+                          <a:spcPct val="150000"/>
+                        </a:lnSpc>
+                        <a:spcAft>
+                          <a:spcPts val="0"/>
+                        </a:spcAft>
+                      </a:pPr>
+                      <a:r>
+                        <a:rPr lang="en-US" sz="1050" kern="100" dirty="0">
+                          <a:effectLst/>
+                        </a:rPr>
+                        <a:t>8177</a:t>
+                      </a:r>
+                      <a:endParaRPr lang="zh-CN" sz="1050" kern="100" dirty="0">
+                        <a:effectLst/>
+                        <a:latin typeface="Times New Roman"/>
+                        <a:ea typeface="宋体"/>
+                      </a:endParaRPr>
+                    </a:p>
+                  </a:txBody>
+                  <a:tcPr marL="47852" marR="47852" marT="0" marB="0"/>
+                </a:tc>
+                <a:tc>
+                  <a:txBody>
+                    <a:bodyPr/>
+                    <a:lstStyle/>
+                    <a:p>
+                      <a:pPr>
+                        <a:lnSpc>
+                          <a:spcPct val="150000"/>
+                        </a:lnSpc>
+                        <a:spcAft>
+                          <a:spcPts val="0"/>
+                        </a:spcAft>
+                      </a:pPr>
+                      <a:r>
+                        <a:rPr lang="en-US" sz="1050" kern="100">
+                          <a:effectLst/>
+                        </a:rPr>
+                        <a:t>9165</a:t>
+                      </a:r>
+                      <a:endParaRPr lang="zh-CN" sz="1050" kern="100">
+                        <a:effectLst/>
+                        <a:latin typeface="Times New Roman"/>
+                        <a:ea typeface="宋体"/>
+                      </a:endParaRPr>
+                    </a:p>
+                  </a:txBody>
+                  <a:tcPr marL="47852" marR="47852" marT="0" marB="0"/>
+                </a:tc>
+                <a:tc>
+                  <a:txBody>
+                    <a:bodyPr/>
+                    <a:lstStyle/>
+                    <a:p>
+                      <a:pPr>
+                        <a:lnSpc>
+                          <a:spcPct val="150000"/>
+                        </a:lnSpc>
+                        <a:spcAft>
+                          <a:spcPts val="0"/>
+                        </a:spcAft>
+                      </a:pPr>
+                      <a:r>
+                        <a:rPr lang="en-US" sz="1050" b="1" kern="100" dirty="0">
+                          <a:effectLst/>
+                        </a:rPr>
+                        <a:t>89.22%</a:t>
+                      </a:r>
+                      <a:endParaRPr lang="zh-CN" sz="1050" b="1" kern="100" dirty="0">
+                        <a:effectLst/>
+                        <a:latin typeface="Times New Roman"/>
+                        <a:ea typeface="宋体"/>
+                      </a:endParaRPr>
+                    </a:p>
+                  </a:txBody>
+                  <a:tcPr marL="47852" marR="47852" marT="0" marB="0"/>
+                </a:tc>
+              </a:tr>
+              <a:tr h="289560">
+                <a:tc>
+                  <a:txBody>
+                    <a:bodyPr/>
+                    <a:lstStyle/>
+                    <a:p>
+                      <a:pPr>
+                        <a:lnSpc>
+                          <a:spcPct val="150000"/>
+                        </a:lnSpc>
+                        <a:spcAft>
+                          <a:spcPts val="0"/>
+                        </a:spcAft>
+                      </a:pPr>
+                      <a:r>
+                        <a:rPr lang="en-US" sz="1050" kern="100">
+                          <a:effectLst/>
+                        </a:rPr>
+                        <a:t>Total</a:t>
+                      </a:r>
+                      <a:endParaRPr lang="zh-CN" sz="1050" kern="100">
+                        <a:effectLst/>
+                        <a:latin typeface="Times New Roman"/>
+                        <a:ea typeface="宋体"/>
+                      </a:endParaRPr>
+                    </a:p>
+                  </a:txBody>
+                  <a:tcPr marL="47852" marR="47852" marT="0" marB="0"/>
+                </a:tc>
+                <a:tc>
+                  <a:txBody>
+                    <a:bodyPr/>
+                    <a:lstStyle/>
+                    <a:p>
+                      <a:pPr>
+                        <a:lnSpc>
+                          <a:spcPct val="150000"/>
+                        </a:lnSpc>
+                        <a:spcAft>
+                          <a:spcPts val="0"/>
+                        </a:spcAft>
+                      </a:pPr>
+                      <a:r>
+                        <a:rPr lang="en-US" sz="1050" kern="100">
+                          <a:effectLst/>
+                        </a:rPr>
+                        <a:t>2206</a:t>
+                      </a:r>
+                      <a:endParaRPr lang="zh-CN" sz="1050" kern="100">
+                        <a:effectLst/>
+                        <a:latin typeface="Times New Roman"/>
+                        <a:ea typeface="宋体"/>
+                      </a:endParaRPr>
+                    </a:p>
+                  </a:txBody>
+                  <a:tcPr marL="47852" marR="47852" marT="0" marB="0"/>
+                </a:tc>
+                <a:tc>
+                  <a:txBody>
+                    <a:bodyPr/>
+                    <a:lstStyle/>
+                    <a:p>
+                      <a:pPr>
+                        <a:lnSpc>
+                          <a:spcPct val="150000"/>
+                        </a:lnSpc>
+                        <a:spcAft>
+                          <a:spcPts val="0"/>
+                        </a:spcAft>
+                      </a:pPr>
+                      <a:r>
+                        <a:rPr lang="en-US" sz="1050" kern="100">
+                          <a:effectLst/>
+                        </a:rPr>
+                        <a:t>8473</a:t>
+                      </a:r>
+                      <a:endParaRPr lang="zh-CN" sz="1050" kern="100">
+                        <a:effectLst/>
+                        <a:latin typeface="Times New Roman"/>
+                        <a:ea typeface="宋体"/>
+                      </a:endParaRPr>
+                    </a:p>
+                  </a:txBody>
+                  <a:tcPr marL="47852" marR="47852" marT="0" marB="0"/>
+                </a:tc>
+                <a:tc>
+                  <a:txBody>
+                    <a:bodyPr/>
+                    <a:lstStyle/>
+                    <a:p>
+                      <a:pPr>
+                        <a:lnSpc>
+                          <a:spcPct val="150000"/>
+                        </a:lnSpc>
+                        <a:spcAft>
+                          <a:spcPts val="0"/>
+                        </a:spcAft>
+                      </a:pPr>
+                      <a:r>
+                        <a:rPr lang="en-US" sz="1050" kern="100">
+                          <a:effectLst/>
+                        </a:rPr>
+                        <a:t>10643</a:t>
+                      </a:r>
+                      <a:endParaRPr lang="zh-CN" sz="1050" kern="100">
+                        <a:effectLst/>
+                        <a:latin typeface="Times New Roman"/>
+                        <a:ea typeface="宋体"/>
+                      </a:endParaRPr>
+                    </a:p>
+                  </a:txBody>
+                  <a:tcPr marL="47852" marR="47852" marT="0" marB="0"/>
+                </a:tc>
+                <a:tc>
+                  <a:txBody>
+                    <a:bodyPr/>
+                    <a:lstStyle/>
+                    <a:p>
+                      <a:pPr>
+                        <a:lnSpc>
+                          <a:spcPct val="150000"/>
+                        </a:lnSpc>
+                        <a:spcAft>
+                          <a:spcPts val="0"/>
+                        </a:spcAft>
+                      </a:pPr>
+                      <a:r>
+                        <a:rPr lang="en-US" sz="1050" kern="100">
+                          <a:effectLst/>
+                        </a:rPr>
+                        <a:t> </a:t>
+                      </a:r>
+                      <a:endParaRPr lang="zh-CN" sz="1050" kern="100">
+                        <a:effectLst/>
+                        <a:latin typeface="Times New Roman"/>
+                        <a:ea typeface="宋体"/>
+                      </a:endParaRPr>
+                    </a:p>
+                  </a:txBody>
+                  <a:tcPr marL="47852" marR="47852" marT="0" marB="0"/>
+                </a:tc>
+              </a:tr>
+              <a:tr h="289560">
+                <a:tc>
+                  <a:txBody>
+                    <a:bodyPr/>
+                    <a:lstStyle/>
+                    <a:p>
+                      <a:pPr>
+                        <a:lnSpc>
+                          <a:spcPct val="150000"/>
+                        </a:lnSpc>
+                        <a:spcAft>
+                          <a:spcPts val="0"/>
+                        </a:spcAft>
+                      </a:pPr>
+                      <a:r>
+                        <a:rPr lang="en-US" sz="1050" kern="100">
+                          <a:effectLst/>
+                        </a:rPr>
+                        <a:t>Precision</a:t>
+                      </a:r>
+                      <a:endParaRPr lang="zh-CN" sz="1050" kern="100">
+                        <a:effectLst/>
+                        <a:latin typeface="Times New Roman"/>
+                        <a:ea typeface="宋体"/>
+                      </a:endParaRPr>
+                    </a:p>
+                  </a:txBody>
+                  <a:tcPr marL="47852" marR="47852" marT="0" marB="0"/>
+                </a:tc>
+                <a:tc>
+                  <a:txBody>
+                    <a:bodyPr/>
+                    <a:lstStyle/>
+                    <a:p>
+                      <a:pPr>
+                        <a:lnSpc>
+                          <a:spcPct val="150000"/>
+                        </a:lnSpc>
+                        <a:spcAft>
+                          <a:spcPts val="0"/>
+                        </a:spcAft>
+                      </a:pPr>
+                      <a:r>
+                        <a:rPr lang="en-US" sz="1050" b="1" kern="100" dirty="0">
+                          <a:effectLst/>
+                        </a:rPr>
+                        <a:t>55.21%</a:t>
+                      </a:r>
+                      <a:endParaRPr lang="zh-CN" sz="1050" b="1" kern="100" dirty="0">
+                        <a:effectLst/>
+                        <a:latin typeface="Times New Roman"/>
+                        <a:ea typeface="宋体"/>
+                      </a:endParaRPr>
+                    </a:p>
+                  </a:txBody>
+                  <a:tcPr marL="47852" marR="47852" marT="0" marB="0"/>
+                </a:tc>
+                <a:tc>
+                  <a:txBody>
+                    <a:bodyPr/>
+                    <a:lstStyle/>
+                    <a:p>
+                      <a:pPr>
+                        <a:lnSpc>
+                          <a:spcPct val="150000"/>
+                        </a:lnSpc>
+                        <a:spcAft>
+                          <a:spcPts val="0"/>
+                        </a:spcAft>
+                      </a:pPr>
+                      <a:r>
+                        <a:rPr lang="en-US" sz="1050" kern="100">
+                          <a:effectLst/>
+                        </a:rPr>
+                        <a:t>96.92%</a:t>
+                      </a:r>
+                      <a:endParaRPr lang="zh-CN" sz="1050" kern="100">
+                        <a:effectLst/>
+                        <a:latin typeface="Times New Roman"/>
+                        <a:ea typeface="宋体"/>
+                      </a:endParaRPr>
+                    </a:p>
+                  </a:txBody>
+                  <a:tcPr marL="47852" marR="47852" marT="0" marB="0"/>
+                </a:tc>
+                <a:tc>
+                  <a:txBody>
+                    <a:bodyPr/>
+                    <a:lstStyle/>
+                    <a:p>
+                      <a:pPr>
+                        <a:lnSpc>
+                          <a:spcPct val="150000"/>
+                        </a:lnSpc>
+                        <a:spcAft>
+                          <a:spcPts val="0"/>
+                        </a:spcAft>
+                      </a:pPr>
+                      <a:r>
+                        <a:rPr lang="en-US" sz="1050" kern="100">
+                          <a:effectLst/>
+                        </a:rPr>
+                        <a:t> </a:t>
+                      </a:r>
+                      <a:endParaRPr lang="zh-CN" sz="1050" kern="100">
+                        <a:effectLst/>
+                        <a:latin typeface="Times New Roman"/>
+                        <a:ea typeface="宋体"/>
+                      </a:endParaRPr>
+                    </a:p>
+                  </a:txBody>
+                  <a:tcPr marL="47852" marR="47852" marT="0" marB="0"/>
+                </a:tc>
+                <a:tc>
+                  <a:txBody>
+                    <a:bodyPr/>
+                    <a:lstStyle/>
+                    <a:p>
+                      <a:pPr>
+                        <a:lnSpc>
+                          <a:spcPct val="150000"/>
+                        </a:lnSpc>
+                        <a:spcAft>
+                          <a:spcPts val="0"/>
+                        </a:spcAft>
+                      </a:pPr>
+                      <a:r>
+                        <a:rPr lang="en-US" sz="1050" kern="100" dirty="0">
+                          <a:effectLst/>
+                        </a:rPr>
+                        <a:t>88.27</a:t>
+                      </a:r>
+                      <a:endParaRPr lang="zh-CN" sz="1050" kern="100" dirty="0">
+                        <a:effectLst/>
+                        <a:latin typeface="Times New Roman"/>
+                        <a:ea typeface="宋体"/>
+                      </a:endParaRPr>
+                    </a:p>
+                  </a:txBody>
+                  <a:tcPr marL="47852" marR="47852" marT="0" marB="0"/>
+                </a:tc>
+              </a:tr>
+            </a:tbl>
+          </a:graphicData>
+        </a:graphic>
+      </p:graphicFrame>
+      <p:sp>
+        <p:nvSpPr>
+          <p:cNvPr id="4" name="Rectangle 19"/>
+          <p:cNvSpPr>
+            <a:spLocks noChangeArrowheads="1"/>
+          </p:cNvSpPr>
+          <p:nvPr/>
+        </p:nvSpPr>
+        <p:spPr bwMode="auto">
+          <a:xfrm>
+            <a:off x="0" y="6629400"/>
+            <a:ext cx="9144000" cy="228600"/>
+          </a:xfrm>
+          <a:prstGeom prst="rect">
+            <a:avLst/>
+          </a:prstGeom>
+          <a:solidFill>
+            <a:srgbClr val="0E03E7"/>
+          </a:solidFill>
+          <a:ln w="9525">
+            <a:solidFill>
+              <a:schemeClr val="tx1"/>
+            </a:solidFill>
+            <a:miter lim="800000"/>
+            <a:headEnd/>
+            <a:tailEnd/>
+          </a:ln>
+          <a:effectLst/>
+        </p:spPr>
+        <p:txBody>
+          <a:bodyPr wrap="none" anchor="ctr"/>
+          <a:lstStyle/>
+          <a:p>
+            <a:endParaRPr lang="zh-CN" altLang="en-US"/>
+          </a:p>
+        </p:txBody>
+      </p:sp>
+      <p:pic>
+        <p:nvPicPr>
+          <p:cNvPr id="5" name="Picture 18" descr="C:\Documents and Settings\Administrator\桌面\logo_small.jpg"/>
+          <p:cNvPicPr>
+            <a:picLocks noChangeAspect="1" noChangeArrowheads="1"/>
+          </p:cNvPicPr>
+          <p:nvPr/>
+        </p:nvPicPr>
+        <p:blipFill>
+          <a:blip r:embed="rId2">
+            <a:extLst>
+              <a:ext uri="{28A0092B-C50C-407E-A947-70E740481C1C}">
+                <a14:useLocalDpi xmlns:a14="http://schemas.microsoft.com/office/drawing/2010/main" val="0"/>
+              </a:ext>
+            </a:extLst>
+          </a:blip>
+          <a:srcRect/>
+          <a:stretch>
+            <a:fillRect/>
+          </a:stretch>
+        </p:blipFill>
+        <p:spPr bwMode="auto">
+          <a:xfrm>
+            <a:off x="152400" y="93663"/>
+            <a:ext cx="3124200" cy="820737"/>
+          </a:xfrm>
+          <a:prstGeom prst="rect">
+            <a:avLst/>
+          </a:prstGeom>
+          <a:noFill/>
+          <a:extLst>
+            <a:ext uri="{909E8E84-426E-40DD-AFC4-6F175D3DCCD1}">
+              <a14:hiddenFill xmlns:a14="http://schemas.microsoft.com/office/drawing/2010/main">
+                <a:solidFill>
+                  <a:srgbClr val="FFFFFF"/>
+                </a:solidFill>
+              </a14:hiddenFill>
+            </a:ext>
+          </a:extLst>
+        </p:spPr>
+      </p:pic>
+      <p:graphicFrame>
+        <p:nvGraphicFramePr>
+          <p:cNvPr id="8" name="Table 7"/>
+          <p:cNvGraphicFramePr>
+            <a:graphicFrameLocks noGrp="1"/>
+          </p:cNvGraphicFramePr>
+          <p:nvPr>
+            <p:extLst>
+              <p:ext uri="{D42A27DB-BD31-4B8C-83A1-F6EECF244321}">
+                <p14:modId xmlns:p14="http://schemas.microsoft.com/office/powerpoint/2010/main" val="160260026"/>
+              </p:ext>
+            </p:extLst>
+          </p:nvPr>
+        </p:nvGraphicFramePr>
+        <p:xfrm>
+          <a:off x="381001" y="4953000"/>
+          <a:ext cx="5486397" cy="1200150"/>
+        </p:xfrm>
+        <a:graphic>
+          <a:graphicData uri="http://schemas.openxmlformats.org/drawingml/2006/table">
+            <a:tbl>
+              <a:tblPr firstRow="1" firstCol="1" bandRow="1">
+                <a:tableStyleId>{5C22544A-7EE6-4342-B048-85BDC9FD1C3A}</a:tableStyleId>
+              </a:tblPr>
+              <a:tblGrid>
+                <a:gridCol w="1097043"/>
+                <a:gridCol w="1097043"/>
+                <a:gridCol w="1097043"/>
+                <a:gridCol w="1097634"/>
+                <a:gridCol w="1097634"/>
+              </a:tblGrid>
+              <a:tr h="0">
+                <a:tc>
+                  <a:txBody>
+                    <a:bodyPr/>
+                    <a:lstStyle/>
+                    <a:p>
+                      <a:pPr>
+                        <a:lnSpc>
+                          <a:spcPct val="150000"/>
+                        </a:lnSpc>
+                        <a:spcAft>
+                          <a:spcPts val="0"/>
+                        </a:spcAft>
+                      </a:pPr>
+                      <a:r>
+                        <a:rPr lang="en-US" sz="1050" kern="100" dirty="0">
+                          <a:effectLst/>
+                        </a:rPr>
+                        <a:t>Man   \   Com</a:t>
+                      </a:r>
+                      <a:endParaRPr lang="zh-CN" sz="1200" kern="100" dirty="0">
+                        <a:effectLst/>
+                        <a:latin typeface="Times New Roman"/>
+                        <a:ea typeface="宋体"/>
+                      </a:endParaRPr>
+                    </a:p>
+                  </a:txBody>
+                  <a:tcPr marL="68580" marR="68580" marT="0" marB="0"/>
+                </a:tc>
+                <a:tc>
+                  <a:txBody>
+                    <a:bodyPr/>
+                    <a:lstStyle/>
+                    <a:p>
+                      <a:pPr>
+                        <a:lnSpc>
+                          <a:spcPct val="150000"/>
+                        </a:lnSpc>
+                        <a:spcAft>
+                          <a:spcPts val="0"/>
+                        </a:spcAft>
+                      </a:pPr>
+                      <a:r>
+                        <a:rPr lang="en-US" sz="1050" kern="100" dirty="0">
+                          <a:effectLst/>
+                        </a:rPr>
+                        <a:t>Spam</a:t>
+                      </a:r>
+                      <a:endParaRPr lang="zh-CN" sz="1200" kern="100" dirty="0">
+                        <a:effectLst/>
+                        <a:latin typeface="Times New Roman"/>
+                        <a:ea typeface="宋体"/>
+                      </a:endParaRPr>
+                    </a:p>
+                  </a:txBody>
+                  <a:tcPr marL="68580" marR="68580" marT="0" marB="0"/>
+                </a:tc>
+                <a:tc>
+                  <a:txBody>
+                    <a:bodyPr/>
+                    <a:lstStyle/>
+                    <a:p>
+                      <a:pPr>
+                        <a:lnSpc>
+                          <a:spcPct val="150000"/>
+                        </a:lnSpc>
+                        <a:spcAft>
+                          <a:spcPts val="0"/>
+                        </a:spcAft>
+                      </a:pPr>
+                      <a:r>
+                        <a:rPr lang="en-US" sz="1050" kern="100">
+                          <a:effectLst/>
+                        </a:rPr>
+                        <a:t>Normal</a:t>
+                      </a:r>
+                      <a:endParaRPr lang="zh-CN" sz="1200" kern="100">
+                        <a:effectLst/>
+                        <a:latin typeface="Times New Roman"/>
+                        <a:ea typeface="宋体"/>
+                      </a:endParaRPr>
+                    </a:p>
+                  </a:txBody>
+                  <a:tcPr marL="68580" marR="68580" marT="0" marB="0"/>
+                </a:tc>
+                <a:tc>
+                  <a:txBody>
+                    <a:bodyPr/>
+                    <a:lstStyle/>
+                    <a:p>
+                      <a:pPr>
+                        <a:lnSpc>
+                          <a:spcPct val="150000"/>
+                        </a:lnSpc>
+                        <a:spcAft>
+                          <a:spcPts val="0"/>
+                        </a:spcAft>
+                      </a:pPr>
+                      <a:r>
+                        <a:rPr lang="en-US" sz="1050" kern="100">
+                          <a:effectLst/>
+                        </a:rPr>
+                        <a:t>Total</a:t>
+                      </a:r>
+                      <a:endParaRPr lang="zh-CN" sz="1200" kern="100">
+                        <a:effectLst/>
+                        <a:latin typeface="Times New Roman"/>
+                        <a:ea typeface="宋体"/>
+                      </a:endParaRPr>
+                    </a:p>
+                  </a:txBody>
+                  <a:tcPr marL="68580" marR="68580" marT="0" marB="0"/>
+                </a:tc>
+                <a:tc>
+                  <a:txBody>
+                    <a:bodyPr/>
+                    <a:lstStyle/>
+                    <a:p>
+                      <a:pPr>
+                        <a:lnSpc>
+                          <a:spcPct val="150000"/>
+                        </a:lnSpc>
+                        <a:spcAft>
+                          <a:spcPts val="0"/>
+                        </a:spcAft>
+                      </a:pPr>
+                      <a:r>
+                        <a:rPr lang="en-US" sz="1050" kern="100" dirty="0">
+                          <a:effectLst/>
+                        </a:rPr>
+                        <a:t>Recall</a:t>
+                      </a:r>
+                      <a:endParaRPr lang="zh-CN" sz="1200" kern="100" dirty="0">
+                        <a:effectLst/>
+                        <a:latin typeface="Times New Roman"/>
+                        <a:ea typeface="宋体"/>
+                      </a:endParaRPr>
+                    </a:p>
+                  </a:txBody>
+                  <a:tcPr marL="68580" marR="68580" marT="0" marB="0"/>
+                </a:tc>
+              </a:tr>
+              <a:tr h="0">
+                <a:tc>
+                  <a:txBody>
+                    <a:bodyPr/>
+                    <a:lstStyle/>
+                    <a:p>
+                      <a:pPr>
+                        <a:lnSpc>
+                          <a:spcPct val="150000"/>
+                        </a:lnSpc>
+                        <a:spcAft>
+                          <a:spcPts val="0"/>
+                        </a:spcAft>
+                      </a:pPr>
+                      <a:r>
+                        <a:rPr lang="en-US" sz="1050" kern="100">
+                          <a:effectLst/>
+                        </a:rPr>
+                        <a:t>Spam</a:t>
+                      </a:r>
+                      <a:endParaRPr lang="zh-CN" sz="1200" kern="100">
+                        <a:effectLst/>
+                        <a:latin typeface="Times New Roman"/>
+                        <a:ea typeface="宋体"/>
+                      </a:endParaRPr>
+                    </a:p>
+                  </a:txBody>
+                  <a:tcPr marL="68580" marR="68580" marT="0" marB="0"/>
+                </a:tc>
+                <a:tc>
+                  <a:txBody>
+                    <a:bodyPr/>
+                    <a:lstStyle/>
+                    <a:p>
+                      <a:pPr>
+                        <a:lnSpc>
+                          <a:spcPct val="150000"/>
+                        </a:lnSpc>
+                        <a:spcAft>
+                          <a:spcPts val="0"/>
+                        </a:spcAft>
+                      </a:pPr>
+                      <a:r>
+                        <a:rPr lang="en-US" sz="1050" kern="100">
+                          <a:effectLst/>
+                        </a:rPr>
+                        <a:t>1080</a:t>
+                      </a:r>
+                      <a:endParaRPr lang="zh-CN" sz="1200" kern="100">
+                        <a:effectLst/>
+                        <a:latin typeface="Times New Roman"/>
+                        <a:ea typeface="宋体"/>
+                      </a:endParaRPr>
+                    </a:p>
+                  </a:txBody>
+                  <a:tcPr marL="68580" marR="68580" marT="0" marB="0"/>
+                </a:tc>
+                <a:tc>
+                  <a:txBody>
+                    <a:bodyPr/>
+                    <a:lstStyle/>
+                    <a:p>
+                      <a:pPr>
+                        <a:lnSpc>
+                          <a:spcPct val="150000"/>
+                        </a:lnSpc>
+                        <a:spcAft>
+                          <a:spcPts val="0"/>
+                        </a:spcAft>
+                      </a:pPr>
+                      <a:r>
+                        <a:rPr lang="en-US" sz="1050" kern="100">
+                          <a:effectLst/>
+                        </a:rPr>
+                        <a:t>398</a:t>
+                      </a:r>
+                      <a:endParaRPr lang="zh-CN" sz="1200" kern="100">
+                        <a:effectLst/>
+                        <a:latin typeface="Times New Roman"/>
+                        <a:ea typeface="宋体"/>
+                      </a:endParaRPr>
+                    </a:p>
+                  </a:txBody>
+                  <a:tcPr marL="68580" marR="68580" marT="0" marB="0"/>
+                </a:tc>
+                <a:tc>
+                  <a:txBody>
+                    <a:bodyPr/>
+                    <a:lstStyle/>
+                    <a:p>
+                      <a:pPr>
+                        <a:lnSpc>
+                          <a:spcPct val="150000"/>
+                        </a:lnSpc>
+                        <a:spcAft>
+                          <a:spcPts val="0"/>
+                        </a:spcAft>
+                      </a:pPr>
+                      <a:r>
+                        <a:rPr lang="en-US" sz="1050" kern="100">
+                          <a:effectLst/>
+                        </a:rPr>
+                        <a:t>1478</a:t>
+                      </a:r>
+                      <a:endParaRPr lang="zh-CN" sz="1200" kern="100">
+                        <a:effectLst/>
+                        <a:latin typeface="Times New Roman"/>
+                        <a:ea typeface="宋体"/>
+                      </a:endParaRPr>
+                    </a:p>
+                  </a:txBody>
+                  <a:tcPr marL="68580" marR="68580" marT="0" marB="0"/>
+                </a:tc>
+                <a:tc>
+                  <a:txBody>
+                    <a:bodyPr/>
+                    <a:lstStyle/>
+                    <a:p>
+                      <a:pPr>
+                        <a:lnSpc>
+                          <a:spcPct val="150000"/>
+                        </a:lnSpc>
+                        <a:spcAft>
+                          <a:spcPts val="0"/>
+                        </a:spcAft>
+                      </a:pPr>
+                      <a:r>
+                        <a:rPr lang="en-US" sz="1050" b="1" kern="100" dirty="0">
+                          <a:effectLst/>
+                        </a:rPr>
+                        <a:t>73.07%</a:t>
+                      </a:r>
+                      <a:endParaRPr lang="zh-CN" sz="1200" b="1" kern="100" dirty="0">
+                        <a:effectLst/>
+                        <a:latin typeface="Times New Roman"/>
+                        <a:ea typeface="宋体"/>
+                      </a:endParaRPr>
+                    </a:p>
+                  </a:txBody>
+                  <a:tcPr marL="68580" marR="68580" marT="0" marB="0"/>
+                </a:tc>
+              </a:tr>
+              <a:tr h="0">
+                <a:tc>
+                  <a:txBody>
+                    <a:bodyPr/>
+                    <a:lstStyle/>
+                    <a:p>
+                      <a:pPr>
+                        <a:lnSpc>
+                          <a:spcPct val="150000"/>
+                        </a:lnSpc>
+                        <a:spcAft>
+                          <a:spcPts val="0"/>
+                        </a:spcAft>
+                      </a:pPr>
+                      <a:r>
+                        <a:rPr lang="en-US" sz="1050" kern="100">
+                          <a:effectLst/>
+                        </a:rPr>
+                        <a:t>Normal</a:t>
+                      </a:r>
+                      <a:endParaRPr lang="zh-CN" sz="1200" kern="100">
+                        <a:effectLst/>
+                        <a:latin typeface="Times New Roman"/>
+                        <a:ea typeface="宋体"/>
+                      </a:endParaRPr>
+                    </a:p>
+                  </a:txBody>
+                  <a:tcPr marL="68580" marR="68580" marT="0" marB="0"/>
+                </a:tc>
+                <a:tc>
+                  <a:txBody>
+                    <a:bodyPr/>
+                    <a:lstStyle/>
+                    <a:p>
+                      <a:pPr>
+                        <a:lnSpc>
+                          <a:spcPct val="150000"/>
+                        </a:lnSpc>
+                        <a:spcAft>
+                          <a:spcPts val="0"/>
+                        </a:spcAft>
+                      </a:pPr>
+                      <a:r>
+                        <a:rPr lang="en-US" sz="1050" kern="100">
+                          <a:effectLst/>
+                        </a:rPr>
+                        <a:t>27</a:t>
+                      </a:r>
+                      <a:endParaRPr lang="zh-CN" sz="1200" kern="100">
+                        <a:effectLst/>
+                        <a:latin typeface="Times New Roman"/>
+                        <a:ea typeface="宋体"/>
+                      </a:endParaRPr>
+                    </a:p>
+                  </a:txBody>
+                  <a:tcPr marL="68580" marR="68580" marT="0" marB="0"/>
+                </a:tc>
+                <a:tc>
+                  <a:txBody>
+                    <a:bodyPr/>
+                    <a:lstStyle/>
+                    <a:p>
+                      <a:pPr>
+                        <a:lnSpc>
+                          <a:spcPct val="150000"/>
+                        </a:lnSpc>
+                        <a:spcAft>
+                          <a:spcPts val="0"/>
+                        </a:spcAft>
+                      </a:pPr>
+                      <a:r>
+                        <a:rPr lang="en-US" sz="1050" kern="100">
+                          <a:effectLst/>
+                        </a:rPr>
+                        <a:t>9138</a:t>
+                      </a:r>
+                      <a:endParaRPr lang="zh-CN" sz="1200" kern="100">
+                        <a:effectLst/>
+                        <a:latin typeface="Times New Roman"/>
+                        <a:ea typeface="宋体"/>
+                      </a:endParaRPr>
+                    </a:p>
+                  </a:txBody>
+                  <a:tcPr marL="68580" marR="68580" marT="0" marB="0"/>
+                </a:tc>
+                <a:tc>
+                  <a:txBody>
+                    <a:bodyPr/>
+                    <a:lstStyle/>
+                    <a:p>
+                      <a:pPr>
+                        <a:lnSpc>
+                          <a:spcPct val="150000"/>
+                        </a:lnSpc>
+                        <a:spcAft>
+                          <a:spcPts val="0"/>
+                        </a:spcAft>
+                      </a:pPr>
+                      <a:r>
+                        <a:rPr lang="en-US" sz="1050" kern="100">
+                          <a:effectLst/>
+                        </a:rPr>
+                        <a:t>9165</a:t>
+                      </a:r>
+                      <a:endParaRPr lang="zh-CN" sz="1200" kern="100">
+                        <a:effectLst/>
+                        <a:latin typeface="Times New Roman"/>
+                        <a:ea typeface="宋体"/>
+                      </a:endParaRPr>
+                    </a:p>
+                  </a:txBody>
+                  <a:tcPr marL="68580" marR="68580" marT="0" marB="0"/>
+                </a:tc>
+                <a:tc>
+                  <a:txBody>
+                    <a:bodyPr/>
+                    <a:lstStyle/>
+                    <a:p>
+                      <a:pPr>
+                        <a:lnSpc>
+                          <a:spcPct val="150000"/>
+                        </a:lnSpc>
+                        <a:spcAft>
+                          <a:spcPts val="0"/>
+                        </a:spcAft>
+                      </a:pPr>
+                      <a:r>
+                        <a:rPr lang="en-US" sz="1050" b="1" kern="100" dirty="0">
+                          <a:effectLst/>
+                        </a:rPr>
+                        <a:t>99.71%</a:t>
+                      </a:r>
+                      <a:endParaRPr lang="zh-CN" sz="1200" b="1" kern="100" dirty="0">
+                        <a:effectLst/>
+                        <a:latin typeface="Times New Roman"/>
+                        <a:ea typeface="宋体"/>
+                      </a:endParaRPr>
+                    </a:p>
+                  </a:txBody>
+                  <a:tcPr marL="68580" marR="68580" marT="0" marB="0"/>
+                </a:tc>
+              </a:tr>
+              <a:tr h="0">
+                <a:tc>
+                  <a:txBody>
+                    <a:bodyPr/>
+                    <a:lstStyle/>
+                    <a:p>
+                      <a:pPr>
+                        <a:lnSpc>
+                          <a:spcPct val="150000"/>
+                        </a:lnSpc>
+                        <a:spcAft>
+                          <a:spcPts val="0"/>
+                        </a:spcAft>
+                      </a:pPr>
+                      <a:r>
+                        <a:rPr lang="en-US" sz="1050" kern="100">
+                          <a:effectLst/>
+                        </a:rPr>
+                        <a:t>Total</a:t>
+                      </a:r>
+                      <a:endParaRPr lang="zh-CN" sz="1200" kern="100">
+                        <a:effectLst/>
+                        <a:latin typeface="Times New Roman"/>
+                        <a:ea typeface="宋体"/>
+                      </a:endParaRPr>
+                    </a:p>
+                  </a:txBody>
+                  <a:tcPr marL="68580" marR="68580" marT="0" marB="0"/>
+                </a:tc>
+                <a:tc>
+                  <a:txBody>
+                    <a:bodyPr/>
+                    <a:lstStyle/>
+                    <a:p>
+                      <a:pPr>
+                        <a:lnSpc>
+                          <a:spcPct val="150000"/>
+                        </a:lnSpc>
+                        <a:spcAft>
+                          <a:spcPts val="0"/>
+                        </a:spcAft>
+                      </a:pPr>
+                      <a:r>
+                        <a:rPr lang="en-US" sz="1050" kern="100">
+                          <a:effectLst/>
+                        </a:rPr>
+                        <a:t>1107</a:t>
+                      </a:r>
+                      <a:endParaRPr lang="zh-CN" sz="1200" kern="100">
+                        <a:effectLst/>
+                        <a:latin typeface="Times New Roman"/>
+                        <a:ea typeface="宋体"/>
+                      </a:endParaRPr>
+                    </a:p>
+                  </a:txBody>
+                  <a:tcPr marL="68580" marR="68580" marT="0" marB="0"/>
+                </a:tc>
+                <a:tc>
+                  <a:txBody>
+                    <a:bodyPr/>
+                    <a:lstStyle/>
+                    <a:p>
+                      <a:pPr>
+                        <a:lnSpc>
+                          <a:spcPct val="150000"/>
+                        </a:lnSpc>
+                        <a:spcAft>
+                          <a:spcPts val="0"/>
+                        </a:spcAft>
+                      </a:pPr>
+                      <a:r>
+                        <a:rPr lang="en-US" sz="1050" kern="100">
+                          <a:effectLst/>
+                        </a:rPr>
+                        <a:t>9536</a:t>
+                      </a:r>
+                      <a:endParaRPr lang="zh-CN" sz="1200" kern="100">
+                        <a:effectLst/>
+                        <a:latin typeface="Times New Roman"/>
+                        <a:ea typeface="宋体"/>
+                      </a:endParaRPr>
+                    </a:p>
+                  </a:txBody>
+                  <a:tcPr marL="68580" marR="68580" marT="0" marB="0"/>
+                </a:tc>
+                <a:tc>
+                  <a:txBody>
+                    <a:bodyPr/>
+                    <a:lstStyle/>
+                    <a:p>
+                      <a:pPr>
+                        <a:lnSpc>
+                          <a:spcPct val="150000"/>
+                        </a:lnSpc>
+                        <a:spcAft>
+                          <a:spcPts val="0"/>
+                        </a:spcAft>
+                      </a:pPr>
+                      <a:r>
+                        <a:rPr lang="en-US" sz="1050" kern="100">
+                          <a:effectLst/>
+                        </a:rPr>
+                        <a:t>10643</a:t>
+                      </a:r>
+                      <a:endParaRPr lang="zh-CN" sz="1200" kern="100">
+                        <a:effectLst/>
+                        <a:latin typeface="Times New Roman"/>
+                        <a:ea typeface="宋体"/>
+                      </a:endParaRPr>
+                    </a:p>
+                  </a:txBody>
+                  <a:tcPr marL="68580" marR="68580" marT="0" marB="0"/>
+                </a:tc>
+                <a:tc>
+                  <a:txBody>
+                    <a:bodyPr/>
+                    <a:lstStyle/>
+                    <a:p>
+                      <a:pPr>
+                        <a:lnSpc>
+                          <a:spcPct val="150000"/>
+                        </a:lnSpc>
+                        <a:spcAft>
+                          <a:spcPts val="0"/>
+                        </a:spcAft>
+                      </a:pPr>
+                      <a:r>
+                        <a:rPr lang="en-US" sz="1050" kern="100">
+                          <a:effectLst/>
+                        </a:rPr>
+                        <a:t> </a:t>
+                      </a:r>
+                      <a:endParaRPr lang="zh-CN" sz="1200" kern="100">
+                        <a:effectLst/>
+                        <a:latin typeface="Times New Roman"/>
+                        <a:ea typeface="宋体"/>
+                      </a:endParaRPr>
+                    </a:p>
+                  </a:txBody>
+                  <a:tcPr marL="68580" marR="68580" marT="0" marB="0"/>
+                </a:tc>
+              </a:tr>
+              <a:tr h="0">
+                <a:tc>
+                  <a:txBody>
+                    <a:bodyPr/>
+                    <a:lstStyle/>
+                    <a:p>
+                      <a:pPr>
+                        <a:lnSpc>
+                          <a:spcPct val="150000"/>
+                        </a:lnSpc>
+                        <a:spcAft>
+                          <a:spcPts val="0"/>
+                        </a:spcAft>
+                      </a:pPr>
+                      <a:r>
+                        <a:rPr lang="en-US" sz="1050" kern="100">
+                          <a:effectLst/>
+                        </a:rPr>
+                        <a:t>Precision</a:t>
+                      </a:r>
+                      <a:endParaRPr lang="zh-CN" sz="1200" kern="100">
+                        <a:effectLst/>
+                        <a:latin typeface="Times New Roman"/>
+                        <a:ea typeface="宋体"/>
+                      </a:endParaRPr>
+                    </a:p>
+                  </a:txBody>
+                  <a:tcPr marL="68580" marR="68580" marT="0" marB="0"/>
+                </a:tc>
+                <a:tc>
+                  <a:txBody>
+                    <a:bodyPr/>
+                    <a:lstStyle/>
+                    <a:p>
+                      <a:pPr>
+                        <a:lnSpc>
+                          <a:spcPct val="150000"/>
+                        </a:lnSpc>
+                        <a:spcAft>
+                          <a:spcPts val="0"/>
+                        </a:spcAft>
+                      </a:pPr>
+                      <a:r>
+                        <a:rPr lang="en-US" sz="1050" b="1" kern="100" dirty="0">
+                          <a:effectLst/>
+                        </a:rPr>
+                        <a:t>97.56%</a:t>
+                      </a:r>
+                      <a:endParaRPr lang="zh-CN" sz="1200" b="1" kern="100" dirty="0">
+                        <a:effectLst/>
+                        <a:latin typeface="Times New Roman"/>
+                        <a:ea typeface="宋体"/>
+                      </a:endParaRPr>
+                    </a:p>
+                  </a:txBody>
+                  <a:tcPr marL="68580" marR="68580" marT="0" marB="0"/>
+                </a:tc>
+                <a:tc>
+                  <a:txBody>
+                    <a:bodyPr/>
+                    <a:lstStyle/>
+                    <a:p>
+                      <a:pPr>
+                        <a:lnSpc>
+                          <a:spcPct val="150000"/>
+                        </a:lnSpc>
+                        <a:spcAft>
+                          <a:spcPts val="0"/>
+                        </a:spcAft>
+                      </a:pPr>
+                      <a:r>
+                        <a:rPr lang="en-US" sz="1050" kern="100" dirty="0">
+                          <a:effectLst/>
+                        </a:rPr>
+                        <a:t>95.83%</a:t>
+                      </a:r>
+                      <a:endParaRPr lang="zh-CN" sz="1200" kern="100" dirty="0">
+                        <a:effectLst/>
+                        <a:latin typeface="Times New Roman"/>
+                        <a:ea typeface="宋体"/>
+                      </a:endParaRPr>
+                    </a:p>
+                  </a:txBody>
+                  <a:tcPr marL="68580" marR="68580" marT="0" marB="0"/>
+                </a:tc>
+                <a:tc>
+                  <a:txBody>
+                    <a:bodyPr/>
+                    <a:lstStyle/>
+                    <a:p>
+                      <a:pPr>
+                        <a:lnSpc>
+                          <a:spcPct val="150000"/>
+                        </a:lnSpc>
+                        <a:spcAft>
+                          <a:spcPts val="0"/>
+                        </a:spcAft>
+                      </a:pPr>
+                      <a:r>
+                        <a:rPr lang="en-US" sz="1050" kern="100">
+                          <a:effectLst/>
+                        </a:rPr>
+                        <a:t> </a:t>
+                      </a:r>
+                      <a:endParaRPr lang="zh-CN" sz="1200" kern="100">
+                        <a:effectLst/>
+                        <a:latin typeface="Times New Roman"/>
+                        <a:ea typeface="宋体"/>
+                      </a:endParaRPr>
+                    </a:p>
+                  </a:txBody>
+                  <a:tcPr marL="68580" marR="68580" marT="0" marB="0"/>
+                </a:tc>
+                <a:tc>
+                  <a:txBody>
+                    <a:bodyPr/>
+                    <a:lstStyle/>
+                    <a:p>
+                      <a:pPr>
+                        <a:lnSpc>
+                          <a:spcPct val="150000"/>
+                        </a:lnSpc>
+                        <a:spcAft>
+                          <a:spcPts val="0"/>
+                        </a:spcAft>
+                      </a:pPr>
+                      <a:r>
+                        <a:rPr lang="en-US" sz="1050" kern="100" dirty="0">
+                          <a:effectLst/>
+                        </a:rPr>
+                        <a:t>96.01%</a:t>
+                      </a:r>
+                      <a:endParaRPr lang="zh-CN" sz="1200" kern="100" dirty="0">
+                        <a:effectLst/>
+                        <a:latin typeface="Times New Roman"/>
+                        <a:ea typeface="宋体"/>
+                      </a:endParaRPr>
+                    </a:p>
+                  </a:txBody>
+                  <a:tcPr marL="68580" marR="68580" marT="0" marB="0"/>
+                </a:tc>
+              </a:tr>
+            </a:tbl>
+          </a:graphicData>
+        </a:graphic>
+      </p:graphicFrame>
+      <p:graphicFrame>
+        <p:nvGraphicFramePr>
+          <p:cNvPr id="9" name="Table 8"/>
+          <p:cNvGraphicFramePr>
+            <a:graphicFrameLocks noGrp="1"/>
+          </p:cNvGraphicFramePr>
+          <p:nvPr>
+            <p:extLst>
+              <p:ext uri="{D42A27DB-BD31-4B8C-83A1-F6EECF244321}">
+                <p14:modId xmlns:p14="http://schemas.microsoft.com/office/powerpoint/2010/main" val="3972241689"/>
+              </p:ext>
+            </p:extLst>
+          </p:nvPr>
+        </p:nvGraphicFramePr>
+        <p:xfrm>
+          <a:off x="381001" y="2015067"/>
+          <a:ext cx="5486400" cy="1200150"/>
+        </p:xfrm>
+        <a:graphic>
+          <a:graphicData uri="http://schemas.openxmlformats.org/drawingml/2006/table">
+            <a:tbl>
+              <a:tblPr firstRow="1" firstCol="1" bandRow="1">
+                <a:tableStyleId>{5C22544A-7EE6-4342-B048-85BDC9FD1C3A}</a:tableStyleId>
+              </a:tblPr>
+              <a:tblGrid>
+                <a:gridCol w="1097044"/>
+                <a:gridCol w="1097044"/>
+                <a:gridCol w="1097044"/>
+                <a:gridCol w="1097634"/>
+                <a:gridCol w="1097634"/>
+              </a:tblGrid>
+              <a:tr h="0">
+                <a:tc>
+                  <a:txBody>
+                    <a:bodyPr/>
+                    <a:lstStyle/>
+                    <a:p>
+                      <a:pPr>
+                        <a:lnSpc>
+                          <a:spcPct val="150000"/>
+                        </a:lnSpc>
+                        <a:spcAft>
+                          <a:spcPts val="0"/>
+                        </a:spcAft>
+                      </a:pPr>
+                      <a:r>
+                        <a:rPr lang="en-US" sz="1050" kern="100" dirty="0">
+                          <a:effectLst/>
+                        </a:rPr>
+                        <a:t>Man   \   Com</a:t>
+                      </a:r>
+                      <a:endParaRPr lang="zh-CN" sz="1200" kern="100" dirty="0">
+                        <a:effectLst/>
+                        <a:latin typeface="Times New Roman"/>
+                        <a:ea typeface="宋体"/>
+                      </a:endParaRPr>
+                    </a:p>
+                  </a:txBody>
+                  <a:tcPr marL="68580" marR="68580" marT="0" marB="0"/>
+                </a:tc>
+                <a:tc>
+                  <a:txBody>
+                    <a:bodyPr/>
+                    <a:lstStyle/>
+                    <a:p>
+                      <a:pPr>
+                        <a:lnSpc>
+                          <a:spcPct val="150000"/>
+                        </a:lnSpc>
+                        <a:spcAft>
+                          <a:spcPts val="0"/>
+                        </a:spcAft>
+                      </a:pPr>
+                      <a:r>
+                        <a:rPr lang="en-US" sz="1050" kern="100">
+                          <a:effectLst/>
+                        </a:rPr>
+                        <a:t>Spam</a:t>
+                      </a:r>
+                      <a:endParaRPr lang="zh-CN" sz="1200" kern="100">
+                        <a:effectLst/>
+                        <a:latin typeface="Times New Roman"/>
+                        <a:ea typeface="宋体"/>
+                      </a:endParaRPr>
+                    </a:p>
+                  </a:txBody>
+                  <a:tcPr marL="68580" marR="68580" marT="0" marB="0"/>
+                </a:tc>
+                <a:tc>
+                  <a:txBody>
+                    <a:bodyPr/>
+                    <a:lstStyle/>
+                    <a:p>
+                      <a:pPr>
+                        <a:lnSpc>
+                          <a:spcPct val="150000"/>
+                        </a:lnSpc>
+                        <a:spcAft>
+                          <a:spcPts val="0"/>
+                        </a:spcAft>
+                      </a:pPr>
+                      <a:r>
+                        <a:rPr lang="en-US" sz="1050" kern="100">
+                          <a:effectLst/>
+                        </a:rPr>
+                        <a:t>Normal</a:t>
+                      </a:r>
+                      <a:endParaRPr lang="zh-CN" sz="1200" kern="100">
+                        <a:effectLst/>
+                        <a:latin typeface="Times New Roman"/>
+                        <a:ea typeface="宋体"/>
+                      </a:endParaRPr>
+                    </a:p>
+                  </a:txBody>
+                  <a:tcPr marL="68580" marR="68580" marT="0" marB="0"/>
+                </a:tc>
+                <a:tc>
+                  <a:txBody>
+                    <a:bodyPr/>
+                    <a:lstStyle/>
+                    <a:p>
+                      <a:pPr>
+                        <a:lnSpc>
+                          <a:spcPct val="150000"/>
+                        </a:lnSpc>
+                        <a:spcAft>
+                          <a:spcPts val="0"/>
+                        </a:spcAft>
+                      </a:pPr>
+                      <a:r>
+                        <a:rPr lang="en-US" sz="1050" kern="100">
+                          <a:effectLst/>
+                        </a:rPr>
+                        <a:t>Total</a:t>
+                      </a:r>
+                      <a:endParaRPr lang="zh-CN" sz="1200" kern="100">
+                        <a:effectLst/>
+                        <a:latin typeface="Times New Roman"/>
+                        <a:ea typeface="宋体"/>
+                      </a:endParaRPr>
+                    </a:p>
+                  </a:txBody>
+                  <a:tcPr marL="68580" marR="68580" marT="0" marB="0"/>
+                </a:tc>
+                <a:tc>
+                  <a:txBody>
+                    <a:bodyPr/>
+                    <a:lstStyle/>
+                    <a:p>
+                      <a:pPr>
+                        <a:lnSpc>
+                          <a:spcPct val="150000"/>
+                        </a:lnSpc>
+                        <a:spcAft>
+                          <a:spcPts val="0"/>
+                        </a:spcAft>
+                      </a:pPr>
+                      <a:r>
+                        <a:rPr lang="en-US" sz="1050" kern="100">
+                          <a:effectLst/>
+                        </a:rPr>
+                        <a:t>Recall</a:t>
+                      </a:r>
+                      <a:endParaRPr lang="zh-CN" sz="1200" kern="100">
+                        <a:effectLst/>
+                        <a:latin typeface="Times New Roman"/>
+                        <a:ea typeface="宋体"/>
+                      </a:endParaRPr>
+                    </a:p>
+                  </a:txBody>
+                  <a:tcPr marL="68580" marR="68580" marT="0" marB="0"/>
+                </a:tc>
+              </a:tr>
+              <a:tr h="0">
+                <a:tc>
+                  <a:txBody>
+                    <a:bodyPr/>
+                    <a:lstStyle/>
+                    <a:p>
+                      <a:pPr>
+                        <a:lnSpc>
+                          <a:spcPct val="150000"/>
+                        </a:lnSpc>
+                        <a:spcAft>
+                          <a:spcPts val="0"/>
+                        </a:spcAft>
+                      </a:pPr>
+                      <a:r>
+                        <a:rPr lang="en-US" sz="1050" kern="100">
+                          <a:effectLst/>
+                        </a:rPr>
+                        <a:t>Spam</a:t>
+                      </a:r>
+                      <a:endParaRPr lang="zh-CN" sz="1200" kern="100">
+                        <a:effectLst/>
+                        <a:latin typeface="Times New Roman"/>
+                        <a:ea typeface="宋体"/>
+                      </a:endParaRPr>
+                    </a:p>
+                  </a:txBody>
+                  <a:tcPr marL="68580" marR="68580" marT="0" marB="0"/>
+                </a:tc>
+                <a:tc>
+                  <a:txBody>
+                    <a:bodyPr/>
+                    <a:lstStyle/>
+                    <a:p>
+                      <a:pPr>
+                        <a:lnSpc>
+                          <a:spcPct val="150000"/>
+                        </a:lnSpc>
+                        <a:spcAft>
+                          <a:spcPts val="0"/>
+                        </a:spcAft>
+                      </a:pPr>
+                      <a:r>
+                        <a:rPr lang="en-US" sz="1050" kern="100">
+                          <a:effectLst/>
+                        </a:rPr>
+                        <a:t>1320</a:t>
+                      </a:r>
+                      <a:endParaRPr lang="zh-CN" sz="1200" kern="100">
+                        <a:effectLst/>
+                        <a:latin typeface="Times New Roman"/>
+                        <a:ea typeface="宋体"/>
+                      </a:endParaRPr>
+                    </a:p>
+                  </a:txBody>
+                  <a:tcPr marL="68580" marR="68580" marT="0" marB="0"/>
+                </a:tc>
+                <a:tc>
+                  <a:txBody>
+                    <a:bodyPr/>
+                    <a:lstStyle/>
+                    <a:p>
+                      <a:pPr>
+                        <a:lnSpc>
+                          <a:spcPct val="150000"/>
+                        </a:lnSpc>
+                        <a:spcAft>
+                          <a:spcPts val="0"/>
+                        </a:spcAft>
+                      </a:pPr>
+                      <a:r>
+                        <a:rPr lang="en-US" sz="1050" kern="100">
+                          <a:effectLst/>
+                        </a:rPr>
+                        <a:t>158</a:t>
+                      </a:r>
+                      <a:endParaRPr lang="zh-CN" sz="1200" kern="100">
+                        <a:effectLst/>
+                        <a:latin typeface="Times New Roman"/>
+                        <a:ea typeface="宋体"/>
+                      </a:endParaRPr>
+                    </a:p>
+                  </a:txBody>
+                  <a:tcPr marL="68580" marR="68580" marT="0" marB="0"/>
+                </a:tc>
+                <a:tc>
+                  <a:txBody>
+                    <a:bodyPr/>
+                    <a:lstStyle/>
+                    <a:p>
+                      <a:pPr>
+                        <a:lnSpc>
+                          <a:spcPct val="150000"/>
+                        </a:lnSpc>
+                        <a:spcAft>
+                          <a:spcPts val="0"/>
+                        </a:spcAft>
+                      </a:pPr>
+                      <a:r>
+                        <a:rPr lang="en-US" sz="1050" kern="100">
+                          <a:effectLst/>
+                        </a:rPr>
+                        <a:t>1478</a:t>
+                      </a:r>
+                      <a:endParaRPr lang="zh-CN" sz="1200" kern="100">
+                        <a:effectLst/>
+                        <a:latin typeface="Times New Roman"/>
+                        <a:ea typeface="宋体"/>
+                      </a:endParaRPr>
+                    </a:p>
+                  </a:txBody>
+                  <a:tcPr marL="68580" marR="68580" marT="0" marB="0"/>
+                </a:tc>
+                <a:tc>
+                  <a:txBody>
+                    <a:bodyPr/>
+                    <a:lstStyle/>
+                    <a:p>
+                      <a:pPr>
+                        <a:lnSpc>
+                          <a:spcPct val="150000"/>
+                        </a:lnSpc>
+                        <a:spcAft>
+                          <a:spcPts val="0"/>
+                        </a:spcAft>
+                      </a:pPr>
+                      <a:r>
+                        <a:rPr lang="en-US" sz="1050" b="1" kern="100" dirty="0">
+                          <a:effectLst/>
+                        </a:rPr>
+                        <a:t>89.31%</a:t>
+                      </a:r>
+                      <a:endParaRPr lang="zh-CN" sz="1200" b="1" kern="100" dirty="0">
+                        <a:effectLst/>
+                        <a:latin typeface="Times New Roman"/>
+                        <a:ea typeface="宋体"/>
+                      </a:endParaRPr>
+                    </a:p>
+                  </a:txBody>
+                  <a:tcPr marL="68580" marR="68580" marT="0" marB="0"/>
+                </a:tc>
+              </a:tr>
+              <a:tr h="0">
+                <a:tc>
+                  <a:txBody>
+                    <a:bodyPr/>
+                    <a:lstStyle/>
+                    <a:p>
+                      <a:pPr>
+                        <a:lnSpc>
+                          <a:spcPct val="150000"/>
+                        </a:lnSpc>
+                        <a:spcAft>
+                          <a:spcPts val="0"/>
+                        </a:spcAft>
+                      </a:pPr>
+                      <a:r>
+                        <a:rPr lang="en-US" sz="1050" kern="100">
+                          <a:effectLst/>
+                        </a:rPr>
+                        <a:t>Normal</a:t>
+                      </a:r>
+                      <a:endParaRPr lang="zh-CN" sz="1200" kern="100">
+                        <a:effectLst/>
+                        <a:latin typeface="Times New Roman"/>
+                        <a:ea typeface="宋体"/>
+                      </a:endParaRPr>
+                    </a:p>
+                  </a:txBody>
+                  <a:tcPr marL="68580" marR="68580" marT="0" marB="0"/>
+                </a:tc>
+                <a:tc>
+                  <a:txBody>
+                    <a:bodyPr/>
+                    <a:lstStyle/>
+                    <a:p>
+                      <a:pPr>
+                        <a:lnSpc>
+                          <a:spcPct val="150000"/>
+                        </a:lnSpc>
+                        <a:spcAft>
+                          <a:spcPts val="0"/>
+                        </a:spcAft>
+                      </a:pPr>
+                      <a:r>
+                        <a:rPr lang="en-US" sz="1050" kern="100">
+                          <a:effectLst/>
+                        </a:rPr>
+                        <a:t>3725</a:t>
+                      </a:r>
+                      <a:endParaRPr lang="zh-CN" sz="1200" kern="100">
+                        <a:effectLst/>
+                        <a:latin typeface="Times New Roman"/>
+                        <a:ea typeface="宋体"/>
+                      </a:endParaRPr>
+                    </a:p>
+                  </a:txBody>
+                  <a:tcPr marL="68580" marR="68580" marT="0" marB="0"/>
+                </a:tc>
+                <a:tc>
+                  <a:txBody>
+                    <a:bodyPr/>
+                    <a:lstStyle/>
+                    <a:p>
+                      <a:pPr>
+                        <a:lnSpc>
+                          <a:spcPct val="150000"/>
+                        </a:lnSpc>
+                        <a:spcAft>
+                          <a:spcPts val="0"/>
+                        </a:spcAft>
+                      </a:pPr>
+                      <a:r>
+                        <a:rPr lang="en-US" sz="1050" kern="100">
+                          <a:effectLst/>
+                        </a:rPr>
+                        <a:t>5440</a:t>
+                      </a:r>
+                      <a:endParaRPr lang="zh-CN" sz="1200" kern="100">
+                        <a:effectLst/>
+                        <a:latin typeface="Times New Roman"/>
+                        <a:ea typeface="宋体"/>
+                      </a:endParaRPr>
+                    </a:p>
+                  </a:txBody>
+                  <a:tcPr marL="68580" marR="68580" marT="0" marB="0"/>
+                </a:tc>
+                <a:tc>
+                  <a:txBody>
+                    <a:bodyPr/>
+                    <a:lstStyle/>
+                    <a:p>
+                      <a:pPr>
+                        <a:lnSpc>
+                          <a:spcPct val="150000"/>
+                        </a:lnSpc>
+                        <a:spcAft>
+                          <a:spcPts val="0"/>
+                        </a:spcAft>
+                      </a:pPr>
+                      <a:r>
+                        <a:rPr lang="en-US" sz="1050" kern="100">
+                          <a:effectLst/>
+                        </a:rPr>
+                        <a:t>9165</a:t>
+                      </a:r>
+                      <a:endParaRPr lang="zh-CN" sz="1200" kern="100">
+                        <a:effectLst/>
+                        <a:latin typeface="Times New Roman"/>
+                        <a:ea typeface="宋体"/>
+                      </a:endParaRPr>
+                    </a:p>
+                  </a:txBody>
+                  <a:tcPr marL="68580" marR="68580" marT="0" marB="0"/>
+                </a:tc>
+                <a:tc>
+                  <a:txBody>
+                    <a:bodyPr/>
+                    <a:lstStyle/>
+                    <a:p>
+                      <a:pPr>
+                        <a:lnSpc>
+                          <a:spcPct val="150000"/>
+                        </a:lnSpc>
+                        <a:spcAft>
+                          <a:spcPts val="0"/>
+                        </a:spcAft>
+                      </a:pPr>
+                      <a:r>
+                        <a:rPr lang="en-US" sz="1050" b="1" kern="100" dirty="0">
+                          <a:effectLst/>
+                        </a:rPr>
+                        <a:t>59.36%</a:t>
+                      </a:r>
+                      <a:endParaRPr lang="zh-CN" sz="1200" b="1" kern="100" dirty="0">
+                        <a:effectLst/>
+                        <a:latin typeface="Times New Roman"/>
+                        <a:ea typeface="宋体"/>
+                      </a:endParaRPr>
+                    </a:p>
+                  </a:txBody>
+                  <a:tcPr marL="68580" marR="68580" marT="0" marB="0"/>
+                </a:tc>
+              </a:tr>
+              <a:tr h="0">
+                <a:tc>
+                  <a:txBody>
+                    <a:bodyPr/>
+                    <a:lstStyle/>
+                    <a:p>
+                      <a:pPr>
+                        <a:lnSpc>
+                          <a:spcPct val="150000"/>
+                        </a:lnSpc>
+                        <a:spcAft>
+                          <a:spcPts val="0"/>
+                        </a:spcAft>
+                      </a:pPr>
+                      <a:r>
+                        <a:rPr lang="en-US" sz="1050" kern="100">
+                          <a:effectLst/>
+                        </a:rPr>
+                        <a:t>Total</a:t>
+                      </a:r>
+                      <a:endParaRPr lang="zh-CN" sz="1200" kern="100">
+                        <a:effectLst/>
+                        <a:latin typeface="Times New Roman"/>
+                        <a:ea typeface="宋体"/>
+                      </a:endParaRPr>
+                    </a:p>
+                  </a:txBody>
+                  <a:tcPr marL="68580" marR="68580" marT="0" marB="0"/>
+                </a:tc>
+                <a:tc>
+                  <a:txBody>
+                    <a:bodyPr/>
+                    <a:lstStyle/>
+                    <a:p>
+                      <a:pPr>
+                        <a:lnSpc>
+                          <a:spcPct val="150000"/>
+                        </a:lnSpc>
+                        <a:spcAft>
+                          <a:spcPts val="0"/>
+                        </a:spcAft>
+                      </a:pPr>
+                      <a:r>
+                        <a:rPr lang="en-US" sz="1050" kern="100">
+                          <a:effectLst/>
+                        </a:rPr>
+                        <a:t>5045</a:t>
+                      </a:r>
+                      <a:endParaRPr lang="zh-CN" sz="1200" kern="100">
+                        <a:effectLst/>
+                        <a:latin typeface="Times New Roman"/>
+                        <a:ea typeface="宋体"/>
+                      </a:endParaRPr>
+                    </a:p>
+                  </a:txBody>
+                  <a:tcPr marL="68580" marR="68580" marT="0" marB="0"/>
+                </a:tc>
+                <a:tc>
+                  <a:txBody>
+                    <a:bodyPr/>
+                    <a:lstStyle/>
+                    <a:p>
+                      <a:pPr>
+                        <a:lnSpc>
+                          <a:spcPct val="150000"/>
+                        </a:lnSpc>
+                        <a:spcAft>
+                          <a:spcPts val="0"/>
+                        </a:spcAft>
+                      </a:pPr>
+                      <a:r>
+                        <a:rPr lang="en-US" sz="1050" kern="100">
+                          <a:effectLst/>
+                        </a:rPr>
+                        <a:t>5598</a:t>
+                      </a:r>
+                      <a:endParaRPr lang="zh-CN" sz="1200" kern="100">
+                        <a:effectLst/>
+                        <a:latin typeface="Times New Roman"/>
+                        <a:ea typeface="宋体"/>
+                      </a:endParaRPr>
+                    </a:p>
+                  </a:txBody>
+                  <a:tcPr marL="68580" marR="68580" marT="0" marB="0"/>
+                </a:tc>
+                <a:tc>
+                  <a:txBody>
+                    <a:bodyPr/>
+                    <a:lstStyle/>
+                    <a:p>
+                      <a:pPr>
+                        <a:lnSpc>
+                          <a:spcPct val="150000"/>
+                        </a:lnSpc>
+                        <a:spcAft>
+                          <a:spcPts val="0"/>
+                        </a:spcAft>
+                      </a:pPr>
+                      <a:r>
+                        <a:rPr lang="en-US" sz="1050" kern="100">
+                          <a:effectLst/>
+                        </a:rPr>
+                        <a:t>10643</a:t>
+                      </a:r>
+                      <a:endParaRPr lang="zh-CN" sz="1200" kern="100">
+                        <a:effectLst/>
+                        <a:latin typeface="Times New Roman"/>
+                        <a:ea typeface="宋体"/>
+                      </a:endParaRPr>
+                    </a:p>
+                  </a:txBody>
+                  <a:tcPr marL="68580" marR="68580" marT="0" marB="0"/>
+                </a:tc>
+                <a:tc>
+                  <a:txBody>
+                    <a:bodyPr/>
+                    <a:lstStyle/>
+                    <a:p>
+                      <a:pPr>
+                        <a:lnSpc>
+                          <a:spcPct val="150000"/>
+                        </a:lnSpc>
+                        <a:spcAft>
+                          <a:spcPts val="0"/>
+                        </a:spcAft>
+                      </a:pPr>
+                      <a:r>
+                        <a:rPr lang="en-US" sz="1050" kern="100">
+                          <a:effectLst/>
+                        </a:rPr>
+                        <a:t> </a:t>
+                      </a:r>
+                      <a:endParaRPr lang="zh-CN" sz="1200" kern="100">
+                        <a:effectLst/>
+                        <a:latin typeface="Times New Roman"/>
+                        <a:ea typeface="宋体"/>
+                      </a:endParaRPr>
+                    </a:p>
+                  </a:txBody>
+                  <a:tcPr marL="68580" marR="68580" marT="0" marB="0"/>
+                </a:tc>
+              </a:tr>
+              <a:tr h="0">
+                <a:tc>
+                  <a:txBody>
+                    <a:bodyPr/>
+                    <a:lstStyle/>
+                    <a:p>
+                      <a:pPr>
+                        <a:lnSpc>
+                          <a:spcPct val="150000"/>
+                        </a:lnSpc>
+                        <a:spcAft>
+                          <a:spcPts val="0"/>
+                        </a:spcAft>
+                      </a:pPr>
+                      <a:r>
+                        <a:rPr lang="en-US" sz="1050" kern="100">
+                          <a:effectLst/>
+                        </a:rPr>
+                        <a:t>Precision</a:t>
+                      </a:r>
+                      <a:endParaRPr lang="zh-CN" sz="1200" kern="100">
+                        <a:effectLst/>
+                        <a:latin typeface="Times New Roman"/>
+                        <a:ea typeface="宋体"/>
+                      </a:endParaRPr>
+                    </a:p>
+                  </a:txBody>
+                  <a:tcPr marL="68580" marR="68580" marT="0" marB="0"/>
+                </a:tc>
+                <a:tc>
+                  <a:txBody>
+                    <a:bodyPr/>
+                    <a:lstStyle/>
+                    <a:p>
+                      <a:pPr>
+                        <a:lnSpc>
+                          <a:spcPct val="150000"/>
+                        </a:lnSpc>
+                        <a:spcAft>
+                          <a:spcPts val="0"/>
+                        </a:spcAft>
+                      </a:pPr>
+                      <a:r>
+                        <a:rPr lang="en-US" sz="1050" b="1" kern="100" dirty="0">
+                          <a:effectLst/>
+                        </a:rPr>
+                        <a:t>26.16%</a:t>
+                      </a:r>
+                      <a:endParaRPr lang="zh-CN" sz="1200" b="1" kern="100" dirty="0">
+                        <a:effectLst/>
+                        <a:latin typeface="Times New Roman"/>
+                        <a:ea typeface="宋体"/>
+                      </a:endParaRPr>
+                    </a:p>
+                  </a:txBody>
+                  <a:tcPr marL="68580" marR="68580" marT="0" marB="0"/>
+                </a:tc>
+                <a:tc>
+                  <a:txBody>
+                    <a:bodyPr/>
+                    <a:lstStyle/>
+                    <a:p>
+                      <a:pPr>
+                        <a:lnSpc>
+                          <a:spcPct val="150000"/>
+                        </a:lnSpc>
+                        <a:spcAft>
+                          <a:spcPts val="0"/>
+                        </a:spcAft>
+                      </a:pPr>
+                      <a:r>
+                        <a:rPr lang="en-US" sz="1050" kern="100">
+                          <a:effectLst/>
+                        </a:rPr>
+                        <a:t>97.18%</a:t>
+                      </a:r>
+                      <a:endParaRPr lang="zh-CN" sz="1200" kern="100">
+                        <a:effectLst/>
+                        <a:latin typeface="Times New Roman"/>
+                        <a:ea typeface="宋体"/>
+                      </a:endParaRPr>
+                    </a:p>
+                  </a:txBody>
+                  <a:tcPr marL="68580" marR="68580" marT="0" marB="0"/>
+                </a:tc>
+                <a:tc>
+                  <a:txBody>
+                    <a:bodyPr/>
+                    <a:lstStyle/>
+                    <a:p>
+                      <a:pPr>
+                        <a:lnSpc>
+                          <a:spcPct val="150000"/>
+                        </a:lnSpc>
+                        <a:spcAft>
+                          <a:spcPts val="0"/>
+                        </a:spcAft>
+                      </a:pPr>
+                      <a:r>
+                        <a:rPr lang="en-US" sz="1050" kern="100">
+                          <a:effectLst/>
+                        </a:rPr>
+                        <a:t> </a:t>
+                      </a:r>
+                      <a:endParaRPr lang="zh-CN" sz="1200" kern="100">
+                        <a:effectLst/>
+                        <a:latin typeface="Times New Roman"/>
+                        <a:ea typeface="宋体"/>
+                      </a:endParaRPr>
+                    </a:p>
+                  </a:txBody>
+                  <a:tcPr marL="68580" marR="68580" marT="0" marB="0"/>
+                </a:tc>
+                <a:tc>
+                  <a:txBody>
+                    <a:bodyPr/>
+                    <a:lstStyle/>
+                    <a:p>
+                      <a:pPr>
+                        <a:lnSpc>
+                          <a:spcPct val="150000"/>
+                        </a:lnSpc>
+                        <a:spcAft>
+                          <a:spcPts val="0"/>
+                        </a:spcAft>
+                      </a:pPr>
+                      <a:r>
+                        <a:rPr lang="en-US" sz="1050" kern="100" dirty="0">
+                          <a:effectLst/>
+                        </a:rPr>
+                        <a:t>63.52%</a:t>
+                      </a:r>
+                      <a:endParaRPr lang="zh-CN" sz="1200" kern="100" dirty="0">
+                        <a:effectLst/>
+                        <a:latin typeface="Times New Roman"/>
+                        <a:ea typeface="宋体"/>
+                      </a:endParaRPr>
+                    </a:p>
+                  </a:txBody>
+                  <a:tcPr marL="68580" marR="68580" marT="0" marB="0"/>
+                </a:tc>
+              </a:tr>
+            </a:tbl>
+          </a:graphicData>
+        </a:graphic>
+      </p:graphicFrame>
+      <p:pic>
+        <p:nvPicPr>
+          <p:cNvPr id="10244" name="Picture 4"/>
+          <p:cNvPicPr>
+            <a:picLocks noChangeAspect="1" noChangeArrowheads="1"/>
+          </p:cNvPicPr>
+          <p:nvPr/>
+        </p:nvPicPr>
+        <p:blipFill>
+          <a:blip r:embed="rId3">
+            <a:extLst>
+              <a:ext uri="{28A0092B-C50C-407E-A947-70E740481C1C}">
+                <a14:useLocalDpi xmlns:a14="http://schemas.microsoft.com/office/drawing/2010/main" val="0"/>
+              </a:ext>
+            </a:extLst>
+          </a:blip>
+          <a:srcRect/>
+          <a:stretch>
+            <a:fillRect/>
+          </a:stretch>
+        </p:blipFill>
+        <p:spPr bwMode="auto">
+          <a:xfrm>
+            <a:off x="6019800" y="1447800"/>
+            <a:ext cx="2894365" cy="4724400"/>
+          </a:xfrm>
+          <a:prstGeom prst="rect">
+            <a:avLst/>
+          </a:prstGeom>
+          <a:noFill/>
+          <a:ln>
+            <a:noFill/>
+          </a:ln>
+          <a:effectLst/>
+          <a:extLst>
+            <a:ext uri="{909E8E84-426E-40DD-AFC4-6F175D3DCCD1}">
+              <a14:hiddenFill xmlns:a14="http://schemas.microsoft.com/office/drawing/2010/main">
+                <a:solidFill>
+                  <a:schemeClr val="accent1"/>
+                </a:solidFill>
+              </a14:hiddenFill>
+            </a:ext>
+            <a:ext uri="{91240B29-F687-4F45-9708-019B960494DF}">
+              <a14:hiddenLine xmlns:a14="http://schemas.microsoft.com/office/drawing/2010/main" w="9525">
+                <a:solidFill>
+                  <a:schemeClr val="tx1"/>
+                </a:solidFill>
+                <a:miter lim="800000"/>
+                <a:headEnd/>
+                <a:tailEnd/>
+              </a14:hiddenLine>
+            </a:ext>
+            <a:ext uri="{AF507438-7753-43E0-B8FC-AC1667EBCBE1}">
+              <a14:hiddenEffects xmlns:a14="http://schemas.microsoft.com/office/drawing/2010/main">
+                <a:effectLst>
+                  <a:outerShdw dist="35921" dir="2700000" algn="ctr" rotWithShape="0">
+                    <a:schemeClr val="bg2"/>
+                  </a:outerShdw>
+                </a:effectLst>
+              </a14:hiddenEffects>
+            </a:ext>
+          </a:extLst>
+        </p:spPr>
+      </p:pic>
+    </p:spTree>
+    <p:extLst>
+      <p:ext uri="{BB962C8B-B14F-4D97-AF65-F5344CB8AC3E}">
+        <p14:creationId xmlns:p14="http://schemas.microsoft.com/office/powerpoint/2010/main" val="3973110316"/>
+      </p:ext>
+    </p:extLst>
+  </p:cSld>
+  <p:clrMapOvr>
+    <a:masterClrMapping/>
+  </p:clrMapOvr>
+</p:sld>
+</file>
+
+<file path=ppt/slides/slide17.xml><?xml version="1.0" encoding="utf-8"?>
+<p:sld xmlns:a="http://schemas.openxmlformats.org/drawingml/2006/main" xmlns:r="http://schemas.openxmlformats.org/officeDocument/2006/relationships" xmlns:p="http://schemas.openxmlformats.org/presentationml/2006/main">
+  <p:cSld>
+    <p:spTree>
+      <p:nvGrpSpPr>
+        <p:cNvPr id="1" name=""/>
+        <p:cNvGrpSpPr/>
+        <p:nvPr/>
+      </p:nvGrpSpPr>
+      <p:grpSpPr>
+        <a:xfrm>
+          <a:off x="0" y="0"/>
+          <a:ext cx="0" cy="0"/>
+          <a:chOff x="0" y="0"/>
+          <a:chExt cx="0" cy="0"/>
+        </a:xfrm>
+      </p:grpSpPr>
+      <p:pic>
+        <p:nvPicPr>
+          <p:cNvPr id="2050" name="Picture 2"/>
+          <p:cNvPicPr>
+            <a:picLocks noChangeAspect="1" noChangeArrowheads="1"/>
+          </p:cNvPicPr>
+          <p:nvPr/>
+        </p:nvPicPr>
+        <p:blipFill>
+          <a:blip r:embed="rId2">
+            <a:extLst>
+              <a:ext uri="{28A0092B-C50C-407E-A947-70E740481C1C}">
+                <a14:useLocalDpi xmlns:a14="http://schemas.microsoft.com/office/drawing/2010/main" val="0"/>
+              </a:ext>
+            </a:extLst>
+          </a:blip>
+          <a:srcRect/>
+          <a:stretch>
+            <a:fillRect/>
+          </a:stretch>
+        </p:blipFill>
+        <p:spPr bwMode="auto">
+          <a:xfrm>
+            <a:off x="3886200" y="914400"/>
+            <a:ext cx="5237136" cy="5715000"/>
+          </a:xfrm>
+          <a:prstGeom prst="rect">
+            <a:avLst/>
+          </a:prstGeom>
+          <a:noFill/>
+          <a:ln>
+            <a:noFill/>
+          </a:ln>
+          <a:effectLst/>
+          <a:extLst>
+            <a:ext uri="{909E8E84-426E-40DD-AFC4-6F175D3DCCD1}">
+              <a14:hiddenFill xmlns:a14="http://schemas.microsoft.com/office/drawing/2010/main">
+                <a:solidFill>
+                  <a:schemeClr val="accent1"/>
+                </a:solidFill>
+              </a14:hiddenFill>
+            </a:ext>
+            <a:ext uri="{91240B29-F687-4F45-9708-019B960494DF}">
+              <a14:hiddenLine xmlns:a14="http://schemas.microsoft.com/office/drawing/2010/main" w="9525">
+                <a:solidFill>
+                  <a:schemeClr val="tx1"/>
+                </a:solidFill>
+                <a:miter lim="800000"/>
+                <a:headEnd/>
+                <a:tailEnd/>
+              </a14:hiddenLine>
+            </a:ext>
+            <a:ext uri="{AF507438-7753-43E0-B8FC-AC1667EBCBE1}">
+              <a14:hiddenEffects xmlns:a14="http://schemas.microsoft.com/office/drawing/2010/main">
+                <a:effectLst>
+                  <a:outerShdw dist="35921" dir="2700000" algn="ctr" rotWithShape="0">
+                    <a:schemeClr val="bg2"/>
+                  </a:outerShdw>
+                </a:effectLst>
+              </a14:hiddenEffects>
+            </a:ext>
+          </a:extLst>
+        </p:spPr>
+      </p:pic>
+      <p:sp>
+        <p:nvSpPr>
+          <p:cNvPr id="2" name="Title 1"/>
+          <p:cNvSpPr>
+            <a:spLocks noGrp="1"/>
+          </p:cNvSpPr>
+          <p:nvPr>
+            <p:ph type="title"/>
+          </p:nvPr>
+        </p:nvSpPr>
+        <p:spPr>
+          <a:xfrm>
+            <a:off x="457200" y="1066800"/>
+            <a:ext cx="8229600" cy="914400"/>
+          </a:xfrm>
+        </p:spPr>
+        <p:txBody>
+          <a:bodyPr>
+            <a:normAutofit/>
+          </a:bodyPr>
+          <a:lstStyle/>
+          <a:p>
+            <a:pPr algn="l"/>
+            <a:r>
+              <a:rPr lang="zh-CN" altLang="en-US" sz="3200" dirty="0" smtClean="0">
+                <a:latin typeface="黑体" panose="02010609060101010101" pitchFamily="49" charset="-122"/>
+                <a:ea typeface="黑体" panose="02010609060101010101" pitchFamily="49" charset="-122"/>
+              </a:rPr>
+              <a:t>总结</a:t>
+            </a:r>
+            <a:endParaRPr lang="zh-CN" altLang="en-US" sz="3200" dirty="0">
+              <a:latin typeface="黑体" panose="02010609060101010101" pitchFamily="49" charset="-122"/>
+              <a:ea typeface="黑体" panose="02010609060101010101" pitchFamily="49" charset="-122"/>
+            </a:endParaRPr>
+          </a:p>
+        </p:txBody>
+      </p:sp>
+      <p:sp>
+        <p:nvSpPr>
+          <p:cNvPr id="4" name="Rectangle 19"/>
+          <p:cNvSpPr>
+            <a:spLocks noChangeArrowheads="1"/>
+          </p:cNvSpPr>
+          <p:nvPr/>
+        </p:nvSpPr>
+        <p:spPr bwMode="auto">
+          <a:xfrm>
+            <a:off x="0" y="6629400"/>
+            <a:ext cx="9144000" cy="228600"/>
+          </a:xfrm>
+          <a:prstGeom prst="rect">
+            <a:avLst/>
+          </a:prstGeom>
+          <a:solidFill>
+            <a:srgbClr val="0E03E7"/>
+          </a:solidFill>
+          <a:ln w="9525">
+            <a:solidFill>
+              <a:schemeClr val="tx1"/>
+            </a:solidFill>
+            <a:miter lim="800000"/>
+            <a:headEnd/>
+            <a:tailEnd/>
+          </a:ln>
+          <a:effectLst/>
+        </p:spPr>
+        <p:txBody>
+          <a:bodyPr wrap="none" anchor="ctr"/>
+          <a:lstStyle/>
+          <a:p>
+            <a:endParaRPr lang="zh-CN" altLang="en-US"/>
+          </a:p>
+        </p:txBody>
+      </p:sp>
+      <p:pic>
+        <p:nvPicPr>
+          <p:cNvPr id="5" name="Picture 18" descr="C:\Documents and Settings\Administrator\桌面\logo_small.jpg"/>
+          <p:cNvPicPr>
+            <a:picLocks noChangeAspect="1" noChangeArrowheads="1"/>
+          </p:cNvPicPr>
+          <p:nvPr/>
+        </p:nvPicPr>
+        <p:blipFill>
+          <a:blip r:embed="rId3">
+            <a:extLst>
+              <a:ext uri="{28A0092B-C50C-407E-A947-70E740481C1C}">
+                <a14:useLocalDpi xmlns:a14="http://schemas.microsoft.com/office/drawing/2010/main" val="0"/>
+              </a:ext>
+            </a:extLst>
+          </a:blip>
+          <a:srcRect/>
+          <a:stretch>
+            <a:fillRect/>
+          </a:stretch>
+        </p:blipFill>
+        <p:spPr bwMode="auto">
+          <a:xfrm>
+            <a:off x="152400" y="93663"/>
+            <a:ext cx="3124200" cy="820737"/>
+          </a:xfrm>
+          <a:prstGeom prst="rect">
+            <a:avLst/>
+          </a:prstGeom>
+          <a:noFill/>
+          <a:extLst>
+            <a:ext uri="{909E8E84-426E-40DD-AFC4-6F175D3DCCD1}">
+              <a14:hiddenFill xmlns:a14="http://schemas.microsoft.com/office/drawing/2010/main">
+                <a:solidFill>
+                  <a:srgbClr val="FFFFFF"/>
+                </a:solidFill>
+              </a14:hiddenFill>
+            </a:ext>
+          </a:extLst>
+        </p:spPr>
+      </p:pic>
+      <p:sp>
+        <p:nvSpPr>
+          <p:cNvPr id="9" name="Content Placeholder 2"/>
+          <p:cNvSpPr>
+            <a:spLocks noGrp="1"/>
+          </p:cNvSpPr>
+          <p:nvPr>
+            <p:ph idx="1"/>
+          </p:nvPr>
+        </p:nvSpPr>
+        <p:spPr>
+          <a:xfrm>
+            <a:off x="457200" y="2209800"/>
+            <a:ext cx="3429000" cy="3916363"/>
+          </a:xfrm>
+        </p:spPr>
+        <p:txBody>
+          <a:bodyPr>
+            <a:normAutofit/>
+          </a:bodyPr>
+          <a:lstStyle/>
+          <a:p>
+            <a:pPr marL="0" indent="0">
+              <a:buNone/>
+            </a:pPr>
+            <a:r>
+              <a:rPr lang="zh-CN" altLang="en-US" sz="1800" b="1" dirty="0" smtClean="0"/>
+              <a:t>个人完成整个论文的所有工作：</a:t>
+            </a:r>
+            <a:endParaRPr lang="en-US" altLang="zh-CN" sz="1800" b="1" dirty="0" smtClean="0"/>
+          </a:p>
+          <a:p>
+            <a:pPr marL="0" indent="0">
+              <a:buNone/>
+            </a:pPr>
+            <a:r>
+              <a:rPr lang="zh-CN" altLang="zh-CN" sz="1800" dirty="0" smtClean="0"/>
+              <a:t>基础研究数据收集工作</a:t>
+            </a:r>
+          </a:p>
+          <a:p>
+            <a:pPr marL="0" indent="0">
+              <a:buNone/>
+            </a:pPr>
+            <a:r>
+              <a:rPr lang="zh-CN" altLang="zh-CN" sz="1800" dirty="0" smtClean="0"/>
+              <a:t>数据人工标记分类工作</a:t>
+            </a:r>
+          </a:p>
+          <a:p>
+            <a:pPr marL="0" indent="0">
+              <a:buNone/>
+            </a:pPr>
+            <a:r>
+              <a:rPr lang="zh-CN" altLang="en-US" sz="1800" dirty="0" smtClean="0"/>
+              <a:t>系统架构</a:t>
+            </a:r>
+            <a:r>
+              <a:rPr lang="zh-CN" altLang="zh-CN" sz="1800" dirty="0" smtClean="0"/>
+              <a:t>代码</a:t>
+            </a:r>
+            <a:r>
+              <a:rPr lang="zh-CN" altLang="en-US" sz="1800" dirty="0" smtClean="0"/>
+              <a:t>设计</a:t>
+            </a:r>
+            <a:r>
+              <a:rPr lang="zh-CN" altLang="zh-CN" sz="1800" dirty="0" smtClean="0"/>
+              <a:t>编写工作</a:t>
+            </a:r>
+          </a:p>
+          <a:p>
+            <a:pPr marL="0" indent="0">
+              <a:buNone/>
+            </a:pPr>
+            <a:r>
+              <a:rPr lang="zh-CN" altLang="zh-CN" sz="1800" dirty="0" smtClean="0"/>
+              <a:t>第三方工具研究应用工作</a:t>
+            </a:r>
+          </a:p>
+          <a:p>
+            <a:pPr marL="0" indent="0">
+              <a:buNone/>
+            </a:pPr>
+            <a:r>
+              <a:rPr lang="zh-CN" altLang="zh-CN" sz="1800" dirty="0" smtClean="0"/>
+              <a:t>测试收集</a:t>
+            </a:r>
+            <a:r>
+              <a:rPr lang="zh-CN" altLang="en-US" sz="1800" dirty="0" smtClean="0"/>
+              <a:t>运行结果</a:t>
+            </a:r>
+            <a:r>
+              <a:rPr lang="zh-CN" altLang="zh-CN" sz="1800" dirty="0" smtClean="0"/>
+              <a:t>工作</a:t>
+            </a:r>
+          </a:p>
+          <a:p>
+            <a:pPr marL="0" indent="0">
+              <a:buNone/>
+            </a:pPr>
+            <a:r>
+              <a:rPr lang="zh-CN" altLang="zh-CN" sz="1800" dirty="0" smtClean="0"/>
+              <a:t>各种针对性优化的工作</a:t>
+            </a:r>
+            <a:endParaRPr lang="en-US" altLang="zh-CN" sz="1800" dirty="0" smtClean="0"/>
+          </a:p>
+          <a:p>
+            <a:pPr marL="0" indent="0">
+              <a:buNone/>
+            </a:pPr>
+            <a:endParaRPr lang="en-US" altLang="zh-CN" sz="1800" dirty="0"/>
+          </a:p>
+          <a:p>
+            <a:pPr marL="0" indent="0">
+              <a:buNone/>
+            </a:pPr>
+            <a:endParaRPr lang="zh-CN" altLang="zh-CN" sz="1800" dirty="0"/>
+          </a:p>
+        </p:txBody>
+      </p:sp>
+    </p:spTree>
+    <p:extLst>
+      <p:ext uri="{BB962C8B-B14F-4D97-AF65-F5344CB8AC3E}">
+        <p14:creationId xmlns:p14="http://schemas.microsoft.com/office/powerpoint/2010/main" val="909408395"/>
+      </p:ext>
+    </p:extLst>
+  </p:cSld>
+  <p:clrMapOvr>
+    <a:masterClrMapping/>
+  </p:clrMapOvr>
+</p:sld>
+</file>
+
+<file path=ppt/slides/slide18.xml><?xml version="1.0" encoding="utf-8"?>
+<p:sld xmlns:a="http://schemas.openxmlformats.org/drawingml/2006/main" xmlns:r="http://schemas.openxmlformats.org/officeDocument/2006/relationships" xmlns:p="http://schemas.openxmlformats.org/presentationml/2006/main">
+  <p:cSld>
+    <p:spTree>
+      <p:nvGrpSpPr>
+        <p:cNvPr id="1" name=""/>
+        <p:cNvGrpSpPr/>
+        <p:nvPr/>
+      </p:nvGrpSpPr>
+      <p:grpSpPr>
+        <a:xfrm>
+          <a:off x="0" y="0"/>
+          <a:ext cx="0" cy="0"/>
+          <a:chOff x="0" y="0"/>
+          <a:chExt cx="0" cy="0"/>
+        </a:xfrm>
+      </p:grpSpPr>
+      <p:sp>
+        <p:nvSpPr>
+          <p:cNvPr id="2" name="Title 1"/>
+          <p:cNvSpPr>
+            <a:spLocks noGrp="1"/>
+          </p:cNvSpPr>
+          <p:nvPr>
+            <p:ph type="title"/>
+          </p:nvPr>
+        </p:nvSpPr>
+        <p:spPr>
+          <a:xfrm>
+            <a:off x="3124200" y="3200400"/>
+            <a:ext cx="3200400" cy="914400"/>
+          </a:xfrm>
+        </p:spPr>
+        <p:txBody>
+          <a:bodyPr>
+            <a:normAutofit/>
+          </a:bodyPr>
+          <a:lstStyle/>
+          <a:p>
+            <a:pPr algn="l"/>
+            <a:r>
+              <a:rPr lang="en-US" altLang="zh-CN" sz="3200" b="1" dirty="0" smtClean="0">
+                <a:latin typeface="Arial Black" panose="020B0A04020102020204" pitchFamily="34" charset="0"/>
+                <a:ea typeface="黑体" panose="02010609060101010101" pitchFamily="49" charset="-122"/>
+              </a:rPr>
+              <a:t>Thanks! ^~^</a:t>
+            </a:r>
+            <a:endParaRPr lang="zh-CN" altLang="en-US" sz="3200" b="1" dirty="0">
+              <a:latin typeface="Arial Black" panose="020B0A04020102020204" pitchFamily="34" charset="0"/>
+              <a:ea typeface="黑体" panose="02010609060101010101" pitchFamily="49" charset="-122"/>
+            </a:endParaRPr>
           </a:p>
         </p:txBody>
       </p:sp>
@@ -3974,7 +10509,7 @@
     </p:spTree>
     <p:extLst>
       <p:ext uri="{BB962C8B-B14F-4D97-AF65-F5344CB8AC3E}">
-        <p14:creationId xmlns:p14="http://schemas.microsoft.com/office/powerpoint/2010/main" val="3225307330"/>
+        <p14:creationId xmlns:p14="http://schemas.microsoft.com/office/powerpoint/2010/main" val="133243728"/>
       </p:ext>
     </p:extLst>
   </p:cSld>
@@ -4054,34 +10589,6 @@
       </p:sp>
       <p:sp>
         <p:nvSpPr>
-          <p:cNvPr id="3" name="Content Placeholder 2"/>
-          <p:cNvSpPr>
-            <a:spLocks noGrp="1"/>
-          </p:cNvSpPr>
-          <p:nvPr>
-            <p:ph idx="1"/>
-          </p:nvPr>
-        </p:nvSpPr>
-        <p:spPr>
-          <a:xfrm>
-            <a:off x="457200" y="2209800"/>
-            <a:ext cx="8229600" cy="3916363"/>
-          </a:xfrm>
-        </p:spPr>
-        <p:txBody>
-          <a:bodyPr/>
-          <a:lstStyle/>
-          <a:p>
-            <a:r>
-              <a:rPr lang="zh-CN" altLang="zh-CN" dirty="0"/>
-              <a:t>课题来源：清楚地交代课题的实际背景，具体的企业背景</a:t>
-            </a:r>
-            <a:endParaRPr lang="zh-CN" altLang="en-US" dirty="0"/>
-          </a:p>
-        </p:txBody>
-      </p:sp>
-      <p:sp>
-        <p:nvSpPr>
           <p:cNvPr id="4" name="Rectangle 19"/>
           <p:cNvSpPr>
             <a:spLocks noChangeArrowheads="1"/>
@@ -4126,7 +10633,7 @@
           <p:nvPr/>
         </p:nvPicPr>
         <p:blipFill>
-          <a:blip r:embed="rId2">
+          <a:blip r:embed="rId3">
             <a:extLst>
               <a:ext uri="{28A0092B-C50C-407E-A947-70E740481C1C}">
                 <a14:useLocalDpi xmlns:a14="http://schemas.microsoft.com/office/drawing/2010/main" val="0"/>
@@ -4158,6 +10665,262 @@
           </a:extLst>
         </p:spPr>
       </p:pic>
+      <p:pic>
+        <p:nvPicPr>
+          <p:cNvPr id="1027" name="Picture 3"/>
+          <p:cNvPicPr>
+            <a:picLocks noChangeAspect="1" noChangeArrowheads="1"/>
+          </p:cNvPicPr>
+          <p:nvPr/>
+        </p:nvPicPr>
+        <p:blipFill>
+          <a:blip r:embed="rId4" cstate="print">
+            <a:extLst>
+              <a:ext uri="{28A0092B-C50C-407E-A947-70E740481C1C}">
+                <a14:useLocalDpi xmlns:a14="http://schemas.microsoft.com/office/drawing/2010/main" val="0"/>
+              </a:ext>
+            </a:extLst>
+          </a:blip>
+          <a:srcRect/>
+          <a:stretch>
+            <a:fillRect/>
+          </a:stretch>
+        </p:blipFill>
+        <p:spPr bwMode="auto">
+          <a:xfrm>
+            <a:off x="685800" y="4351866"/>
+            <a:ext cx="3928533" cy="1775631"/>
+          </a:xfrm>
+          <a:prstGeom prst="rect">
+            <a:avLst/>
+          </a:prstGeom>
+          <a:noFill/>
+          <a:ln>
+            <a:noFill/>
+          </a:ln>
+          <a:effectLst/>
+          <a:extLst>
+            <a:ext uri="{909E8E84-426E-40DD-AFC4-6F175D3DCCD1}">
+              <a14:hiddenFill xmlns:a14="http://schemas.microsoft.com/office/drawing/2010/main">
+                <a:solidFill>
+                  <a:schemeClr val="accent1"/>
+                </a:solidFill>
+              </a14:hiddenFill>
+            </a:ext>
+            <a:ext uri="{91240B29-F687-4F45-9708-019B960494DF}">
+              <a14:hiddenLine xmlns:a14="http://schemas.microsoft.com/office/drawing/2010/main" w="9525">
+                <a:solidFill>
+                  <a:schemeClr val="tx1"/>
+                </a:solidFill>
+                <a:miter lim="800000"/>
+                <a:headEnd/>
+                <a:tailEnd/>
+              </a14:hiddenLine>
+            </a:ext>
+            <a:ext uri="{AF507438-7753-43E0-B8FC-AC1667EBCBE1}">
+              <a14:hiddenEffects xmlns:a14="http://schemas.microsoft.com/office/drawing/2010/main">
+                <a:effectLst>
+                  <a:outerShdw dist="35921" dir="2700000" algn="ctr" rotWithShape="0">
+                    <a:schemeClr val="bg2"/>
+                  </a:outerShdw>
+                </a:effectLst>
+              </a14:hiddenEffects>
+            </a:ext>
+          </a:extLst>
+        </p:spPr>
+      </p:pic>
+      <p:pic>
+        <p:nvPicPr>
+          <p:cNvPr id="1028" name="Picture 4"/>
+          <p:cNvPicPr>
+            <a:picLocks noChangeAspect="1" noChangeArrowheads="1"/>
+          </p:cNvPicPr>
+          <p:nvPr/>
+        </p:nvPicPr>
+        <p:blipFill>
+          <a:blip r:embed="rId5">
+            <a:extLst>
+              <a:ext uri="{28A0092B-C50C-407E-A947-70E740481C1C}">
+                <a14:useLocalDpi xmlns:a14="http://schemas.microsoft.com/office/drawing/2010/main" val="0"/>
+              </a:ext>
+            </a:extLst>
+          </a:blip>
+          <a:srcRect/>
+          <a:stretch>
+            <a:fillRect/>
+          </a:stretch>
+        </p:blipFill>
+        <p:spPr bwMode="auto">
+          <a:xfrm>
+            <a:off x="786043" y="2057400"/>
+            <a:ext cx="3843801" cy="2133600"/>
+          </a:xfrm>
+          <a:prstGeom prst="rect">
+            <a:avLst/>
+          </a:prstGeom>
+          <a:noFill/>
+          <a:ln>
+            <a:noFill/>
+          </a:ln>
+          <a:effectLst/>
+          <a:extLst>
+            <a:ext uri="{909E8E84-426E-40DD-AFC4-6F175D3DCCD1}">
+              <a14:hiddenFill xmlns:a14="http://schemas.microsoft.com/office/drawing/2010/main">
+                <a:solidFill>
+                  <a:schemeClr val="accent1"/>
+                </a:solidFill>
+              </a14:hiddenFill>
+            </a:ext>
+            <a:ext uri="{91240B29-F687-4F45-9708-019B960494DF}">
+              <a14:hiddenLine xmlns:a14="http://schemas.microsoft.com/office/drawing/2010/main" w="9525">
+                <a:solidFill>
+                  <a:schemeClr val="tx1"/>
+                </a:solidFill>
+                <a:miter lim="800000"/>
+                <a:headEnd/>
+                <a:tailEnd/>
+              </a14:hiddenLine>
+            </a:ext>
+            <a:ext uri="{AF507438-7753-43E0-B8FC-AC1667EBCBE1}">
+              <a14:hiddenEffects xmlns:a14="http://schemas.microsoft.com/office/drawing/2010/main">
+                <a:effectLst>
+                  <a:outerShdw dist="35921" dir="2700000" algn="ctr" rotWithShape="0">
+                    <a:schemeClr val="bg2"/>
+                  </a:outerShdw>
+                </a:effectLst>
+              </a14:hiddenEffects>
+            </a:ext>
+          </a:extLst>
+        </p:spPr>
+      </p:pic>
+      <p:pic>
+        <p:nvPicPr>
+          <p:cNvPr id="1029" name="Picture 5"/>
+          <p:cNvPicPr>
+            <a:picLocks noChangeAspect="1" noChangeArrowheads="1"/>
+          </p:cNvPicPr>
+          <p:nvPr/>
+        </p:nvPicPr>
+        <p:blipFill>
+          <a:blip r:embed="rId6">
+            <a:extLst>
+              <a:ext uri="{28A0092B-C50C-407E-A947-70E740481C1C}">
+                <a14:useLocalDpi xmlns:a14="http://schemas.microsoft.com/office/drawing/2010/main" val="0"/>
+              </a:ext>
+            </a:extLst>
+          </a:blip>
+          <a:srcRect/>
+          <a:stretch>
+            <a:fillRect/>
+          </a:stretch>
+        </p:blipFill>
+        <p:spPr bwMode="auto">
+          <a:xfrm>
+            <a:off x="5307695" y="2065867"/>
+            <a:ext cx="3150505" cy="2133600"/>
+          </a:xfrm>
+          <a:prstGeom prst="rect">
+            <a:avLst/>
+          </a:prstGeom>
+          <a:noFill/>
+          <a:ln>
+            <a:noFill/>
+          </a:ln>
+          <a:effectLst/>
+          <a:extLst>
+            <a:ext uri="{909E8E84-426E-40DD-AFC4-6F175D3DCCD1}">
+              <a14:hiddenFill xmlns:a14="http://schemas.microsoft.com/office/drawing/2010/main">
+                <a:solidFill>
+                  <a:schemeClr val="accent1"/>
+                </a:solidFill>
+              </a14:hiddenFill>
+            </a:ext>
+            <a:ext uri="{91240B29-F687-4F45-9708-019B960494DF}">
+              <a14:hiddenLine xmlns:a14="http://schemas.microsoft.com/office/drawing/2010/main" w="9525">
+                <a:solidFill>
+                  <a:schemeClr val="tx1"/>
+                </a:solidFill>
+                <a:miter lim="800000"/>
+                <a:headEnd/>
+                <a:tailEnd/>
+              </a14:hiddenLine>
+            </a:ext>
+            <a:ext uri="{AF507438-7753-43E0-B8FC-AC1667EBCBE1}">
+              <a14:hiddenEffects xmlns:a14="http://schemas.microsoft.com/office/drawing/2010/main">
+                <a:effectLst>
+                  <a:outerShdw dist="35921" dir="2700000" algn="ctr" rotWithShape="0">
+                    <a:schemeClr val="bg2"/>
+                  </a:outerShdw>
+                </a:effectLst>
+              </a14:hiddenEffects>
+            </a:ext>
+          </a:extLst>
+        </p:spPr>
+      </p:pic>
+      <p:pic>
+        <p:nvPicPr>
+          <p:cNvPr id="1031" name="Picture 7"/>
+          <p:cNvPicPr>
+            <a:picLocks noChangeAspect="1" noChangeArrowheads="1"/>
+          </p:cNvPicPr>
+          <p:nvPr/>
+        </p:nvPicPr>
+        <p:blipFill>
+          <a:blip r:embed="rId7" cstate="print">
+            <a:extLst>
+              <a:ext uri="{28A0092B-C50C-407E-A947-70E740481C1C}">
+                <a14:useLocalDpi xmlns:a14="http://schemas.microsoft.com/office/drawing/2010/main" val="0"/>
+              </a:ext>
+            </a:extLst>
+          </a:blip>
+          <a:srcRect/>
+          <a:stretch>
+            <a:fillRect/>
+          </a:stretch>
+        </p:blipFill>
+        <p:spPr bwMode="auto">
+          <a:xfrm>
+            <a:off x="5562600" y="4443629"/>
+            <a:ext cx="2590800" cy="1652371"/>
+          </a:xfrm>
+          <a:prstGeom prst="rect">
+            <a:avLst/>
+          </a:prstGeom>
+          <a:noFill/>
+          <a:ln>
+            <a:noFill/>
+          </a:ln>
+          <a:effectLst/>
+          <a:extLst>
+            <a:ext uri="{909E8E84-426E-40DD-AFC4-6F175D3DCCD1}">
+              <a14:hiddenFill xmlns:a14="http://schemas.microsoft.com/office/drawing/2010/main">
+                <a:solidFill>
+                  <a:schemeClr val="accent1"/>
+                </a:solidFill>
+              </a14:hiddenFill>
+            </a:ext>
+            <a:ext uri="{91240B29-F687-4F45-9708-019B960494DF}">
+              <a14:hiddenLine xmlns:a14="http://schemas.microsoft.com/office/drawing/2010/main" w="9525">
+                <a:solidFill>
+                  <a:schemeClr val="tx1"/>
+                </a:solidFill>
+                <a:miter lim="800000"/>
+                <a:headEnd/>
+                <a:tailEnd/>
+              </a14:hiddenLine>
+            </a:ext>
+            <a:ext uri="{AF507438-7753-43E0-B8FC-AC1667EBCBE1}">
+              <a14:hiddenEffects xmlns:a14="http://schemas.microsoft.com/office/drawing/2010/main">
+                <a:effectLst>
+                  <a:outerShdw dist="35921" dir="2700000" algn="ctr" rotWithShape="0">
+                    <a:schemeClr val="bg2"/>
+                  </a:outerShdw>
+                </a:effectLst>
+              </a14:hiddenEffects>
+            </a:ext>
+          </a:extLst>
+        </p:spPr>
+      </p:pic>
     </p:spTree>
     <p:extLst>
       <p:ext uri="{BB962C8B-B14F-4D97-AF65-F5344CB8AC3E}">
@@ -4168,6 +10931,13 @@
   <p:clrMapOvr>
     <a:masterClrMapping/>
   </p:clrMapOvr>
+  <p:timing>
+    <p:tnLst>
+      <p:par>
+        <p:cTn id="1" dur="indefinite" restart="never" nodeType="tmRoot"/>
+      </p:par>
+    </p:tnLst>
+  </p:timing>
 </p:sld>
 </file>
 
@@ -4216,7 +10986,14 @@
                 <a:latin typeface="黑体" panose="02010609060101010101" pitchFamily="49" charset="-122"/>
                 <a:ea typeface="黑体" panose="02010609060101010101" pitchFamily="49" charset="-122"/>
               </a:rPr>
-              <a:t>研究目标和内容</a:t>
+              <a:t>研究目</a:t>
+            </a:r>
+            <a:r>
+              <a:rPr lang="zh-CN" altLang="zh-CN" sz="3200" dirty="0" smtClean="0">
+                <a:latin typeface="黑体" panose="02010609060101010101" pitchFamily="49" charset="-122"/>
+                <a:ea typeface="黑体" panose="02010609060101010101" pitchFamily="49" charset="-122"/>
+              </a:rPr>
+              <a:t>标</a:t>
             </a:r>
             <a:endParaRPr lang="zh-CN" altLang="en-US" sz="3200" dirty="0">
               <a:latin typeface="黑体" panose="02010609060101010101" pitchFamily="49" charset="-122"/>
@@ -4242,37 +11019,135 @@
           </a:xfrm>
         </p:spPr>
         <p:txBody>
-          <a:bodyPr/>
+          <a:bodyPr>
+            <a:normAutofit/>
+          </a:bodyPr>
           <a:lstStyle/>
           <a:p>
+            <a:pPr lvl="0"/>
+            <a:r>
+              <a:rPr lang="zh-CN" altLang="en-US" dirty="0"/>
+              <a:t>目标</a:t>
+            </a:r>
+            <a:r>
+              <a:rPr lang="zh-CN" altLang="en-US" dirty="0" smtClean="0"/>
+              <a:t>是</a:t>
+            </a:r>
+            <a:r>
+              <a:rPr lang="zh-CN" altLang="en-US" dirty="0"/>
+              <a:t>实现一</a:t>
+            </a:r>
+            <a:r>
+              <a:rPr lang="zh-CN" altLang="en-US" dirty="0" smtClean="0"/>
+              <a:t>个满足需求的文</a:t>
+            </a:r>
+            <a:r>
+              <a:rPr lang="zh-CN" altLang="en-US" dirty="0"/>
+              <a:t>本过</a:t>
+            </a:r>
+            <a:r>
+              <a:rPr lang="zh-CN" altLang="en-US" dirty="0" smtClean="0"/>
+              <a:t>滤系统：</a:t>
+            </a:r>
+            <a:endParaRPr lang="en-US" altLang="zh-CN" dirty="0" smtClean="0"/>
+          </a:p>
+          <a:p>
+            <a:pPr lvl="1"/>
+            <a:r>
+              <a:rPr lang="zh-CN" altLang="en-US" dirty="0" smtClean="0"/>
+              <a:t>中文分词模块</a:t>
+            </a:r>
+            <a:endParaRPr lang="en-US" altLang="zh-CN" dirty="0" smtClean="0"/>
+          </a:p>
+          <a:p>
+            <a:pPr lvl="1"/>
+            <a:r>
+              <a:rPr lang="zh-CN" altLang="en-US" dirty="0" smtClean="0"/>
+              <a:t>初步</a:t>
+            </a:r>
+            <a:r>
+              <a:rPr lang="zh-CN" altLang="zh-CN" dirty="0" smtClean="0"/>
+              <a:t>数</a:t>
+            </a:r>
             <a:r>
               <a:rPr lang="zh-CN" altLang="zh-CN" dirty="0"/>
-              <a:t>研究目标和内容：</a:t>
-            </a:r>
-            <a:r>
-              <a:rPr lang="en-US" altLang="zh-CN" dirty="0"/>
-              <a:t>1~2</a:t>
+              <a:t>据</a:t>
+            </a:r>
+            <a:r>
+              <a:rPr lang="zh-CN" altLang="en-US" dirty="0"/>
+              <a:t>过滤</a:t>
+            </a:r>
+            <a:endParaRPr lang="en-US" altLang="zh-CN" dirty="0"/>
+          </a:p>
+          <a:p>
+            <a:pPr lvl="1"/>
+            <a:r>
+              <a:rPr lang="zh-CN" altLang="en-US" dirty="0"/>
+              <a:t>机器学习能</a:t>
+            </a:r>
+            <a:r>
+              <a:rPr lang="zh-CN" altLang="en-US" dirty="0" smtClean="0"/>
+              <a:t>力</a:t>
+            </a:r>
+            <a:endParaRPr lang="en-US" altLang="zh-CN" dirty="0" smtClean="0"/>
+          </a:p>
+          <a:p>
+            <a:pPr lvl="1"/>
+            <a:r>
+              <a:rPr lang="zh-CN" altLang="en-US" dirty="0" smtClean="0"/>
+              <a:t>复杂</a:t>
+            </a:r>
+            <a:r>
+              <a:rPr lang="zh-CN" altLang="zh-CN" dirty="0" smtClean="0"/>
+              <a:t>特</a:t>
             </a:r>
             <a:r>
               <a:rPr lang="zh-CN" altLang="zh-CN" dirty="0"/>
-              <a:t>页</a:t>
-            </a:r>
-            <a:r>
-              <a:rPr lang="en-US" altLang="zh-CN" dirty="0"/>
-              <a:t>PPT</a:t>
+              <a:t>征提</a:t>
+            </a:r>
+            <a:r>
+              <a:rPr lang="zh-CN" altLang="zh-CN" dirty="0" smtClean="0"/>
+              <a:t>取</a:t>
+            </a:r>
+            <a:endParaRPr lang="en-US" altLang="zh-CN" dirty="0" smtClean="0"/>
+          </a:p>
+          <a:p>
+            <a:pPr lvl="1"/>
+            <a:r>
+              <a:rPr lang="zh-CN" altLang="zh-CN" dirty="0" smtClean="0"/>
+              <a:t>多</a:t>
             </a:r>
             <a:r>
               <a:rPr lang="zh-CN" altLang="zh-CN" dirty="0"/>
-              <a:t>，这里说的内容一定要在后面体现出来。其他有关国内外现状如果没什么特殊的就可以不讲。（对于研究类论文，可以增加一些</a:t>
-            </a:r>
-            <a:r>
-              <a:rPr lang="en-US" altLang="zh-CN" dirty="0"/>
-              <a:t>PPT</a:t>
-            </a:r>
+              <a:t>分类</a:t>
+            </a:r>
+            <a:r>
+              <a:rPr lang="zh-CN" altLang="zh-CN" dirty="0" smtClean="0"/>
+              <a:t>器</a:t>
+            </a:r>
+            <a:r>
+              <a:rPr lang="zh-CN" altLang="en-US" dirty="0" smtClean="0"/>
+              <a:t>协作</a:t>
+            </a:r>
+            <a:endParaRPr lang="en-US" altLang="zh-CN" dirty="0"/>
+          </a:p>
+          <a:p>
+            <a:pPr lvl="1"/>
             <a:r>
               <a:rPr lang="zh-CN" altLang="zh-CN" dirty="0"/>
-              <a:t>对国内外现状单独进行分析）</a:t>
-            </a:r>
+              <a:t>结果统</a:t>
+            </a:r>
+            <a:r>
+              <a:rPr lang="zh-CN" altLang="zh-CN" dirty="0" smtClean="0"/>
+              <a:t>计</a:t>
+            </a:r>
+            <a:r>
+              <a:rPr lang="zh-CN" altLang="en-US" dirty="0" smtClean="0"/>
+              <a:t>报告</a:t>
+            </a:r>
+            <a:endParaRPr lang="en-US" altLang="zh-CN" dirty="0"/>
+          </a:p>
+          <a:p>
             <a:endParaRPr lang="zh-CN" altLang="en-US" dirty="0"/>
           </a:p>
         </p:txBody>
@@ -4365,6 +11240,13 @@
   <p:clrMapOvr>
     <a:masterClrMapping/>
   </p:clrMapOvr>
+  <p:timing>
+    <p:tnLst>
+      <p:par>
+        <p:cTn id="1" dur="indefinite" restart="never" nodeType="tmRoot"/>
+      </p:par>
+    </p:tnLst>
+  </p:timing>
 </p:sld>
 </file>
 
@@ -4409,18 +11291,25 @@
           <a:p>
             <a:pPr algn="l"/>
             <a:r>
-              <a:rPr lang="zh-CN" altLang="en-US" sz="3200" dirty="0" smtClean="0">
-                <a:latin typeface="黑体" panose="02010609060101010101" pitchFamily="49" charset="-122"/>
-                <a:ea typeface="黑体" panose="02010609060101010101" pitchFamily="49" charset="-122"/>
-              </a:rPr>
-              <a:t>可选</a:t>
-            </a:r>
-            <a:r>
               <a:rPr lang="zh-CN" altLang="zh-CN" sz="3200" dirty="0" smtClean="0">
                 <a:latin typeface="黑体" panose="02010609060101010101" pitchFamily="49" charset="-122"/>
                 <a:ea typeface="黑体" panose="02010609060101010101" pitchFamily="49" charset="-122"/>
               </a:rPr>
-              <a:t>内容</a:t>
+              <a:t>研</a:t>
+            </a:r>
+            <a:r>
+              <a:rPr lang="zh-CN" altLang="zh-CN" sz="3200" dirty="0" smtClean="0">
+                <a:latin typeface="黑体" panose="02010609060101010101" pitchFamily="49" charset="-122"/>
+                <a:ea typeface="黑体" panose="02010609060101010101" pitchFamily="49" charset="-122"/>
+              </a:rPr>
+              <a:t>究内</a:t>
+            </a:r>
+            <a:r>
+              <a:rPr lang="zh-CN" altLang="zh-CN" sz="3200" dirty="0" smtClean="0">
+                <a:latin typeface="黑体" panose="02010609060101010101" pitchFamily="49" charset="-122"/>
+                <a:ea typeface="黑体" panose="02010609060101010101" pitchFamily="49" charset="-122"/>
+              </a:rPr>
+              <a:t>容</a:t>
             </a:r>
             <a:endParaRPr lang="zh-CN" altLang="en-US" sz="3200" dirty="0">
               <a:latin typeface="黑体" panose="02010609060101010101" pitchFamily="49" charset="-122"/>
@@ -4446,22 +11335,48 @@
           </a:xfrm>
         </p:spPr>
         <p:txBody>
-          <a:bodyPr/>
+          <a:bodyPr>
+            <a:normAutofit/>
+          </a:bodyPr>
           <a:lstStyle/>
           <a:p>
             <a:r>
-              <a:rPr lang="zh-CN" altLang="zh-CN" dirty="0"/>
-              <a:t>可选内容：如果论文涉及到一些特定的、比较新的技术，可以在这里加几个</a:t>
-            </a:r>
-            <a:r>
-              <a:rPr lang="en-US" altLang="zh-CN" dirty="0"/>
-              <a:t>PPT</a:t>
-            </a:r>
-            <a:r>
-              <a:rPr lang="zh-CN" altLang="zh-CN" dirty="0"/>
-              <a:t>进行简单的说明。</a:t>
-            </a:r>
-            <a:endParaRPr lang="zh-CN" altLang="en-US" dirty="0"/>
+              <a:rPr lang="zh-CN" altLang="en-US" dirty="0" smtClean="0"/>
+              <a:t>机</a:t>
+            </a:r>
+            <a:r>
+              <a:rPr lang="zh-CN" altLang="en-US" dirty="0"/>
+              <a:t>器学习的方法对于文本分类过滤的效果。</a:t>
+            </a:r>
+            <a:endParaRPr lang="en-US" altLang="zh-CN" dirty="0"/>
+          </a:p>
+          <a:p>
+            <a:r>
+              <a:rPr lang="zh-CN" altLang="en-US" dirty="0"/>
+              <a:t>如何优化现有的成熟的机器学习的算法达到更高的准确性的目标。</a:t>
+            </a:r>
+            <a:endParaRPr lang="en-US" altLang="zh-CN" dirty="0"/>
+          </a:p>
+          <a:p>
+            <a:r>
+              <a:rPr lang="zh-CN" altLang="en-US" dirty="0"/>
+              <a:t>现有的算法对于微博信息分类的效果。</a:t>
+            </a:r>
+            <a:endParaRPr lang="en-US" altLang="zh-CN" dirty="0"/>
+          </a:p>
+          <a:p>
+            <a:r>
+              <a:rPr lang="zh-CN" altLang="en-US" dirty="0"/>
+              <a:t>如何实现一套可以灵活处理变化无常的文本信息比如微博信息这样的系统架构。</a:t>
+            </a:r>
+          </a:p>
+          <a:p>
+            <a:pPr lvl="0"/>
+            <a:endParaRPr lang="en-US" altLang="zh-CN" dirty="0" smtClean="0"/>
+          </a:p>
+          <a:p>
+            <a:pPr lvl="0"/>
+            <a:endParaRPr lang="zh-CN" altLang="zh-CN" dirty="0"/>
           </a:p>
         </p:txBody>
       </p:sp>
@@ -4546,13 +11461,20 @@
     </p:spTree>
     <p:extLst>
       <p:ext uri="{BB962C8B-B14F-4D97-AF65-F5344CB8AC3E}">
-        <p14:creationId xmlns:p14="http://schemas.microsoft.com/office/powerpoint/2010/main" val="3948911053"/>
+        <p14:creationId xmlns:p14="http://schemas.microsoft.com/office/powerpoint/2010/main" val="1230998975"/>
       </p:ext>
     </p:extLst>
   </p:cSld>
   <p:clrMapOvr>
     <a:masterClrMapping/>
   </p:clrMapOvr>
+  <p:timing>
+    <p:tnLst>
+      <p:par>
+        <p:cTn id="1" dur="indefinite" restart="never" nodeType="tmRoot"/>
+      </p:par>
+    </p:tnLst>
+  </p:timing>
 </p:sld>
 </file>
 
@@ -4632,15 +11554,60 @@
           <a:p>
             <a:r>
               <a:rPr lang="zh-CN" altLang="zh-CN" dirty="0"/>
-              <a:t>需求分析：由上一部分研究目标和内容引出目标系统的需求（根据实际情况，</a:t>
-            </a:r>
-            <a:r>
-              <a:rPr lang="en-US" altLang="zh-CN" dirty="0"/>
-              <a:t>1~3</a:t>
-            </a:r>
+              <a:t>健壮</a:t>
+            </a:r>
+            <a:r>
+              <a:rPr lang="zh-CN" altLang="zh-CN" dirty="0" smtClean="0"/>
+              <a:t>性需求</a:t>
+            </a:r>
+            <a:r>
+              <a:rPr lang="zh-CN" altLang="en-US" dirty="0" smtClean="0"/>
+              <a:t>：足够在各种文本环境下工作</a:t>
+            </a:r>
+            <a:endParaRPr lang="en-US" altLang="zh-CN" dirty="0" smtClean="0"/>
+          </a:p>
+          <a:p>
             <a:r>
               <a:rPr lang="zh-CN" altLang="zh-CN" dirty="0"/>
-              <a:t>页左右）。</a:t>
+              <a:t>扩展性需</a:t>
+            </a:r>
+            <a:r>
+              <a:rPr lang="zh-CN" altLang="zh-CN" dirty="0" smtClean="0"/>
+              <a:t>求</a:t>
+            </a:r>
+            <a:r>
+              <a:rPr lang="zh-CN" altLang="en-US" dirty="0" smtClean="0"/>
+              <a:t>：能够随着需求变化灵活调整</a:t>
+            </a:r>
+            <a:endParaRPr lang="en-US" altLang="zh-CN" dirty="0" smtClean="0"/>
+          </a:p>
+          <a:p>
+            <a:r>
+              <a:rPr lang="zh-CN" altLang="zh-CN" dirty="0"/>
+              <a:t>正确性需</a:t>
+            </a:r>
+            <a:r>
+              <a:rPr lang="zh-CN" altLang="zh-CN" dirty="0" smtClean="0"/>
+              <a:t>求</a:t>
+            </a:r>
+            <a:r>
+              <a:rPr lang="zh-CN" altLang="en-US" dirty="0" smtClean="0"/>
+              <a:t>：保证最少的误报以保证安全</a:t>
+            </a:r>
+            <a:endParaRPr lang="en-US" altLang="zh-CN" dirty="0" smtClean="0"/>
+          </a:p>
+          <a:p>
+            <a:r>
+              <a:rPr lang="zh-CN" altLang="zh-CN" dirty="0"/>
+              <a:t>性能需</a:t>
+            </a:r>
+            <a:r>
+              <a:rPr lang="zh-CN" altLang="zh-CN" dirty="0" smtClean="0"/>
+              <a:t>求</a:t>
+            </a:r>
+            <a:r>
+              <a:rPr lang="zh-CN" altLang="en-US" dirty="0" smtClean="0"/>
+              <a:t>：需要可以实时的完成算法效率</a:t>
             </a:r>
             <a:endParaRPr lang="zh-CN" altLang="en-US" dirty="0"/>
           </a:p>
@@ -4734,6 +11701,13 @@
   <p:clrMapOvr>
     <a:masterClrMapping/>
   </p:clrMapOvr>
+  <p:timing>
+    <p:tnLst>
+      <p:par>
+        <p:cTn id="1" dur="indefinite" restart="never" nodeType="tmRoot"/>
+      </p:par>
+    </p:tnLst>
+  </p:timing>
 </p:sld>
 </file>
 
@@ -4782,44 +11756,12 @@
                 <a:latin typeface="黑体" panose="02010609060101010101" pitchFamily="49" charset="-122"/>
                 <a:ea typeface="黑体" panose="02010609060101010101" pitchFamily="49" charset="-122"/>
               </a:rPr>
-              <a:t>总体设计</a:t>
+              <a:t>机器学习算法的调研</a:t>
             </a:r>
             <a:endParaRPr lang="zh-CN" altLang="en-US" sz="3200" dirty="0">
               <a:latin typeface="黑体" panose="02010609060101010101" pitchFamily="49" charset="-122"/>
               <a:ea typeface="黑体" panose="02010609060101010101" pitchFamily="49" charset="-122"/>
             </a:endParaRPr>
-          </a:p>
-        </p:txBody>
-      </p:sp>
-      <p:sp>
-        <p:nvSpPr>
-          <p:cNvPr id="3" name="Content Placeholder 2"/>
-          <p:cNvSpPr>
-            <a:spLocks noGrp="1"/>
-          </p:cNvSpPr>
-          <p:nvPr>
-            <p:ph idx="1"/>
-          </p:nvPr>
-        </p:nvSpPr>
-        <p:spPr>
-          <a:xfrm>
-            <a:off x="457200" y="2209800"/>
-            <a:ext cx="8229600" cy="3916363"/>
-          </a:xfrm>
-        </p:spPr>
-        <p:txBody>
-          <a:bodyPr/>
-          <a:lstStyle/>
-          <a:p>
-            <a:r>
-              <a:rPr lang="zh-CN" altLang="zh-CN" dirty="0"/>
-              <a:t>总体设计：这部分一般给出软件的体系结构图，如果需要在此处对体系结构中的一些核心部分进行介绍的话，可以添加适当的动画</a:t>
-            </a:r>
-            <a:r>
-              <a:rPr lang="zh-CN" altLang="zh-CN" dirty="0" smtClean="0"/>
-              <a:t>。</a:t>
-            </a:r>
-            <a:endParaRPr lang="zh-CN" altLang="en-US" dirty="0"/>
           </a:p>
         </p:txBody>
       </p:sp>
@@ -4901,16 +11843,186 @@
           </a:extLst>
         </p:spPr>
       </p:pic>
+      <p:pic>
+        <p:nvPicPr>
+          <p:cNvPr id="7" name="Picture 2" descr="图示-KNN"/>
+          <p:cNvPicPr>
+            <a:picLocks noChangeAspect="1" noChangeArrowheads="1"/>
+          </p:cNvPicPr>
+          <p:nvPr/>
+        </p:nvPicPr>
+        <p:blipFill>
+          <a:blip r:embed="rId3">
+            <a:extLst>
+              <a:ext uri="{28A0092B-C50C-407E-A947-70E740481C1C}">
+                <a14:useLocalDpi xmlns:a14="http://schemas.microsoft.com/office/drawing/2010/main" val="0"/>
+              </a:ext>
+            </a:extLst>
+          </a:blip>
+          <a:srcRect/>
+          <a:stretch>
+            <a:fillRect/>
+          </a:stretch>
+        </p:blipFill>
+        <p:spPr bwMode="auto">
+          <a:xfrm>
+            <a:off x="3640668" y="2590800"/>
+            <a:ext cx="1693332" cy="1524000"/>
+          </a:xfrm>
+          <a:prstGeom prst="rect">
+            <a:avLst/>
+          </a:prstGeom>
+          <a:noFill/>
+          <a:extLst>
+            <a:ext uri="{909E8E84-426E-40DD-AFC4-6F175D3DCCD1}">
+              <a14:hiddenFill xmlns:a14="http://schemas.microsoft.com/office/drawing/2010/main">
+                <a:solidFill>
+                  <a:srgbClr val="FFFFFF"/>
+                </a:solidFill>
+              </a14:hiddenFill>
+            </a:ext>
+          </a:extLst>
+        </p:spPr>
+      </p:pic>
+      <p:pic>
+        <p:nvPicPr>
+          <p:cNvPr id="8" name="Picture 7"/>
+          <p:cNvPicPr/>
+          <p:nvPr/>
+        </p:nvPicPr>
+        <p:blipFill>
+          <a:blip r:embed="rId4">
+            <a:extLst>
+              <a:ext uri="{28A0092B-C50C-407E-A947-70E740481C1C}">
+                <a14:useLocalDpi xmlns:a14="http://schemas.microsoft.com/office/drawing/2010/main" val="0"/>
+              </a:ext>
+            </a:extLst>
+          </a:blip>
+          <a:srcRect/>
+          <a:stretch>
+            <a:fillRect/>
+          </a:stretch>
+        </p:blipFill>
+        <p:spPr bwMode="auto">
+          <a:xfrm>
+            <a:off x="5686425" y="1447800"/>
+            <a:ext cx="3076575" cy="2677054"/>
+          </a:xfrm>
+          <a:prstGeom prst="rect">
+            <a:avLst/>
+          </a:prstGeom>
+          <a:noFill/>
+          <a:ln>
+            <a:noFill/>
+          </a:ln>
+        </p:spPr>
+      </p:pic>
+      <p:pic>
+        <p:nvPicPr>
+          <p:cNvPr id="9" name="Picture 8"/>
+          <p:cNvPicPr/>
+          <p:nvPr/>
+        </p:nvPicPr>
+        <p:blipFill>
+          <a:blip r:embed="rId5"/>
+          <a:stretch>
+            <a:fillRect/>
+          </a:stretch>
+        </p:blipFill>
+        <p:spPr>
+          <a:xfrm>
+            <a:off x="3429000" y="4419600"/>
+            <a:ext cx="5372100" cy="1733550"/>
+          </a:xfrm>
+          <a:prstGeom prst="rect">
+            <a:avLst/>
+          </a:prstGeom>
+        </p:spPr>
+      </p:pic>
+      <p:sp>
+        <p:nvSpPr>
+          <p:cNvPr id="11" name="Content Placeholder 2"/>
+          <p:cNvSpPr>
+            <a:spLocks noGrp="1"/>
+          </p:cNvSpPr>
+          <p:nvPr>
+            <p:ph idx="1"/>
+          </p:nvPr>
+        </p:nvSpPr>
+        <p:spPr>
+          <a:xfrm>
+            <a:off x="419100" y="2362200"/>
+            <a:ext cx="2590800" cy="2438400"/>
+          </a:xfrm>
+        </p:spPr>
+        <p:txBody>
+          <a:bodyPr>
+            <a:normAutofit/>
+          </a:bodyPr>
+          <a:lstStyle/>
+          <a:p>
+            <a:r>
+              <a:rPr lang="en-US" altLang="zh-CN" dirty="0"/>
+              <a:t>K</a:t>
+            </a:r>
+            <a:r>
+              <a:rPr lang="zh-CN" altLang="zh-CN" dirty="0"/>
+              <a:t>近邻算</a:t>
+            </a:r>
+            <a:r>
+              <a:rPr lang="zh-CN" altLang="zh-CN" dirty="0" smtClean="0"/>
+              <a:t>法</a:t>
+            </a:r>
+            <a:endParaRPr lang="en-US" altLang="zh-CN" dirty="0" smtClean="0"/>
+          </a:p>
+          <a:p>
+            <a:r>
+              <a:rPr lang="zh-CN" altLang="en-US" dirty="0"/>
+              <a:t>决策</a:t>
+            </a:r>
+            <a:r>
+              <a:rPr lang="zh-CN" altLang="en-US" dirty="0" smtClean="0"/>
+              <a:t>树算法</a:t>
+            </a:r>
+            <a:endParaRPr lang="en-US" altLang="zh-CN" dirty="0" smtClean="0"/>
+          </a:p>
+          <a:p>
+            <a:r>
+              <a:rPr lang="en-US" altLang="zh-CN" dirty="0" smtClean="0"/>
+              <a:t>SVM</a:t>
+            </a:r>
+            <a:r>
+              <a:rPr lang="zh-CN" altLang="en-US" dirty="0" smtClean="0"/>
+              <a:t>算法</a:t>
+            </a:r>
+            <a:endParaRPr lang="en-US" altLang="zh-CN" dirty="0" smtClean="0"/>
+          </a:p>
+          <a:p>
+            <a:r>
+              <a:rPr lang="zh-CN" altLang="en-US" dirty="0"/>
+              <a:t>贝叶斯算法</a:t>
+            </a:r>
+            <a:endParaRPr lang="en-US" altLang="zh-CN" dirty="0" smtClean="0"/>
+          </a:p>
+        </p:txBody>
+      </p:sp>
     </p:spTree>
     <p:extLst>
       <p:ext uri="{BB962C8B-B14F-4D97-AF65-F5344CB8AC3E}">
-        <p14:creationId xmlns:p14="http://schemas.microsoft.com/office/powerpoint/2010/main" val="3508046358"/>
+        <p14:creationId xmlns:p14="http://schemas.microsoft.com/office/powerpoint/2010/main" val="3948911053"/>
       </p:ext>
     </p:extLst>
   </p:cSld>
   <p:clrMapOvr>
     <a:masterClrMapping/>
   </p:clrMapOvr>
+  <p:timing>
+    <p:tnLst>
+      <p:par>
+        <p:cTn id="1" dur="indefinite" restart="never" nodeType="tmRoot"/>
+      </p:par>
+    </p:tnLst>
+  </p:timing>
 </p:sld>
 </file>
 
@@ -4959,7 +12071,7 @@
                 <a:latin typeface="黑体" panose="02010609060101010101" pitchFamily="49" charset="-122"/>
                 <a:ea typeface="黑体" panose="02010609060101010101" pitchFamily="49" charset="-122"/>
               </a:rPr>
-              <a:t>关键问题及解决方案</a:t>
+              <a:t>总体设计</a:t>
             </a:r>
             <a:endParaRPr lang="zh-CN" altLang="en-US" sz="3200" dirty="0">
               <a:latin typeface="黑体" panose="02010609060101010101" pitchFamily="49" charset="-122"/>
@@ -4970,7 +12082,376 @@
       </p:sp>
       <p:sp>
         <p:nvSpPr>
-          <p:cNvPr id="3" name="Content Placeholder 2"/>
+          <p:cNvPr id="4" name="Rectangle 19"/>
+          <p:cNvSpPr>
+            <a:spLocks noChangeArrowheads="1"/>
+          </p:cNvSpPr>
+          <p:nvPr/>
+        </p:nvSpPr>
+        <p:spPr bwMode="auto">
+          <a:xfrm>
+            <a:off x="0" y="6629400"/>
+            <a:ext cx="9144000" cy="228600"/>
+          </a:xfrm>
+          <a:prstGeom prst="rect">
+            <a:avLst/>
+          </a:prstGeom>
+          <a:solidFill>
+            <a:srgbClr val="0E03E7"/>
+          </a:solidFill>
+          <a:ln w="9525">
+            <a:solidFill>
+              <a:schemeClr val="tx1"/>
+            </a:solidFill>
+            <a:miter lim="800000"/>
+            <a:headEnd/>
+            <a:tailEnd/>
+          </a:ln>
+          <a:effectLst/>
+        </p:spPr>
+        <p:txBody>
+          <a:bodyPr wrap="none" anchor="ctr"/>
+          <a:lstStyle/>
+          <a:p>
+            <a:endParaRPr lang="zh-CN" altLang="en-US"/>
+          </a:p>
+        </p:txBody>
+      </p:sp>
+      <p:pic>
+        <p:nvPicPr>
+          <p:cNvPr id="5" name="Picture 18" descr="C:\Documents and Settings\Administrator\桌面\logo_small.jpg"/>
+          <p:cNvPicPr>
+            <a:picLocks noChangeAspect="1" noChangeArrowheads="1"/>
+          </p:cNvPicPr>
+          <p:nvPr/>
+        </p:nvPicPr>
+        <p:blipFill>
+          <a:blip r:embed="rId3">
+            <a:extLst>
+              <a:ext uri="{28A0092B-C50C-407E-A947-70E740481C1C}">
+                <a14:useLocalDpi xmlns:a14="http://schemas.microsoft.com/office/drawing/2010/main" val="0"/>
+              </a:ext>
+            </a:extLst>
+          </a:blip>
+          <a:srcRect/>
+          <a:stretch>
+            <a:fillRect/>
+          </a:stretch>
+        </p:blipFill>
+        <p:spPr bwMode="auto">
+          <a:xfrm>
+            <a:off x="152400" y="93663"/>
+            <a:ext cx="3124200" cy="820737"/>
+          </a:xfrm>
+          <a:prstGeom prst="rect">
+            <a:avLst/>
+          </a:prstGeom>
+          <a:noFill/>
+          <a:extLst>
+            <a:ext uri="{909E8E84-426E-40DD-AFC4-6F175D3DCCD1}">
+              <a14:hiddenFill xmlns:a14="http://schemas.microsoft.com/office/drawing/2010/main">
+                <a:solidFill>
+                  <a:srgbClr val="FFFFFF"/>
+                </a:solidFill>
+              </a14:hiddenFill>
+            </a:ext>
+          </a:extLst>
+        </p:spPr>
+      </p:pic>
+      <p:sp>
+        <p:nvSpPr>
+          <p:cNvPr id="6" name="Rectangle 2"/>
+          <p:cNvSpPr>
+            <a:spLocks noChangeArrowheads="1"/>
+          </p:cNvSpPr>
+          <p:nvPr/>
+        </p:nvSpPr>
+        <p:spPr bwMode="auto">
+          <a:xfrm>
+            <a:off x="0" y="0"/>
+            <a:ext cx="9144000" cy="0"/>
+          </a:xfrm>
+          <a:prstGeom prst="rect">
+            <a:avLst/>
+          </a:prstGeom>
+          <a:noFill/>
+          <a:ln>
+            <a:noFill/>
+          </a:ln>
+          <a:effectLst/>
+          <a:extLst>
+            <a:ext uri="{909E8E84-426E-40DD-AFC4-6F175D3DCCD1}">
+              <a14:hiddenFill xmlns:a14="http://schemas.microsoft.com/office/drawing/2010/main">
+                <a:solidFill>
+                  <a:schemeClr val="accent1"/>
+                </a:solidFill>
+              </a14:hiddenFill>
+            </a:ext>
+            <a:ext uri="{91240B29-F687-4F45-9708-019B960494DF}">
+              <a14:hiddenLine xmlns:a14="http://schemas.microsoft.com/office/drawing/2010/main" w="9525">
+                <a:solidFill>
+                  <a:schemeClr val="tx1"/>
+                </a:solidFill>
+                <a:miter lim="800000"/>
+                <a:headEnd/>
+                <a:tailEnd/>
+              </a14:hiddenLine>
+            </a:ext>
+            <a:ext uri="{AF507438-7753-43E0-B8FC-AC1667EBCBE1}">
+              <a14:hiddenEffects xmlns:a14="http://schemas.microsoft.com/office/drawing/2010/main">
+                <a:effectLst>
+                  <a:outerShdw dist="35921" dir="2700000" algn="ctr" rotWithShape="0">
+                    <a:schemeClr val="bg2"/>
+                  </a:outerShdw>
+                </a:effectLst>
+              </a14:hiddenEffects>
+            </a:ext>
+          </a:extLst>
+        </p:spPr>
+        <p:txBody>
+          <a:bodyPr vert="horz" wrap="none" lIns="91440" tIns="45720" rIns="91440" bIns="45720" numCol="1" anchor="ctr" anchorCtr="0" compatLnSpc="1">
+            <a:prstTxWarp prst="textNoShape">
+              <a:avLst/>
+            </a:prstTxWarp>
+            <a:spAutoFit/>
+          </a:bodyPr>
+          <a:lstStyle/>
+          <a:p>
+            <a:endParaRPr lang="zh-CN" altLang="en-US"/>
+          </a:p>
+        </p:txBody>
+      </p:sp>
+      <p:graphicFrame>
+        <p:nvGraphicFramePr>
+          <p:cNvPr id="9" name="Object 8"/>
+          <p:cNvGraphicFramePr>
+            <a:graphicFrameLocks noChangeAspect="1"/>
+          </p:cNvGraphicFramePr>
+          <p:nvPr>
+            <p:extLst>
+              <p:ext uri="{D42A27DB-BD31-4B8C-83A1-F6EECF244321}">
+                <p14:modId xmlns:p14="http://schemas.microsoft.com/office/powerpoint/2010/main" val="4222409177"/>
+              </p:ext>
+            </p:extLst>
+          </p:nvPr>
+        </p:nvGraphicFramePr>
+        <p:xfrm>
+          <a:off x="3352800" y="1066800"/>
+          <a:ext cx="5381625" cy="2162175"/>
+        </p:xfrm>
+        <a:graphic>
+          <a:graphicData uri="http://schemas.openxmlformats.org/presentationml/2006/ole">
+            <mc:AlternateContent xmlns:mc="http://schemas.openxmlformats.org/markup-compatibility/2006">
+              <mc:Choice xmlns:v="urn:schemas-microsoft-com:vml" Requires="v">
+                <p:oleObj spid="_x0000_s3254" name="Visio" r:id="rId4" imgW="6208668" imgH="2482743" progId="Visio.Drawing.11">
+                  <p:embed/>
+                </p:oleObj>
+              </mc:Choice>
+              <mc:Fallback>
+                <p:oleObj name="Visio" r:id="rId4" imgW="6208668" imgH="2482743" progId="Visio.Drawing.11">
+                  <p:embed/>
+                  <p:pic>
+                    <p:nvPicPr>
+                      <p:cNvPr id="0" name="Object 5"/>
+                      <p:cNvPicPr>
+                        <a:picLocks noChangeAspect="1" noChangeArrowheads="1"/>
+                      </p:cNvPicPr>
+                      <p:nvPr/>
+                    </p:nvPicPr>
+                    <p:blipFill>
+                      <a:blip r:embed="rId5">
+                        <a:extLst>
+                          <a:ext uri="{28A0092B-C50C-407E-A947-70E740481C1C}">
+                            <a14:useLocalDpi xmlns:a14="http://schemas.microsoft.com/office/drawing/2010/main" val="0"/>
+                          </a:ext>
+                        </a:extLst>
+                      </a:blip>
+                      <a:srcRect/>
+                      <a:stretch>
+                        <a:fillRect/>
+                      </a:stretch>
+                    </p:blipFill>
+                    <p:spPr bwMode="auto">
+                      <a:xfrm>
+                        <a:off x="3352800" y="1066800"/>
+                        <a:ext cx="5381625" cy="2162175"/>
+                      </a:xfrm>
+                      <a:prstGeom prst="rect">
+                        <a:avLst/>
+                      </a:prstGeom>
+                      <a:noFill/>
+                      <a:ln>
+                        <a:noFill/>
+                      </a:ln>
+                      <a:extLst>
+                        <a:ext uri="{909E8E84-426E-40DD-AFC4-6F175D3DCCD1}">
+                          <a14:hiddenFill xmlns:a14="http://schemas.microsoft.com/office/drawing/2010/main">
+                            <a:solidFill>
+                              <a:srgbClr val="FFFFFF"/>
+                            </a:solidFill>
+                          </a14:hiddenFill>
+                        </a:ext>
+                        <a:ext uri="{91240B29-F687-4F45-9708-019B960494DF}">
+                          <a14:hiddenLine xmlns:a14="http://schemas.microsoft.com/office/drawing/2010/main" w="9525">
+                            <a:solidFill>
+                              <a:srgbClr val="000000"/>
+                            </a:solidFill>
+                            <a:miter lim="800000"/>
+                            <a:headEnd/>
+                            <a:tailEnd/>
+                          </a14:hiddenLine>
+                        </a:ext>
+                      </a:extLst>
+                    </p:spPr>
+                  </p:pic>
+                </p:oleObj>
+              </mc:Fallback>
+            </mc:AlternateContent>
+          </a:graphicData>
+        </a:graphic>
+      </p:graphicFrame>
+      <p:sp>
+        <p:nvSpPr>
+          <p:cNvPr id="10" name="Rectangle 9"/>
+          <p:cNvSpPr>
+            <a:spLocks noChangeArrowheads="1"/>
+          </p:cNvSpPr>
+          <p:nvPr/>
+        </p:nvSpPr>
+        <p:spPr bwMode="auto">
+          <a:xfrm>
+            <a:off x="0" y="0"/>
+            <a:ext cx="9144000" cy="0"/>
+          </a:xfrm>
+          <a:prstGeom prst="rect">
+            <a:avLst/>
+          </a:prstGeom>
+          <a:noFill/>
+          <a:ln>
+            <a:noFill/>
+          </a:ln>
+          <a:effectLst/>
+          <a:extLst>
+            <a:ext uri="{909E8E84-426E-40DD-AFC4-6F175D3DCCD1}">
+              <a14:hiddenFill xmlns:a14="http://schemas.microsoft.com/office/drawing/2010/main">
+                <a:solidFill>
+                  <a:schemeClr val="accent1"/>
+                </a:solidFill>
+              </a14:hiddenFill>
+            </a:ext>
+            <a:ext uri="{91240B29-F687-4F45-9708-019B960494DF}">
+              <a14:hiddenLine xmlns:a14="http://schemas.microsoft.com/office/drawing/2010/main" w="9525">
+                <a:solidFill>
+                  <a:schemeClr val="tx1"/>
+                </a:solidFill>
+                <a:miter lim="800000"/>
+                <a:headEnd/>
+                <a:tailEnd/>
+              </a14:hiddenLine>
+            </a:ext>
+            <a:ext uri="{AF507438-7753-43E0-B8FC-AC1667EBCBE1}">
+              <a14:hiddenEffects xmlns:a14="http://schemas.microsoft.com/office/drawing/2010/main">
+                <a:effectLst>
+                  <a:outerShdw dist="35921" dir="2700000" algn="ctr" rotWithShape="0">
+                    <a:schemeClr val="bg2"/>
+                  </a:outerShdw>
+                </a:effectLst>
+              </a14:hiddenEffects>
+            </a:ext>
+          </a:extLst>
+        </p:spPr>
+        <p:txBody>
+          <a:bodyPr vert="horz" wrap="none" lIns="91440" tIns="45720" rIns="91440" bIns="45720" numCol="1" anchor="ctr" anchorCtr="0" compatLnSpc="1">
+            <a:prstTxWarp prst="textNoShape">
+              <a:avLst/>
+            </a:prstTxWarp>
+            <a:spAutoFit/>
+          </a:bodyPr>
+          <a:lstStyle/>
+          <a:p>
+            <a:endParaRPr lang="zh-CN" altLang="en-US"/>
+          </a:p>
+        </p:txBody>
+      </p:sp>
+      <p:graphicFrame>
+        <p:nvGraphicFramePr>
+          <p:cNvPr id="11" name="Object 10"/>
+          <p:cNvGraphicFramePr>
+            <a:graphicFrameLocks noChangeAspect="1"/>
+          </p:cNvGraphicFramePr>
+          <p:nvPr>
+            <p:extLst>
+              <p:ext uri="{D42A27DB-BD31-4B8C-83A1-F6EECF244321}">
+                <p14:modId xmlns:p14="http://schemas.microsoft.com/office/powerpoint/2010/main" val="3236300369"/>
+              </p:ext>
+            </p:extLst>
+          </p:nvPr>
+        </p:nvGraphicFramePr>
+        <p:xfrm>
+          <a:off x="3581400" y="3886200"/>
+          <a:ext cx="4810125" cy="1762125"/>
+        </p:xfrm>
+        <a:graphic>
+          <a:graphicData uri="http://schemas.openxmlformats.org/presentationml/2006/ole">
+            <mc:AlternateContent xmlns:mc="http://schemas.openxmlformats.org/markup-compatibility/2006">
+              <mc:Choice xmlns:v="urn:schemas-microsoft-com:vml" Requires="v">
+                <p:oleObj spid="_x0000_s3255" name="Visio" r:id="rId6" imgW="6065109" imgH="2213250" progId="Visio.Drawing.11">
+                  <p:embed/>
+                </p:oleObj>
+              </mc:Choice>
+              <mc:Fallback>
+                <p:oleObj name="Visio" r:id="rId6" imgW="6065109" imgH="2213250" progId="Visio.Drawing.11">
+                  <p:embed/>
+                  <p:pic>
+                    <p:nvPicPr>
+                      <p:cNvPr id="0" name="Object 8"/>
+                      <p:cNvPicPr>
+                        <a:picLocks noChangeAspect="1" noChangeArrowheads="1"/>
+                      </p:cNvPicPr>
+                      <p:nvPr/>
+                    </p:nvPicPr>
+                    <p:blipFill>
+                      <a:blip r:embed="rId7">
+                        <a:extLst>
+                          <a:ext uri="{28A0092B-C50C-407E-A947-70E740481C1C}">
+                            <a14:useLocalDpi xmlns:a14="http://schemas.microsoft.com/office/drawing/2010/main" val="0"/>
+                          </a:ext>
+                        </a:extLst>
+                      </a:blip>
+                      <a:srcRect/>
+                      <a:stretch>
+                        <a:fillRect/>
+                      </a:stretch>
+                    </p:blipFill>
+                    <p:spPr bwMode="auto">
+                      <a:xfrm>
+                        <a:off x="3581400" y="3886200"/>
+                        <a:ext cx="4810125" cy="1762125"/>
+                      </a:xfrm>
+                      <a:prstGeom prst="rect">
+                        <a:avLst/>
+                      </a:prstGeom>
+                      <a:noFill/>
+                      <a:extLst>
+                        <a:ext uri="{909E8E84-426E-40DD-AFC4-6F175D3DCCD1}">
+                          <a14:hiddenFill xmlns:a14="http://schemas.microsoft.com/office/drawing/2010/main">
+                            <a:solidFill>
+                              <a:srgbClr val="FFFFFF"/>
+                            </a:solidFill>
+                          </a14:hiddenFill>
+                        </a:ext>
+                      </a:extLst>
+                    </p:spPr>
+                  </p:pic>
+                </p:oleObj>
+              </mc:Fallback>
+            </mc:AlternateContent>
+          </a:graphicData>
+        </a:graphic>
+      </p:graphicFrame>
+      <p:sp>
+        <p:nvSpPr>
+          <p:cNvPr id="12" name="Content Placeholder 2"/>
           <p:cNvSpPr>
             <a:spLocks noGrp="1"/>
           </p:cNvSpPr>
@@ -4980,35 +12461,109 @@
         </p:nvSpPr>
         <p:spPr>
           <a:xfrm>
-            <a:off x="457200" y="2209800"/>
-            <a:ext cx="8229600" cy="3916363"/>
+            <a:off x="457200" y="2362200"/>
+            <a:ext cx="2438400" cy="2438400"/>
           </a:xfrm>
         </p:spPr>
         <p:txBody>
-          <a:bodyPr/>
+          <a:bodyPr>
+            <a:normAutofit/>
+          </a:bodyPr>
           <a:lstStyle/>
           <a:p>
             <a:r>
-              <a:rPr lang="zh-CN" altLang="zh-CN" dirty="0"/>
-              <a:t>关键问题及解决方案：这部分应该围绕需求和总体设计，说明系统中几个核心问题的解决方案，没个问题分</a:t>
-            </a:r>
-            <a:r>
-              <a:rPr lang="en-US" altLang="zh-CN" dirty="0"/>
-              <a:t>1~3</a:t>
-            </a:r>
-            <a:r>
-              <a:rPr lang="zh-CN" altLang="zh-CN" dirty="0"/>
-              <a:t>个</a:t>
-            </a:r>
-            <a:r>
-              <a:rPr lang="en-US" altLang="zh-CN" dirty="0"/>
-              <a:t>PPT</a:t>
-            </a:r>
-            <a:r>
-              <a:rPr lang="zh-CN" altLang="zh-CN" dirty="0"/>
-              <a:t>介绍，要给出具体的方案，如果觉得此部分内容单独讲没什么内容的话，可以结合详细设计一起讲。</a:t>
+              <a:rPr lang="zh-CN" altLang="en-US" dirty="0" smtClean="0"/>
+              <a:t>收集数据</a:t>
+            </a:r>
+            <a:endParaRPr lang="en-US" altLang="zh-CN" dirty="0" smtClean="0"/>
+          </a:p>
+          <a:p>
+            <a:r>
+              <a:rPr lang="zh-CN" altLang="en-US" dirty="0" smtClean="0"/>
+              <a:t>标记数据</a:t>
+            </a:r>
+            <a:endParaRPr lang="en-US" altLang="zh-CN" dirty="0" smtClean="0"/>
+          </a:p>
+          <a:p>
+            <a:r>
+              <a:rPr lang="zh-CN" altLang="en-US" dirty="0" smtClean="0"/>
+              <a:t>使用数据进行实验</a:t>
             </a:r>
             <a:endParaRPr lang="zh-CN" altLang="en-US" dirty="0"/>
+          </a:p>
+        </p:txBody>
+      </p:sp>
+    </p:spTree>
+    <p:extLst>
+      <p:ext uri="{BB962C8B-B14F-4D97-AF65-F5344CB8AC3E}">
+        <p14:creationId xmlns:p14="http://schemas.microsoft.com/office/powerpoint/2010/main" val="3508046358"/>
+      </p:ext>
+    </p:extLst>
+  </p:cSld>
+  <p:clrMapOvr>
+    <a:masterClrMapping/>
+  </p:clrMapOvr>
+  <p:timing>
+    <p:tnLst>
+      <p:par>
+        <p:cTn id="1" dur="indefinite" restart="never" nodeType="tmRoot"/>
+      </p:par>
+    </p:tnLst>
+  </p:timing>
+</p:sld>
+</file>
+
+<file path=ppt/slides/slide8.xml><?xml version="1.0" encoding="utf-8"?>
+<p:sld xmlns:a="http://schemas.openxmlformats.org/drawingml/2006/main" xmlns:r="http://schemas.openxmlformats.org/officeDocument/2006/relationships" xmlns:p="http://schemas.openxmlformats.org/presentationml/2006/main">
+  <p:cSld>
+    <p:spTree>
+      <p:nvGrpSpPr>
+        <p:cNvPr id="1" name=""/>
+        <p:cNvGrpSpPr/>
+        <p:nvPr/>
+      </p:nvGrpSpPr>
+      <p:grpSpPr>
+        <a:xfrm>
+          <a:off x="0" y="0"/>
+          <a:ext cx="0" cy="0"/>
+          <a:chOff x="0" y="0"/>
+          <a:chExt cx="0" cy="0"/>
+        </a:xfrm>
+      </p:grpSpPr>
+      <p:sp>
+        <p:nvSpPr>
+          <p:cNvPr id="2" name="Title 1"/>
+          <p:cNvSpPr>
+            <a:spLocks noGrp="1"/>
+          </p:cNvSpPr>
+          <p:nvPr>
+            <p:ph type="title"/>
+          </p:nvPr>
+        </p:nvSpPr>
+        <p:spPr>
+          <a:xfrm>
+            <a:off x="457200" y="1066800"/>
+            <a:ext cx="8229600" cy="914400"/>
+          </a:xfrm>
+        </p:spPr>
+        <p:txBody>
+          <a:bodyPr>
+            <a:normAutofit/>
+          </a:bodyPr>
+          <a:lstStyle/>
+          <a:p>
+            <a:pPr algn="l"/>
+            <a:r>
+              <a:rPr lang="zh-CN" altLang="en-US" sz="3200" dirty="0" smtClean="0">
+                <a:latin typeface="黑体" panose="02010609060101010101" pitchFamily="49" charset="-122"/>
+                <a:ea typeface="黑体" panose="02010609060101010101" pitchFamily="49" charset="-122"/>
+              </a:rPr>
+              <a:t>总体设计</a:t>
+            </a:r>
+            <a:endParaRPr lang="zh-CN" altLang="en-US" sz="3200" dirty="0">
+              <a:latin typeface="黑体" panose="02010609060101010101" pitchFamily="49" charset="-122"/>
+              <a:ea typeface="黑体" panose="02010609060101010101" pitchFamily="49" charset="-122"/>
+            </a:endParaRPr>
           </a:p>
         </p:txBody>
       </p:sp>
@@ -5090,20 +12645,195 @@
           </a:extLst>
         </p:spPr>
       </p:pic>
+      <p:sp>
+        <p:nvSpPr>
+          <p:cNvPr id="6" name="Rectangle 2"/>
+          <p:cNvSpPr>
+            <a:spLocks noChangeArrowheads="1"/>
+          </p:cNvSpPr>
+          <p:nvPr/>
+        </p:nvSpPr>
+        <p:spPr bwMode="auto">
+          <a:xfrm>
+            <a:off x="0" y="0"/>
+            <a:ext cx="9144000" cy="0"/>
+          </a:xfrm>
+          <a:prstGeom prst="rect">
+            <a:avLst/>
+          </a:prstGeom>
+          <a:noFill/>
+          <a:ln>
+            <a:noFill/>
+          </a:ln>
+          <a:effectLst/>
+          <a:extLst>
+            <a:ext uri="{909E8E84-426E-40DD-AFC4-6F175D3DCCD1}">
+              <a14:hiddenFill xmlns:a14="http://schemas.microsoft.com/office/drawing/2010/main">
+                <a:solidFill>
+                  <a:schemeClr val="accent1"/>
+                </a:solidFill>
+              </a14:hiddenFill>
+            </a:ext>
+            <a:ext uri="{91240B29-F687-4F45-9708-019B960494DF}">
+              <a14:hiddenLine xmlns:a14="http://schemas.microsoft.com/office/drawing/2010/main" w="9525">
+                <a:solidFill>
+                  <a:schemeClr val="tx1"/>
+                </a:solidFill>
+                <a:miter lim="800000"/>
+                <a:headEnd/>
+                <a:tailEnd/>
+              </a14:hiddenLine>
+            </a:ext>
+            <a:ext uri="{AF507438-7753-43E0-B8FC-AC1667EBCBE1}">
+              <a14:hiddenEffects xmlns:a14="http://schemas.microsoft.com/office/drawing/2010/main">
+                <a:effectLst>
+                  <a:outerShdw dist="35921" dir="2700000" algn="ctr" rotWithShape="0">
+                    <a:schemeClr val="bg2"/>
+                  </a:outerShdw>
+                </a:effectLst>
+              </a14:hiddenEffects>
+            </a:ext>
+          </a:extLst>
+        </p:spPr>
+        <p:txBody>
+          <a:bodyPr vert="horz" wrap="none" lIns="91440" tIns="45720" rIns="91440" bIns="45720" numCol="1" anchor="ctr" anchorCtr="0" compatLnSpc="1">
+            <a:prstTxWarp prst="textNoShape">
+              <a:avLst/>
+            </a:prstTxWarp>
+            <a:spAutoFit/>
+          </a:bodyPr>
+          <a:lstStyle/>
+          <a:p>
+            <a:endParaRPr lang="zh-CN" altLang="en-US"/>
+          </a:p>
+        </p:txBody>
+      </p:sp>
+      <p:pic>
+        <p:nvPicPr>
+          <p:cNvPr id="5122" name="Picture 2"/>
+          <p:cNvPicPr>
+            <a:picLocks noChangeAspect="1" noChangeArrowheads="1"/>
+          </p:cNvPicPr>
+          <p:nvPr/>
+        </p:nvPicPr>
+        <p:blipFill>
+          <a:blip r:embed="rId3">
+            <a:extLst>
+              <a:ext uri="{28A0092B-C50C-407E-A947-70E740481C1C}">
+                <a14:useLocalDpi xmlns:a14="http://schemas.microsoft.com/office/drawing/2010/main" val="0"/>
+              </a:ext>
+            </a:extLst>
+          </a:blip>
+          <a:srcRect/>
+          <a:stretch>
+            <a:fillRect/>
+          </a:stretch>
+        </p:blipFill>
+        <p:spPr bwMode="auto">
+          <a:xfrm>
+            <a:off x="3285067" y="1219200"/>
+            <a:ext cx="5326642" cy="5104391"/>
+          </a:xfrm>
+          <a:prstGeom prst="rect">
+            <a:avLst/>
+          </a:prstGeom>
+          <a:noFill/>
+          <a:ln>
+            <a:noFill/>
+          </a:ln>
+          <a:effectLst/>
+          <a:extLst>
+            <a:ext uri="{909E8E84-426E-40DD-AFC4-6F175D3DCCD1}">
+              <a14:hiddenFill xmlns:a14="http://schemas.microsoft.com/office/drawing/2010/main">
+                <a:solidFill>
+                  <a:schemeClr val="accent1"/>
+                </a:solidFill>
+              </a14:hiddenFill>
+            </a:ext>
+            <a:ext uri="{91240B29-F687-4F45-9708-019B960494DF}">
+              <a14:hiddenLine xmlns:a14="http://schemas.microsoft.com/office/drawing/2010/main" w="9525">
+                <a:solidFill>
+                  <a:schemeClr val="tx1"/>
+                </a:solidFill>
+                <a:miter lim="800000"/>
+                <a:headEnd/>
+                <a:tailEnd/>
+              </a14:hiddenLine>
+            </a:ext>
+            <a:ext uri="{AF507438-7753-43E0-B8FC-AC1667EBCBE1}">
+              <a14:hiddenEffects xmlns:a14="http://schemas.microsoft.com/office/drawing/2010/main">
+                <a:effectLst>
+                  <a:outerShdw dist="35921" dir="2700000" algn="ctr" rotWithShape="0">
+                    <a:schemeClr val="bg2"/>
+                  </a:outerShdw>
+                </a:effectLst>
+              </a14:hiddenEffects>
+            </a:ext>
+          </a:extLst>
+        </p:spPr>
+      </p:pic>
+      <p:sp>
+        <p:nvSpPr>
+          <p:cNvPr id="8" name="Content Placeholder 2"/>
+          <p:cNvSpPr>
+            <a:spLocks noGrp="1"/>
+          </p:cNvSpPr>
+          <p:nvPr>
+            <p:ph idx="1"/>
+          </p:nvPr>
+        </p:nvSpPr>
+        <p:spPr>
+          <a:xfrm>
+            <a:off x="457200" y="2362200"/>
+            <a:ext cx="2438400" cy="2438400"/>
+          </a:xfrm>
+        </p:spPr>
+        <p:txBody>
+          <a:bodyPr>
+            <a:normAutofit lnSpcReduction="10000"/>
+          </a:bodyPr>
+          <a:lstStyle/>
+          <a:p>
+            <a:r>
+              <a:rPr lang="zh-CN" altLang="en-US" dirty="0" smtClean="0"/>
+              <a:t>曾设</a:t>
+            </a:r>
+            <a:r>
+              <a:rPr lang="zh-CN" altLang="en-US" dirty="0"/>
+              <a:t>计使用</a:t>
+            </a:r>
+            <a:r>
+              <a:rPr lang="zh-CN" altLang="en-US" dirty="0" smtClean="0"/>
+              <a:t>的大型数据收集</a:t>
+            </a:r>
+            <a:r>
+              <a:rPr lang="en-US" altLang="zh-CN" dirty="0" smtClean="0"/>
+              <a:t>Pipeline System</a:t>
+            </a:r>
+          </a:p>
+        </p:txBody>
+      </p:sp>
     </p:spTree>
     <p:extLst>
       <p:ext uri="{BB962C8B-B14F-4D97-AF65-F5344CB8AC3E}">
-        <p14:creationId xmlns:p14="http://schemas.microsoft.com/office/powerpoint/2010/main" val="2162082414"/>
+        <p14:creationId xmlns:p14="http://schemas.microsoft.com/office/powerpoint/2010/main" val="2156030812"/>
       </p:ext>
     </p:extLst>
   </p:cSld>
   <p:clrMapOvr>
     <a:masterClrMapping/>
   </p:clrMapOvr>
+  <p:timing>
+    <p:tnLst>
+      <p:par>
+        <p:cTn id="1" dur="indefinite" restart="never" nodeType="tmRoot"/>
+      </p:par>
+    </p:tnLst>
+  </p:timing>
 </p:sld>
 </file>
 
-<file path=ppt/slides/slide8.xml><?xml version="1.0" encoding="utf-8"?>
+<file path=ppt/slides/slide9.xml><?xml version="1.0" encoding="utf-8"?>
 <p:sld xmlns:a="http://schemas.openxmlformats.org/drawingml/2006/main" xmlns:r="http://schemas.openxmlformats.org/officeDocument/2006/relationships" xmlns:p="http://schemas.openxmlformats.org/presentationml/2006/main">
   <p:cSld>
     <p:spTree>
@@ -5148,47 +12878,12 @@
                 <a:latin typeface="黑体" panose="02010609060101010101" pitchFamily="49" charset="-122"/>
                 <a:ea typeface="黑体" panose="02010609060101010101" pitchFamily="49" charset="-122"/>
               </a:rPr>
-              <a:t>详细设计与实现</a:t>
+              <a:t>总体设计</a:t>
             </a:r>
             <a:endParaRPr lang="zh-CN" altLang="en-US" sz="3200" dirty="0">
               <a:latin typeface="黑体" panose="02010609060101010101" pitchFamily="49" charset="-122"/>
               <a:ea typeface="黑体" panose="02010609060101010101" pitchFamily="49" charset="-122"/>
             </a:endParaRPr>
-          </a:p>
-        </p:txBody>
-      </p:sp>
-      <p:sp>
-        <p:nvSpPr>
-          <p:cNvPr id="3" name="Content Placeholder 2"/>
-          <p:cNvSpPr>
-            <a:spLocks noGrp="1"/>
-          </p:cNvSpPr>
-          <p:nvPr>
-            <p:ph idx="1"/>
-          </p:nvPr>
-        </p:nvSpPr>
-        <p:spPr>
-          <a:xfrm>
-            <a:off x="457200" y="2209800"/>
-            <a:ext cx="8229600" cy="3916363"/>
-          </a:xfrm>
-        </p:spPr>
-        <p:txBody>
-          <a:bodyPr/>
-          <a:lstStyle/>
-          <a:p>
-            <a:r>
-              <a:rPr lang="zh-CN" altLang="zh-CN" dirty="0"/>
-              <a:t>详细设计与实现：这部分可以根据情况选择</a:t>
-            </a:r>
-            <a:r>
-              <a:rPr lang="en-US" altLang="zh-CN" dirty="0"/>
-              <a:t>1~2</a:t>
-            </a:r>
-            <a:r>
-              <a:rPr lang="zh-CN" altLang="zh-CN" dirty="0"/>
-              <a:t>个简要介绍，如果前面总体设计和关键问题部分已经讲得差不多的话，这部分甚至不介绍。</a:t>
-            </a:r>
           </a:p>
         </p:txBody>
       </p:sp>
@@ -5270,76 +12965,72 @@
           </a:extLst>
         </p:spPr>
       </p:pic>
-    </p:spTree>
-    <p:extLst>
-      <p:ext uri="{BB962C8B-B14F-4D97-AF65-F5344CB8AC3E}">
-        <p14:creationId xmlns:p14="http://schemas.microsoft.com/office/powerpoint/2010/main" val="2162082414"/>
-      </p:ext>
-    </p:extLst>
-  </p:cSld>
-  <p:clrMapOvr>
-    <a:masterClrMapping/>
-  </p:clrMapOvr>
-</p:sld>
-</file>
-
-<file path=ppt/slides/slide9.xml><?xml version="1.0" encoding="utf-8"?>
-<p:sld xmlns:a="http://schemas.openxmlformats.org/drawingml/2006/main" xmlns:r="http://schemas.openxmlformats.org/officeDocument/2006/relationships" xmlns:p="http://schemas.openxmlformats.org/presentationml/2006/main">
-  <p:cSld>
-    <p:spTree>
-      <p:nvGrpSpPr>
-        <p:cNvPr id="1" name=""/>
-        <p:cNvGrpSpPr/>
-        <p:nvPr/>
-      </p:nvGrpSpPr>
-      <p:grpSpPr>
-        <a:xfrm>
-          <a:off x="0" y="0"/>
-          <a:ext cx="0" cy="0"/>
-          <a:chOff x="0" y="0"/>
-          <a:chExt cx="0" cy="0"/>
-        </a:xfrm>
-      </p:grpSpPr>
       <p:sp>
         <p:nvSpPr>
-          <p:cNvPr id="2" name="Title 1"/>
+          <p:cNvPr id="6" name="Rectangle 2"/>
           <p:cNvSpPr>
-            <a:spLocks noGrp="1"/>
+            <a:spLocks noChangeArrowheads="1"/>
           </p:cNvSpPr>
-          <p:nvPr>
-            <p:ph type="title"/>
-          </p:nvPr>
+          <p:nvPr/>
         </p:nvSpPr>
-        <p:spPr>
+        <p:spPr bwMode="auto">
           <a:xfrm>
-            <a:off x="457200" y="1066800"/>
-            <a:ext cx="8229600" cy="914400"/>
+            <a:off x="0" y="0"/>
+            <a:ext cx="9144000" cy="0"/>
           </a:xfrm>
+          <a:prstGeom prst="rect">
+            <a:avLst/>
+          </a:prstGeom>
+          <a:noFill/>
+          <a:ln>
+            <a:noFill/>
+          </a:ln>
+          <a:effectLst/>
+          <a:extLst>
+            <a:ext uri="{909E8E84-426E-40DD-AFC4-6F175D3DCCD1}">
+              <a14:hiddenFill xmlns:a14="http://schemas.microsoft.com/office/drawing/2010/main">
+                <a:solidFill>
+                  <a:schemeClr val="accent1"/>
+                </a:solidFill>
+              </a14:hiddenFill>
+            </a:ext>
+            <a:ext uri="{91240B29-F687-4F45-9708-019B960494DF}">
+              <a14:hiddenLine xmlns:a14="http://schemas.microsoft.com/office/drawing/2010/main" w="9525">
+                <a:solidFill>
+                  <a:schemeClr val="tx1"/>
+                </a:solidFill>
+                <a:miter lim="800000"/>
+                <a:headEnd/>
+                <a:tailEnd/>
+              </a14:hiddenLine>
+            </a:ext>
+            <a:ext uri="{AF507438-7753-43E0-B8FC-AC1667EBCBE1}">
+              <a14:hiddenEffects xmlns:a14="http://schemas.microsoft.com/office/drawing/2010/main">
+                <a:effectLst>
+                  <a:outerShdw dist="35921" dir="2700000" algn="ctr" rotWithShape="0">
+                    <a:schemeClr val="bg2"/>
+                  </a:outerShdw>
+                </a:effectLst>
+              </a14:hiddenEffects>
+            </a:ext>
+          </a:extLst>
         </p:spPr>
         <p:txBody>
-          <a:bodyPr>
-            <a:normAutofit/>
+          <a:bodyPr vert="horz" wrap="none" lIns="91440" tIns="45720" rIns="91440" bIns="45720" numCol="1" anchor="ctr" anchorCtr="0" compatLnSpc="1">
+            <a:prstTxWarp prst="textNoShape">
+              <a:avLst/>
+            </a:prstTxWarp>
+            <a:spAutoFit/>
           </a:bodyPr>
           <a:lstStyle/>
           <a:p>
-            <a:pPr algn="l"/>
-            <a:r>
-              <a:rPr lang="zh-CN" altLang="en-US" sz="3200" dirty="0" smtClean="0">
-                <a:latin typeface="黑体" panose="02010609060101010101" pitchFamily="49" charset="-122"/>
-                <a:ea typeface="黑体" panose="02010609060101010101" pitchFamily="49" charset="-122"/>
-              </a:rPr>
-              <a:t>测试情况</a:t>
-            </a:r>
-            <a:endParaRPr lang="zh-CN" altLang="en-US" sz="3200" dirty="0">
-              <a:latin typeface="黑体" panose="02010609060101010101" pitchFamily="49" charset="-122"/>
-              <a:ea typeface="黑体" panose="02010609060101010101" pitchFamily="49" charset="-122"/>
-            </a:endParaRPr>
+            <a:endParaRPr lang="zh-CN" altLang="en-US"/>
           </a:p>
         </p:txBody>
       </p:sp>
       <p:sp>
         <p:nvSpPr>
-          <p:cNvPr id="3" name="Content Placeholder 2"/>
+          <p:cNvPr id="8" name="Content Placeholder 2"/>
           <p:cNvSpPr>
             <a:spLocks noGrp="1"/>
           </p:cNvSpPr>
@@ -5349,76 +13040,58 @@
         </p:nvSpPr>
         <p:spPr>
           <a:xfrm>
-            <a:off x="457200" y="2209800"/>
-            <a:ext cx="8229600" cy="3916363"/>
+            <a:off x="457200" y="2362200"/>
+            <a:ext cx="2819400" cy="3581400"/>
           </a:xfrm>
         </p:spPr>
         <p:txBody>
-          <a:bodyPr/>
+          <a:bodyPr>
+            <a:normAutofit lnSpcReduction="10000"/>
+          </a:bodyPr>
           <a:lstStyle/>
           <a:p>
             <a:r>
-              <a:rPr lang="zh-CN" altLang="zh-CN" dirty="0"/>
-              <a:t>测试情况：</a:t>
-            </a:r>
-            <a:r>
-              <a:rPr lang="en-US" altLang="zh-CN" dirty="0"/>
-              <a:t>1~2</a:t>
-            </a:r>
-            <a:r>
-              <a:rPr lang="zh-CN" altLang="zh-CN" dirty="0"/>
-              <a:t>页说明测试情况和测试结论。</a:t>
-            </a:r>
-          </a:p>
-        </p:txBody>
-      </p:sp>
-      <p:sp>
-        <p:nvSpPr>
-          <p:cNvPr id="4" name="Rectangle 19"/>
-          <p:cNvSpPr>
-            <a:spLocks noChangeArrowheads="1"/>
-          </p:cNvSpPr>
-          <p:nvPr/>
-        </p:nvSpPr>
-        <p:spPr bwMode="auto">
-          <a:xfrm>
-            <a:off x="0" y="6629400"/>
-            <a:ext cx="9144000" cy="228600"/>
-          </a:xfrm>
-          <a:prstGeom prst="rect">
-            <a:avLst/>
-          </a:prstGeom>
-          <a:solidFill>
-            <a:srgbClr val="0E03E7"/>
-          </a:solidFill>
-          <a:ln w="9525">
-            <a:solidFill>
-              <a:schemeClr val="tx1"/>
-            </a:solidFill>
-            <a:miter lim="800000"/>
-            <a:headEnd/>
-            <a:tailEnd/>
-          </a:ln>
-          <a:effectLst/>
-        </p:spPr>
-        <p:txBody>
-          <a:bodyPr wrap="none" anchor="ctr"/>
-          <a:lstStyle/>
-          <a:p>
-            <a:endParaRPr lang="zh-CN" altLang="en-US"/>
+              <a:rPr lang="zh-CN" altLang="en-US" dirty="0"/>
+              <a:t>抓</a:t>
+            </a:r>
+            <a:r>
+              <a:rPr lang="zh-CN" altLang="en-US" dirty="0" smtClean="0"/>
+              <a:t>取</a:t>
+            </a:r>
+            <a:r>
+              <a:rPr lang="zh-CN" altLang="en-US" dirty="0"/>
+              <a:t>工具</a:t>
+            </a:r>
+            <a:r>
+              <a:rPr lang="zh-CN" altLang="en-US" dirty="0" smtClean="0"/>
+              <a:t>的控制台界面截图</a:t>
+            </a:r>
+            <a:endParaRPr lang="en-US" altLang="zh-CN" dirty="0" smtClean="0"/>
+          </a:p>
+          <a:p>
+            <a:endParaRPr lang="en-US" altLang="zh-CN" dirty="0" smtClean="0"/>
+          </a:p>
+          <a:p>
+            <a:r>
+              <a:rPr lang="zh-CN" altLang="en-US" dirty="0" smtClean="0"/>
+              <a:t>标记工具的工作时界面</a:t>
+            </a:r>
+            <a:r>
+              <a:rPr lang="zh-CN" altLang="en-US" dirty="0"/>
+              <a:t>截图</a:t>
+            </a:r>
+            <a:endParaRPr lang="en-US" altLang="zh-CN" dirty="0" smtClean="0"/>
           </a:p>
         </p:txBody>
       </p:sp>
       <p:pic>
         <p:nvPicPr>
-          <p:cNvPr id="5" name="Picture 18" descr="C:\Documents and Settings\Administrator\桌面\logo_small.jpg"/>
-          <p:cNvPicPr>
-            <a:picLocks noChangeAspect="1" noChangeArrowheads="1"/>
-          </p:cNvPicPr>
+          <p:cNvPr id="10" name="Picture 9"/>
+          <p:cNvPicPr/>
           <p:nvPr/>
         </p:nvPicPr>
         <p:blipFill>
-          <a:blip r:embed="rId2">
+          <a:blip r:embed="rId3">
             <a:extLst>
               <a:ext uri="{28A0092B-C50C-407E-A947-70E740481C1C}">
                 <a14:useLocalDpi xmlns:a14="http://schemas.microsoft.com/office/drawing/2010/main" val="0"/>
@@ -5432,34 +13105,68 @@
         </p:blipFill>
         <p:spPr bwMode="auto">
           <a:xfrm>
-            <a:off x="152400" y="93663"/>
-            <a:ext cx="3124200" cy="820737"/>
+            <a:off x="4419600" y="3124200"/>
+            <a:ext cx="4191000" cy="3124199"/>
           </a:xfrm>
           <a:prstGeom prst="rect">
             <a:avLst/>
           </a:prstGeom>
           <a:noFill/>
-          <a:extLst>
-            <a:ext uri="{909E8E84-426E-40DD-AFC4-6F175D3DCCD1}">
-              <a14:hiddenFill xmlns:a14="http://schemas.microsoft.com/office/drawing/2010/main">
-                <a:solidFill>
-                  <a:srgbClr val="FFFFFF"/>
-                </a:solidFill>
-              </a14:hiddenFill>
-            </a:ext>
-          </a:extLst>
+          <a:ln>
+            <a:noFill/>
+          </a:ln>
+        </p:spPr>
+      </p:pic>
+      <p:pic>
+        <p:nvPicPr>
+          <p:cNvPr id="11" name="Picture 10"/>
+          <p:cNvPicPr/>
+          <p:nvPr/>
+        </p:nvPicPr>
+        <p:blipFill>
+          <a:blip r:embed="rId4">
+            <a:extLst>
+              <a:ext uri="{28A0092B-C50C-407E-A947-70E740481C1C}">
+                <a14:useLocalDpi xmlns:a14="http://schemas.microsoft.com/office/drawing/2010/main" val="0"/>
+              </a:ext>
+            </a:extLst>
+          </a:blip>
+          <a:srcRect/>
+          <a:stretch>
+            <a:fillRect/>
+          </a:stretch>
+        </p:blipFill>
+        <p:spPr bwMode="auto">
+          <a:xfrm>
+            <a:off x="4419599" y="457200"/>
+            <a:ext cx="4172859" cy="2347752"/>
+          </a:xfrm>
+          <a:prstGeom prst="rect">
+            <a:avLst/>
+          </a:prstGeom>
+          <a:noFill/>
+          <a:ln>
+            <a:noFill/>
+          </a:ln>
         </p:spPr>
       </p:pic>
     </p:spTree>
     <p:extLst>
       <p:ext uri="{BB962C8B-B14F-4D97-AF65-F5344CB8AC3E}">
-        <p14:creationId xmlns:p14="http://schemas.microsoft.com/office/powerpoint/2010/main" val="3973110316"/>
+        <p14:creationId xmlns:p14="http://schemas.microsoft.com/office/powerpoint/2010/main" val="3626574325"/>
       </p:ext>
     </p:extLst>
   </p:cSld>
   <p:clrMapOvr>
     <a:masterClrMapping/>
   </p:clrMapOvr>
+  <p:timing>
+    <p:tnLst>
+      <p:par>
+        <p:cTn id="1" dur="indefinite" restart="never" nodeType="tmRoot"/>
+      </p:par>
+    </p:tnLst>
+  </p:timing>
 </p:sld>
 </file>
 
@@ -5744,4 +13451,289 @@
   <a:objectDefaults/>
   <a:extraClrSchemeLst/>
 </a:theme>
+</file>
+
+<file path=ppt/theme/theme2.xml><?xml version="1.0" encoding="utf-8"?>
+<a:theme xmlns:a="http://schemas.openxmlformats.org/drawingml/2006/main" name="Office Theme">
+  <a:themeElements>
+    <a:clrScheme name="Office">
+      <a:dk1>
+        <a:sysClr val="windowText" lastClr="000000"/>
+      </a:dk1>
+      <a:lt1>
+        <a:sysClr val="window" lastClr="FFFFFF"/>
+      </a:lt1>
+      <a:dk2>
+        <a:srgbClr val="1F497D"/>
+      </a:dk2>
+      <a:lt2>
+        <a:srgbClr val="EEECE1"/>
+      </a:lt2>
+      <a:accent1>
+        <a:srgbClr val="4F81BD"/>
+      </a:accent1>
+      <a:accent2>
+        <a:srgbClr val="C0504D"/>
+      </a:accent2>
+      <a:accent3>
+        <a:srgbClr val="9BBB59"/>
+      </a:accent3>
+      <a:accent4>
+        <a:srgbClr val="8064A2"/>
+      </a:accent4>
+      <a:accent5>
+        <a:srgbClr val="4BACC6"/>
+      </a:accent5>
+      <a:accent6>
+        <a:srgbClr val="F79646"/>
+      </a:accent6>
+      <a:hlink>
+        <a:srgbClr val="0000FF"/>
+      </a:hlink>
+      <a:folHlink>
+        <a:srgbClr val="800080"/>
+      </a:folHlink>
+    </a:clrScheme>
+    <a:fontScheme name="Office">
+      <a:majorFont>
+        <a:latin typeface="Calibri"/>
+        <a:ea typeface=""/>
+        <a:cs typeface=""/>
+        <a:font script="Jpan" typeface="ＭＳ Ｐゴシック"/>
+        <a:font script="Hang" typeface="맑은 고딕"/>
+        <a:font script="Hans" typeface="宋体"/>
+        <a:font script="Hant" typeface="新細明體"/>
+        <a:font script="Arab" typeface="Times New Roman"/>
+        <a:font script="Hebr" typeface="Times New Roman"/>
+        <a:font script="Thai" typeface="Angsana New"/>
+        <a:font script="Ethi" typeface="Nyala"/>
+        <a:font script="Beng" typeface="Vrinda"/>
+        <a:font script="Gujr" typeface="Shruti"/>
+        <a:font script="Khmr" typeface="MoolBoran"/>
+        <a:font script="Knda" typeface="Tunga"/>
+        <a:font script="Guru" typeface="Raavi"/>
+        <a:font script="Cans" typeface="Euphemia"/>
+        <a:font script="Cher" typeface="Plantagenet Cherokee"/>
+        <a:font script="Yiii" typeface="Microsoft Yi Baiti"/>
+        <a:font script="Tibt" typeface="Microsoft Himalaya"/>
+        <a:font script="Thaa" typeface="MV Boli"/>
+        <a:font script="Deva" typeface="Mangal"/>
+        <a:font script="Telu" typeface="Gautami"/>
+        <a:font script="Taml" typeface="Latha"/>
+        <a:font script="Syrc" typeface="Estrangelo Edessa"/>
+        <a:font script="Orya" typeface="Kalinga"/>
+        <a:font script="Mlym" typeface="Kartika"/>
+        <a:font script="Laoo" typeface="DokChampa"/>
+        <a:font script="Sinh" typeface="Iskoola Pota"/>
+        <a:font script="Mong" typeface="Mongolian Baiti"/>
+        <a:font script="Viet" typeface="Times New Roman"/>
+        <a:font script="Uigh" typeface="Microsoft Uighur"/>
+        <a:font script="Geor" typeface="Sylfaen"/>
+      </a:majorFont>
+      <a:minorFont>
+        <a:latin typeface="Calibri"/>
+        <a:ea typeface=""/>
+        <a:cs typeface=""/>
+        <a:font script="Jpan" typeface="ＭＳ Ｐゴシック"/>
+        <a:font script="Hang" typeface="맑은 고딕"/>
+        <a:font script="Hans" typeface="宋体"/>
+        <a:font script="Hant" typeface="新細明體"/>
+        <a:font script="Arab" typeface="Arial"/>
+        <a:font script="Hebr" typeface="Arial"/>
+        <a:font script="Thai" typeface="Cordia New"/>
+        <a:font script="Ethi" typeface="Nyala"/>
+        <a:font script="Beng" typeface="Vrinda"/>
+        <a:font script="Gujr" typeface="Shruti"/>
+        <a:font script="Khmr" typeface="DaunPenh"/>
+        <a:font script="Knda" typeface="Tunga"/>
+        <a:font script="Guru" typeface="Raavi"/>
+        <a:font script="Cans" typeface="Euphemia"/>
+        <a:font script="Cher" typeface="Plantagenet Cherokee"/>
+        <a:font script="Yiii" typeface="Microsoft Yi Baiti"/>
+        <a:font script="Tibt" typeface="Microsoft Himalaya"/>
+        <a:font script="Thaa" typeface="MV Boli"/>
+        <a:font script="Deva" typeface="Mangal"/>
+        <a:font script="Telu" typeface="Gautami"/>
+        <a:font script="Taml" typeface="Latha"/>
+        <a:font script="Syrc" typeface="Estrangelo Edessa"/>
+        <a:font script="Orya" typeface="Kalinga"/>
+        <a:font script="Mlym" typeface="Kartika"/>
+        <a:font script="Laoo" typeface="DokChampa"/>
+        <a:font script="Sinh" typeface="Iskoola Pota"/>
+        <a:font script="Mong" typeface="Mongolian Baiti"/>
+        <a:font script="Viet" typeface="Arial"/>
+        <a:font script="Uigh" typeface="Microsoft Uighur"/>
+        <a:font script="Geor" typeface="Sylfaen"/>
+      </a:minorFont>
+    </a:fontScheme>
+    <a:fmtScheme name="Office">
+      <a:fillStyleLst>
+        <a:solidFill>
+          <a:schemeClr val="phClr"/>
+        </a:solidFill>
+        <a:gradFill rotWithShape="1">
+          <a:gsLst>
+            <a:gs pos="0">
+              <a:schemeClr val="phClr">
+                <a:tint val="50000"/>
+                <a:satMod val="300000"/>
+              </a:schemeClr>
+            </a:gs>
+            <a:gs pos="35000">
+              <a:schemeClr val="phClr">
+                <a:tint val="37000"/>
+                <a:satMod val="300000"/>
+              </a:schemeClr>
+            </a:gs>
+            <a:gs pos="100000">
+              <a:schemeClr val="phClr">
+                <a:tint val="15000"/>
+                <a:satMod val="350000"/>
+              </a:schemeClr>
+            </a:gs>
+          </a:gsLst>
+          <a:lin ang="16200000" scaled="1"/>
+        </a:gradFill>
+        <a:gradFill rotWithShape="1">
+          <a:gsLst>
+            <a:gs pos="0">
+              <a:schemeClr val="phClr">
+                <a:shade val="51000"/>
+                <a:satMod val="130000"/>
+              </a:schemeClr>
+            </a:gs>
+            <a:gs pos="80000">
+              <a:schemeClr val="phClr">
+                <a:shade val="93000"/>
+                <a:satMod val="130000"/>
+              </a:schemeClr>
+            </a:gs>
+            <a:gs pos="100000">
+              <a:schemeClr val="phClr">
+                <a:shade val="94000"/>
+                <a:satMod val="135000"/>
+              </a:schemeClr>
+            </a:gs>
+          </a:gsLst>
+          <a:lin ang="16200000" scaled="0"/>
+        </a:gradFill>
+      </a:fillStyleLst>
+      <a:lnStyleLst>
+        <a:ln w="9525" cap="flat" cmpd="sng" algn="ctr">
+          <a:solidFill>
+            <a:schemeClr val="phClr">
+              <a:shade val="95000"/>
+              <a:satMod val="105000"/>
+            </a:schemeClr>
+          </a:solidFill>
+          <a:prstDash val="solid"/>
+        </a:ln>
+        <a:ln w="25400" cap="flat" cmpd="sng" algn="ctr">
+          <a:solidFill>
+            <a:schemeClr val="phClr"/>
+          </a:solidFill>
+          <a:prstDash val="solid"/>
+        </a:ln>
+        <a:ln w="38100" cap="flat" cmpd="sng" algn="ctr">
+          <a:solidFill>
+            <a:schemeClr val="phClr"/>
+          </a:solidFill>
+          <a:prstDash val="solid"/>
+        </a:ln>
+      </a:lnStyleLst>
+      <a:effectStyleLst>
+        <a:effectStyle>
+          <a:effectLst>
+            <a:outerShdw blurRad="40000" dist="20000" dir="5400000" rotWithShape="0">
+              <a:srgbClr val="000000">
+                <a:alpha val="38000"/>
+              </a:srgbClr>
+            </a:outerShdw>
+          </a:effectLst>
+        </a:effectStyle>
+        <a:effectStyle>
+          <a:effectLst>
+            <a:outerShdw blurRad="40000" dist="23000" dir="5400000" rotWithShape="0">
+              <a:srgbClr val="000000">
+                <a:alpha val="35000"/>
+              </a:srgbClr>
+            </a:outerShdw>
+          </a:effectLst>
+        </a:effectStyle>
+        <a:effectStyle>
+          <a:effectLst>
+            <a:outerShdw blurRad="40000" dist="23000" dir="5400000" rotWithShape="0">
+              <a:srgbClr val="000000">
+                <a:alpha val="35000"/>
+              </a:srgbClr>
+            </a:outerShdw>
+          </a:effectLst>
+          <a:scene3d>
+            <a:camera prst="orthographicFront">
+              <a:rot lat="0" lon="0" rev="0"/>
+            </a:camera>
+            <a:lightRig rig="threePt" dir="t">
+              <a:rot lat="0" lon="0" rev="1200000"/>
+            </a:lightRig>
+          </a:scene3d>
+          <a:sp3d>
+            <a:bevelT w="63500" h="25400"/>
+          </a:sp3d>
+        </a:effectStyle>
+      </a:effectStyleLst>
+      <a:bgFillStyleLst>
+        <a:solidFill>
+          <a:schemeClr val="phClr"/>
+        </a:solidFill>
+        <a:gradFill rotWithShape="1">
+          <a:gsLst>
+            <a:gs pos="0">
+              <a:schemeClr val="phClr">
+                <a:tint val="40000"/>
+                <a:satMod val="350000"/>
+              </a:schemeClr>
+            </a:gs>
+            <a:gs pos="40000">
+              <a:schemeClr val="phClr">
+                <a:tint val="45000"/>
+                <a:shade val="99000"/>
+                <a:satMod val="350000"/>
+              </a:schemeClr>
+            </a:gs>
+            <a:gs pos="100000">
+              <a:schemeClr val="phClr">
+                <a:shade val="20000"/>
+                <a:satMod val="255000"/>
+              </a:schemeClr>
+            </a:gs>
+          </a:gsLst>
+          <a:path path="circle">
+            <a:fillToRect l="50000" t="-80000" r="50000" b="180000"/>
+          </a:path>
+        </a:gradFill>
+        <a:gradFill rotWithShape="1">
+          <a:gsLst>
+            <a:gs pos="0">
+              <a:schemeClr val="phClr">
+                <a:tint val="80000"/>
+                <a:satMod val="300000"/>
+              </a:schemeClr>
+            </a:gs>
+            <a:gs pos="100000">
+              <a:schemeClr val="phClr">
+                <a:shade val="30000"/>
+                <a:satMod val="200000"/>
+              </a:schemeClr>
+            </a:gs>
+          </a:gsLst>
+          <a:path path="circle">
+            <a:fillToRect l="50000" t="50000" r="50000" b="50000"/>
+          </a:path>
+        </a:gradFill>
+      </a:bgFillStyleLst>
+    </a:fmtScheme>
+  </a:themeElements>
+  <a:objectDefaults/>
+  <a:extraClrSchemeLst/>
+</a:theme>
 </file>
--- a/_Paper/X.最终毕业论文/0.于俊超_毕业答辩PPT.pptx
+++ b/_Paper/X.最终毕业论文/0.于俊超_毕业答辩PPT.pptx
@@ -209,7 +209,7 @@
           <a:p>
             <a:fld id="{6ED88D52-184A-49DA-9F8B-928D6751A5A1}" type="datetimeFigureOut">
               <a:rPr lang="zh-CN" altLang="en-US" smtClean="0"/>
-              <a:t>2013/12/10</a:t>
+              <a:t>2013/12/11</a:t>
             </a:fld>
             <a:endParaRPr lang="zh-CN" altLang="en-US"/>
           </a:p>
@@ -747,7 +747,7 @@
             <a:fld id="{1D8BD707-D9CF-40AE-B4C6-C98DA3205C09}" type="datetimeFigureOut">
               <a:rPr lang="en-US" smtClean="0"/>
               <a:pPr/>
-              <a:t>12/10/2013</a:t>
+              <a:t>12/11/2013</a:t>
             </a:fld>
             <a:endParaRPr lang="en-US"/>
           </a:p>
@@ -914,7 +914,7 @@
             <a:fld id="{1D8BD707-D9CF-40AE-B4C6-C98DA3205C09}" type="datetimeFigureOut">
               <a:rPr lang="en-US" smtClean="0"/>
               <a:pPr/>
-              <a:t>12/10/2013</a:t>
+              <a:t>12/11/2013</a:t>
             </a:fld>
             <a:endParaRPr lang="en-US"/>
           </a:p>
@@ -1091,7 +1091,7 @@
             <a:fld id="{1D8BD707-D9CF-40AE-B4C6-C98DA3205C09}" type="datetimeFigureOut">
               <a:rPr lang="en-US" smtClean="0"/>
               <a:pPr/>
-              <a:t>12/10/2013</a:t>
+              <a:t>12/11/2013</a:t>
             </a:fld>
             <a:endParaRPr lang="en-US"/>
           </a:p>
@@ -1258,7 +1258,7 @@
             <a:fld id="{1D8BD707-D9CF-40AE-B4C6-C98DA3205C09}" type="datetimeFigureOut">
               <a:rPr lang="en-US" smtClean="0"/>
               <a:pPr/>
-              <a:t>12/10/2013</a:t>
+              <a:t>12/11/2013</a:t>
             </a:fld>
             <a:endParaRPr lang="en-US"/>
           </a:p>
@@ -1501,7 +1501,7 @@
             <a:fld id="{1D8BD707-D9CF-40AE-B4C6-C98DA3205C09}" type="datetimeFigureOut">
               <a:rPr lang="en-US" smtClean="0"/>
               <a:pPr/>
-              <a:t>12/10/2013</a:t>
+              <a:t>12/11/2013</a:t>
             </a:fld>
             <a:endParaRPr lang="en-US"/>
           </a:p>
@@ -1786,7 +1786,7 @@
             <a:fld id="{1D8BD707-D9CF-40AE-B4C6-C98DA3205C09}" type="datetimeFigureOut">
               <a:rPr lang="en-US" smtClean="0"/>
               <a:pPr/>
-              <a:t>12/10/2013</a:t>
+              <a:t>12/11/2013</a:t>
             </a:fld>
             <a:endParaRPr lang="en-US"/>
           </a:p>
@@ -2205,7 +2205,7 @@
             <a:fld id="{1D8BD707-D9CF-40AE-B4C6-C98DA3205C09}" type="datetimeFigureOut">
               <a:rPr lang="en-US" smtClean="0"/>
               <a:pPr/>
-              <a:t>12/10/2013</a:t>
+              <a:t>12/11/2013</a:t>
             </a:fld>
             <a:endParaRPr lang="en-US"/>
           </a:p>
@@ -2320,7 +2320,7 @@
             <a:fld id="{1D8BD707-D9CF-40AE-B4C6-C98DA3205C09}" type="datetimeFigureOut">
               <a:rPr lang="en-US" smtClean="0"/>
               <a:pPr/>
-              <a:t>12/10/2013</a:t>
+              <a:t>12/11/2013</a:t>
             </a:fld>
             <a:endParaRPr lang="en-US"/>
           </a:p>
@@ -2412,7 +2412,7 @@
             <a:fld id="{1D8BD707-D9CF-40AE-B4C6-C98DA3205C09}" type="datetimeFigureOut">
               <a:rPr lang="en-US" smtClean="0"/>
               <a:pPr/>
-              <a:t>12/10/2013</a:t>
+              <a:t>12/11/2013</a:t>
             </a:fld>
             <a:endParaRPr lang="en-US"/>
           </a:p>
@@ -2686,7 +2686,7 @@
             <a:fld id="{1D8BD707-D9CF-40AE-B4C6-C98DA3205C09}" type="datetimeFigureOut">
               <a:rPr lang="en-US" smtClean="0"/>
               <a:pPr/>
-              <a:t>12/10/2013</a:t>
+              <a:t>12/11/2013</a:t>
             </a:fld>
             <a:endParaRPr lang="en-US"/>
           </a:p>
@@ -2936,7 +2936,7 @@
             <a:fld id="{1D8BD707-D9CF-40AE-B4C6-C98DA3205C09}" type="datetimeFigureOut">
               <a:rPr lang="en-US" smtClean="0"/>
               <a:pPr/>
-              <a:t>12/10/2013</a:t>
+              <a:t>12/11/2013</a:t>
             </a:fld>
             <a:endParaRPr lang="en-US"/>
           </a:p>
@@ -3146,7 +3146,7 @@
             <a:fld id="{1D8BD707-D9CF-40AE-B4C6-C98DA3205C09}" type="datetimeFigureOut">
               <a:rPr lang="en-US" smtClean="0"/>
               <a:pPr/>
-              <a:t>12/10/2013</a:t>
+              <a:t>12/11/2013</a:t>
             </a:fld>
             <a:endParaRPr lang="en-US"/>
           </a:p>
@@ -4300,7 +4300,7 @@
           <a:graphicData uri="http://schemas.openxmlformats.org/presentationml/2006/ole">
             <mc:AlternateContent xmlns:mc="http://schemas.openxmlformats.org/markup-compatibility/2006">
               <mc:Choice xmlns:v="urn:schemas-microsoft-com:vml" Requires="v">
-                <p:oleObj spid="_x0000_s6226" name="Visio" r:id="rId4" imgW="5282819" imgH="7012768" progId="Visio.Drawing.11">
+                <p:oleObj spid="_x0000_s6227" name="Visio" r:id="rId4" imgW="5282819" imgH="7012768" progId="Visio.Drawing.11">
                   <p:embed/>
                 </p:oleObj>
               </mc:Choice>
@@ -4995,7 +4995,7 @@
           <a:graphicData uri="http://schemas.openxmlformats.org/presentationml/2006/ole">
             <mc:AlternateContent xmlns:mc="http://schemas.openxmlformats.org/markup-compatibility/2006">
               <mc:Choice xmlns:v="urn:schemas-microsoft-com:vml" Requires="v">
-                <p:oleObj spid="_x0000_s9281" name="Visio" r:id="rId4" imgW="1565120" imgH="2802512" progId="Visio.Drawing.11">
+                <p:oleObj spid="_x0000_s9282" name="Visio" r:id="rId4" imgW="1565120" imgH="2802512" progId="Visio.Drawing.11">
                   <p:embed/>
                 </p:oleObj>
               </mc:Choice>
@@ -5385,8 +5385,8 @@
           </a:p>
         </p:txBody>
       </p:sp>
-      <mc:AlternateContent xmlns:mc="http://schemas.openxmlformats.org/markup-compatibility/2006">
-        <mc:Choice xmlns:a14="http://schemas.microsoft.com/office/drawing/2010/main" Requires="a14">
+      <mc:AlternateContent xmlns:mc="http://schemas.openxmlformats.org/markup-compatibility/2006" xmlns:a14="http://schemas.microsoft.com/office/drawing/2010/main">
+        <mc:Choice Requires="a14">
           <p:sp>
             <p:nvSpPr>
               <p:cNvPr id="8" name="Content Placeholder 7"/>
@@ -5412,7 +5412,9 @@
                     <m:func>
                       <m:funcPr>
                         <m:ctrlPr>
-                          <a:rPr lang="zh-CN" altLang="zh-CN" i="1" smtClean="0"/>
+                          <a:rPr lang="zh-CN" altLang="zh-CN" i="1" smtClean="0">
+                            <a:latin typeface="Cambria Math"/>
+                          </a:rPr>
                         </m:ctrlPr>
                       </m:funcPr>
                       <m:fName>
@@ -5420,7 +5422,9 @@
                           <m:rPr>
                             <m:sty m:val="p"/>
                           </m:rPr>
-                          <a:rPr lang="en-US" altLang="zh-CN"/>
+                          <a:rPr lang="en-US" altLang="zh-CN">
+                            <a:latin typeface="Cambria Math"/>
+                          </a:rPr>
                           <m:t>Pr</m:t>
                         </m:r>
                       </m:fName>
@@ -5428,18 +5432,24 @@
                         <m:d>
                           <m:dPr>
                             <m:ctrlPr>
-                              <a:rPr lang="zh-CN" altLang="zh-CN" i="1"/>
+                              <a:rPr lang="zh-CN" altLang="zh-CN" i="1">
+                                <a:latin typeface="Cambria Math"/>
+                              </a:rPr>
                             </m:ctrlPr>
                           </m:dPr>
                           <m:e>
                             <m:r>
-                              <a:rPr lang="en-US" altLang="zh-CN" i="1"/>
+                              <a:rPr lang="en-US" altLang="zh-CN" i="1">
+                                <a:latin typeface="Cambria Math"/>
+                              </a:rPr>
                               <m:t>𝐴</m:t>
                             </m:r>
                           </m:e>
                           <m:e>
                             <m:r>
-                              <a:rPr lang="en-US" altLang="zh-CN" i="1"/>
+                              <a:rPr lang="en-US" altLang="zh-CN" i="1">
+                                <a:latin typeface="Cambria Math"/>
+                              </a:rPr>
                               <m:t>𝐵</m:t>
                             </m:r>
                           </m:e>
@@ -5447,13 +5457,17 @@
                       </m:e>
                     </m:func>
                     <m:r>
-                      <a:rPr lang="en-US" altLang="zh-CN" i="1"/>
+                      <a:rPr lang="en-US" altLang="zh-CN" i="1">
+                        <a:latin typeface="Cambria Math"/>
+                      </a:rPr>
                       <m:t>=</m:t>
                     </m:r>
                     <m:func>
                       <m:funcPr>
                         <m:ctrlPr>
-                          <a:rPr lang="zh-CN" altLang="zh-CN" i="1"/>
+                          <a:rPr lang="zh-CN" altLang="zh-CN" i="1">
+                            <a:latin typeface="Cambria Math"/>
+                          </a:rPr>
                         </m:ctrlPr>
                       </m:funcPr>
                       <m:fName>
@@ -5461,7 +5475,9 @@
                           <m:rPr>
                             <m:sty m:val="p"/>
                           </m:rPr>
-                          <a:rPr lang="en-US" altLang="zh-CN"/>
+                          <a:rPr lang="en-US" altLang="zh-CN">
+                            <a:latin typeface="Cambria Math"/>
+                          </a:rPr>
                           <m:t>Pr</m:t>
                         </m:r>
                       </m:fName>
@@ -5469,39 +5485,53 @@
                         <m:d>
                           <m:dPr>
                             <m:ctrlPr>
-                              <a:rPr lang="zh-CN" altLang="zh-CN" i="1"/>
+                              <a:rPr lang="zh-CN" altLang="zh-CN" i="1">
+                                <a:latin typeface="Cambria Math"/>
+                              </a:rPr>
                             </m:ctrlPr>
                           </m:dPr>
                           <m:e>
                             <m:r>
-                              <a:rPr lang="en-US" altLang="zh-CN" i="1"/>
+                              <a:rPr lang="en-US" altLang="zh-CN" i="1">
+                                <a:latin typeface="Cambria Math"/>
+                              </a:rPr>
                               <m:t>𝐵</m:t>
                             </m:r>
                             <m:r>
-                              <a:rPr lang="en-US" altLang="zh-CN" i="1"/>
+                              <a:rPr lang="en-US" altLang="zh-CN" i="1">
+                                <a:latin typeface="Cambria Math"/>
+                              </a:rPr>
                               <m:t>|</m:t>
                             </m:r>
                             <m:r>
-                              <a:rPr lang="en-US" altLang="zh-CN" i="1"/>
+                              <a:rPr lang="en-US" altLang="zh-CN" i="1">
+                                <a:latin typeface="Cambria Math"/>
+                              </a:rPr>
                               <m:t>𝐴</m:t>
                             </m:r>
                           </m:e>
                         </m:d>
                         <m:r>
-                          <a:rPr lang="en-US" altLang="zh-CN" i="1"/>
+                          <a:rPr lang="en-US" altLang="zh-CN" i="1">
+                            <a:latin typeface="Cambria Math"/>
+                          </a:rPr>
                           <m:t>∗</m:t>
                         </m:r>
                         <m:f>
                           <m:fPr>
                             <m:ctrlPr>
-                              <a:rPr lang="zh-CN" altLang="zh-CN" i="1"/>
+                              <a:rPr lang="zh-CN" altLang="zh-CN" i="1">
+                                <a:latin typeface="Cambria Math"/>
+                              </a:rPr>
                             </m:ctrlPr>
                           </m:fPr>
                           <m:num>
                             <m:func>
                               <m:funcPr>
                                 <m:ctrlPr>
-                                  <a:rPr lang="zh-CN" altLang="zh-CN" i="1"/>
+                                  <a:rPr lang="zh-CN" altLang="zh-CN" i="1">
+                                    <a:latin typeface="Cambria Math"/>
+                                  </a:rPr>
                                 </m:ctrlPr>
                               </m:funcPr>
                               <m:fName>
@@ -5509,7 +5539,9 @@
                                   <m:rPr>
                                     <m:sty m:val="p"/>
                                   </m:rPr>
-                                  <a:rPr lang="en-US" altLang="zh-CN"/>
+                                  <a:rPr lang="en-US" altLang="zh-CN">
+                                    <a:latin typeface="Cambria Math"/>
+                                  </a:rPr>
                                   <m:t>Pr</m:t>
                                 </m:r>
                               </m:fName>
@@ -5517,12 +5549,16 @@
                                 <m:d>
                                   <m:dPr>
                                     <m:ctrlPr>
-                                      <a:rPr lang="zh-CN" altLang="zh-CN" i="1"/>
+                                      <a:rPr lang="zh-CN" altLang="zh-CN" i="1">
+                                        <a:latin typeface="Cambria Math"/>
+                                      </a:rPr>
                                     </m:ctrlPr>
                                   </m:dPr>
                                   <m:e>
                                     <m:r>
-                                      <a:rPr lang="en-US" altLang="zh-CN" i="1"/>
+                                      <a:rPr lang="en-US" altLang="zh-CN" i="1">
+                                        <a:latin typeface="Cambria Math"/>
+                                      </a:rPr>
                                       <m:t>𝐴</m:t>
                                     </m:r>
                                   </m:e>
@@ -5535,19 +5571,27 @@
                               <m:rPr>
                                 <m:sty m:val="p"/>
                               </m:rPr>
-                              <a:rPr lang="en-US" altLang="zh-CN"/>
+                              <a:rPr lang="en-US" altLang="zh-CN">
+                                <a:latin typeface="Cambria Math"/>
+                              </a:rPr>
                               <m:t>Pr</m:t>
                             </m:r>
                             <m:r>
-                              <a:rPr lang="en-US" altLang="zh-CN" i="1"/>
+                              <a:rPr lang="en-US" altLang="zh-CN" i="1">
+                                <a:latin typeface="Cambria Math"/>
+                              </a:rPr>
                               <m:t>(</m:t>
                             </m:r>
                             <m:r>
-                              <a:rPr lang="en-US" altLang="zh-CN" i="1"/>
+                              <a:rPr lang="en-US" altLang="zh-CN" i="1">
+                                <a:latin typeface="Cambria Math"/>
+                              </a:rPr>
                               <m:t>𝐵</m:t>
                             </m:r>
                             <m:r>
-                              <a:rPr lang="en-US" altLang="zh-CN" i="1"/>
+                              <a:rPr lang="en-US" altLang="zh-CN" i="1">
+                                <a:latin typeface="Cambria Math"/>
+                              </a:rPr>
                               <m:t>)</m:t>
                             </m:r>
                           </m:den>
@@ -5578,7 +5622,9 @@
                     <m:func>
                       <m:funcPr>
                         <m:ctrlPr>
-                          <a:rPr lang="zh-CN" altLang="zh-CN" i="1"/>
+                          <a:rPr lang="zh-CN" altLang="zh-CN" i="1">
+                            <a:latin typeface="Cambria Math"/>
+                          </a:rPr>
                         </m:ctrlPr>
                       </m:funcPr>
                       <m:fName>
@@ -5586,7 +5632,9 @@
                           <m:rPr>
                             <m:sty m:val="p"/>
                           </m:rPr>
-                          <a:rPr lang="en-US" altLang="zh-CN"/>
+                          <a:rPr lang="en-US" altLang="zh-CN">
+                            <a:latin typeface="Cambria Math"/>
+                          </a:rPr>
                           <m:t>Pr</m:t>
                         </m:r>
                       </m:fName>
@@ -5594,18 +5642,24 @@
                         <m:d>
                           <m:dPr>
                             <m:ctrlPr>
-                              <a:rPr lang="zh-CN" altLang="zh-CN" i="1"/>
+                              <a:rPr lang="zh-CN" altLang="zh-CN" i="1">
+                                <a:latin typeface="Cambria Math"/>
+                              </a:rPr>
                             </m:ctrlPr>
                           </m:dPr>
                           <m:e>
                             <m:r>
-                              <a:rPr lang="en-US" altLang="zh-CN" i="1"/>
+                              <a:rPr lang="en-US" altLang="zh-CN" i="1">
+                                <a:latin typeface="Cambria Math"/>
+                              </a:rPr>
                               <m:t>𝐶𝑎𝑡</m:t>
                             </m:r>
                           </m:e>
                           <m:e>
                             <m:r>
-                              <a:rPr lang="en-US" altLang="zh-CN" i="1"/>
+                              <a:rPr lang="en-US" altLang="zh-CN" i="1">
+                                <a:latin typeface="Cambria Math"/>
+                              </a:rPr>
                               <m:t>𝐷𝑜𝑐</m:t>
                             </m:r>
                           </m:e>
@@ -5613,13 +5667,17 @@
                       </m:e>
                     </m:func>
                     <m:r>
-                      <a:rPr lang="en-US" altLang="zh-CN" i="1"/>
+                      <a:rPr lang="en-US" altLang="zh-CN" i="1">
+                        <a:latin typeface="Cambria Math"/>
+                      </a:rPr>
                       <m:t>=</m:t>
                     </m:r>
                     <m:func>
                       <m:funcPr>
                         <m:ctrlPr>
-                          <a:rPr lang="zh-CN" altLang="zh-CN" i="1"/>
+                          <a:rPr lang="zh-CN" altLang="zh-CN" i="1">
+                            <a:latin typeface="Cambria Math"/>
+                          </a:rPr>
                         </m:ctrlPr>
                       </m:funcPr>
                       <m:fName>
@@ -5627,7 +5685,9 @@
                           <m:rPr>
                             <m:sty m:val="p"/>
                           </m:rPr>
-                          <a:rPr lang="en-US" altLang="zh-CN"/>
+                          <a:rPr lang="en-US" altLang="zh-CN">
+                            <a:latin typeface="Cambria Math"/>
+                          </a:rPr>
                           <m:t>Pr</m:t>
                         </m:r>
                       </m:fName>
@@ -5635,39 +5695,53 @@
                         <m:d>
                           <m:dPr>
                             <m:ctrlPr>
-                              <a:rPr lang="zh-CN" altLang="zh-CN" i="1"/>
+                              <a:rPr lang="zh-CN" altLang="zh-CN" i="1">
+                                <a:latin typeface="Cambria Math"/>
+                              </a:rPr>
                             </m:ctrlPr>
                           </m:dPr>
                           <m:e>
                             <m:r>
-                              <a:rPr lang="en-US" altLang="zh-CN" i="1"/>
+                              <a:rPr lang="en-US" altLang="zh-CN" i="1">
+                                <a:latin typeface="Cambria Math"/>
+                              </a:rPr>
                               <m:t>𝐷𝑜𝑐</m:t>
                             </m:r>
                             <m:r>
-                              <a:rPr lang="en-US" altLang="zh-CN" i="1"/>
+                              <a:rPr lang="en-US" altLang="zh-CN" i="1">
+                                <a:latin typeface="Cambria Math"/>
+                              </a:rPr>
                               <m:t>|</m:t>
                             </m:r>
                             <m:r>
-                              <a:rPr lang="en-US" altLang="zh-CN" i="1"/>
+                              <a:rPr lang="en-US" altLang="zh-CN" i="1">
+                                <a:latin typeface="Cambria Math"/>
+                              </a:rPr>
                               <m:t>𝐶𝑎𝑡</m:t>
                             </m:r>
                           </m:e>
                         </m:d>
                         <m:r>
-                          <a:rPr lang="en-US" altLang="zh-CN" i="1"/>
+                          <a:rPr lang="en-US" altLang="zh-CN" i="1">
+                            <a:latin typeface="Cambria Math"/>
+                          </a:rPr>
                           <m:t>∗</m:t>
                         </m:r>
                         <m:f>
                           <m:fPr>
                             <m:ctrlPr>
-                              <a:rPr lang="zh-CN" altLang="zh-CN" i="1"/>
+                              <a:rPr lang="zh-CN" altLang="zh-CN" i="1">
+                                <a:latin typeface="Cambria Math"/>
+                              </a:rPr>
                             </m:ctrlPr>
                           </m:fPr>
                           <m:num>
                             <m:func>
                               <m:funcPr>
                                 <m:ctrlPr>
-                                  <a:rPr lang="zh-CN" altLang="zh-CN" i="1"/>
+                                  <a:rPr lang="zh-CN" altLang="zh-CN" i="1">
+                                    <a:latin typeface="Cambria Math"/>
+                                  </a:rPr>
                                 </m:ctrlPr>
                               </m:funcPr>
                               <m:fName>
@@ -5675,7 +5749,9 @@
                                   <m:rPr>
                                     <m:sty m:val="p"/>
                                   </m:rPr>
-                                  <a:rPr lang="en-US" altLang="zh-CN"/>
+                                  <a:rPr lang="en-US" altLang="zh-CN">
+                                    <a:latin typeface="Cambria Math"/>
+                                  </a:rPr>
                                   <m:t>Pr</m:t>
                                 </m:r>
                               </m:fName>
@@ -5683,12 +5759,16 @@
                                 <m:d>
                                   <m:dPr>
                                     <m:ctrlPr>
-                                      <a:rPr lang="zh-CN" altLang="zh-CN" i="1"/>
+                                      <a:rPr lang="zh-CN" altLang="zh-CN" i="1">
+                                        <a:latin typeface="Cambria Math"/>
+                                      </a:rPr>
                                     </m:ctrlPr>
                                   </m:dPr>
                                   <m:e>
                                     <m:r>
-                                      <a:rPr lang="en-US" altLang="zh-CN" i="1"/>
+                                      <a:rPr lang="en-US" altLang="zh-CN" i="1">
+                                        <a:latin typeface="Cambria Math"/>
+                                      </a:rPr>
                                       <m:t>𝐶𝑎𝑡</m:t>
                                     </m:r>
                                   </m:e>
@@ -5701,19 +5781,27 @@
                               <m:rPr>
                                 <m:sty m:val="p"/>
                               </m:rPr>
-                              <a:rPr lang="en-US" altLang="zh-CN"/>
+                              <a:rPr lang="en-US" altLang="zh-CN">
+                                <a:latin typeface="Cambria Math"/>
+                              </a:rPr>
                               <m:t>Pr</m:t>
                             </m:r>
                             <m:r>
-                              <a:rPr lang="en-US" altLang="zh-CN" i="1"/>
+                              <a:rPr lang="en-US" altLang="zh-CN" i="1">
+                                <a:latin typeface="Cambria Math"/>
+                              </a:rPr>
                               <m:t>(</m:t>
                             </m:r>
                             <m:r>
-                              <a:rPr lang="en-US" altLang="zh-CN" i="1"/>
+                              <a:rPr lang="en-US" altLang="zh-CN" i="1">
+                                <a:latin typeface="Cambria Math"/>
+                              </a:rPr>
                               <m:t>𝐷𝑜𝑐</m:t>
                             </m:r>
                             <m:r>
-                              <a:rPr lang="en-US" altLang="zh-CN" i="1"/>
+                              <a:rPr lang="en-US" altLang="zh-CN" i="1">
+                                <a:latin typeface="Cambria Math"/>
+                              </a:rPr>
                               <m:t>)</m:t>
                             </m:r>
                           </m:den>
@@ -5742,7 +5830,7 @@
             </p:txBody>
           </p:sp>
         </mc:Choice>
-        <mc:Fallback>
+        <mc:Fallback xmlns="">
           <p:sp>
             <p:nvSpPr>
               <p:cNvPr id="8" name="Content Placeholder 7"/>
@@ -5854,10 +5942,6 @@
               </a:rPr>
               <a:t>化</a:t>
             </a:r>
-            <a:endParaRPr lang="zh-CN" altLang="en-US" sz="3200" dirty="0">
-              <a:latin typeface="黑体" panose="02010609060101010101" pitchFamily="49" charset="-122"/>
-              <a:ea typeface="黑体" panose="02010609060101010101" pitchFamily="49" charset="-122"/>
-            </a:endParaRPr>
           </a:p>
         </p:txBody>
       </p:sp>
@@ -6002,8 +6086,8 @@
           </a:p>
         </p:txBody>
       </p:sp>
-      <mc:AlternateContent xmlns:mc="http://schemas.openxmlformats.org/markup-compatibility/2006">
-        <mc:Choice xmlns:a14="http://schemas.microsoft.com/office/drawing/2010/main" Requires="a14">
+      <mc:AlternateContent xmlns:mc="http://schemas.openxmlformats.org/markup-compatibility/2006" xmlns:a14="http://schemas.microsoft.com/office/drawing/2010/main">
+        <mc:Choice Requires="a14">
           <p:sp>
             <p:nvSpPr>
               <p:cNvPr id="8" name="Content Placeholder 7"/>
@@ -6029,62 +6113,86 @@
                 <a14:m>
                   <m:oMath xmlns:m="http://schemas.openxmlformats.org/officeDocument/2006/math">
                     <m:r>
-                      <a:rPr lang="en-US" altLang="zh-CN" sz="2600" i="1" smtClean="0"/>
+                      <a:rPr lang="en-US" altLang="zh-CN" sz="2600" i="1" smtClean="0">
+                        <a:latin typeface="Cambria Math"/>
+                      </a:rPr>
                       <m:t>𝑃</m:t>
                     </m:r>
                     <m:d>
                       <m:dPr>
                         <m:ctrlPr>
-                          <a:rPr lang="zh-CN" altLang="zh-CN" sz="2600" i="1"/>
+                          <a:rPr lang="zh-CN" altLang="zh-CN" sz="2600" i="1">
+                            <a:latin typeface="Cambria Math"/>
+                          </a:rPr>
                         </m:ctrlPr>
                       </m:dPr>
                       <m:e>
                         <m:r>
-                          <a:rPr lang="en-US" altLang="zh-CN" sz="2600" i="1"/>
+                          <a:rPr lang="en-US" altLang="zh-CN" sz="2600" i="1">
+                            <a:latin typeface="Cambria Math"/>
+                          </a:rPr>
                           <m:t>𝑐𝑎𝑡𝑒𝑔𝑜𝑟𝑦</m:t>
                         </m:r>
                       </m:e>
                     </m:d>
                     <m:r>
-                      <a:rPr lang="en-US" altLang="zh-CN" sz="2600" i="1"/>
+                      <a:rPr lang="en-US" altLang="zh-CN" sz="2600" i="1">
+                        <a:latin typeface="Cambria Math"/>
+                      </a:rPr>
                       <m:t>=</m:t>
                     </m:r>
                     <m:f>
                       <m:fPr>
                         <m:ctrlPr>
-                          <a:rPr lang="zh-CN" altLang="zh-CN" sz="2600" i="1"/>
+                          <a:rPr lang="zh-CN" altLang="zh-CN" sz="2600" i="1">
+                            <a:latin typeface="Cambria Math"/>
+                          </a:rPr>
                         </m:ctrlPr>
                       </m:fPr>
                       <m:num>
                         <m:r>
-                          <a:rPr lang="en-US" altLang="zh-CN" sz="2600" i="1"/>
+                          <a:rPr lang="en-US" altLang="zh-CN" sz="2600" i="1">
+                            <a:latin typeface="Cambria Math"/>
+                          </a:rPr>
                           <m:t>𝑡𝑜𝑡𝑎𝑙</m:t>
                         </m:r>
                         <m:d>
                           <m:dPr>
                             <m:ctrlPr>
-                              <a:rPr lang="zh-CN" altLang="zh-CN" sz="2600" i="1"/>
+                              <a:rPr lang="zh-CN" altLang="zh-CN" sz="2600" i="1">
+                                <a:latin typeface="Cambria Math"/>
+                              </a:rPr>
                             </m:ctrlPr>
                           </m:dPr>
                           <m:e>
                             <m:r>
-                              <a:rPr lang="en-US" altLang="zh-CN" sz="2600" i="1"/>
+                              <a:rPr lang="en-US" altLang="zh-CN" sz="2600" i="1">
+                                <a:latin typeface="Cambria Math"/>
+                              </a:rPr>
                               <m:t>𝑑𝑜𝑐𝑢𝑚𝑒𝑛𝑡𝑠</m:t>
                             </m:r>
                             <m:r>
-                              <a:rPr lang="en-US" altLang="zh-CN" sz="2600" i="1"/>
+                              <a:rPr lang="en-US" altLang="zh-CN" sz="2600" i="1">
+                                <a:latin typeface="Cambria Math"/>
+                              </a:rPr>
                               <m:t> </m:t>
                             </m:r>
                             <m:r>
-                              <a:rPr lang="en-US" altLang="zh-CN" sz="2600" i="1"/>
+                              <a:rPr lang="en-US" altLang="zh-CN" sz="2600" i="1">
+                                <a:latin typeface="Cambria Math"/>
+                              </a:rPr>
                               <m:t>𝑖𝑛</m:t>
                             </m:r>
                             <m:r>
-                              <a:rPr lang="en-US" altLang="zh-CN" sz="2600" i="1"/>
+                              <a:rPr lang="en-US" altLang="zh-CN" sz="2600" i="1">
+                                <a:latin typeface="Cambria Math"/>
+                              </a:rPr>
                               <m:t> </m:t>
                             </m:r>
                             <m:r>
-                              <a:rPr lang="en-US" altLang="zh-CN" sz="2600" i="1"/>
+                              <a:rPr lang="en-US" altLang="zh-CN" sz="2600" i="1">
+                                <a:latin typeface="Cambria Math"/>
+                              </a:rPr>
                               <m:t>𝑐𝑎𝑡𝑒𝑔𝑜𝑟𝑦</m:t>
                             </m:r>
                           </m:e>
@@ -6097,26 +6205,36 @@
                             <m:subHide m:val="on"/>
                             <m:supHide m:val="on"/>
                             <m:ctrlPr>
-                              <a:rPr lang="zh-CN" altLang="zh-CN" sz="2600" i="1"/>
+                              <a:rPr lang="zh-CN" altLang="zh-CN" sz="2600" i="1">
+                                <a:latin typeface="Cambria Math"/>
+                              </a:rPr>
                             </m:ctrlPr>
                           </m:naryPr>
                           <m:sub/>
                           <m:sup/>
                           <m:e>
                             <m:r>
-                              <a:rPr lang="en-US" altLang="zh-CN" sz="2600" i="1"/>
+                              <a:rPr lang="en-US" altLang="zh-CN" sz="2600" i="1">
+                                <a:latin typeface="Cambria Math"/>
+                              </a:rPr>
                               <m:t>𝑡𝑜𝑡𝑎𝑙</m:t>
                             </m:r>
                             <m:r>
-                              <a:rPr lang="en-US" altLang="zh-CN" sz="2600" i="1"/>
+                              <a:rPr lang="en-US" altLang="zh-CN" sz="2600" i="1">
+                                <a:latin typeface="Cambria Math"/>
+                              </a:rPr>
                               <m:t>(</m:t>
                             </m:r>
                             <m:r>
-                              <a:rPr lang="en-US" altLang="zh-CN" sz="2600" i="1"/>
+                              <a:rPr lang="en-US" altLang="zh-CN" sz="2600" i="1">
+                                <a:latin typeface="Cambria Math"/>
+                              </a:rPr>
                               <m:t>𝑑𝑜𝑐𝑢𝑚𝑒𝑛𝑡𝑠</m:t>
                             </m:r>
                             <m:r>
-                              <a:rPr lang="en-US" altLang="zh-CN" sz="2600" i="1"/>
+                              <a:rPr lang="en-US" altLang="zh-CN" sz="2600" i="1">
+                                <a:latin typeface="Cambria Math"/>
+                              </a:rPr>
                               <m:t>)</m:t>
                             </m:r>
                           </m:e>
@@ -6131,41 +6249,55 @@
                 <a14:m>
                   <m:oMath xmlns:m="http://schemas.openxmlformats.org/officeDocument/2006/math">
                     <m:r>
-                      <a:rPr lang="en-US" altLang="zh-CN" sz="2600" i="1"/>
+                      <a:rPr lang="en-US" altLang="zh-CN" sz="2600" i="1">
+                        <a:latin typeface="Cambria Math"/>
+                      </a:rPr>
                       <m:t>𝑃</m:t>
                     </m:r>
                     <m:d>
                       <m:dPr>
                         <m:ctrlPr>
-                          <a:rPr lang="zh-CN" altLang="zh-CN" sz="2600" i="1"/>
+                          <a:rPr lang="zh-CN" altLang="zh-CN" sz="2600" i="1">
+                            <a:latin typeface="Cambria Math"/>
+                          </a:rPr>
                         </m:ctrlPr>
                       </m:dPr>
                       <m:e>
                         <m:r>
-                          <a:rPr lang="en-US" altLang="zh-CN" sz="2600" i="1"/>
+                          <a:rPr lang="en-US" altLang="zh-CN" sz="2600" i="1">
+                            <a:latin typeface="Cambria Math"/>
+                          </a:rPr>
                           <m:t>𝑐𝑎𝑡𝑒𝑔𝑜𝑟𝑦</m:t>
                         </m:r>
                       </m:e>
                     </m:d>
                     <m:r>
-                      <a:rPr lang="en-US" altLang="zh-CN" sz="2600" i="1"/>
+                      <a:rPr lang="en-US" altLang="zh-CN" sz="2600" i="1">
+                        <a:latin typeface="Cambria Math"/>
+                      </a:rPr>
                       <m:t>=</m:t>
                     </m:r>
                     <m:f>
                       <m:fPr>
                         <m:ctrlPr>
-                          <a:rPr lang="zh-CN" altLang="zh-CN" sz="2600" i="1"/>
+                          <a:rPr lang="zh-CN" altLang="zh-CN" sz="2600" i="1">
+                            <a:latin typeface="Cambria Math"/>
+                          </a:rPr>
                         </m:ctrlPr>
                       </m:fPr>
                       <m:num>
                         <m:r>
-                          <a:rPr lang="en-US" altLang="zh-CN" sz="2600" i="1"/>
+                          <a:rPr lang="en-US" altLang="zh-CN" sz="2600" i="1">
+                            <a:latin typeface="Cambria Math"/>
+                          </a:rPr>
                           <m:t>𝑡𝑜𝑡𝑎𝑙</m:t>
                         </m:r>
                         <m:d>
                           <m:dPr>
                             <m:ctrlPr>
-                              <a:rPr lang="zh-CN" altLang="zh-CN" sz="2600" i="1"/>
+                              <a:rPr lang="zh-CN" altLang="zh-CN" sz="2600" i="1">
+                                <a:latin typeface="Cambria Math"/>
+                              </a:rPr>
                             </m:ctrlPr>
                           </m:dPr>
                           <m:e>
@@ -6183,6 +6315,7 @@
                                 <a:solidFill>
                                   <a:srgbClr val="FF0000"/>
                                 </a:solidFill>
+                                <a:latin typeface="Cambria Math"/>
                               </a:rPr>
                               <m:t> </m:t>
                             </m:r>
@@ -6191,6 +6324,7 @@
                                 <a:solidFill>
                                   <a:srgbClr val="FF0000"/>
                                 </a:solidFill>
+                                <a:latin typeface="Cambria Math"/>
                               </a:rPr>
                               <m:t>𝑖𝑛</m:t>
                             </m:r>
@@ -6199,6 +6333,7 @@
                                 <a:solidFill>
                                   <a:srgbClr val="FF0000"/>
                                 </a:solidFill>
+                                <a:latin typeface="Cambria Math"/>
                               </a:rPr>
                               <m:t> </m:t>
                             </m:r>
@@ -6207,6 +6342,7 @@
                                 <a:solidFill>
                                   <a:srgbClr val="FF0000"/>
                                 </a:solidFill>
+                                <a:latin typeface="Cambria Math"/>
                               </a:rPr>
                               <m:t>𝑐𝑎𝑡𝑒𝑔𝑜𝑟𝑦</m:t>
                             </m:r>
@@ -6220,18 +6356,24 @@
                             <m:subHide m:val="on"/>
                             <m:supHide m:val="on"/>
                             <m:ctrlPr>
-                              <a:rPr lang="zh-CN" altLang="zh-CN" sz="2600" i="1"/>
+                              <a:rPr lang="zh-CN" altLang="zh-CN" sz="2600" i="1">
+                                <a:latin typeface="Cambria Math"/>
+                              </a:rPr>
                             </m:ctrlPr>
                           </m:naryPr>
                           <m:sub/>
                           <m:sup/>
                           <m:e>
                             <m:r>
-                              <a:rPr lang="en-US" altLang="zh-CN" sz="2600" i="1"/>
+                              <a:rPr lang="en-US" altLang="zh-CN" sz="2600" i="1">
+                                <a:latin typeface="Cambria Math"/>
+                              </a:rPr>
                               <m:t>𝑡𝑜𝑡𝑎𝑙</m:t>
                             </m:r>
                             <m:r>
-                              <a:rPr lang="en-US" altLang="zh-CN" sz="2600" i="1"/>
+                              <a:rPr lang="en-US" altLang="zh-CN" sz="2600" i="1">
+                                <a:latin typeface="Cambria Math"/>
+                              </a:rPr>
                               <m:t>(</m:t>
                             </m:r>
                             <m:r>
@@ -6244,7 +6386,9 @@
                               <m:t>𝑤𝑜𝑟𝑑𝑠</m:t>
                             </m:r>
                             <m:r>
-                              <a:rPr lang="en-US" altLang="zh-CN" sz="2600" i="1"/>
+                              <a:rPr lang="en-US" altLang="zh-CN" sz="2600" i="1">
+                                <a:latin typeface="Cambria Math"/>
+                              </a:rPr>
                               <m:t>)</m:t>
                             </m:r>
                           </m:e>
@@ -6262,13 +6406,17 @@
                 <a14:m>
                   <m:oMath xmlns:m="http://schemas.openxmlformats.org/officeDocument/2006/math">
                     <m:r>
-                      <a:rPr lang="en-US" altLang="zh-CN" sz="2600" i="1"/>
+                      <a:rPr lang="en-US" altLang="zh-CN" sz="2600" i="1">
+                        <a:latin typeface="Cambria Math"/>
+                      </a:rPr>
                       <m:t>𝑃</m:t>
                     </m:r>
                     <m:d>
                       <m:dPr>
                         <m:ctrlPr>
-                          <a:rPr lang="zh-CN" altLang="zh-CN" sz="2600" i="1"/>
+                          <a:rPr lang="zh-CN" altLang="zh-CN" sz="2600" i="1">
+                            <a:latin typeface="Cambria Math"/>
+                          </a:rPr>
                         </m:ctrlPr>
                       </m:dPr>
                       <m:e>
@@ -6279,17 +6427,23 @@
                           <m:t>𝑤𝑜𝑟𝑑</m:t>
                         </m:r>
                         <m:r>
-                          <a:rPr lang="en-US" altLang="zh-CN" sz="2600" i="1"/>
+                          <a:rPr lang="en-US" altLang="zh-CN" sz="2600" i="1">
+                            <a:latin typeface="Cambria Math"/>
+                          </a:rPr>
                           <m:t>|</m:t>
                         </m:r>
                         <m:r>
-                          <a:rPr lang="en-US" altLang="zh-CN" sz="2600" i="1"/>
+                          <a:rPr lang="en-US" altLang="zh-CN" sz="2600" i="1">
+                            <a:latin typeface="Cambria Math"/>
+                          </a:rPr>
                           <m:t>𝑐𝑎𝑡𝑒𝑔𝑜𝑟𝑦</m:t>
                         </m:r>
                       </m:e>
                     </m:d>
                     <m:r>
-                      <a:rPr lang="en-US" altLang="zh-CN" sz="2600" i="1"/>
+                      <a:rPr lang="en-US" altLang="zh-CN" sz="2600" i="1">
+                        <a:latin typeface="Cambria Math"/>
+                      </a:rPr>
                       <m:t>=</m:t>
                     </m:r>
                     <m:f>
@@ -6451,18 +6605,24 @@
                 <a14:m>
                   <m:oMath xmlns:m="http://schemas.openxmlformats.org/officeDocument/2006/math">
                     <m:r>
-                      <a:rPr lang="en-US" altLang="zh-CN" sz="2600" i="1"/>
+                      <a:rPr lang="en-US" altLang="zh-CN" sz="2600" i="1">
+                        <a:latin typeface="Cambria Math"/>
+                      </a:rPr>
                       <m:t>𝑃</m:t>
                     </m:r>
                     <m:d>
                       <m:dPr>
                         <m:ctrlPr>
-                          <a:rPr lang="zh-CN" altLang="zh-CN" sz="2600" i="1"/>
+                          <a:rPr lang="zh-CN" altLang="zh-CN" sz="2600" i="1">
+                            <a:latin typeface="Cambria Math"/>
+                          </a:rPr>
                         </m:ctrlPr>
                       </m:dPr>
                       <m:e>
                         <m:r>
-                          <a:rPr lang="en-US" altLang="zh-CN" sz="2600" i="1"/>
+                          <a:rPr lang="en-US" altLang="zh-CN" sz="2600" i="1">
+                            <a:latin typeface="Cambria Math"/>
+                          </a:rPr>
                           <m:t>𝑤</m:t>
                         </m:r>
                         <m:r>
@@ -6472,34 +6632,46 @@
                           <m:t>𝑜𝑟𝑑</m:t>
                         </m:r>
                         <m:r>
-                          <a:rPr lang="en-US" altLang="zh-CN" sz="2600" i="1"/>
+                          <a:rPr lang="en-US" altLang="zh-CN" sz="2600" i="1">
+                            <a:latin typeface="Cambria Math"/>
+                          </a:rPr>
                           <m:t>|</m:t>
                         </m:r>
                         <m:r>
-                          <a:rPr lang="en-US" altLang="zh-CN" sz="2600" i="1"/>
+                          <a:rPr lang="en-US" altLang="zh-CN" sz="2600" i="1">
+                            <a:latin typeface="Cambria Math"/>
+                          </a:rPr>
                           <m:t>𝑐𝑎𝑡𝑒𝑔𝑜𝑟𝑦</m:t>
                         </m:r>
                       </m:e>
                     </m:d>
                     <m:r>
-                      <a:rPr lang="en-US" altLang="zh-CN" sz="2600" i="1"/>
+                      <a:rPr lang="en-US" altLang="zh-CN" sz="2600" i="1">
+                        <a:latin typeface="Cambria Math"/>
+                      </a:rPr>
                       <m:t>=</m:t>
                     </m:r>
                     <m:f>
                       <m:fPr>
                         <m:ctrlPr>
-                          <a:rPr lang="zh-CN" altLang="zh-CN" sz="2600" i="1"/>
+                          <a:rPr lang="zh-CN" altLang="zh-CN" sz="2600" i="1">
+                            <a:latin typeface="Cambria Math"/>
+                          </a:rPr>
                         </m:ctrlPr>
                       </m:fPr>
                       <m:num>
                         <m:r>
-                          <a:rPr lang="en-US" altLang="zh-CN" sz="2600" i="1"/>
+                          <a:rPr lang="en-US" altLang="zh-CN" sz="2600" i="1">
+                            <a:latin typeface="Cambria Math"/>
+                          </a:rPr>
                           <m:t>𝑡𝑜𝑡𝑎𝑙</m:t>
                         </m:r>
                         <m:d>
                           <m:dPr>
                             <m:ctrlPr>
-                              <a:rPr lang="zh-CN" altLang="zh-CN" sz="2600" i="1"/>
+                              <a:rPr lang="zh-CN" altLang="zh-CN" sz="2600" i="1">
+                                <a:latin typeface="Cambria Math"/>
+                              </a:rPr>
                             </m:ctrlPr>
                           </m:dPr>
                           <m:e>
@@ -6508,6 +6680,7 @@
                                 <a:solidFill>
                                   <a:srgbClr val="FF0000"/>
                                 </a:solidFill>
+                                <a:latin typeface="Cambria Math"/>
                               </a:rPr>
                               <m:t>𝑤</m:t>
                             </m:r>
@@ -6525,6 +6698,7 @@
                                 <a:solidFill>
                                   <a:srgbClr val="FF0000"/>
                                 </a:solidFill>
+                                <a:latin typeface="Cambria Math"/>
                               </a:rPr>
                               <m:t> </m:t>
                             </m:r>
@@ -6533,6 +6707,7 @@
                                 <a:solidFill>
                                   <a:srgbClr val="FF0000"/>
                                 </a:solidFill>
+                                <a:latin typeface="Cambria Math"/>
                               </a:rPr>
                               <m:t>𝑖𝑛</m:t>
                             </m:r>
@@ -6541,6 +6716,7 @@
                                 <a:solidFill>
                                   <a:srgbClr val="FF0000"/>
                                 </a:solidFill>
+                                <a:latin typeface="Cambria Math"/>
                               </a:rPr>
                               <m:t> </m:t>
                             </m:r>
@@ -6549,6 +6725,7 @@
                                 <a:solidFill>
                                   <a:srgbClr val="FF0000"/>
                                 </a:solidFill>
+                                <a:latin typeface="Cambria Math"/>
                               </a:rPr>
                               <m:t>𝑡h𝑖𝑠</m:t>
                             </m:r>
@@ -6557,6 +6734,7 @@
                                 <a:solidFill>
                                   <a:srgbClr val="FF0000"/>
                                 </a:solidFill>
+                                <a:latin typeface="Cambria Math"/>
                               </a:rPr>
                               <m:t> </m:t>
                             </m:r>
@@ -6565,6 +6743,7 @@
                                 <a:solidFill>
                                   <a:srgbClr val="FF0000"/>
                                 </a:solidFill>
+                                <a:latin typeface="Cambria Math"/>
                               </a:rPr>
                               <m:t>𝑐𝑎𝑡𝑒𝑔𝑜𝑟𝑦</m:t>
                             </m:r>
@@ -6573,11 +6752,15 @@
                       </m:num>
                       <m:den>
                         <m:r>
-                          <a:rPr lang="en-US" altLang="zh-CN" sz="2600" i="1"/>
+                          <a:rPr lang="en-US" altLang="zh-CN" sz="2600" i="1">
+                            <a:latin typeface="Cambria Math"/>
+                          </a:rPr>
                           <m:t>𝑡𝑜𝑡𝑎𝑙</m:t>
                         </m:r>
                         <m:r>
-                          <a:rPr lang="en-US" altLang="zh-CN" sz="2600" i="1"/>
+                          <a:rPr lang="en-US" altLang="zh-CN" sz="2600" i="1">
+                            <a:latin typeface="Cambria Math"/>
+                          </a:rPr>
                           <m:t>(</m:t>
                         </m:r>
                         <m:r>
@@ -6585,6 +6768,7 @@
                             <a:solidFill>
                               <a:srgbClr val="FF0000"/>
                             </a:solidFill>
+                            <a:latin typeface="Cambria Math"/>
                           </a:rPr>
                           <m:t>𝑤</m:t>
                         </m:r>
@@ -6602,6 +6786,7 @@
                             <a:solidFill>
                               <a:srgbClr val="FF0000"/>
                             </a:solidFill>
+                            <a:latin typeface="Cambria Math"/>
                           </a:rPr>
                           <m:t> </m:t>
                         </m:r>
@@ -6610,6 +6795,7 @@
                             <a:solidFill>
                               <a:srgbClr val="FF0000"/>
                             </a:solidFill>
+                            <a:latin typeface="Cambria Math"/>
                           </a:rPr>
                           <m:t>𝑖𝑛</m:t>
                         </m:r>
@@ -6618,6 +6804,7 @@
                             <a:solidFill>
                               <a:srgbClr val="FF0000"/>
                             </a:solidFill>
+                            <a:latin typeface="Cambria Math"/>
                           </a:rPr>
                           <m:t> </m:t>
                         </m:r>
@@ -6626,6 +6813,7 @@
                             <a:solidFill>
                               <a:srgbClr val="FF0000"/>
                             </a:solidFill>
+                            <a:latin typeface="Cambria Math"/>
                           </a:rPr>
                           <m:t>𝑎𝑙𝑙</m:t>
                         </m:r>
@@ -6634,6 +6822,7 @@
                             <a:solidFill>
                               <a:srgbClr val="FF0000"/>
                             </a:solidFill>
+                            <a:latin typeface="Cambria Math"/>
                           </a:rPr>
                           <m:t> </m:t>
                         </m:r>
@@ -6642,11 +6831,14 @@
                             <a:solidFill>
                               <a:srgbClr val="FF0000"/>
                             </a:solidFill>
+                            <a:latin typeface="Cambria Math"/>
                           </a:rPr>
                           <m:t>𝑐𝑎𝑡𝑒𝑔𝑜𝑟𝑦</m:t>
                         </m:r>
                         <m:r>
-                          <a:rPr lang="en-US" altLang="zh-CN" sz="2600" i="1"/>
+                          <a:rPr lang="en-US" altLang="zh-CN" sz="2600" i="1">
+                            <a:latin typeface="Cambria Math"/>
+                          </a:rPr>
                           <m:t>)</m:t>
                         </m:r>
                       </m:den>
@@ -6665,7 +6857,7 @@
             </p:txBody>
           </p:sp>
         </mc:Choice>
-        <mc:Fallback>
+        <mc:Fallback xmlns="">
           <p:sp>
             <p:nvSpPr>
               <p:cNvPr id="8" name="Content Placeholder 7"/>
@@ -6848,8 +7040,8 @@
           </a:extLst>
         </p:spPr>
       </p:pic>
-      <mc:AlternateContent xmlns:mc="http://schemas.openxmlformats.org/markup-compatibility/2006">
-        <mc:Choice xmlns:a14="http://schemas.microsoft.com/office/drawing/2010/main" Requires="a14">
+      <mc:AlternateContent xmlns:mc="http://schemas.openxmlformats.org/markup-compatibility/2006" xmlns:a14="http://schemas.microsoft.com/office/drawing/2010/main">
+        <mc:Choice Requires="a14">
           <p:sp>
             <p:nvSpPr>
               <p:cNvPr id="6" name="Content Placeholder 2"/>
@@ -7552,7 +7744,7 @@
             </p:txBody>
           </p:sp>
         </mc:Choice>
-        <mc:Fallback>
+        <mc:Fallback xmlns="">
           <p:sp>
             <p:nvSpPr>
               <p:cNvPr id="6" name="Content Placeholder 2"/>
@@ -10986,14 +11178,7 @@
                 <a:latin typeface="黑体" panose="02010609060101010101" pitchFamily="49" charset="-122"/>
                 <a:ea typeface="黑体" panose="02010609060101010101" pitchFamily="49" charset="-122"/>
               </a:rPr>
-              <a:t>研究目</a:t>
-            </a:r>
-            <a:r>
-              <a:rPr lang="zh-CN" altLang="zh-CN" sz="3200" dirty="0" smtClean="0">
-                <a:latin typeface="黑体" panose="02010609060101010101" pitchFamily="49" charset="-122"/>
-                <a:ea typeface="黑体" panose="02010609060101010101" pitchFamily="49" charset="-122"/>
-              </a:rPr>
-              <a:t>标</a:t>
+              <a:t>研究目标</a:t>
             </a:r>
             <a:endParaRPr lang="zh-CN" altLang="en-US" sz="3200" dirty="0">
               <a:latin typeface="黑体" panose="02010609060101010101" pitchFamily="49" charset="-122"/>
@@ -11295,21 +11480,7 @@
                 <a:latin typeface="黑体" panose="02010609060101010101" pitchFamily="49" charset="-122"/>
                 <a:ea typeface="黑体" panose="02010609060101010101" pitchFamily="49" charset="-122"/>
               </a:rPr>
-              <a:t>研</a:t>
-            </a:r>
-            <a:r>
-              <a:rPr lang="zh-CN" altLang="zh-CN" sz="3200" dirty="0" smtClean="0">
-                <a:latin typeface="黑体" panose="02010609060101010101" pitchFamily="49" charset="-122"/>
-                <a:ea typeface="黑体" panose="02010609060101010101" pitchFamily="49" charset="-122"/>
-              </a:rPr>
-              <a:t>究内</a:t>
-            </a:r>
-            <a:r>
-              <a:rPr lang="zh-CN" altLang="zh-CN" sz="3200" dirty="0" smtClean="0">
-                <a:latin typeface="黑体" panose="02010609060101010101" pitchFamily="49" charset="-122"/>
-                <a:ea typeface="黑体" panose="02010609060101010101" pitchFamily="49" charset="-122"/>
-              </a:rPr>
-              <a:t>容</a:t>
+              <a:t>研究内容</a:t>
             </a:r>
             <a:endParaRPr lang="zh-CN" altLang="en-US" sz="3200" dirty="0">
               <a:latin typeface="黑体" panose="02010609060101010101" pitchFamily="49" charset="-122"/>
@@ -12243,7 +12414,7 @@
           <a:graphicData uri="http://schemas.openxmlformats.org/presentationml/2006/ole">
             <mc:AlternateContent xmlns:mc="http://schemas.openxmlformats.org/markup-compatibility/2006">
               <mc:Choice xmlns:v="urn:schemas-microsoft-com:vml" Requires="v">
-                <p:oleObj spid="_x0000_s3254" name="Visio" r:id="rId4" imgW="6208668" imgH="2482743" progId="Visio.Drawing.11">
+                <p:oleObj spid="_x0000_s3256" name="Visio" r:id="rId4" imgW="6208668" imgH="2482743" progId="Visio.Drawing.11">
                   <p:embed/>
                 </p:oleObj>
               </mc:Choice>
@@ -12395,7 +12566,7 @@
           <a:graphicData uri="http://schemas.openxmlformats.org/presentationml/2006/ole">
             <mc:AlternateContent xmlns:mc="http://schemas.openxmlformats.org/markup-compatibility/2006">
               <mc:Choice xmlns:v="urn:schemas-microsoft-com:vml" Requires="v">
-                <p:oleObj spid="_x0000_s3255" name="Visio" r:id="rId6" imgW="6065109" imgH="2213250" progId="Visio.Drawing.11">
+                <p:oleObj spid="_x0000_s3257" name="Visio" r:id="rId6" imgW="6065109" imgH="2213250" progId="Visio.Drawing.11">
                   <p:embed/>
                 </p:oleObj>
               </mc:Choice>
